--- a/Nove prednasky/P7_PID_struktura.pptx
+++ b/Nove prednasky/P7_PID_struktura.pptx
@@ -6,32 +6,31 @@
   </p:sldMasterIdLst>
   <p:sldIdLst>
     <p:sldId id="263" r:id="rId2"/>
-    <p:sldId id="259" r:id="rId3"/>
-    <p:sldId id="265" r:id="rId4"/>
-    <p:sldId id="264" r:id="rId5"/>
-    <p:sldId id="266" r:id="rId6"/>
-    <p:sldId id="267" r:id="rId7"/>
-    <p:sldId id="268" r:id="rId8"/>
-    <p:sldId id="269" r:id="rId9"/>
-    <p:sldId id="270" r:id="rId10"/>
-    <p:sldId id="271" r:id="rId11"/>
-    <p:sldId id="272" r:id="rId12"/>
-    <p:sldId id="273" r:id="rId13"/>
-    <p:sldId id="278" r:id="rId14"/>
-    <p:sldId id="279" r:id="rId15"/>
-    <p:sldId id="280" r:id="rId16"/>
-    <p:sldId id="281" r:id="rId17"/>
-    <p:sldId id="274" r:id="rId18"/>
-    <p:sldId id="275" r:id="rId19"/>
-    <p:sldId id="276" r:id="rId20"/>
-    <p:sldId id="277" r:id="rId21"/>
-    <p:sldId id="282" r:id="rId22"/>
-    <p:sldId id="283" r:id="rId23"/>
-    <p:sldId id="284" r:id="rId24"/>
-    <p:sldId id="285" r:id="rId25"/>
-    <p:sldId id="286" r:id="rId26"/>
-    <p:sldId id="287" r:id="rId27"/>
-    <p:sldId id="288" r:id="rId28"/>
+    <p:sldId id="265" r:id="rId3"/>
+    <p:sldId id="264" r:id="rId4"/>
+    <p:sldId id="266" r:id="rId5"/>
+    <p:sldId id="267" r:id="rId6"/>
+    <p:sldId id="268" r:id="rId7"/>
+    <p:sldId id="269" r:id="rId8"/>
+    <p:sldId id="270" r:id="rId9"/>
+    <p:sldId id="271" r:id="rId10"/>
+    <p:sldId id="272" r:id="rId11"/>
+    <p:sldId id="273" r:id="rId12"/>
+    <p:sldId id="278" r:id="rId13"/>
+    <p:sldId id="279" r:id="rId14"/>
+    <p:sldId id="280" r:id="rId15"/>
+    <p:sldId id="281" r:id="rId16"/>
+    <p:sldId id="274" r:id="rId17"/>
+    <p:sldId id="275" r:id="rId18"/>
+    <p:sldId id="276" r:id="rId19"/>
+    <p:sldId id="277" r:id="rId20"/>
+    <p:sldId id="282" r:id="rId21"/>
+    <p:sldId id="283" r:id="rId22"/>
+    <p:sldId id="284" r:id="rId23"/>
+    <p:sldId id="285" r:id="rId24"/>
+    <p:sldId id="286" r:id="rId25"/>
+    <p:sldId id="287" r:id="rId26"/>
+    <p:sldId id="288" r:id="rId27"/>
   </p:sldIdLst>
   <p:sldSz cx="9144000" cy="6858000" type="screen4x3"/>
   <p:notesSz cx="6858000" cy="9144000"/>
@@ -424,7 +423,7 @@
           <a:p>
             <a:fld id="{B1F4BD78-2EC2-485B-A16B-A2D870866C74}" type="datetimeFigureOut">
               <a:rPr lang="sk-SK" smtClean="0"/>
-              <a:t>2. 6. 2019</a:t>
+              <a:t>4. 6. 2019</a:t>
             </a:fld>
             <a:endParaRPr lang="sk-SK"/>
           </a:p>
@@ -515,7 +514,7 @@
           <p:cNvPr id="11" name="Obrázok 10">
             <a:extLst>
               <a:ext uri="{FF2B5EF4-FFF2-40B4-BE49-F238E27FC236}">
-                <a16:creationId xmlns:a16="http://schemas.microsoft.com/office/drawing/2014/main" id="{D575F8E8-6CC8-49FD-8010-88908C002CDA}"/>
+                <a16:creationId xmlns:a16="http://schemas.microsoft.com/office/drawing/2014/main" xmlns="" id="{D575F8E8-6CC8-49FD-8010-88908C002CDA}"/>
               </a:ext>
             </a:extLst>
           </p:cNvPr>
@@ -551,7 +550,7 @@
           <p:cNvPr id="13" name="Obrázok 12">
             <a:extLst>
               <a:ext uri="{FF2B5EF4-FFF2-40B4-BE49-F238E27FC236}">
-                <a16:creationId xmlns:a16="http://schemas.microsoft.com/office/drawing/2014/main" id="{E0A78DBF-D0B2-42A5-9F1D-0CAC637C7D2D}"/>
+                <a16:creationId xmlns:a16="http://schemas.microsoft.com/office/drawing/2014/main" xmlns="" id="{E0A78DBF-D0B2-42A5-9F1D-0CAC637C7D2D}"/>
               </a:ext>
             </a:extLst>
           </p:cNvPr>
@@ -708,7 +707,7 @@
           <a:p>
             <a:fld id="{B1F4BD78-2EC2-485B-A16B-A2D870866C74}" type="datetimeFigureOut">
               <a:rPr lang="sk-SK" smtClean="0"/>
-              <a:t>2. 6. 2019</a:t>
+              <a:t>4. 6. 2019</a:t>
             </a:fld>
             <a:endParaRPr lang="sk-SK"/>
           </a:p>
@@ -1051,7 +1050,7 @@
           <a:p>
             <a:fld id="{B1F4BD78-2EC2-485B-A16B-A2D870866C74}" type="datetimeFigureOut">
               <a:rPr lang="sk-SK" smtClean="0"/>
-              <a:t>2. 6. 2019</a:t>
+              <a:t>4. 6. 2019</a:t>
             </a:fld>
             <a:endParaRPr lang="sk-SK"/>
           </a:p>
@@ -1326,7 +1325,7 @@
           <a:p>
             <a:fld id="{B1F4BD78-2EC2-485B-A16B-A2D870866C74}" type="datetimeFigureOut">
               <a:rPr lang="sk-SK" smtClean="0"/>
-              <a:t>2. 6. 2019</a:t>
+              <a:t>4. 6. 2019</a:t>
             </a:fld>
             <a:endParaRPr lang="sk-SK"/>
           </a:p>
@@ -1705,7 +1704,7 @@
           <a:p>
             <a:fld id="{B1F4BD78-2EC2-485B-A16B-A2D870866C74}" type="datetimeFigureOut">
               <a:rPr lang="sk-SK" smtClean="0"/>
-              <a:t>2. 6. 2019</a:t>
+              <a:t>4. 6. 2019</a:t>
             </a:fld>
             <a:endParaRPr lang="sk-SK"/>
           </a:p>
@@ -1823,7 +1822,7 @@
           <a:p>
             <a:fld id="{B1F4BD78-2EC2-485B-A16B-A2D870866C74}" type="datetimeFigureOut">
               <a:rPr lang="sk-SK" smtClean="0"/>
-              <a:t>2. 6. 2019</a:t>
+              <a:t>4. 6. 2019</a:t>
             </a:fld>
             <a:endParaRPr lang="sk-SK"/>
           </a:p>
@@ -1994,7 +1993,7 @@
           <a:p>
             <a:fld id="{B1F4BD78-2EC2-485B-A16B-A2D870866C74}" type="datetimeFigureOut">
               <a:rPr lang="sk-SK" smtClean="0"/>
-              <a:t>2. 6. 2019</a:t>
+              <a:t>4. 6. 2019</a:t>
             </a:fld>
             <a:endParaRPr lang="sk-SK"/>
           </a:p>
@@ -2348,7 +2347,7 @@
           <a:p>
             <a:fld id="{B1F4BD78-2EC2-485B-A16B-A2D870866C74}" type="datetimeFigureOut">
               <a:rPr lang="sk-SK" smtClean="0"/>
-              <a:t>2. 6. 2019</a:t>
+              <a:t>4. 6. 2019</a:t>
             </a:fld>
             <a:endParaRPr lang="sk-SK"/>
           </a:p>
@@ -2730,7 +2729,7 @@
           <a:p>
             <a:fld id="{B1F4BD78-2EC2-485B-A16B-A2D870866C74}" type="datetimeFigureOut">
               <a:rPr lang="sk-SK" smtClean="0"/>
-              <a:t>2. 6. 2019</a:t>
+              <a:t>4. 6. 2019</a:t>
             </a:fld>
             <a:endParaRPr lang="sk-SK"/>
           </a:p>
@@ -3025,7 +3024,7 @@
           <a:p>
             <a:fld id="{B1F4BD78-2EC2-485B-A16B-A2D870866C74}" type="datetimeFigureOut">
               <a:rPr lang="sk-SK" smtClean="0"/>
-              <a:t>2. 6. 2019</a:t>
+              <a:t>4. 6. 2019</a:t>
             </a:fld>
             <a:endParaRPr lang="sk-SK"/>
           </a:p>
@@ -3511,7 +3510,7 @@
           <p:cNvPr id="2" name="Nadpis 1">
             <a:extLst>
               <a:ext uri="{FF2B5EF4-FFF2-40B4-BE49-F238E27FC236}">
-                <a16:creationId xmlns:a16="http://schemas.microsoft.com/office/drawing/2014/main" id="{8C9FEECD-5BD9-4CA4-ACC1-DA9C1EDD96B6}"/>
+                <a16:creationId xmlns:a16="http://schemas.microsoft.com/office/drawing/2014/main" xmlns="" id="{8C9FEECD-5BD9-4CA4-ACC1-DA9C1EDD96B6}"/>
               </a:ext>
             </a:extLst>
           </p:cNvPr>
@@ -3548,7 +3547,7 @@
           <p:cNvPr id="3" name="Podnadpis 2">
             <a:extLst>
               <a:ext uri="{FF2B5EF4-FFF2-40B4-BE49-F238E27FC236}">
-                <a16:creationId xmlns:a16="http://schemas.microsoft.com/office/drawing/2014/main" id="{313B57F5-B394-40F1-BEAB-F5B71B2FEDE1}"/>
+                <a16:creationId xmlns:a16="http://schemas.microsoft.com/office/drawing/2014/main" xmlns="" id="{313B57F5-B394-40F1-BEAB-F5B71B2FEDE1}"/>
               </a:ext>
             </a:extLst>
           </p:cNvPr>
@@ -3620,7 +3619,7 @@
           <p:cNvPr id="2" name="Nadpis 1">
             <a:extLst>
               <a:ext uri="{FF2B5EF4-FFF2-40B4-BE49-F238E27FC236}">
-                <a16:creationId xmlns:a16="http://schemas.microsoft.com/office/drawing/2014/main" id="{8F6E9AC1-D804-417E-B814-B8163348A96C}"/>
+                <a16:creationId xmlns:a16="http://schemas.microsoft.com/office/drawing/2014/main" xmlns="" id="{4493402D-243B-47D1-8EE9-FB508A4FEFA5}"/>
               </a:ext>
             </a:extLst>
           </p:cNvPr>
@@ -3659,850 +3658,7 @@
           <p:cNvPr id="3" name="Zástupný objekt pre obsah 2">
             <a:extLst>
               <a:ext uri="{FF2B5EF4-FFF2-40B4-BE49-F238E27FC236}">
-                <a16:creationId xmlns:a16="http://schemas.microsoft.com/office/drawing/2014/main" id="{E5669B20-FA33-468F-983E-18A07BB04D34}"/>
-              </a:ext>
-            </a:extLst>
-          </p:cNvPr>
-          <p:cNvSpPr>
-            <a:spLocks noGrp="1"/>
-          </p:cNvSpPr>
-          <p:nvPr>
-            <p:ph idx="1"/>
-          </p:nvPr>
-        </p:nvSpPr>
-        <p:spPr>
-          <a:xfrm>
-            <a:off x="182881" y="1040446"/>
-            <a:ext cx="8567418" cy="5195254"/>
-          </a:xfrm>
-        </p:spPr>
-        <p:txBody>
-          <a:bodyPr/>
-          <a:lstStyle/>
-          <a:p>
-            <a:r>
-              <a:rPr lang="sk-SK" b="1" dirty="0"/>
-              <a:t>2. Vyšetríme aká môže byť kvalita regulácie</a:t>
-            </a:r>
-          </a:p>
-          <a:p>
-            <a:pPr lvl="1">
-              <a:lnSpc>
-                <a:spcPct val="100000"/>
-              </a:lnSpc>
-            </a:pPr>
-            <a:r>
-              <a:rPr lang="sk-SK" dirty="0"/>
-              <a:t>A) </a:t>
-            </a:r>
-            <a:r>
-              <a:rPr lang="sk-SK" u="sng" dirty="0"/>
-              <a:t>Kvalita regulácie v ustálených stavoch: </a:t>
-            </a:r>
-            <a:r>
-              <a:rPr lang="sk-SK" dirty="0">
-                <a:latin typeface="Calibri" panose="020F0502020204030204" pitchFamily="34" charset="0"/>
-              </a:rPr>
-              <a:t>c</a:t>
-            </a:r>
-            <a:r>
-              <a:rPr lang="en-US" dirty="0" err="1">
-                <a:latin typeface="Calibri" panose="020F0502020204030204" pitchFamily="34" charset="0"/>
-              </a:rPr>
-              <a:t>ie</a:t>
-            </a:r>
-            <a:r>
-              <a:rPr lang="sk-SK" dirty="0" err="1">
-                <a:latin typeface="Calibri" panose="020F0502020204030204" pitchFamily="34" charset="0"/>
-              </a:rPr>
-              <a:t>ľom</a:t>
-            </a:r>
-            <a:r>
-              <a:rPr lang="sk-SK" dirty="0">
-                <a:latin typeface="Calibri" panose="020F0502020204030204" pitchFamily="34" charset="0"/>
-              </a:rPr>
-              <a:t> je zistiť aká je dosiahnuteľná kvalita v ustálených stavoch, </a:t>
-            </a:r>
-            <a:r>
-              <a:rPr lang="sk-SK" dirty="0" err="1">
-                <a:latin typeface="Calibri" panose="020F0502020204030204" pitchFamily="34" charset="0"/>
-              </a:rPr>
-              <a:t>t.j</a:t>
-            </a:r>
-            <a:r>
-              <a:rPr lang="sk-SK" dirty="0">
-                <a:latin typeface="Calibri" panose="020F0502020204030204" pitchFamily="34" charset="0"/>
-              </a:rPr>
-              <a:t>. akú najmenšiu hodnotu môže dosiahnuť trvalá regulačná odchýlka, ktorá je:</a:t>
-            </a:r>
-            <a:endParaRPr lang="en-GB" dirty="0"/>
-          </a:p>
-        </p:txBody>
-      </p:sp>
-      <p:graphicFrame>
-        <p:nvGraphicFramePr>
-          <p:cNvPr id="4" name="Objekt 3">
-            <a:extLst>
-              <a:ext uri="{FF2B5EF4-FFF2-40B4-BE49-F238E27FC236}">
-                <a16:creationId xmlns:a16="http://schemas.microsoft.com/office/drawing/2014/main" id="{5E9B7860-B807-48BC-9B95-8B2C1107D02C}"/>
-              </a:ext>
-            </a:extLst>
-          </p:cNvPr>
-          <p:cNvGraphicFramePr>
-            <a:graphicFrameLocks noChangeAspect="1"/>
-          </p:cNvGraphicFramePr>
-          <p:nvPr>
-            <p:extLst>
-              <p:ext uri="{D42A27DB-BD31-4B8C-83A1-F6EECF244321}">
-                <p14:modId xmlns:p14="http://schemas.microsoft.com/office/powerpoint/2010/main" val="2309871653"/>
-              </p:ext>
-            </p:extLst>
-          </p:nvPr>
-        </p:nvGraphicFramePr>
-        <p:xfrm>
-          <a:off x="2313940" y="1943462"/>
-          <a:ext cx="2501900" cy="357188"/>
-        </p:xfrm>
-        <a:graphic>
-          <a:graphicData uri="http://schemas.openxmlformats.org/presentationml/2006/ole">
-            <mc:AlternateContent xmlns:mc="http://schemas.openxmlformats.org/markup-compatibility/2006">
-              <mc:Choice xmlns:v="urn:schemas-microsoft-com:vml" Requires="v">
-                <p:oleObj spid="_x0000_s4218" name="Equation" r:id="rId3" imgW="2501900" imgH="355600" progId="Equation.3">
-                  <p:embed/>
-                </p:oleObj>
-              </mc:Choice>
-              <mc:Fallback>
-                <p:oleObj name="Equation" r:id="rId3" imgW="2501900" imgH="355600" progId="Equation.3">
-                  <p:embed/>
-                  <p:pic>
-                    <p:nvPicPr>
-                      <p:cNvPr id="6" name="Objekt 5"/>
-                      <p:cNvPicPr>
-                        <a:picLocks noChangeAspect="1" noChangeArrowheads="1"/>
-                      </p:cNvPicPr>
-                      <p:nvPr/>
-                    </p:nvPicPr>
-                    <p:blipFill>
-                      <a:blip r:embed="rId4">
-                        <a:extLst>
-                          <a:ext uri="{28A0092B-C50C-407E-A947-70E740481C1C}">
-                            <a14:useLocalDpi xmlns:a14="http://schemas.microsoft.com/office/drawing/2010/main" val="0"/>
-                          </a:ext>
-                        </a:extLst>
-                      </a:blip>
-                      <a:srcRect/>
-                      <a:stretch>
-                        <a:fillRect/>
-                      </a:stretch>
-                    </p:blipFill>
-                    <p:spPr bwMode="auto">
-                      <a:xfrm>
-                        <a:off x="2313940" y="1943462"/>
-                        <a:ext cx="2501900" cy="357188"/>
-                      </a:xfrm>
-                      <a:prstGeom prst="rect">
-                        <a:avLst/>
-                      </a:prstGeom>
-                      <a:noFill/>
-                      <a:ln>
-                        <a:noFill/>
-                      </a:ln>
-                      <a:extLst>
-                        <a:ext uri="{909E8E84-426E-40DD-AFC4-6F175D3DCCD1}">
-                          <a14:hiddenFill xmlns:a14="http://schemas.microsoft.com/office/drawing/2010/main">
-                            <a:solidFill>
-                              <a:srgbClr val="FFFFFF"/>
-                            </a:solidFill>
-                          </a14:hiddenFill>
-                        </a:ext>
-                        <a:ext uri="{91240B29-F687-4F45-9708-019B960494DF}">
-                          <a14:hiddenLine xmlns:a14="http://schemas.microsoft.com/office/drawing/2010/main" w="9525">
-                            <a:solidFill>
-                              <a:srgbClr val="000000"/>
-                            </a:solidFill>
-                            <a:miter lim="800000"/>
-                            <a:headEnd/>
-                            <a:tailEnd/>
-                          </a14:hiddenLine>
-                        </a:ext>
-                      </a:extLst>
-                    </p:spPr>
-                  </p:pic>
-                </p:oleObj>
-              </mc:Fallback>
-            </mc:AlternateContent>
-          </a:graphicData>
-        </a:graphic>
-      </p:graphicFrame>
-      <p:graphicFrame>
-        <p:nvGraphicFramePr>
-          <p:cNvPr id="5" name="Objekt 4">
-            <a:extLst>
-              <a:ext uri="{FF2B5EF4-FFF2-40B4-BE49-F238E27FC236}">
-                <a16:creationId xmlns:a16="http://schemas.microsoft.com/office/drawing/2014/main" id="{F0448D73-2ECA-488E-9F3B-C1DCE04A9993}"/>
-              </a:ext>
-            </a:extLst>
-          </p:cNvPr>
-          <p:cNvGraphicFramePr>
-            <a:graphicFrameLocks noChangeAspect="1"/>
-          </p:cNvGraphicFramePr>
-          <p:nvPr>
-            <p:extLst>
-              <p:ext uri="{D42A27DB-BD31-4B8C-83A1-F6EECF244321}">
-                <p14:modId xmlns:p14="http://schemas.microsoft.com/office/powerpoint/2010/main" val="786463218"/>
-              </p:ext>
-            </p:extLst>
-          </p:nvPr>
-        </p:nvGraphicFramePr>
-        <p:xfrm>
-          <a:off x="182881" y="2420888"/>
-          <a:ext cx="4343400" cy="711200"/>
-        </p:xfrm>
-        <a:graphic>
-          <a:graphicData uri="http://schemas.openxmlformats.org/presentationml/2006/ole">
-            <mc:AlternateContent xmlns:mc="http://schemas.openxmlformats.org/markup-compatibility/2006">
-              <mc:Choice xmlns:v="urn:schemas-microsoft-com:vml" Requires="v">
-                <p:oleObj spid="_x0000_s4219" name="Rovnica" r:id="rId5" imgW="4343400" imgH="711000" progId="Equation.3">
-                  <p:embed/>
-                </p:oleObj>
-              </mc:Choice>
-              <mc:Fallback>
-                <p:oleObj name="Rovnica" r:id="rId5" imgW="4343400" imgH="711000" progId="Equation.3">
-                  <p:embed/>
-                  <p:pic>
-                    <p:nvPicPr>
-                      <p:cNvPr id="12" name="Objekt 11"/>
-                      <p:cNvPicPr>
-                        <a:picLocks noChangeAspect="1" noChangeArrowheads="1"/>
-                      </p:cNvPicPr>
-                      <p:nvPr/>
-                    </p:nvPicPr>
-                    <p:blipFill>
-                      <a:blip r:embed="rId6"/>
-                      <a:srcRect/>
-                      <a:stretch>
-                        <a:fillRect/>
-                      </a:stretch>
-                    </p:blipFill>
-                    <p:spPr bwMode="auto">
-                      <a:xfrm>
-                        <a:off x="182881" y="2420888"/>
-                        <a:ext cx="4343400" cy="711200"/>
-                      </a:xfrm>
-                      <a:prstGeom prst="rect">
-                        <a:avLst/>
-                      </a:prstGeom>
-                      <a:noFill/>
-                      <a:ln>
-                        <a:noFill/>
-                      </a:ln>
-                      <a:extLst/>
-                    </p:spPr>
-                  </p:pic>
-                </p:oleObj>
-              </mc:Fallback>
-            </mc:AlternateContent>
-          </a:graphicData>
-        </a:graphic>
-      </p:graphicFrame>
-      <p:sp>
-        <p:nvSpPr>
-          <p:cNvPr id="7" name="BlokTextu 6">
-            <a:extLst>
-              <a:ext uri="{FF2B5EF4-FFF2-40B4-BE49-F238E27FC236}">
-                <a16:creationId xmlns:a16="http://schemas.microsoft.com/office/drawing/2014/main" id="{D8B17C22-1C86-4071-8617-F0C416D14836}"/>
-              </a:ext>
-            </a:extLst>
-          </p:cNvPr>
-          <p:cNvSpPr txBox="1"/>
-          <p:nvPr/>
-        </p:nvSpPr>
-        <p:spPr>
-          <a:xfrm>
-            <a:off x="182881" y="3575677"/>
-            <a:ext cx="3744416" cy="400110"/>
-          </a:xfrm>
-          <a:prstGeom prst="rect">
-            <a:avLst/>
-          </a:prstGeom>
-          <a:noFill/>
-        </p:spPr>
-        <p:txBody>
-          <a:bodyPr wrap="square" rtlCol="0">
-            <a:spAutoFit/>
-          </a:bodyPr>
-          <a:lstStyle/>
-          <a:p>
-            <a:r>
-              <a:rPr lang="sk-SK" sz="2000" dirty="0">
-                <a:solidFill>
-                  <a:schemeClr val="tx1">
-                    <a:lumMod val="75000"/>
-                    <a:lumOff val="25000"/>
-                  </a:schemeClr>
-                </a:solidFill>
-              </a:rPr>
-              <a:t>Veta o konečnej hodnote:</a:t>
-            </a:r>
-          </a:p>
-        </p:txBody>
-      </p:sp>
-      <p:graphicFrame>
-        <p:nvGraphicFramePr>
-          <p:cNvPr id="8" name="Object 5">
-            <a:extLst>
-              <a:ext uri="{FF2B5EF4-FFF2-40B4-BE49-F238E27FC236}">
-                <a16:creationId xmlns:a16="http://schemas.microsoft.com/office/drawing/2014/main" id="{A88893E8-EE33-4035-977A-7D2380B07A75}"/>
-              </a:ext>
-            </a:extLst>
-          </p:cNvPr>
-          <p:cNvGraphicFramePr>
-            <a:graphicFrameLocks noChangeAspect="1"/>
-          </p:cNvGraphicFramePr>
-          <p:nvPr>
-            <p:extLst>
-              <p:ext uri="{D42A27DB-BD31-4B8C-83A1-F6EECF244321}">
-                <p14:modId xmlns:p14="http://schemas.microsoft.com/office/powerpoint/2010/main" val="1337126604"/>
-              </p:ext>
-            </p:extLst>
-          </p:nvPr>
-        </p:nvGraphicFramePr>
-        <p:xfrm>
-          <a:off x="3057705" y="3471456"/>
-          <a:ext cx="2159000" cy="762000"/>
-        </p:xfrm>
-        <a:graphic>
-          <a:graphicData uri="http://schemas.openxmlformats.org/presentationml/2006/ole">
-            <mc:AlternateContent xmlns:mc="http://schemas.openxmlformats.org/markup-compatibility/2006">
-              <mc:Choice xmlns:v="urn:schemas-microsoft-com:vml" Requires="v">
-                <p:oleObj spid="_x0000_s4220" name="Rovnica" r:id="rId7" imgW="2158920" imgH="761760" progId="Equation.3">
-                  <p:embed/>
-                </p:oleObj>
-              </mc:Choice>
-              <mc:Fallback>
-                <p:oleObj name="Rovnica" r:id="rId7" imgW="2158920" imgH="761760" progId="Equation.3">
-                  <p:embed/>
-                  <p:pic>
-                    <p:nvPicPr>
-                      <p:cNvPr id="16" name="Object 5"/>
-                      <p:cNvPicPr>
-                        <a:picLocks noChangeAspect="1" noChangeArrowheads="1"/>
-                      </p:cNvPicPr>
-                      <p:nvPr/>
-                    </p:nvPicPr>
-                    <p:blipFill>
-                      <a:blip r:embed="rId8">
-                        <a:extLst>
-                          <a:ext uri="{28A0092B-C50C-407E-A947-70E740481C1C}">
-                            <a14:useLocalDpi xmlns:a14="http://schemas.microsoft.com/office/drawing/2010/main" val="0"/>
-                          </a:ext>
-                        </a:extLst>
-                      </a:blip>
-                      <a:srcRect/>
-                      <a:stretch>
-                        <a:fillRect/>
-                      </a:stretch>
-                    </p:blipFill>
-                    <p:spPr bwMode="auto">
-                      <a:xfrm>
-                        <a:off x="3057705" y="3471456"/>
-                        <a:ext cx="2159000" cy="762000"/>
-                      </a:xfrm>
-                      <a:prstGeom prst="rect">
-                        <a:avLst/>
-                      </a:prstGeom>
-                      <a:noFill/>
-                      <a:ln w="12700">
-                        <a:solidFill>
-                          <a:srgbClr val="FF0000"/>
-                        </a:solidFill>
-                        <a:miter lim="800000"/>
-                        <a:headEnd/>
-                        <a:tailEnd/>
-                      </a:ln>
-                      <a:extLst>
-                        <a:ext uri="{909E8E84-426E-40DD-AFC4-6F175D3DCCD1}">
-                          <a14:hiddenFill xmlns:a14="http://schemas.microsoft.com/office/drawing/2010/main">
-                            <a:solidFill>
-                              <a:srgbClr val="FFFFFF"/>
-                            </a:solidFill>
-                          </a14:hiddenFill>
-                        </a:ext>
-                      </a:extLst>
-                    </p:spPr>
-                  </p:pic>
-                </p:oleObj>
-              </mc:Fallback>
-            </mc:AlternateContent>
-          </a:graphicData>
-        </a:graphic>
-      </p:graphicFrame>
-      <p:graphicFrame>
-        <p:nvGraphicFramePr>
-          <p:cNvPr id="9" name="Objekt 8">
-            <a:extLst>
-              <a:ext uri="{FF2B5EF4-FFF2-40B4-BE49-F238E27FC236}">
-                <a16:creationId xmlns:a16="http://schemas.microsoft.com/office/drawing/2014/main" id="{54208539-3C77-4DE1-9EB7-FCC79C883512}"/>
-              </a:ext>
-            </a:extLst>
-          </p:cNvPr>
-          <p:cNvGraphicFramePr>
-            <a:graphicFrameLocks noChangeAspect="1"/>
-          </p:cNvGraphicFramePr>
-          <p:nvPr>
-            <p:extLst>
-              <p:ext uri="{D42A27DB-BD31-4B8C-83A1-F6EECF244321}">
-                <p14:modId xmlns:p14="http://schemas.microsoft.com/office/powerpoint/2010/main" val="3920553445"/>
-              </p:ext>
-            </p:extLst>
-          </p:nvPr>
-        </p:nvGraphicFramePr>
-        <p:xfrm>
-          <a:off x="5794553" y="3471456"/>
-          <a:ext cx="2400300" cy="711200"/>
-        </p:xfrm>
-        <a:graphic>
-          <a:graphicData uri="http://schemas.openxmlformats.org/presentationml/2006/ole">
-            <mc:AlternateContent xmlns:mc="http://schemas.openxmlformats.org/markup-compatibility/2006">
-              <mc:Choice xmlns:v="urn:schemas-microsoft-com:vml" Requires="v">
-                <p:oleObj spid="_x0000_s4221" name="Rovnica" r:id="rId9" imgW="2400120" imgH="711000" progId="Equation.3">
-                  <p:embed/>
-                </p:oleObj>
-              </mc:Choice>
-              <mc:Fallback>
-                <p:oleObj name="Rovnica" r:id="rId9" imgW="2400120" imgH="711000" progId="Equation.3">
-                  <p:embed/>
-                  <p:pic>
-                    <p:nvPicPr>
-                      <p:cNvPr id="9" name="Objekt 8"/>
-                      <p:cNvPicPr>
-                        <a:picLocks noChangeAspect="1" noChangeArrowheads="1"/>
-                      </p:cNvPicPr>
-                      <p:nvPr/>
-                    </p:nvPicPr>
-                    <p:blipFill>
-                      <a:blip r:embed="rId10"/>
-                      <a:srcRect/>
-                      <a:stretch>
-                        <a:fillRect/>
-                      </a:stretch>
-                    </p:blipFill>
-                    <p:spPr bwMode="auto">
-                      <a:xfrm>
-                        <a:off x="5794553" y="3471456"/>
-                        <a:ext cx="2400300" cy="711200"/>
-                      </a:xfrm>
-                      <a:prstGeom prst="rect">
-                        <a:avLst/>
-                      </a:prstGeom>
-                      <a:noFill/>
-                      <a:ln>
-                        <a:noFill/>
-                      </a:ln>
-                      <a:extLst>
-                        <a:ext uri="{909E8E84-426E-40DD-AFC4-6F175D3DCCD1}">
-                          <a14:hiddenFill xmlns:a14="http://schemas.microsoft.com/office/drawing/2010/main">
-                            <a:solidFill>
-                              <a:srgbClr val="FFFFFF"/>
-                            </a:solidFill>
-                          </a14:hiddenFill>
-                        </a:ext>
-                        <a:ext uri="{91240B29-F687-4F45-9708-019B960494DF}">
-                          <a14:hiddenLine xmlns:a14="http://schemas.microsoft.com/office/drawing/2010/main" w="9525">
-                            <a:solidFill>
-                              <a:srgbClr val="000000"/>
-                            </a:solidFill>
-                            <a:miter lim="800000"/>
-                            <a:headEnd/>
-                            <a:tailEnd/>
-                          </a14:hiddenLine>
-                        </a:ext>
-                      </a:extLst>
-                    </p:spPr>
-                  </p:pic>
-                </p:oleObj>
-              </mc:Fallback>
-            </mc:AlternateContent>
-          </a:graphicData>
-        </a:graphic>
-      </p:graphicFrame>
-      <p:graphicFrame>
-        <p:nvGraphicFramePr>
-          <p:cNvPr id="10" name="Objekt 9">
-            <a:extLst>
-              <a:ext uri="{FF2B5EF4-FFF2-40B4-BE49-F238E27FC236}">
-                <a16:creationId xmlns:a16="http://schemas.microsoft.com/office/drawing/2014/main" id="{5FBEB22D-80FD-474B-A189-4D96AB853DEB}"/>
-              </a:ext>
-            </a:extLst>
-          </p:cNvPr>
-          <p:cNvGraphicFramePr>
-            <a:graphicFrameLocks noChangeAspect="1"/>
-          </p:cNvGraphicFramePr>
-          <p:nvPr>
-            <p:extLst>
-              <p:ext uri="{D42A27DB-BD31-4B8C-83A1-F6EECF244321}">
-                <p14:modId xmlns:p14="http://schemas.microsoft.com/office/powerpoint/2010/main" val="770478159"/>
-              </p:ext>
-            </p:extLst>
-          </p:nvPr>
-        </p:nvGraphicFramePr>
-        <p:xfrm>
-          <a:off x="243839" y="4724743"/>
-          <a:ext cx="4140201" cy="762000"/>
-        </p:xfrm>
-        <a:graphic>
-          <a:graphicData uri="http://schemas.openxmlformats.org/presentationml/2006/ole">
-            <mc:AlternateContent xmlns:mc="http://schemas.openxmlformats.org/markup-compatibility/2006">
-              <mc:Choice xmlns:v="urn:schemas-microsoft-com:vml" Requires="v">
-                <p:oleObj spid="_x0000_s4222" name="Rovnica" r:id="rId11" imgW="4140000" imgH="761760" progId="Equation.3">
-                  <p:embed/>
-                </p:oleObj>
-              </mc:Choice>
-              <mc:Fallback>
-                <p:oleObj name="Rovnica" r:id="rId11" imgW="4140000" imgH="761760" progId="Equation.3">
-                  <p:embed/>
-                  <p:pic>
-                    <p:nvPicPr>
-                      <p:cNvPr id="14" name="Objekt 13"/>
-                      <p:cNvPicPr/>
-                      <p:nvPr/>
-                    </p:nvPicPr>
-                    <p:blipFill>
-                      <a:blip r:embed="rId12"/>
-                      <a:stretch>
-                        <a:fillRect/>
-                      </a:stretch>
-                    </p:blipFill>
-                    <p:spPr>
-                      <a:xfrm>
-                        <a:off x="243839" y="4724743"/>
-                        <a:ext cx="4140201" cy="762000"/>
-                      </a:xfrm>
-                      <a:prstGeom prst="rect">
-                        <a:avLst/>
-                      </a:prstGeom>
-                    </p:spPr>
-                  </p:pic>
-                </p:oleObj>
-              </mc:Fallback>
-            </mc:AlternateContent>
-          </a:graphicData>
-        </a:graphic>
-      </p:graphicFrame>
-      <p:graphicFrame>
-        <p:nvGraphicFramePr>
-          <p:cNvPr id="11" name="Objekt 10">
-            <a:extLst>
-              <a:ext uri="{FF2B5EF4-FFF2-40B4-BE49-F238E27FC236}">
-                <a16:creationId xmlns:a16="http://schemas.microsoft.com/office/drawing/2014/main" id="{174641E2-E304-45C6-AC1F-E375081635EC}"/>
-              </a:ext>
-            </a:extLst>
-          </p:cNvPr>
-          <p:cNvGraphicFramePr>
-            <a:graphicFrameLocks noChangeAspect="1"/>
-          </p:cNvGraphicFramePr>
-          <p:nvPr>
-            <p:extLst>
-              <p:ext uri="{D42A27DB-BD31-4B8C-83A1-F6EECF244321}">
-                <p14:modId xmlns:p14="http://schemas.microsoft.com/office/powerpoint/2010/main" val="3635865345"/>
-              </p:ext>
-            </p:extLst>
-          </p:nvPr>
-        </p:nvGraphicFramePr>
-        <p:xfrm>
-          <a:off x="243839" y="5696254"/>
-          <a:ext cx="3517900" cy="850900"/>
-        </p:xfrm>
-        <a:graphic>
-          <a:graphicData uri="http://schemas.openxmlformats.org/presentationml/2006/ole">
-            <mc:AlternateContent xmlns:mc="http://schemas.openxmlformats.org/markup-compatibility/2006">
-              <mc:Choice xmlns:v="urn:schemas-microsoft-com:vml" Requires="v">
-                <p:oleObj spid="_x0000_s4223" name="Rovnica" r:id="rId13" imgW="3517560" imgH="850680" progId="Equation.3">
-                  <p:embed/>
-                </p:oleObj>
-              </mc:Choice>
-              <mc:Fallback>
-                <p:oleObj name="Rovnica" r:id="rId13" imgW="3517560" imgH="850680" progId="Equation.3">
-                  <p:embed/>
-                  <p:pic>
-                    <p:nvPicPr>
-                      <p:cNvPr id="11" name="Objekt 10"/>
-                      <p:cNvPicPr>
-                        <a:picLocks noChangeAspect="1" noChangeArrowheads="1"/>
-                      </p:cNvPicPr>
-                      <p:nvPr/>
-                    </p:nvPicPr>
-                    <p:blipFill>
-                      <a:blip r:embed="rId14"/>
-                      <a:srcRect/>
-                      <a:stretch>
-                        <a:fillRect/>
-                      </a:stretch>
-                    </p:blipFill>
-                    <p:spPr bwMode="auto">
-                      <a:xfrm>
-                        <a:off x="243839" y="5696254"/>
-                        <a:ext cx="3517900" cy="850900"/>
-                      </a:xfrm>
-                      <a:prstGeom prst="rect">
-                        <a:avLst/>
-                      </a:prstGeom>
-                      <a:noFill/>
-                      <a:ln>
-                        <a:noFill/>
-                      </a:ln>
-                      <a:extLst>
-                        <a:ext uri="{909E8E84-426E-40DD-AFC4-6F175D3DCCD1}">
-                          <a14:hiddenFill xmlns:a14="http://schemas.microsoft.com/office/drawing/2010/main">
-                            <a:solidFill>
-                              <a:srgbClr val="FFFFFF"/>
-                            </a:solidFill>
-                          </a14:hiddenFill>
-                        </a:ext>
-                        <a:ext uri="{91240B29-F687-4F45-9708-019B960494DF}">
-                          <a14:hiddenLine xmlns:a14="http://schemas.microsoft.com/office/drawing/2010/main" w="9525">
-                            <a:solidFill>
-                              <a:srgbClr val="000000"/>
-                            </a:solidFill>
-                            <a:miter lim="800000"/>
-                            <a:headEnd/>
-                            <a:tailEnd/>
-                          </a14:hiddenLine>
-                        </a:ext>
-                      </a:extLst>
-                    </p:spPr>
-                  </p:pic>
-                </p:oleObj>
-              </mc:Fallback>
-            </mc:AlternateContent>
-          </a:graphicData>
-        </a:graphic>
-      </p:graphicFrame>
-      <p:graphicFrame>
-        <p:nvGraphicFramePr>
-          <p:cNvPr id="12" name="Objekt 11">
-            <a:extLst>
-              <a:ext uri="{FF2B5EF4-FFF2-40B4-BE49-F238E27FC236}">
-                <a16:creationId xmlns:a16="http://schemas.microsoft.com/office/drawing/2014/main" id="{16798A20-BA79-4644-B810-901FFBE5C45C}"/>
-              </a:ext>
-            </a:extLst>
-          </p:cNvPr>
-          <p:cNvGraphicFramePr>
-            <a:graphicFrameLocks noChangeAspect="1"/>
-          </p:cNvGraphicFramePr>
-          <p:nvPr>
-            <p:extLst>
-              <p:ext uri="{D42A27DB-BD31-4B8C-83A1-F6EECF244321}">
-                <p14:modId xmlns:p14="http://schemas.microsoft.com/office/powerpoint/2010/main" val="596187579"/>
-              </p:ext>
-            </p:extLst>
-          </p:nvPr>
-        </p:nvGraphicFramePr>
-        <p:xfrm>
-          <a:off x="5144770" y="5486743"/>
-          <a:ext cx="3467100" cy="328612"/>
-        </p:xfrm>
-        <a:graphic>
-          <a:graphicData uri="http://schemas.openxmlformats.org/presentationml/2006/ole">
-            <mc:AlternateContent xmlns:mc="http://schemas.openxmlformats.org/markup-compatibility/2006">
-              <mc:Choice xmlns:v="urn:schemas-microsoft-com:vml" Requires="v">
-                <p:oleObj spid="_x0000_s4224" name="Rovnica" r:id="rId15" imgW="3466800" imgH="330120" progId="Equation.3">
-                  <p:embed/>
-                </p:oleObj>
-              </mc:Choice>
-              <mc:Fallback>
-                <p:oleObj name="Rovnica" r:id="rId15" imgW="3466800" imgH="330120" progId="Equation.3">
-                  <p:embed/>
-                  <p:pic>
-                    <p:nvPicPr>
-                      <p:cNvPr id="5" name="Objekt 4"/>
-                      <p:cNvPicPr>
-                        <a:picLocks noChangeAspect="1" noChangeArrowheads="1"/>
-                      </p:cNvPicPr>
-                      <p:nvPr/>
-                    </p:nvPicPr>
-                    <p:blipFill>
-                      <a:blip r:embed="rId16"/>
-                      <a:srcRect/>
-                      <a:stretch>
-                        <a:fillRect/>
-                      </a:stretch>
-                    </p:blipFill>
-                    <p:spPr bwMode="auto">
-                      <a:xfrm>
-                        <a:off x="5144770" y="5486743"/>
-                        <a:ext cx="3467100" cy="328612"/>
-                      </a:xfrm>
-                      <a:prstGeom prst="rect">
-                        <a:avLst/>
-                      </a:prstGeom>
-                      <a:noFill/>
-                      <a:ln>
-                        <a:noFill/>
-                      </a:ln>
-                      <a:extLst/>
-                    </p:spPr>
-                  </p:pic>
-                </p:oleObj>
-              </mc:Fallback>
-            </mc:AlternateContent>
-          </a:graphicData>
-        </a:graphic>
-      </p:graphicFrame>
-      <p:graphicFrame>
-        <p:nvGraphicFramePr>
-          <p:cNvPr id="13" name="Objekt 12">
-            <a:extLst>
-              <a:ext uri="{FF2B5EF4-FFF2-40B4-BE49-F238E27FC236}">
-                <a16:creationId xmlns:a16="http://schemas.microsoft.com/office/drawing/2014/main" id="{B09F1E9E-CF48-4BB6-A5EC-3E05DB8D79F4}"/>
-              </a:ext>
-            </a:extLst>
-          </p:cNvPr>
-          <p:cNvGraphicFramePr>
-            <a:graphicFrameLocks noChangeAspect="1"/>
-          </p:cNvGraphicFramePr>
-          <p:nvPr>
-            <p:extLst>
-              <p:ext uri="{D42A27DB-BD31-4B8C-83A1-F6EECF244321}">
-                <p14:modId xmlns:p14="http://schemas.microsoft.com/office/powerpoint/2010/main" val="603500942"/>
-              </p:ext>
-            </p:extLst>
-          </p:nvPr>
-        </p:nvGraphicFramePr>
-        <p:xfrm>
-          <a:off x="5144770" y="6046940"/>
-          <a:ext cx="1117600" cy="344487"/>
-        </p:xfrm>
-        <a:graphic>
-          <a:graphicData uri="http://schemas.openxmlformats.org/presentationml/2006/ole">
-            <mc:AlternateContent xmlns:mc="http://schemas.openxmlformats.org/markup-compatibility/2006">
-              <mc:Choice xmlns:v="urn:schemas-microsoft-com:vml" Requires="v">
-                <p:oleObj spid="_x0000_s4225" name="Rovnica" r:id="rId17" imgW="1117115" imgH="342751" progId="Equation.3">
-                  <p:embed/>
-                </p:oleObj>
-              </mc:Choice>
-              <mc:Fallback>
-                <p:oleObj name="Rovnica" r:id="rId17" imgW="1117115" imgH="342751" progId="Equation.3">
-                  <p:embed/>
-                  <p:pic>
-                    <p:nvPicPr>
-                      <p:cNvPr id="3" name="Objekt 2"/>
-                      <p:cNvPicPr>
-                        <a:picLocks noChangeAspect="1" noChangeArrowheads="1"/>
-                      </p:cNvPicPr>
-                      <p:nvPr/>
-                    </p:nvPicPr>
-                    <p:blipFill>
-                      <a:blip r:embed="rId18">
-                        <a:extLst>
-                          <a:ext uri="{28A0092B-C50C-407E-A947-70E740481C1C}">
-                            <a14:useLocalDpi xmlns:a14="http://schemas.microsoft.com/office/drawing/2010/main" val="0"/>
-                          </a:ext>
-                        </a:extLst>
-                      </a:blip>
-                      <a:srcRect/>
-                      <a:stretch>
-                        <a:fillRect/>
-                      </a:stretch>
-                    </p:blipFill>
-                    <p:spPr bwMode="auto">
-                      <a:xfrm>
-                        <a:off x="5144770" y="6046940"/>
-                        <a:ext cx="1117600" cy="344487"/>
-                      </a:xfrm>
-                      <a:prstGeom prst="rect">
-                        <a:avLst/>
-                      </a:prstGeom>
-                      <a:solidFill>
-                        <a:srgbClr val="00B0F0"/>
-                      </a:solidFill>
-                      <a:ln>
-                        <a:noFill/>
-                      </a:ln>
-                      <a:extLst/>
-                    </p:spPr>
-                  </p:pic>
-                </p:oleObj>
-              </mc:Fallback>
-            </mc:AlternateContent>
-          </a:graphicData>
-        </a:graphic>
-      </p:graphicFrame>
-    </p:spTree>
-    <p:extLst>
-      <p:ext uri="{BB962C8B-B14F-4D97-AF65-F5344CB8AC3E}">
-        <p14:creationId xmlns:p14="http://schemas.microsoft.com/office/powerpoint/2010/main" val="41202401"/>
-      </p:ext>
-    </p:extLst>
-  </p:cSld>
-  <p:clrMapOvr>
-    <a:masterClrMapping/>
-  </p:clrMapOvr>
-</p:sld>
-</file>
-
-<file path=ppt/slides/slide11.xml><?xml version="1.0" encoding="utf-8"?>
-<p:sld xmlns:a="http://schemas.openxmlformats.org/drawingml/2006/main" xmlns:r="http://schemas.openxmlformats.org/officeDocument/2006/relationships" xmlns:p="http://schemas.openxmlformats.org/presentationml/2006/main">
-  <p:cSld>
-    <p:spTree>
-      <p:nvGrpSpPr>
-        <p:cNvPr id="1" name=""/>
-        <p:cNvGrpSpPr/>
-        <p:nvPr/>
-      </p:nvGrpSpPr>
-      <p:grpSpPr>
-        <a:xfrm>
-          <a:off x="0" y="0"/>
-          <a:ext cx="0" cy="0"/>
-          <a:chOff x="0" y="0"/>
-          <a:chExt cx="0" cy="0"/>
-        </a:xfrm>
-      </p:grpSpPr>
-      <p:sp>
-        <p:nvSpPr>
-          <p:cNvPr id="2" name="Nadpis 1">
-            <a:extLst>
-              <a:ext uri="{FF2B5EF4-FFF2-40B4-BE49-F238E27FC236}">
-                <a16:creationId xmlns:a16="http://schemas.microsoft.com/office/drawing/2014/main" id="{4493402D-243B-47D1-8EE9-FB508A4FEFA5}"/>
-              </a:ext>
-            </a:extLst>
-          </p:cNvPr>
-          <p:cNvSpPr>
-            <a:spLocks noGrp="1"/>
-          </p:cNvSpPr>
-          <p:nvPr>
-            <p:ph type="title"/>
-          </p:nvPr>
-        </p:nvSpPr>
-        <p:spPr/>
-        <p:txBody>
-          <a:bodyPr>
-            <a:normAutofit fontScale="90000"/>
-          </a:bodyPr>
-          <a:lstStyle/>
-          <a:p>
-            <a:r>
-              <a:rPr lang="en-GB" dirty="0" err="1"/>
-              <a:t>Regul</a:t>
-            </a:r>
-            <a:r>
-              <a:rPr lang="sk-SK" dirty="0" err="1"/>
-              <a:t>ácia</a:t>
-            </a:r>
-            <a:r>
-              <a:rPr lang="sk-SK" dirty="0"/>
-              <a:t> statickej sústavy prvého rádu s PI regulátorom</a:t>
-            </a:r>
-            <a:endParaRPr lang="en-GB" dirty="0"/>
-          </a:p>
-        </p:txBody>
-      </p:sp>
-      <p:sp>
-        <p:nvSpPr>
-          <p:cNvPr id="3" name="Zástupný objekt pre obsah 2">
-            <a:extLst>
-              <a:ext uri="{FF2B5EF4-FFF2-40B4-BE49-F238E27FC236}">
-                <a16:creationId xmlns:a16="http://schemas.microsoft.com/office/drawing/2014/main" id="{801D9CD4-787E-453B-B01B-CB9EE2B83784}"/>
+                <a16:creationId xmlns:a16="http://schemas.microsoft.com/office/drawing/2014/main" xmlns="" id="{801D9CD4-787E-453B-B01B-CB9EE2B83784}"/>
               </a:ext>
             </a:extLst>
           </p:cNvPr>
@@ -4552,7 +3708,7 @@
           <p:cNvPr id="4" name="Text Box 7">
             <a:extLst>
               <a:ext uri="{FF2B5EF4-FFF2-40B4-BE49-F238E27FC236}">
-                <a16:creationId xmlns:a16="http://schemas.microsoft.com/office/drawing/2014/main" id="{2235737A-A9B7-49FF-8743-704E84BC4D77}"/>
+                <a16:creationId xmlns:a16="http://schemas.microsoft.com/office/drawing/2014/main" xmlns="" id="{2235737A-A9B7-49FF-8743-704E84BC4D77}"/>
               </a:ext>
             </a:extLst>
           </p:cNvPr>
@@ -4607,7 +3763,7 @@
           <p:cNvPr id="5" name="Objekt 4">
             <a:extLst>
               <a:ext uri="{FF2B5EF4-FFF2-40B4-BE49-F238E27FC236}">
-                <a16:creationId xmlns:a16="http://schemas.microsoft.com/office/drawing/2014/main" id="{067C9EEB-7D2E-493C-953F-AC8518EB4AE7}"/>
+                <a16:creationId xmlns:a16="http://schemas.microsoft.com/office/drawing/2014/main" xmlns="" id="{067C9EEB-7D2E-493C-953F-AC8518EB4AE7}"/>
               </a:ext>
             </a:extLst>
           </p:cNvPr>
@@ -4630,7 +3786,7 @@
           <a:graphicData uri="http://schemas.openxmlformats.org/presentationml/2006/ole">
             <mc:AlternateContent xmlns:mc="http://schemas.openxmlformats.org/markup-compatibility/2006">
               <mc:Choice xmlns:v="urn:schemas-microsoft-com:vml" Requires="v">
-                <p:oleObj spid="_x0000_s5178" name="Equation" r:id="rId3" imgW="3124200" imgH="1701800" progId="Equation.3">
+                <p:oleObj spid="_x0000_s5182" name="Equation" r:id="rId3" imgW="3124200" imgH="1701800" progId="Equation.3">
                   <p:embed/>
                 </p:oleObj>
               </mc:Choice>
@@ -4712,7 +3868,7 @@
           <p:cNvPr id="6" name="Text Box 21">
             <a:extLst>
               <a:ext uri="{FF2B5EF4-FFF2-40B4-BE49-F238E27FC236}">
-                <a16:creationId xmlns:a16="http://schemas.microsoft.com/office/drawing/2014/main" id="{8E4B2396-CC3B-4093-8E87-F8DD3560DAD4}"/>
+                <a16:creationId xmlns:a16="http://schemas.microsoft.com/office/drawing/2014/main" xmlns="" id="{8E4B2396-CC3B-4093-8E87-F8DD3560DAD4}"/>
               </a:ext>
             </a:extLst>
           </p:cNvPr>
@@ -4801,7 +3957,7 @@
           <p:cNvPr id="7" name="Objekt 6">
             <a:extLst>
               <a:ext uri="{FF2B5EF4-FFF2-40B4-BE49-F238E27FC236}">
-                <a16:creationId xmlns:a16="http://schemas.microsoft.com/office/drawing/2014/main" id="{862DE793-FA48-4B61-8891-749B5C4BBDD4}"/>
+                <a16:creationId xmlns:a16="http://schemas.microsoft.com/office/drawing/2014/main" xmlns="" id="{862DE793-FA48-4B61-8891-749B5C4BBDD4}"/>
               </a:ext>
             </a:extLst>
           </p:cNvPr>
@@ -4824,7 +3980,7 @@
           <a:graphicData uri="http://schemas.openxmlformats.org/presentationml/2006/ole">
             <mc:AlternateContent xmlns:mc="http://schemas.openxmlformats.org/markup-compatibility/2006">
               <mc:Choice xmlns:v="urn:schemas-microsoft-com:vml" Requires="v">
-                <p:oleObj spid="_x0000_s5179" name="Rovnica" r:id="rId5" imgW="647640" imgH="266400" progId="Equation.3">
+                <p:oleObj spid="_x0000_s5183" name="Rovnica" r:id="rId5" imgW="647640" imgH="266400" progId="Equation.3">
                   <p:embed/>
                 </p:oleObj>
               </mc:Choice>
@@ -4872,7 +4028,7 @@
           <p:cNvPr id="8" name="Objekt 7">
             <a:extLst>
               <a:ext uri="{FF2B5EF4-FFF2-40B4-BE49-F238E27FC236}">
-                <a16:creationId xmlns:a16="http://schemas.microsoft.com/office/drawing/2014/main" id="{98A948B1-F501-498E-8A37-86C93F3DC24B}"/>
+                <a16:creationId xmlns:a16="http://schemas.microsoft.com/office/drawing/2014/main" xmlns="" id="{98A948B1-F501-498E-8A37-86C93F3DC24B}"/>
               </a:ext>
             </a:extLst>
           </p:cNvPr>
@@ -4895,7 +4051,7 @@
           <a:graphicData uri="http://schemas.openxmlformats.org/presentationml/2006/ole">
             <mc:AlternateContent xmlns:mc="http://schemas.openxmlformats.org/markup-compatibility/2006">
               <mc:Choice xmlns:v="urn:schemas-microsoft-com:vml" Requires="v">
-                <p:oleObj spid="_x0000_s5180" name="Equation" r:id="rId7" imgW="2717640" imgH="1422360" progId="Equation.3">
+                <p:oleObj spid="_x0000_s5184" name="Equation" r:id="rId7" imgW="2717640" imgH="1422360" progId="Equation.3">
                   <p:embed/>
                 </p:oleObj>
               </mc:Choice>
@@ -4971,7 +4127,7 @@
           <p:cNvPr id="9" name="Text Box 21">
             <a:extLst>
               <a:ext uri="{FF2B5EF4-FFF2-40B4-BE49-F238E27FC236}">
-                <a16:creationId xmlns:a16="http://schemas.microsoft.com/office/drawing/2014/main" id="{A3578845-99A7-4AA4-8154-B17776FC58E2}"/>
+                <a16:creationId xmlns:a16="http://schemas.microsoft.com/office/drawing/2014/main" xmlns="" id="{A3578845-99A7-4AA4-8154-B17776FC58E2}"/>
               </a:ext>
             </a:extLst>
           </p:cNvPr>
@@ -5060,7 +4216,7 @@
           <p:cNvPr id="10" name="Objekt 9">
             <a:extLst>
               <a:ext uri="{FF2B5EF4-FFF2-40B4-BE49-F238E27FC236}">
-                <a16:creationId xmlns:a16="http://schemas.microsoft.com/office/drawing/2014/main" id="{8503A933-80DA-4B5A-940E-9E2F7ADB3F9F}"/>
+                <a16:creationId xmlns:a16="http://schemas.microsoft.com/office/drawing/2014/main" xmlns="" id="{8503A933-80DA-4B5A-940E-9E2F7ADB3F9F}"/>
               </a:ext>
             </a:extLst>
           </p:cNvPr>
@@ -5083,7 +4239,7 @@
           <a:graphicData uri="http://schemas.openxmlformats.org/presentationml/2006/ole">
             <mc:AlternateContent xmlns:mc="http://schemas.openxmlformats.org/markup-compatibility/2006">
               <mc:Choice xmlns:v="urn:schemas-microsoft-com:vml" Requires="v">
-                <p:oleObj spid="_x0000_s5181" name="Rovnica" r:id="rId9" imgW="634680" imgH="266400" progId="Equation.3">
+                <p:oleObj spid="_x0000_s5185" name="Rovnica" r:id="rId9" imgW="634680" imgH="266400" progId="Equation.3">
                   <p:embed/>
                 </p:oleObj>
               </mc:Choice>
@@ -5138,7 +4294,7 @@
 </p:sld>
 </file>
 
-<file path=ppt/slides/slide12.xml><?xml version="1.0" encoding="utf-8"?>
+<file path=ppt/slides/slide11.xml><?xml version="1.0" encoding="utf-8"?>
 <p:sld xmlns:a="http://schemas.openxmlformats.org/drawingml/2006/main" xmlns:r="http://schemas.openxmlformats.org/officeDocument/2006/relationships" xmlns:p="http://schemas.openxmlformats.org/presentationml/2006/main">
   <p:cSld>
     <p:spTree>
@@ -5160,7 +4316,7 @@
           <p:cNvPr id="2" name="Nadpis 1">
             <a:extLst>
               <a:ext uri="{FF2B5EF4-FFF2-40B4-BE49-F238E27FC236}">
-                <a16:creationId xmlns:a16="http://schemas.microsoft.com/office/drawing/2014/main" id="{437B67FB-1555-43FE-A83E-91D9C93C37D8}"/>
+                <a16:creationId xmlns:a16="http://schemas.microsoft.com/office/drawing/2014/main" xmlns="" id="{437B67FB-1555-43FE-A83E-91D9C93C37D8}"/>
               </a:ext>
             </a:extLst>
           </p:cNvPr>
@@ -5194,7 +4350,7 @@
           <p:cNvPr id="7" name="Picture 16">
             <a:extLst>
               <a:ext uri="{FF2B5EF4-FFF2-40B4-BE49-F238E27FC236}">
-                <a16:creationId xmlns:a16="http://schemas.microsoft.com/office/drawing/2014/main" id="{2D0CA8BA-C9DA-491E-8CD2-07E8E82CBD4A}"/>
+                <a16:creationId xmlns:a16="http://schemas.microsoft.com/office/drawing/2014/main" xmlns="" id="{2D0CA8BA-C9DA-491E-8CD2-07E8E82CBD4A}"/>
               </a:ext>
             </a:extLst>
           </p:cNvPr>
@@ -5230,7 +4386,7 @@
           <p:cNvPr id="8" name="Objekt 7">
             <a:extLst>
               <a:ext uri="{FF2B5EF4-FFF2-40B4-BE49-F238E27FC236}">
-                <a16:creationId xmlns:a16="http://schemas.microsoft.com/office/drawing/2014/main" id="{C6953FAA-B426-4BCB-8491-015B7512E22E}"/>
+                <a16:creationId xmlns:a16="http://schemas.microsoft.com/office/drawing/2014/main" xmlns="" id="{C6953FAA-B426-4BCB-8491-015B7512E22E}"/>
               </a:ext>
             </a:extLst>
           </p:cNvPr>
@@ -5253,7 +4409,7 @@
           <a:graphicData uri="http://schemas.openxmlformats.org/presentationml/2006/ole">
             <mc:AlternateContent xmlns:mc="http://schemas.openxmlformats.org/markup-compatibility/2006">
               <mc:Choice xmlns:v="urn:schemas-microsoft-com:vml" Requires="v">
-                <p:oleObj spid="_x0000_s6236" name="Rovnica" r:id="rId4" imgW="3466800" imgH="838080" progId="Equation.3">
+                <p:oleObj spid="_x0000_s6242" name="Rovnica" r:id="rId4" imgW="3466800" imgH="838080" progId="Equation.3">
                   <p:embed/>
                 </p:oleObj>
               </mc:Choice>
@@ -5307,7 +4463,7 @@
           <p:cNvPr id="9" name="Objekt 8">
             <a:extLst>
               <a:ext uri="{FF2B5EF4-FFF2-40B4-BE49-F238E27FC236}">
-                <a16:creationId xmlns:a16="http://schemas.microsoft.com/office/drawing/2014/main" id="{DBF2212A-33A0-49A9-AFE8-AE62E527DE85}"/>
+                <a16:creationId xmlns:a16="http://schemas.microsoft.com/office/drawing/2014/main" xmlns="" id="{DBF2212A-33A0-49A9-AFE8-AE62E527DE85}"/>
               </a:ext>
             </a:extLst>
           </p:cNvPr>
@@ -5330,7 +4486,7 @@
           <a:graphicData uri="http://schemas.openxmlformats.org/presentationml/2006/ole">
             <mc:AlternateContent xmlns:mc="http://schemas.openxmlformats.org/markup-compatibility/2006">
               <mc:Choice xmlns:v="urn:schemas-microsoft-com:vml" Requires="v">
-                <p:oleObj spid="_x0000_s6237" name="Rovnica" r:id="rId6" imgW="4203360" imgH="368280" progId="Equation.3">
+                <p:oleObj spid="_x0000_s6243" name="Rovnica" r:id="rId6" imgW="4203360" imgH="368280" progId="Equation.3">
                   <p:embed/>
                 </p:oleObj>
               </mc:Choice>
@@ -5383,7 +4539,7 @@
           <p:cNvPr id="10" name="Objekt 9">
             <a:extLst>
               <a:ext uri="{FF2B5EF4-FFF2-40B4-BE49-F238E27FC236}">
-                <a16:creationId xmlns:a16="http://schemas.microsoft.com/office/drawing/2014/main" id="{6FE32732-C6F2-4A71-B77C-EE687AB72853}"/>
+                <a16:creationId xmlns:a16="http://schemas.microsoft.com/office/drawing/2014/main" xmlns="" id="{6FE32732-C6F2-4A71-B77C-EE687AB72853}"/>
               </a:ext>
             </a:extLst>
           </p:cNvPr>
@@ -5406,7 +4562,7 @@
           <a:graphicData uri="http://schemas.openxmlformats.org/presentationml/2006/ole">
             <mc:AlternateContent xmlns:mc="http://schemas.openxmlformats.org/markup-compatibility/2006">
               <mc:Choice xmlns:v="urn:schemas-microsoft-com:vml" Requires="v">
-                <p:oleObj spid="_x0000_s6238" name="Rovnica" r:id="rId8" imgW="3251160" imgH="825480" progId="Equation.3">
+                <p:oleObj spid="_x0000_s6244" name="Rovnica" r:id="rId8" imgW="3251160" imgH="825480" progId="Equation.3">
                   <p:embed/>
                 </p:oleObj>
               </mc:Choice>
@@ -5472,7 +4628,7 @@
           <p:cNvPr id="11" name="Objekt 10">
             <a:extLst>
               <a:ext uri="{FF2B5EF4-FFF2-40B4-BE49-F238E27FC236}">
-                <a16:creationId xmlns:a16="http://schemas.microsoft.com/office/drawing/2014/main" id="{305AF889-FD41-43BB-9928-E73A0488753D}"/>
+                <a16:creationId xmlns:a16="http://schemas.microsoft.com/office/drawing/2014/main" xmlns="" id="{305AF889-FD41-43BB-9928-E73A0488753D}"/>
               </a:ext>
             </a:extLst>
           </p:cNvPr>
@@ -5495,7 +4651,7 @@
           <a:graphicData uri="http://schemas.openxmlformats.org/presentationml/2006/ole">
             <mc:AlternateContent xmlns:mc="http://schemas.openxmlformats.org/markup-compatibility/2006">
               <mc:Choice xmlns:v="urn:schemas-microsoft-com:vml" Requires="v">
-                <p:oleObj spid="_x0000_s6239" name="Rovnica" r:id="rId10" imgW="2349360" imgH="965160" progId="Equation.3">
+                <p:oleObj spid="_x0000_s6245" name="Rovnica" r:id="rId10" imgW="2349360" imgH="965160" progId="Equation.3">
                   <p:embed/>
                 </p:oleObj>
               </mc:Choice>
@@ -5571,7 +4727,7 @@
           <p:cNvPr id="12" name="Picture 55">
             <a:extLst>
               <a:ext uri="{FF2B5EF4-FFF2-40B4-BE49-F238E27FC236}">
-                <a16:creationId xmlns:a16="http://schemas.microsoft.com/office/drawing/2014/main" id="{B7E81072-D919-4875-902C-D7E6A094EAA9}"/>
+                <a16:creationId xmlns:a16="http://schemas.microsoft.com/office/drawing/2014/main" xmlns="" id="{B7E81072-D919-4875-902C-D7E6A094EAA9}"/>
               </a:ext>
             </a:extLst>
           </p:cNvPr>
@@ -5641,7 +4797,7 @@
           <p:cNvPr id="13" name="Objekt 12">
             <a:extLst>
               <a:ext uri="{FF2B5EF4-FFF2-40B4-BE49-F238E27FC236}">
-                <a16:creationId xmlns:a16="http://schemas.microsoft.com/office/drawing/2014/main" id="{BF8CEF2E-2199-4EB3-8D83-E9D894D8EC46}"/>
+                <a16:creationId xmlns:a16="http://schemas.microsoft.com/office/drawing/2014/main" xmlns="" id="{BF8CEF2E-2199-4EB3-8D83-E9D894D8EC46}"/>
               </a:ext>
             </a:extLst>
           </p:cNvPr>
@@ -5664,7 +4820,7 @@
           <a:graphicData uri="http://schemas.openxmlformats.org/presentationml/2006/ole">
             <mc:AlternateContent xmlns:mc="http://schemas.openxmlformats.org/markup-compatibility/2006">
               <mc:Choice xmlns:v="urn:schemas-microsoft-com:vml" Requires="v">
-                <p:oleObj spid="_x0000_s6240" name="Rovnica" r:id="rId13" imgW="2019240" imgH="368280" progId="Equation.3">
+                <p:oleObj spid="_x0000_s6246" name="Rovnica" r:id="rId13" imgW="2019240" imgH="368280" progId="Equation.3">
                   <p:embed/>
                 </p:oleObj>
               </mc:Choice>
@@ -5714,7 +4870,7 @@
           <p:cNvPr id="14" name="Objekt 13">
             <a:extLst>
               <a:ext uri="{FF2B5EF4-FFF2-40B4-BE49-F238E27FC236}">
-                <a16:creationId xmlns:a16="http://schemas.microsoft.com/office/drawing/2014/main" id="{264EF6DA-BA43-4EFB-AF24-292E66DCBCBC}"/>
+                <a16:creationId xmlns:a16="http://schemas.microsoft.com/office/drawing/2014/main" xmlns="" id="{264EF6DA-BA43-4EFB-AF24-292E66DCBCBC}"/>
               </a:ext>
             </a:extLst>
           </p:cNvPr>
@@ -5737,7 +4893,7 @@
           <a:graphicData uri="http://schemas.openxmlformats.org/presentationml/2006/ole">
             <mc:AlternateContent xmlns:mc="http://schemas.openxmlformats.org/markup-compatibility/2006">
               <mc:Choice xmlns:v="urn:schemas-microsoft-com:vml" Requires="v">
-                <p:oleObj spid="_x0000_s6241" name="Rovnica" r:id="rId15" imgW="4012920" imgH="863280" progId="Equation.3">
+                <p:oleObj spid="_x0000_s6247" name="Rovnica" r:id="rId15" imgW="4012920" imgH="863280" progId="Equation.3">
                   <p:embed/>
                 </p:oleObj>
               </mc:Choice>
@@ -5813,7 +4969,7 @@
           <p:cNvPr id="15" name="BlokTextu 14">
             <a:extLst>
               <a:ext uri="{FF2B5EF4-FFF2-40B4-BE49-F238E27FC236}">
-                <a16:creationId xmlns:a16="http://schemas.microsoft.com/office/drawing/2014/main" id="{14D9908B-A3A4-42B9-A3CF-171E3A0BE5C1}"/>
+                <a16:creationId xmlns:a16="http://schemas.microsoft.com/office/drawing/2014/main" xmlns="" id="{14D9908B-A3A4-42B9-A3CF-171E3A0BE5C1}"/>
               </a:ext>
             </a:extLst>
           </p:cNvPr>
@@ -5855,7 +5011,7 @@
           <p:cNvPr id="16" name="Picture 63">
             <a:extLst>
               <a:ext uri="{FF2B5EF4-FFF2-40B4-BE49-F238E27FC236}">
-                <a16:creationId xmlns:a16="http://schemas.microsoft.com/office/drawing/2014/main" id="{F1B04B64-9DC8-4D7F-B59B-149781E43635}"/>
+                <a16:creationId xmlns:a16="http://schemas.microsoft.com/office/drawing/2014/main" xmlns="" id="{F1B04B64-9DC8-4D7F-B59B-149781E43635}"/>
               </a:ext>
             </a:extLst>
           </p:cNvPr>
@@ -5925,7 +5081,7 @@
           <p:cNvPr id="17" name="BlokTextu 16">
             <a:extLst>
               <a:ext uri="{FF2B5EF4-FFF2-40B4-BE49-F238E27FC236}">
-                <a16:creationId xmlns:a16="http://schemas.microsoft.com/office/drawing/2014/main" id="{25A95905-22E1-4299-9ABC-15C248EF028E}"/>
+                <a16:creationId xmlns:a16="http://schemas.microsoft.com/office/drawing/2014/main" xmlns="" id="{25A95905-22E1-4299-9ABC-15C248EF028E}"/>
               </a:ext>
             </a:extLst>
           </p:cNvPr>
@@ -5975,7 +5131,7 @@
 </p:sld>
 </file>
 
-<file path=ppt/slides/slide13.xml><?xml version="1.0" encoding="utf-8"?>
+<file path=ppt/slides/slide12.xml><?xml version="1.0" encoding="utf-8"?>
 <p:sld xmlns:a="http://schemas.openxmlformats.org/drawingml/2006/main" xmlns:r="http://schemas.openxmlformats.org/officeDocument/2006/relationships" xmlns:p="http://schemas.openxmlformats.org/presentationml/2006/main">
   <p:cSld>
     <p:spTree>
@@ -5997,7 +5153,7 @@
           <p:cNvPr id="2" name="Nadpis 1">
             <a:extLst>
               <a:ext uri="{FF2B5EF4-FFF2-40B4-BE49-F238E27FC236}">
-                <a16:creationId xmlns:a16="http://schemas.microsoft.com/office/drawing/2014/main" id="{4F283333-6AF4-4905-BE3C-0B5CFD47D980}"/>
+                <a16:creationId xmlns:a16="http://schemas.microsoft.com/office/drawing/2014/main" xmlns="" id="{4F283333-6AF4-4905-BE3C-0B5CFD47D980}"/>
               </a:ext>
             </a:extLst>
           </p:cNvPr>
@@ -6084,7 +5240,7 @@
           <p:cNvPr id="4" name="Object 0">
             <a:extLst>
               <a:ext uri="{FF2B5EF4-FFF2-40B4-BE49-F238E27FC236}">
-                <a16:creationId xmlns:a16="http://schemas.microsoft.com/office/drawing/2014/main" id="{A32A6A47-333A-4922-941E-8083AFE85FE8}"/>
+                <a16:creationId xmlns:a16="http://schemas.microsoft.com/office/drawing/2014/main" xmlns="" id="{A32A6A47-333A-4922-941E-8083AFE85FE8}"/>
               </a:ext>
             </a:extLst>
           </p:cNvPr>
@@ -6107,7 +5263,7 @@
           <a:graphicData uri="http://schemas.openxmlformats.org/presentationml/2006/ole">
             <mc:AlternateContent xmlns:mc="http://schemas.openxmlformats.org/markup-compatibility/2006">
               <mc:Choice xmlns:v="urn:schemas-microsoft-com:vml" Requires="v">
-                <p:oleObj spid="_x0000_s8266" name="Rastrový obrázek" r:id="rId3" imgW="3161905" imgH="1438095" progId="PBrush">
+                <p:oleObj spid="_x0000_s8272" name="Rastrový obrázek" r:id="rId3" imgW="3161905" imgH="1438095" progId="PBrush">
                   <p:embed/>
                 </p:oleObj>
               </mc:Choice>
@@ -6158,7 +5314,7 @@
           <p:cNvPr id="6" name="Object 8">
             <a:extLst>
               <a:ext uri="{FF2B5EF4-FFF2-40B4-BE49-F238E27FC236}">
-                <a16:creationId xmlns:a16="http://schemas.microsoft.com/office/drawing/2014/main" id="{1C92AFD6-5A23-4F54-B002-B9DBA967B59C}"/>
+                <a16:creationId xmlns:a16="http://schemas.microsoft.com/office/drawing/2014/main" xmlns="" id="{1C92AFD6-5A23-4F54-B002-B9DBA967B59C}"/>
               </a:ext>
             </a:extLst>
           </p:cNvPr>
@@ -6181,7 +5337,7 @@
           <a:graphicData uri="http://schemas.openxmlformats.org/presentationml/2006/ole">
             <mc:AlternateContent xmlns:mc="http://schemas.openxmlformats.org/markup-compatibility/2006">
               <mc:Choice xmlns:v="urn:schemas-microsoft-com:vml" Requires="v">
-                <p:oleObj spid="_x0000_s8267" name="Rovnica" r:id="rId5" imgW="2158920" imgH="368280" progId="Equation.3">
+                <p:oleObj spid="_x0000_s8273" name="Rovnica" r:id="rId5" imgW="2158920" imgH="368280" progId="Equation.3">
                   <p:embed/>
                 </p:oleObj>
               </mc:Choice>
@@ -6234,7 +5390,7 @@
           <p:cNvPr id="7" name="Object 9">
             <a:extLst>
               <a:ext uri="{FF2B5EF4-FFF2-40B4-BE49-F238E27FC236}">
-                <a16:creationId xmlns:a16="http://schemas.microsoft.com/office/drawing/2014/main" id="{AA2FE684-A70D-4870-8164-3B30820235AC}"/>
+                <a16:creationId xmlns:a16="http://schemas.microsoft.com/office/drawing/2014/main" xmlns="" id="{AA2FE684-A70D-4870-8164-3B30820235AC}"/>
               </a:ext>
             </a:extLst>
           </p:cNvPr>
@@ -6257,7 +5413,7 @@
           <a:graphicData uri="http://schemas.openxmlformats.org/presentationml/2006/ole">
             <mc:AlternateContent xmlns:mc="http://schemas.openxmlformats.org/markup-compatibility/2006">
               <mc:Choice xmlns:v="urn:schemas-microsoft-com:vml" Requires="v">
-                <p:oleObj spid="_x0000_s8268" name="Rovnica" r:id="rId7" imgW="1193760" imgH="711000" progId="Equation.3">
+                <p:oleObj spid="_x0000_s8274" name="Rovnica" r:id="rId7" imgW="1193760" imgH="711000" progId="Equation.3">
                   <p:embed/>
                 </p:oleObj>
               </mc:Choice>
@@ -6304,7 +5460,7 @@
           <p:cNvPr id="8" name="Object 10">
             <a:extLst>
               <a:ext uri="{FF2B5EF4-FFF2-40B4-BE49-F238E27FC236}">
-                <a16:creationId xmlns:a16="http://schemas.microsoft.com/office/drawing/2014/main" id="{5C6D8BEF-11C0-485F-9118-6774C4E2FB4B}"/>
+                <a16:creationId xmlns:a16="http://schemas.microsoft.com/office/drawing/2014/main" xmlns="" id="{5C6D8BEF-11C0-485F-9118-6774C4E2FB4B}"/>
               </a:ext>
             </a:extLst>
           </p:cNvPr>
@@ -6327,7 +5483,7 @@
           <a:graphicData uri="http://schemas.openxmlformats.org/presentationml/2006/ole">
             <mc:AlternateContent xmlns:mc="http://schemas.openxmlformats.org/markup-compatibility/2006">
               <mc:Choice xmlns:v="urn:schemas-microsoft-com:vml" Requires="v">
-                <p:oleObj spid="_x0000_s8269" name="Rovnica" r:id="rId9" imgW="2400120" imgH="787320" progId="Equation.3">
+                <p:oleObj spid="_x0000_s8275" name="Rovnica" r:id="rId9" imgW="2400120" imgH="787320" progId="Equation.3">
                   <p:embed/>
                 </p:oleObj>
               </mc:Choice>
@@ -6380,7 +5536,7 @@
           <p:cNvPr id="9" name="BlokTextu 8">
             <a:extLst>
               <a:ext uri="{FF2B5EF4-FFF2-40B4-BE49-F238E27FC236}">
-                <a16:creationId xmlns:a16="http://schemas.microsoft.com/office/drawing/2014/main" id="{7A59073D-3275-418D-8B0A-4725AE530625}"/>
+                <a16:creationId xmlns:a16="http://schemas.microsoft.com/office/drawing/2014/main" xmlns="" id="{7A59073D-3275-418D-8B0A-4725AE530625}"/>
               </a:ext>
             </a:extLst>
           </p:cNvPr>
@@ -6477,7 +5633,7 @@
           <p:cNvPr id="10" name="BlokTextu 9">
             <a:extLst>
               <a:ext uri="{FF2B5EF4-FFF2-40B4-BE49-F238E27FC236}">
-                <a16:creationId xmlns:a16="http://schemas.microsoft.com/office/drawing/2014/main" id="{2D45E3C9-F1DD-4588-94AF-C6E5051C4C12}"/>
+                <a16:creationId xmlns:a16="http://schemas.microsoft.com/office/drawing/2014/main" xmlns="" id="{2D45E3C9-F1DD-4588-94AF-C6E5051C4C12}"/>
               </a:ext>
             </a:extLst>
           </p:cNvPr>
@@ -6574,7 +5730,7 @@
           <p:cNvPr id="11" name="Object 9">
             <a:extLst>
               <a:ext uri="{FF2B5EF4-FFF2-40B4-BE49-F238E27FC236}">
-                <a16:creationId xmlns:a16="http://schemas.microsoft.com/office/drawing/2014/main" id="{DEE16B8B-47C7-4A3B-97FD-7509FF21890B}"/>
+                <a16:creationId xmlns:a16="http://schemas.microsoft.com/office/drawing/2014/main" xmlns="" id="{DEE16B8B-47C7-4A3B-97FD-7509FF21890B}"/>
               </a:ext>
             </a:extLst>
           </p:cNvPr>
@@ -6597,7 +5753,7 @@
           <a:graphicData uri="http://schemas.openxmlformats.org/presentationml/2006/ole">
             <mc:AlternateContent xmlns:mc="http://schemas.openxmlformats.org/markup-compatibility/2006">
               <mc:Choice xmlns:v="urn:schemas-microsoft-com:vml" Requires="v">
-                <p:oleObj spid="_x0000_s8270" name="Rovnica" r:id="rId11" imgW="1409400" imgH="1447560" progId="Equation.3">
+                <p:oleObj spid="_x0000_s8276" name="Rovnica" r:id="rId11" imgW="1409400" imgH="1447560" progId="Equation.3">
                   <p:embed/>
                 </p:oleObj>
               </mc:Choice>
@@ -6656,7 +5812,7 @@
           <p:cNvPr id="15" name="Object 3">
             <a:extLst>
               <a:ext uri="{FF2B5EF4-FFF2-40B4-BE49-F238E27FC236}">
-                <a16:creationId xmlns:a16="http://schemas.microsoft.com/office/drawing/2014/main" id="{8AA4914D-03A1-48F3-A3E8-E06BEB3E08E6}"/>
+                <a16:creationId xmlns:a16="http://schemas.microsoft.com/office/drawing/2014/main" xmlns="" id="{8AA4914D-03A1-48F3-A3E8-E06BEB3E08E6}"/>
               </a:ext>
             </a:extLst>
           </p:cNvPr>
@@ -6679,7 +5835,7 @@
           <a:graphicData uri="http://schemas.openxmlformats.org/presentationml/2006/ole">
             <mc:AlternateContent xmlns:mc="http://schemas.openxmlformats.org/markup-compatibility/2006">
               <mc:Choice xmlns:v="urn:schemas-microsoft-com:vml" Requires="v">
-                <p:oleObj spid="_x0000_s8271" name="Rovnica" r:id="rId13" imgW="1752480" imgH="799920" progId="Equation.3">
+                <p:oleObj spid="_x0000_s8277" name="Rovnica" r:id="rId13" imgW="1752480" imgH="799920" progId="Equation.3">
                   <p:embed/>
                 </p:oleObj>
               </mc:Choice>
@@ -6691,7 +5847,7 @@
                       <p:cNvPr id="5" name="Object 3">
                         <a:extLst>
                           <a:ext uri="{FF2B5EF4-FFF2-40B4-BE49-F238E27FC236}">
-                            <a16:creationId xmlns:a16="http://schemas.microsoft.com/office/drawing/2014/main" id="{120EB5AF-61A9-4217-8627-A30128213447}"/>
+                            <a16:creationId xmlns:a16="http://schemas.microsoft.com/office/drawing/2014/main" xmlns="" id="{120EB5AF-61A9-4217-8627-A30128213447}"/>
                           </a:ext>
                         </a:extLst>
                       </p:cNvPr>
@@ -6746,7 +5902,7 @@
 </p:sld>
 </file>
 
-<file path=ppt/slides/slide14.xml><?xml version="1.0" encoding="utf-8"?>
+<file path=ppt/slides/slide13.xml><?xml version="1.0" encoding="utf-8"?>
 <p:sld xmlns:a="http://schemas.openxmlformats.org/drawingml/2006/main" xmlns:r="http://schemas.openxmlformats.org/officeDocument/2006/relationships" xmlns:p="http://schemas.openxmlformats.org/presentationml/2006/main">
   <p:cSld>
     <p:spTree>
@@ -6768,7 +5924,7 @@
           <p:cNvPr id="2" name="Nadpis 1">
             <a:extLst>
               <a:ext uri="{FF2B5EF4-FFF2-40B4-BE49-F238E27FC236}">
-                <a16:creationId xmlns:a16="http://schemas.microsoft.com/office/drawing/2014/main" id="{7010DBE2-C647-49B6-8927-54A1F69BE6C0}"/>
+                <a16:creationId xmlns:a16="http://schemas.microsoft.com/office/drawing/2014/main" xmlns="" id="{7010DBE2-C647-49B6-8927-54A1F69BE6C0}"/>
               </a:ext>
             </a:extLst>
           </p:cNvPr>
@@ -6855,7 +6011,7 @@
           <p:cNvPr id="4" name="BlokTextu 3">
             <a:extLst>
               <a:ext uri="{FF2B5EF4-FFF2-40B4-BE49-F238E27FC236}">
-                <a16:creationId xmlns:a16="http://schemas.microsoft.com/office/drawing/2014/main" id="{4B994F5A-1C0A-456F-A04E-DD8DAB06C59A}"/>
+                <a16:creationId xmlns:a16="http://schemas.microsoft.com/office/drawing/2014/main" xmlns="" id="{4B994F5A-1C0A-456F-A04E-DD8DAB06C59A}"/>
               </a:ext>
             </a:extLst>
           </p:cNvPr>
@@ -6911,7 +6067,7 @@
           <p:cNvPr id="5" name="object 40">
             <a:extLst>
               <a:ext uri="{FF2B5EF4-FFF2-40B4-BE49-F238E27FC236}">
-                <a16:creationId xmlns:a16="http://schemas.microsoft.com/office/drawing/2014/main" id="{18088580-07B1-4B66-BC34-12F1D0921358}"/>
+                <a16:creationId xmlns:a16="http://schemas.microsoft.com/office/drawing/2014/main" xmlns="" id="{18088580-07B1-4B66-BC34-12F1D0921358}"/>
               </a:ext>
             </a:extLst>
           </p:cNvPr>
@@ -7030,7 +6186,7 @@
           <p:cNvPr id="6" name="Object 5">
             <a:extLst>
               <a:ext uri="{FF2B5EF4-FFF2-40B4-BE49-F238E27FC236}">
-                <a16:creationId xmlns:a16="http://schemas.microsoft.com/office/drawing/2014/main" id="{E4DEA3ED-5172-42CB-AA2E-407E4AB5558C}"/>
+                <a16:creationId xmlns:a16="http://schemas.microsoft.com/office/drawing/2014/main" xmlns="" id="{E4DEA3ED-5172-42CB-AA2E-407E4AB5558C}"/>
               </a:ext>
             </a:extLst>
           </p:cNvPr>
@@ -7053,7 +6209,7 @@
           <a:graphicData uri="http://schemas.openxmlformats.org/presentationml/2006/ole">
             <mc:AlternateContent xmlns:mc="http://schemas.openxmlformats.org/markup-compatibility/2006">
               <mc:Choice xmlns:v="urn:schemas-microsoft-com:vml" Requires="v">
-                <p:oleObj spid="_x0000_s9278" name="Rovnica" r:id="rId3" imgW="1955520" imgH="1193760" progId="Equation.3">
+                <p:oleObj spid="_x0000_s9284" name="Rovnica" r:id="rId3" imgW="1955520" imgH="1193760" progId="Equation.3">
                   <p:embed/>
                 </p:oleObj>
               </mc:Choice>
@@ -7104,7 +6260,7 @@
           <p:cNvPr id="7" name="BlokTextu 6">
             <a:extLst>
               <a:ext uri="{FF2B5EF4-FFF2-40B4-BE49-F238E27FC236}">
-                <a16:creationId xmlns:a16="http://schemas.microsoft.com/office/drawing/2014/main" id="{A847BFBF-83EA-401D-951C-C2FDFCC08E84}"/>
+                <a16:creationId xmlns:a16="http://schemas.microsoft.com/office/drawing/2014/main" xmlns="" id="{A847BFBF-83EA-401D-951C-C2FDFCC08E84}"/>
               </a:ext>
             </a:extLst>
           </p:cNvPr>
@@ -7160,7 +6316,7 @@
           <p:cNvPr id="8" name="BlokTextu 7">
             <a:extLst>
               <a:ext uri="{FF2B5EF4-FFF2-40B4-BE49-F238E27FC236}">
-                <a16:creationId xmlns:a16="http://schemas.microsoft.com/office/drawing/2014/main" id="{393BB7E2-87BE-4561-9918-54679FEE9053}"/>
+                <a16:creationId xmlns:a16="http://schemas.microsoft.com/office/drawing/2014/main" xmlns="" id="{393BB7E2-87BE-4561-9918-54679FEE9053}"/>
               </a:ext>
             </a:extLst>
           </p:cNvPr>
@@ -7202,7 +6358,7 @@
           <p:cNvPr id="9" name="Object 1">
             <a:extLst>
               <a:ext uri="{FF2B5EF4-FFF2-40B4-BE49-F238E27FC236}">
-                <a16:creationId xmlns:a16="http://schemas.microsoft.com/office/drawing/2014/main" id="{A68A2338-C311-4645-8D0E-0A9D79730523}"/>
+                <a16:creationId xmlns:a16="http://schemas.microsoft.com/office/drawing/2014/main" xmlns="" id="{A68A2338-C311-4645-8D0E-0A9D79730523}"/>
               </a:ext>
             </a:extLst>
           </p:cNvPr>
@@ -7225,7 +6381,7 @@
           <a:graphicData uri="http://schemas.openxmlformats.org/presentationml/2006/ole">
             <mc:AlternateContent xmlns:mc="http://schemas.openxmlformats.org/markup-compatibility/2006">
               <mc:Choice xmlns:v="urn:schemas-microsoft-com:vml" Requires="v">
-                <p:oleObj spid="_x0000_s9279" name="Equation" r:id="rId5" imgW="2501640" imgH="355320" progId="Equation.3">
+                <p:oleObj spid="_x0000_s9285" name="Equation" r:id="rId5" imgW="2501640" imgH="355320" progId="Equation.3">
                   <p:embed/>
                 </p:oleObj>
               </mc:Choice>
@@ -7284,7 +6440,7 @@
           <p:cNvPr id="10" name="Object 18">
             <a:extLst>
               <a:ext uri="{FF2B5EF4-FFF2-40B4-BE49-F238E27FC236}">
-                <a16:creationId xmlns:a16="http://schemas.microsoft.com/office/drawing/2014/main" id="{A2EB3949-5C6B-4A4D-82DE-7AC33DFF3C2A}"/>
+                <a16:creationId xmlns:a16="http://schemas.microsoft.com/office/drawing/2014/main" xmlns="" id="{A2EB3949-5C6B-4A4D-82DE-7AC33DFF3C2A}"/>
               </a:ext>
             </a:extLst>
           </p:cNvPr>
@@ -7307,7 +6463,7 @@
           <a:graphicData uri="http://schemas.openxmlformats.org/presentationml/2006/ole">
             <mc:AlternateContent xmlns:mc="http://schemas.openxmlformats.org/markup-compatibility/2006">
               <mc:Choice xmlns:v="urn:schemas-microsoft-com:vml" Requires="v">
-                <p:oleObj spid="_x0000_s9280" name="Rovnica" r:id="rId7" imgW="1968480" imgH="1015920" progId="Equation.3">
+                <p:oleObj spid="_x0000_s9286" name="Rovnica" r:id="rId7" imgW="1968480" imgH="1015920" progId="Equation.3">
                   <p:embed/>
                 </p:oleObj>
               </mc:Choice>
@@ -7384,7 +6540,7 @@
           <p:cNvPr id="11" name="Object 20">
             <a:extLst>
               <a:ext uri="{FF2B5EF4-FFF2-40B4-BE49-F238E27FC236}">
-                <a16:creationId xmlns:a16="http://schemas.microsoft.com/office/drawing/2014/main" id="{707C4A92-AE3D-4382-B327-DD11B575D3D4}"/>
+                <a16:creationId xmlns:a16="http://schemas.microsoft.com/office/drawing/2014/main" xmlns="" id="{707C4A92-AE3D-4382-B327-DD11B575D3D4}"/>
               </a:ext>
             </a:extLst>
           </p:cNvPr>
@@ -7407,7 +6563,7 @@
           <a:graphicData uri="http://schemas.openxmlformats.org/presentationml/2006/ole">
             <mc:AlternateContent xmlns:mc="http://schemas.openxmlformats.org/markup-compatibility/2006">
               <mc:Choice xmlns:v="urn:schemas-microsoft-com:vml" Requires="v">
-                <p:oleObj spid="_x0000_s9281" name="Rovnica" r:id="rId9" imgW="5333760" imgH="876240" progId="Equation.3">
+                <p:oleObj spid="_x0000_s9287" name="Rovnica" r:id="rId9" imgW="5333760" imgH="876240" progId="Equation.3">
                   <p:embed/>
                 </p:oleObj>
               </mc:Choice>
@@ -7483,7 +6639,7 @@
           <p:cNvPr id="12" name="Objekt 11">
             <a:extLst>
               <a:ext uri="{FF2B5EF4-FFF2-40B4-BE49-F238E27FC236}">
-                <a16:creationId xmlns:a16="http://schemas.microsoft.com/office/drawing/2014/main" id="{47DC81E3-23AF-4AE6-8BA2-0E1E74CCE050}"/>
+                <a16:creationId xmlns:a16="http://schemas.microsoft.com/office/drawing/2014/main" xmlns="" id="{47DC81E3-23AF-4AE6-8BA2-0E1E74CCE050}"/>
               </a:ext>
             </a:extLst>
           </p:cNvPr>
@@ -7506,7 +6662,7 @@
           <a:graphicData uri="http://schemas.openxmlformats.org/presentationml/2006/ole">
             <mc:AlternateContent xmlns:mc="http://schemas.openxmlformats.org/markup-compatibility/2006">
               <mc:Choice xmlns:v="urn:schemas-microsoft-com:vml" Requires="v">
-                <p:oleObj spid="_x0000_s9282" name="Equation" r:id="rId11" imgW="2209800" imgH="800100" progId="Equation.3">
+                <p:oleObj spid="_x0000_s9288" name="Equation" r:id="rId11" imgW="2209800" imgH="800100" progId="Equation.3">
                   <p:embed/>
                 </p:oleObj>
               </mc:Choice>
@@ -7578,7 +6734,7 @@
           <p:cNvPr id="13" name="Objekt 12">
             <a:extLst>
               <a:ext uri="{FF2B5EF4-FFF2-40B4-BE49-F238E27FC236}">
-                <a16:creationId xmlns:a16="http://schemas.microsoft.com/office/drawing/2014/main" id="{B643DF3B-04A7-443B-BFA2-A4C18F8770F7}"/>
+                <a16:creationId xmlns:a16="http://schemas.microsoft.com/office/drawing/2014/main" xmlns="" id="{B643DF3B-04A7-443B-BFA2-A4C18F8770F7}"/>
               </a:ext>
             </a:extLst>
           </p:cNvPr>
@@ -7601,7 +6757,7 @@
           <a:graphicData uri="http://schemas.openxmlformats.org/presentationml/2006/ole">
             <mc:AlternateContent xmlns:mc="http://schemas.openxmlformats.org/markup-compatibility/2006">
               <mc:Choice xmlns:v="urn:schemas-microsoft-com:vml" Requires="v">
-                <p:oleObj spid="_x0000_s9283" name="Rovnica" r:id="rId13" imgW="1955800" imgH="1003300" progId="Equation.3">
+                <p:oleObj spid="_x0000_s9289" name="Rovnica" r:id="rId13" imgW="1955800" imgH="1003300" progId="Equation.3">
                   <p:embed/>
                 </p:oleObj>
               </mc:Choice>
@@ -7676,7 +6832,7 @@
 </p:sld>
 </file>
 
-<file path=ppt/slides/slide15.xml><?xml version="1.0" encoding="utf-8"?>
+<file path=ppt/slides/slide14.xml><?xml version="1.0" encoding="utf-8"?>
 <p:sld xmlns:a="http://schemas.openxmlformats.org/drawingml/2006/main" xmlns:r="http://schemas.openxmlformats.org/officeDocument/2006/relationships" xmlns:p="http://schemas.openxmlformats.org/presentationml/2006/main">
   <p:cSld>
     <p:spTree>
@@ -7698,7 +6854,7 @@
           <p:cNvPr id="2" name="Nadpis 1">
             <a:extLst>
               <a:ext uri="{FF2B5EF4-FFF2-40B4-BE49-F238E27FC236}">
-                <a16:creationId xmlns:a16="http://schemas.microsoft.com/office/drawing/2014/main" id="{028A2906-AEB9-48C7-A509-B6AB3F237A7E}"/>
+                <a16:creationId xmlns:a16="http://schemas.microsoft.com/office/drawing/2014/main" xmlns="" id="{028A2906-AEB9-48C7-A509-B6AB3F237A7E}"/>
               </a:ext>
             </a:extLst>
           </p:cNvPr>
@@ -7765,6 +6921,10 @@
               <a:rPr lang="en-GB" dirty="0" err="1"/>
               <a:t>regulátorom</a:t>
             </a:r>
+            <a:r>
+              <a:rPr lang="en-GB" dirty="0"/>
+              <a:t/>
+            </a:r>
             <a:br>
               <a:rPr lang="en-GB" dirty="0"/>
             </a:br>
@@ -7777,7 +6937,7 @@
           <p:cNvPr id="5" name="Object 8">
             <a:extLst>
               <a:ext uri="{FF2B5EF4-FFF2-40B4-BE49-F238E27FC236}">
-                <a16:creationId xmlns:a16="http://schemas.microsoft.com/office/drawing/2014/main" id="{D6B9B81A-9BDF-4C75-AF8E-9416B3F1D4B0}"/>
+                <a16:creationId xmlns:a16="http://schemas.microsoft.com/office/drawing/2014/main" xmlns="" id="{D6B9B81A-9BDF-4C75-AF8E-9416B3F1D4B0}"/>
               </a:ext>
             </a:extLst>
           </p:cNvPr>
@@ -7800,7 +6960,7 @@
           <a:graphicData uri="http://schemas.openxmlformats.org/presentationml/2006/ole">
             <mc:AlternateContent xmlns:mc="http://schemas.openxmlformats.org/markup-compatibility/2006">
               <mc:Choice xmlns:v="urn:schemas-microsoft-com:vml" Requires="v">
-                <p:oleObj spid="_x0000_s10296" name="Rovnica" r:id="rId3" imgW="2158920" imgH="368280" progId="Equation.3">
+                <p:oleObj spid="_x0000_s10302" name="Rovnica" r:id="rId3" imgW="2158920" imgH="368280" progId="Equation.3">
                   <p:embed/>
                 </p:oleObj>
               </mc:Choice>
@@ -7812,7 +6972,7 @@
                       <p:cNvPr id="6" name="Object 8">
                         <a:extLst>
                           <a:ext uri="{FF2B5EF4-FFF2-40B4-BE49-F238E27FC236}">
-                            <a16:creationId xmlns:a16="http://schemas.microsoft.com/office/drawing/2014/main" id="{1C92AFD6-5A23-4F54-B002-B9DBA967B59C}"/>
+                            <a16:creationId xmlns:a16="http://schemas.microsoft.com/office/drawing/2014/main" xmlns="" id="{1C92AFD6-5A23-4F54-B002-B9DBA967B59C}"/>
                           </a:ext>
                         </a:extLst>
                       </p:cNvPr>
@@ -7859,7 +7019,7 @@
           <p:cNvPr id="7" name="Object 10">
             <a:extLst>
               <a:ext uri="{FF2B5EF4-FFF2-40B4-BE49-F238E27FC236}">
-                <a16:creationId xmlns:a16="http://schemas.microsoft.com/office/drawing/2014/main" id="{49413D2C-8483-48B8-B498-4D52B0A64795}"/>
+                <a16:creationId xmlns:a16="http://schemas.microsoft.com/office/drawing/2014/main" xmlns="" id="{49413D2C-8483-48B8-B498-4D52B0A64795}"/>
               </a:ext>
             </a:extLst>
           </p:cNvPr>
@@ -7882,7 +7042,7 @@
           <a:graphicData uri="http://schemas.openxmlformats.org/presentationml/2006/ole">
             <mc:AlternateContent xmlns:mc="http://schemas.openxmlformats.org/markup-compatibility/2006">
               <mc:Choice xmlns:v="urn:schemas-microsoft-com:vml" Requires="v">
-                <p:oleObj spid="_x0000_s10297" name="Rovnica" r:id="rId5" imgW="2400120" imgH="787320" progId="Equation.3">
+                <p:oleObj spid="_x0000_s10303" name="Rovnica" r:id="rId5" imgW="2400120" imgH="787320" progId="Equation.3">
                   <p:embed/>
                 </p:oleObj>
               </mc:Choice>
@@ -7894,7 +7054,7 @@
                       <p:cNvPr id="8" name="Object 10">
                         <a:extLst>
                           <a:ext uri="{FF2B5EF4-FFF2-40B4-BE49-F238E27FC236}">
-                            <a16:creationId xmlns:a16="http://schemas.microsoft.com/office/drawing/2014/main" id="{5C6D8BEF-11C0-485F-9118-6774C4E2FB4B}"/>
+                            <a16:creationId xmlns:a16="http://schemas.microsoft.com/office/drawing/2014/main" xmlns="" id="{5C6D8BEF-11C0-485F-9118-6774C4E2FB4B}"/>
                           </a:ext>
                         </a:extLst>
                       </p:cNvPr>
@@ -7941,7 +7101,7 @@
           <p:cNvPr id="8" name="BlokTextu 7">
             <a:extLst>
               <a:ext uri="{FF2B5EF4-FFF2-40B4-BE49-F238E27FC236}">
-                <a16:creationId xmlns:a16="http://schemas.microsoft.com/office/drawing/2014/main" id="{EBD3C7DA-2A8C-4E37-8E53-2547D7976A98}"/>
+                <a16:creationId xmlns:a16="http://schemas.microsoft.com/office/drawing/2014/main" xmlns="" id="{EBD3C7DA-2A8C-4E37-8E53-2547D7976A98}"/>
               </a:ext>
             </a:extLst>
           </p:cNvPr>
@@ -8038,7 +7198,7 @@
           <p:cNvPr id="9" name="BlokTextu 8">
             <a:extLst>
               <a:ext uri="{FF2B5EF4-FFF2-40B4-BE49-F238E27FC236}">
-                <a16:creationId xmlns:a16="http://schemas.microsoft.com/office/drawing/2014/main" id="{81E062BB-4171-497F-B64F-D2F2556AFF28}"/>
+                <a16:creationId xmlns:a16="http://schemas.microsoft.com/office/drawing/2014/main" xmlns="" id="{81E062BB-4171-497F-B64F-D2F2556AFF28}"/>
               </a:ext>
             </a:extLst>
           </p:cNvPr>
@@ -8135,7 +7295,7 @@
           <p:cNvPr id="12" name="Picture 6">
             <a:extLst>
               <a:ext uri="{FF2B5EF4-FFF2-40B4-BE49-F238E27FC236}">
-                <a16:creationId xmlns:a16="http://schemas.microsoft.com/office/drawing/2014/main" id="{E1B27580-BDDF-42F6-8017-39D94E8179FE}"/>
+                <a16:creationId xmlns:a16="http://schemas.microsoft.com/office/drawing/2014/main" xmlns="" id="{E1B27580-BDDF-42F6-8017-39D94E8179FE}"/>
               </a:ext>
             </a:extLst>
           </p:cNvPr>
@@ -8171,7 +7331,7 @@
           <p:cNvPr id="13" name="Object 8">
             <a:extLst>
               <a:ext uri="{FF2B5EF4-FFF2-40B4-BE49-F238E27FC236}">
-                <a16:creationId xmlns:a16="http://schemas.microsoft.com/office/drawing/2014/main" id="{38F90557-F294-424A-BAB0-CEFC01E3EB18}"/>
+                <a16:creationId xmlns:a16="http://schemas.microsoft.com/office/drawing/2014/main" xmlns="" id="{38F90557-F294-424A-BAB0-CEFC01E3EB18}"/>
               </a:ext>
             </a:extLst>
           </p:cNvPr>
@@ -8194,7 +7354,7 @@
           <a:graphicData uri="http://schemas.openxmlformats.org/presentationml/2006/ole">
             <mc:AlternateContent xmlns:mc="http://schemas.openxmlformats.org/markup-compatibility/2006">
               <mc:Choice xmlns:v="urn:schemas-microsoft-com:vml" Requires="v">
-                <p:oleObj spid="_x0000_s10298" name="Rovnica" r:id="rId8" imgW="2374560" imgH="838080" progId="Equation.3">
+                <p:oleObj spid="_x0000_s10304" name="Rovnica" r:id="rId8" imgW="2374560" imgH="838080" progId="Equation.3">
                   <p:embed/>
                 </p:oleObj>
               </mc:Choice>
@@ -8238,7 +7398,7 @@
           <p:cNvPr id="14" name="Object 9">
             <a:extLst>
               <a:ext uri="{FF2B5EF4-FFF2-40B4-BE49-F238E27FC236}">
-                <a16:creationId xmlns:a16="http://schemas.microsoft.com/office/drawing/2014/main" id="{90B43950-B138-4939-8505-30BB1DFC28A7}"/>
+                <a16:creationId xmlns:a16="http://schemas.microsoft.com/office/drawing/2014/main" xmlns="" id="{90B43950-B138-4939-8505-30BB1DFC28A7}"/>
               </a:ext>
             </a:extLst>
           </p:cNvPr>
@@ -8261,7 +7421,7 @@
           <a:graphicData uri="http://schemas.openxmlformats.org/presentationml/2006/ole">
             <mc:AlternateContent xmlns:mc="http://schemas.openxmlformats.org/markup-compatibility/2006">
               <mc:Choice xmlns:v="urn:schemas-microsoft-com:vml" Requires="v">
-                <p:oleObj spid="_x0000_s10299" name="Rovnica" r:id="rId10" imgW="1384200" imgH="774360" progId="Equation.3">
+                <p:oleObj spid="_x0000_s10305" name="Rovnica" r:id="rId10" imgW="1384200" imgH="774360" progId="Equation.3">
                   <p:embed/>
                 </p:oleObj>
               </mc:Choice>
@@ -8308,7 +7468,7 @@
           <p:cNvPr id="17" name="Object 4">
             <a:extLst>
               <a:ext uri="{FF2B5EF4-FFF2-40B4-BE49-F238E27FC236}">
-                <a16:creationId xmlns:a16="http://schemas.microsoft.com/office/drawing/2014/main" id="{A5AA4E20-7AEF-4E54-99B5-12F970CB76AF}"/>
+                <a16:creationId xmlns:a16="http://schemas.microsoft.com/office/drawing/2014/main" xmlns="" id="{A5AA4E20-7AEF-4E54-99B5-12F970CB76AF}"/>
               </a:ext>
             </a:extLst>
           </p:cNvPr>
@@ -8331,7 +7491,7 @@
           <a:graphicData uri="http://schemas.openxmlformats.org/presentationml/2006/ole">
             <mc:AlternateContent xmlns:mc="http://schemas.openxmlformats.org/markup-compatibility/2006">
               <mc:Choice xmlns:v="urn:schemas-microsoft-com:vml" Requires="v">
-                <p:oleObj spid="_x0000_s10300" name="Rovnica" r:id="rId12" imgW="2920680" imgH="850680" progId="Equation.3">
+                <p:oleObj spid="_x0000_s10306" name="Rovnica" r:id="rId12" imgW="2920680" imgH="850680" progId="Equation.3">
                   <p:embed/>
                 </p:oleObj>
               </mc:Choice>
@@ -8343,7 +7503,7 @@
                       <p:cNvPr id="15" name="Object 4">
                         <a:extLst>
                           <a:ext uri="{FF2B5EF4-FFF2-40B4-BE49-F238E27FC236}">
-                            <a16:creationId xmlns:a16="http://schemas.microsoft.com/office/drawing/2014/main" id="{B700FB93-CD0E-4657-A3FF-3EA165030DD2}"/>
+                            <a16:creationId xmlns:a16="http://schemas.microsoft.com/office/drawing/2014/main" xmlns="" id="{B700FB93-CD0E-4657-A3FF-3EA165030DD2}"/>
                           </a:ext>
                         </a:extLst>
                       </p:cNvPr>
@@ -8384,7 +7544,7 @@
           <p:cNvPr id="18" name="Object 11">
             <a:extLst>
               <a:ext uri="{FF2B5EF4-FFF2-40B4-BE49-F238E27FC236}">
-                <a16:creationId xmlns:a16="http://schemas.microsoft.com/office/drawing/2014/main" id="{0660376B-05F2-46A6-A177-C4F388291588}"/>
+                <a16:creationId xmlns:a16="http://schemas.microsoft.com/office/drawing/2014/main" xmlns="" id="{0660376B-05F2-46A6-A177-C4F388291588}"/>
               </a:ext>
             </a:extLst>
           </p:cNvPr>
@@ -8407,7 +7567,7 @@
           <a:graphicData uri="http://schemas.openxmlformats.org/presentationml/2006/ole">
             <mc:AlternateContent xmlns:mc="http://schemas.openxmlformats.org/markup-compatibility/2006">
               <mc:Choice xmlns:v="urn:schemas-microsoft-com:vml" Requires="v">
-                <p:oleObj spid="_x0000_s10301" name="Rovnica" r:id="rId14" imgW="1803240" imgH="1549080" progId="Equation.3">
+                <p:oleObj spid="_x0000_s10307" name="Rovnica" r:id="rId14" imgW="1803240" imgH="1549080" progId="Equation.3">
                   <p:embed/>
                 </p:oleObj>
               </mc:Choice>
@@ -8419,7 +7579,7 @@
                       <p:cNvPr id="16" name="Object 11">
                         <a:extLst>
                           <a:ext uri="{FF2B5EF4-FFF2-40B4-BE49-F238E27FC236}">
-                            <a16:creationId xmlns:a16="http://schemas.microsoft.com/office/drawing/2014/main" id="{E472A796-9269-47F2-96E3-1C91F2631E81}"/>
+                            <a16:creationId xmlns:a16="http://schemas.microsoft.com/office/drawing/2014/main" xmlns="" id="{E472A796-9269-47F2-96E3-1C91F2631E81}"/>
                           </a:ext>
                         </a:extLst>
                       </p:cNvPr>
@@ -8474,7 +7634,7 @@
 </p:sld>
 </file>
 
-<file path=ppt/slides/slide16.xml><?xml version="1.0" encoding="utf-8"?>
+<file path=ppt/slides/slide15.xml><?xml version="1.0" encoding="utf-8"?>
 <p:sld xmlns:a="http://schemas.openxmlformats.org/drawingml/2006/main" xmlns:r="http://schemas.openxmlformats.org/officeDocument/2006/relationships" xmlns:p="http://schemas.openxmlformats.org/presentationml/2006/main">
   <p:cSld>
     <p:spTree>
@@ -8496,7 +7656,7 @@
           <p:cNvPr id="2" name="Nadpis 1">
             <a:extLst>
               <a:ext uri="{FF2B5EF4-FFF2-40B4-BE49-F238E27FC236}">
-                <a16:creationId xmlns:a16="http://schemas.microsoft.com/office/drawing/2014/main" id="{7D48ED48-9E7E-48BA-814F-E0FD2BB88B23}"/>
+                <a16:creationId xmlns:a16="http://schemas.microsoft.com/office/drawing/2014/main" xmlns="" id="{7D48ED48-9E7E-48BA-814F-E0FD2BB88B23}"/>
               </a:ext>
             </a:extLst>
           </p:cNvPr>
@@ -8567,7 +7727,7 @@
           <p:cNvPr id="4" name="BlokTextu 3">
             <a:extLst>
               <a:ext uri="{FF2B5EF4-FFF2-40B4-BE49-F238E27FC236}">
-                <a16:creationId xmlns:a16="http://schemas.microsoft.com/office/drawing/2014/main" id="{55C0E178-6EC6-48C7-812B-10F18B349079}"/>
+                <a16:creationId xmlns:a16="http://schemas.microsoft.com/office/drawing/2014/main" xmlns="" id="{55C0E178-6EC6-48C7-812B-10F18B349079}"/>
               </a:ext>
             </a:extLst>
           </p:cNvPr>
@@ -8623,7 +7783,7 @@
           <p:cNvPr id="5" name="object 40">
             <a:extLst>
               <a:ext uri="{FF2B5EF4-FFF2-40B4-BE49-F238E27FC236}">
-                <a16:creationId xmlns:a16="http://schemas.microsoft.com/office/drawing/2014/main" id="{1E038FF6-F9B7-4CD4-8D9C-EB6681042B50}"/>
+                <a16:creationId xmlns:a16="http://schemas.microsoft.com/office/drawing/2014/main" xmlns="" id="{1E038FF6-F9B7-4CD4-8D9C-EB6681042B50}"/>
               </a:ext>
             </a:extLst>
           </p:cNvPr>
@@ -8742,7 +7902,7 @@
           <p:cNvPr id="7" name="BlokTextu 6">
             <a:extLst>
               <a:ext uri="{FF2B5EF4-FFF2-40B4-BE49-F238E27FC236}">
-                <a16:creationId xmlns:a16="http://schemas.microsoft.com/office/drawing/2014/main" id="{0F0FA729-A0DC-4FA2-AE93-02307DA2576E}"/>
+                <a16:creationId xmlns:a16="http://schemas.microsoft.com/office/drawing/2014/main" xmlns="" id="{0F0FA729-A0DC-4FA2-AE93-02307DA2576E}"/>
               </a:ext>
             </a:extLst>
           </p:cNvPr>
@@ -8798,7 +7958,7 @@
           <p:cNvPr id="14" name="Object 13">
             <a:extLst>
               <a:ext uri="{FF2B5EF4-FFF2-40B4-BE49-F238E27FC236}">
-                <a16:creationId xmlns:a16="http://schemas.microsoft.com/office/drawing/2014/main" id="{3C33604A-DB1C-4384-B926-D284F8683143}"/>
+                <a16:creationId xmlns:a16="http://schemas.microsoft.com/office/drawing/2014/main" xmlns="" id="{3C33604A-DB1C-4384-B926-D284F8683143}"/>
               </a:ext>
             </a:extLst>
           </p:cNvPr>
@@ -8821,7 +7981,7 @@
           <a:graphicData uri="http://schemas.openxmlformats.org/presentationml/2006/ole">
             <mc:AlternateContent xmlns:mc="http://schemas.openxmlformats.org/markup-compatibility/2006">
               <mc:Choice xmlns:v="urn:schemas-microsoft-com:vml" Requires="v">
-                <p:oleObj spid="_x0000_s11311" name="Rovnica" r:id="rId3" imgW="2273040" imgH="482400" progId="Equation.3">
+                <p:oleObj spid="_x0000_s11316" name="Rovnica" r:id="rId3" imgW="2273040" imgH="482400" progId="Equation.3">
                   <p:embed/>
                 </p:oleObj>
               </mc:Choice>
@@ -8874,7 +8034,7 @@
           <p:cNvPr id="15" name="Object 14">
             <a:extLst>
               <a:ext uri="{FF2B5EF4-FFF2-40B4-BE49-F238E27FC236}">
-                <a16:creationId xmlns:a16="http://schemas.microsoft.com/office/drawing/2014/main" id="{DAB59EF6-DC37-4FCF-BB45-5F2F2D1D89D4}"/>
+                <a16:creationId xmlns:a16="http://schemas.microsoft.com/office/drawing/2014/main" xmlns="" id="{DAB59EF6-DC37-4FCF-BB45-5F2F2D1D89D4}"/>
               </a:ext>
             </a:extLst>
           </p:cNvPr>
@@ -8897,7 +8057,7 @@
           <a:graphicData uri="http://schemas.openxmlformats.org/presentationml/2006/ole">
             <mc:AlternateContent xmlns:mc="http://schemas.openxmlformats.org/markup-compatibility/2006">
               <mc:Choice xmlns:v="urn:schemas-microsoft-com:vml" Requires="v">
-                <p:oleObj spid="_x0000_s11312" name="Rovnica" r:id="rId5" imgW="3174840" imgH="914400" progId="Equation.3">
+                <p:oleObj spid="_x0000_s11317" name="Rovnica" r:id="rId5" imgW="3174840" imgH="914400" progId="Equation.3">
                   <p:embed/>
                 </p:oleObj>
               </mc:Choice>
@@ -8950,7 +8110,7 @@
           <p:cNvPr id="16" name="Object 17">
             <a:extLst>
               <a:ext uri="{FF2B5EF4-FFF2-40B4-BE49-F238E27FC236}">
-                <a16:creationId xmlns:a16="http://schemas.microsoft.com/office/drawing/2014/main" id="{1F070C7D-D6E1-4FC4-B160-B24010EBFDBE}"/>
+                <a16:creationId xmlns:a16="http://schemas.microsoft.com/office/drawing/2014/main" xmlns="" id="{1F070C7D-D6E1-4FC4-B160-B24010EBFDBE}"/>
               </a:ext>
             </a:extLst>
           </p:cNvPr>
@@ -8973,7 +8133,7 @@
           <a:graphicData uri="http://schemas.openxmlformats.org/presentationml/2006/ole">
             <mc:AlternateContent xmlns:mc="http://schemas.openxmlformats.org/markup-compatibility/2006">
               <mc:Choice xmlns:v="urn:schemas-microsoft-com:vml" Requires="v">
-                <p:oleObj spid="_x0000_s11313" name="Rovnica" r:id="rId7" imgW="1650960" imgH="888840" progId="Equation.3">
+                <p:oleObj spid="_x0000_s11318" name="Rovnica" r:id="rId7" imgW="1650960" imgH="888840" progId="Equation.3">
                   <p:embed/>
                 </p:oleObj>
               </mc:Choice>
@@ -9049,7 +8209,7 @@
           <p:cNvPr id="18" name="BlokTextu 17">
             <a:extLst>
               <a:ext uri="{FF2B5EF4-FFF2-40B4-BE49-F238E27FC236}">
-                <a16:creationId xmlns:a16="http://schemas.microsoft.com/office/drawing/2014/main" id="{53AFAA82-EF54-472B-9207-313DC62AC008}"/>
+                <a16:creationId xmlns:a16="http://schemas.microsoft.com/office/drawing/2014/main" xmlns="" id="{53AFAA82-EF54-472B-9207-313DC62AC008}"/>
               </a:ext>
             </a:extLst>
           </p:cNvPr>
@@ -9092,7 +8252,7 @@
           <p:cNvPr id="19" name="Object 5">
             <a:extLst>
               <a:ext uri="{FF2B5EF4-FFF2-40B4-BE49-F238E27FC236}">
-                <a16:creationId xmlns:a16="http://schemas.microsoft.com/office/drawing/2014/main" id="{E100292C-F0B9-4FE6-98AC-736AF4CE5DAB}"/>
+                <a16:creationId xmlns:a16="http://schemas.microsoft.com/office/drawing/2014/main" xmlns="" id="{E100292C-F0B9-4FE6-98AC-736AF4CE5DAB}"/>
               </a:ext>
             </a:extLst>
           </p:cNvPr>
@@ -9115,7 +8275,7 @@
           <a:graphicData uri="http://schemas.openxmlformats.org/presentationml/2006/ole">
             <mc:AlternateContent xmlns:mc="http://schemas.openxmlformats.org/markup-compatibility/2006">
               <mc:Choice xmlns:v="urn:schemas-microsoft-com:vml" Requires="v">
-                <p:oleObj spid="_x0000_s11314" name="Rovnica" r:id="rId9" imgW="990360" imgH="330120" progId="Equation.3">
+                <p:oleObj spid="_x0000_s11319" name="Rovnica" r:id="rId9" imgW="990360" imgH="330120" progId="Equation.3">
                   <p:embed/>
                 </p:oleObj>
               </mc:Choice>
@@ -9161,7 +8321,7 @@
           <p:cNvPr id="20" name="Object 16">
             <a:extLst>
               <a:ext uri="{FF2B5EF4-FFF2-40B4-BE49-F238E27FC236}">
-                <a16:creationId xmlns:a16="http://schemas.microsoft.com/office/drawing/2014/main" id="{BD56445A-8DF5-46E5-BC68-0E53BDEF4D90}"/>
+                <a16:creationId xmlns:a16="http://schemas.microsoft.com/office/drawing/2014/main" xmlns="" id="{BD56445A-8DF5-46E5-BC68-0E53BDEF4D90}"/>
               </a:ext>
             </a:extLst>
           </p:cNvPr>
@@ -9184,7 +8344,7 @@
           <a:graphicData uri="http://schemas.openxmlformats.org/presentationml/2006/ole">
             <mc:AlternateContent xmlns:mc="http://schemas.openxmlformats.org/markup-compatibility/2006">
               <mc:Choice xmlns:v="urn:schemas-microsoft-com:vml" Requires="v">
-                <p:oleObj spid="_x0000_s11315" name="Rovnica" r:id="rId11" imgW="3047760" imgH="571320" progId="Equation.3">
+                <p:oleObj spid="_x0000_s11320" name="Rovnica" r:id="rId11" imgW="3047760" imgH="571320" progId="Equation.3">
                   <p:embed/>
                 </p:oleObj>
               </mc:Choice>
@@ -9237,7 +8397,7 @@
           <p:cNvPr id="21" name="BlokTextu 20">
             <a:extLst>
               <a:ext uri="{FF2B5EF4-FFF2-40B4-BE49-F238E27FC236}">
-                <a16:creationId xmlns:a16="http://schemas.microsoft.com/office/drawing/2014/main" id="{251244D2-A687-43ED-A229-1155438C4957}"/>
+                <a16:creationId xmlns:a16="http://schemas.microsoft.com/office/drawing/2014/main" xmlns="" id="{251244D2-A687-43ED-A229-1155438C4957}"/>
               </a:ext>
             </a:extLst>
           </p:cNvPr>
@@ -9315,6 +8475,511 @@
     <p:extLst>
       <p:ext uri="{BB962C8B-B14F-4D97-AF65-F5344CB8AC3E}">
         <p14:creationId xmlns:p14="http://schemas.microsoft.com/office/powerpoint/2010/main" val="480661302"/>
+      </p:ext>
+    </p:extLst>
+  </p:cSld>
+  <p:clrMapOvr>
+    <a:masterClrMapping/>
+  </p:clrMapOvr>
+</p:sld>
+</file>
+
+<file path=ppt/slides/slide16.xml><?xml version="1.0" encoding="utf-8"?>
+<p:sld xmlns:a="http://schemas.openxmlformats.org/drawingml/2006/main" xmlns:r="http://schemas.openxmlformats.org/officeDocument/2006/relationships" xmlns:p="http://schemas.openxmlformats.org/presentationml/2006/main">
+  <p:cSld>
+    <p:spTree>
+      <p:nvGrpSpPr>
+        <p:cNvPr id="1" name=""/>
+        <p:cNvGrpSpPr/>
+        <p:nvPr/>
+      </p:nvGrpSpPr>
+      <p:grpSpPr>
+        <a:xfrm>
+          <a:off x="0" y="0"/>
+          <a:ext cx="0" cy="0"/>
+          <a:chOff x="0" y="0"/>
+          <a:chExt cx="0" cy="0"/>
+        </a:xfrm>
+      </p:grpSpPr>
+      <p:sp>
+        <p:nvSpPr>
+          <p:cNvPr id="2" name="Nadpis 1">
+            <a:extLst>
+              <a:ext uri="{FF2B5EF4-FFF2-40B4-BE49-F238E27FC236}">
+                <a16:creationId xmlns:a16="http://schemas.microsoft.com/office/drawing/2014/main" xmlns="" id="{3295EED2-3CDB-4EA4-B741-0403C9F88466}"/>
+              </a:ext>
+            </a:extLst>
+          </p:cNvPr>
+          <p:cNvSpPr>
+            <a:spLocks noGrp="1"/>
+          </p:cNvSpPr>
+          <p:nvPr>
+            <p:ph type="title"/>
+          </p:nvPr>
+        </p:nvSpPr>
+        <p:spPr>
+          <a:xfrm>
+            <a:off x="-1" y="0"/>
+            <a:ext cx="6961633" cy="885825"/>
+          </a:xfrm>
+        </p:spPr>
+        <p:txBody>
+          <a:bodyPr>
+            <a:normAutofit fontScale="90000"/>
+          </a:bodyPr>
+          <a:lstStyle/>
+          <a:p>
+            <a:r>
+              <a:rPr lang="sk-SK" dirty="0"/>
+              <a:t>Vyšetrite podmienky regulácie </a:t>
+            </a:r>
+            <a:r>
+              <a:rPr lang="sk-SK" dirty="0" err="1"/>
+              <a:t>astatickej</a:t>
+            </a:r>
+            <a:r>
+              <a:rPr lang="sk-SK" dirty="0"/>
+              <a:t> sústavy prvého rádu  s P regulátorom</a:t>
+            </a:r>
+            <a:endParaRPr lang="en-GB" dirty="0"/>
+          </a:p>
+        </p:txBody>
+      </p:sp>
+      <p:sp>
+        <p:nvSpPr>
+          <p:cNvPr id="9" name="object 24">
+            <a:extLst>
+              <a:ext uri="{FF2B5EF4-FFF2-40B4-BE49-F238E27FC236}">
+                <a16:creationId xmlns:a16="http://schemas.microsoft.com/office/drawing/2014/main" xmlns="" id="{D8FAE29D-6051-46CA-90C7-C7FCA4757DB7}"/>
+              </a:ext>
+            </a:extLst>
+          </p:cNvPr>
+          <p:cNvSpPr/>
+          <p:nvPr/>
+        </p:nvSpPr>
+        <p:spPr>
+          <a:xfrm>
+            <a:off x="256765" y="1084905"/>
+            <a:ext cx="3777747" cy="1484986"/>
+          </a:xfrm>
+          <a:prstGeom prst="rect">
+            <a:avLst/>
+          </a:prstGeom>
+          <a:blipFill>
+            <a:blip r:embed="rId2" cstate="print"/>
+            <a:stretch>
+              <a:fillRect/>
+            </a:stretch>
+          </a:blipFill>
+        </p:spPr>
+        <p:txBody>
+          <a:bodyPr wrap="square" lIns="0" tIns="0" rIns="0" bIns="0" rtlCol="0"/>
+          <a:lstStyle/>
+          <a:p>
+            <a:endParaRPr/>
+          </a:p>
+        </p:txBody>
+      </p:sp>
+      <p:sp>
+        <p:nvSpPr>
+          <p:cNvPr id="10" name="object 25">
+            <a:extLst>
+              <a:ext uri="{FF2B5EF4-FFF2-40B4-BE49-F238E27FC236}">
+                <a16:creationId xmlns:a16="http://schemas.microsoft.com/office/drawing/2014/main" xmlns="" id="{D0D8D864-963E-4EF4-9C10-CA584785EEE6}"/>
+              </a:ext>
+            </a:extLst>
+          </p:cNvPr>
+          <p:cNvSpPr txBox="1"/>
+          <p:nvPr/>
+        </p:nvSpPr>
+        <p:spPr>
+          <a:xfrm>
+            <a:off x="346708" y="3391927"/>
+            <a:ext cx="2354561" cy="322523"/>
+          </a:xfrm>
+          <a:prstGeom prst="rect">
+            <a:avLst/>
+          </a:prstGeom>
+        </p:spPr>
+        <p:txBody>
+          <a:bodyPr vert="horz" wrap="square" lIns="0" tIns="14604" rIns="0" bIns="0" rtlCol="0">
+            <a:spAutoFit/>
+          </a:bodyPr>
+          <a:lstStyle/>
+          <a:p>
+            <a:pPr marL="12700">
+              <a:lnSpc>
+                <a:spcPct val="100000"/>
+              </a:lnSpc>
+              <a:spcBef>
+                <a:spcPts val="114"/>
+              </a:spcBef>
+            </a:pPr>
+            <a:r>
+              <a:rPr sz="2000" spc="50" dirty="0">
+                <a:solidFill>
+                  <a:srgbClr val="231F20"/>
+                </a:solidFill>
+                <a:latin typeface="Arial"/>
+                <a:cs typeface="Arial"/>
+              </a:rPr>
+              <a:t>G</a:t>
+            </a:r>
+            <a:r>
+              <a:rPr sz="2000" spc="75" baseline="-15625" dirty="0">
+                <a:solidFill>
+                  <a:srgbClr val="231F20"/>
+                </a:solidFill>
+                <a:latin typeface="Arial"/>
+                <a:cs typeface="Arial"/>
+              </a:rPr>
+              <a:t>o</a:t>
+            </a:r>
+            <a:r>
+              <a:rPr sz="2000" spc="50" dirty="0">
+                <a:solidFill>
+                  <a:srgbClr val="231F20"/>
+                </a:solidFill>
+                <a:latin typeface="Arial"/>
+                <a:cs typeface="Arial"/>
+              </a:rPr>
+              <a:t>(s) </a:t>
+            </a:r>
+            <a:r>
+              <a:rPr sz="2000" spc="25" dirty="0">
+                <a:solidFill>
+                  <a:srgbClr val="231F20"/>
+                </a:solidFill>
+                <a:latin typeface="Arial"/>
+                <a:cs typeface="Arial"/>
+              </a:rPr>
+              <a:t>=</a:t>
+            </a:r>
+            <a:r>
+              <a:rPr sz="2000" spc="-390" dirty="0">
+                <a:solidFill>
+                  <a:srgbClr val="231F20"/>
+                </a:solidFill>
+                <a:latin typeface="Arial"/>
+                <a:cs typeface="Arial"/>
+              </a:rPr>
+              <a:t> </a:t>
+            </a:r>
+            <a:r>
+              <a:rPr sz="2000" spc="40" dirty="0">
+                <a:solidFill>
+                  <a:srgbClr val="231F20"/>
+                </a:solidFill>
+                <a:latin typeface="Arial"/>
+                <a:cs typeface="Arial"/>
+              </a:rPr>
+              <a:t>G</a:t>
+            </a:r>
+            <a:r>
+              <a:rPr sz="2000" spc="60" baseline="-15625" dirty="0">
+                <a:solidFill>
+                  <a:srgbClr val="231F20"/>
+                </a:solidFill>
+                <a:latin typeface="Arial"/>
+                <a:cs typeface="Arial"/>
+              </a:rPr>
+              <a:t>R</a:t>
+            </a:r>
+            <a:r>
+              <a:rPr sz="2000" spc="40" dirty="0">
+                <a:solidFill>
+                  <a:srgbClr val="231F20"/>
+                </a:solidFill>
+                <a:latin typeface="Arial"/>
+                <a:cs typeface="Arial"/>
+              </a:rPr>
+              <a:t>(s)G</a:t>
+            </a:r>
+            <a:r>
+              <a:rPr sz="2000" spc="60" baseline="-15625" dirty="0">
+                <a:solidFill>
+                  <a:srgbClr val="231F20"/>
+                </a:solidFill>
+                <a:latin typeface="Arial"/>
+                <a:cs typeface="Arial"/>
+              </a:rPr>
+              <a:t>S</a:t>
+            </a:r>
+            <a:r>
+              <a:rPr sz="2000" spc="40" dirty="0">
+                <a:solidFill>
+                  <a:srgbClr val="231F20"/>
+                </a:solidFill>
+                <a:latin typeface="Arial"/>
+                <a:cs typeface="Arial"/>
+              </a:rPr>
+              <a:t>(s)</a:t>
+            </a:r>
+            <a:endParaRPr sz="2000">
+              <a:latin typeface="Arial"/>
+              <a:cs typeface="Arial"/>
+            </a:endParaRPr>
+          </a:p>
+        </p:txBody>
+      </p:sp>
+      <p:pic>
+        <p:nvPicPr>
+          <p:cNvPr id="29" name="Obrázok 28">
+            <a:extLst>
+              <a:ext uri="{FF2B5EF4-FFF2-40B4-BE49-F238E27FC236}">
+                <a16:creationId xmlns:a16="http://schemas.microsoft.com/office/drawing/2014/main" xmlns="" id="{A00E9942-9975-4FB7-B39E-21BB91256549}"/>
+              </a:ext>
+            </a:extLst>
+          </p:cNvPr>
+          <p:cNvPicPr>
+            <a:picLocks noChangeAspect="1"/>
+          </p:cNvPicPr>
+          <p:nvPr/>
+        </p:nvPicPr>
+        <p:blipFill>
+          <a:blip r:embed="rId3"/>
+          <a:stretch>
+            <a:fillRect/>
+          </a:stretch>
+        </p:blipFill>
+        <p:spPr>
+          <a:xfrm>
+            <a:off x="2554242" y="3228835"/>
+            <a:ext cx="527114" cy="689303"/>
+          </a:xfrm>
+          <a:prstGeom prst="rect">
+            <a:avLst/>
+          </a:prstGeom>
+        </p:spPr>
+      </p:pic>
+      <p:pic>
+        <p:nvPicPr>
+          <p:cNvPr id="31" name="Obrázok 30">
+            <a:extLst>
+              <a:ext uri="{FF2B5EF4-FFF2-40B4-BE49-F238E27FC236}">
+                <a16:creationId xmlns:a16="http://schemas.microsoft.com/office/drawing/2014/main" xmlns="" id="{21D2E9B3-AEB0-4493-81BB-B3BE8D43365C}"/>
+              </a:ext>
+            </a:extLst>
+          </p:cNvPr>
+          <p:cNvPicPr>
+            <a:picLocks noChangeAspect="1"/>
+          </p:cNvPicPr>
+          <p:nvPr/>
+        </p:nvPicPr>
+        <p:blipFill>
+          <a:blip r:embed="rId4"/>
+          <a:stretch>
+            <a:fillRect/>
+          </a:stretch>
+        </p:blipFill>
+        <p:spPr>
+          <a:xfrm>
+            <a:off x="242787" y="4982671"/>
+            <a:ext cx="5867400" cy="1171575"/>
+          </a:xfrm>
+          <a:prstGeom prst="rect">
+            <a:avLst/>
+          </a:prstGeom>
+        </p:spPr>
+      </p:pic>
+      <p:sp>
+        <p:nvSpPr>
+          <p:cNvPr id="35" name="BlokTextu 34">
+            <a:extLst>
+              <a:ext uri="{FF2B5EF4-FFF2-40B4-BE49-F238E27FC236}">
+                <a16:creationId xmlns:a16="http://schemas.microsoft.com/office/drawing/2014/main" xmlns="" id="{7628D5AA-CD4A-425D-8003-1FE960D16161}"/>
+              </a:ext>
+            </a:extLst>
+          </p:cNvPr>
+          <p:cNvSpPr txBox="1"/>
+          <p:nvPr/>
+        </p:nvSpPr>
+        <p:spPr>
+          <a:xfrm>
+            <a:off x="242787" y="4577081"/>
+            <a:ext cx="5544616" cy="400110"/>
+          </a:xfrm>
+          <a:prstGeom prst="rect">
+            <a:avLst/>
+          </a:prstGeom>
+          <a:noFill/>
+        </p:spPr>
+        <p:txBody>
+          <a:bodyPr wrap="square" rtlCol="0">
+            <a:spAutoFit/>
+          </a:bodyPr>
+          <a:lstStyle/>
+          <a:p>
+            <a:r>
+              <a:rPr lang="en-US" sz="2000" dirty="0" err="1">
+                <a:solidFill>
+                  <a:schemeClr val="tx1">
+                    <a:lumMod val="75000"/>
+                    <a:lumOff val="25000"/>
+                  </a:schemeClr>
+                </a:solidFill>
+              </a:rPr>
+              <a:t>Prenosov</a:t>
+            </a:r>
+            <a:r>
+              <a:rPr lang="sk-SK" sz="2000" dirty="0">
+                <a:solidFill>
+                  <a:schemeClr val="tx1">
+                    <a:lumMod val="75000"/>
+                    <a:lumOff val="25000"/>
+                  </a:schemeClr>
+                </a:solidFill>
+              </a:rPr>
+              <a:t>á</a:t>
+            </a:r>
+            <a:r>
+              <a:rPr lang="en-US" sz="2000" dirty="0">
+                <a:solidFill>
+                  <a:schemeClr val="tx1">
+                    <a:lumMod val="75000"/>
+                    <a:lumOff val="25000"/>
+                  </a:schemeClr>
+                </a:solidFill>
+              </a:rPr>
+              <a:t> </a:t>
+            </a:r>
+            <a:r>
+              <a:rPr lang="en-US" sz="2000" dirty="0" err="1">
+                <a:solidFill>
+                  <a:schemeClr val="tx1">
+                    <a:lumMod val="75000"/>
+                    <a:lumOff val="25000"/>
+                  </a:schemeClr>
+                </a:solidFill>
+              </a:rPr>
+              <a:t>funkcia</a:t>
+            </a:r>
+            <a:r>
+              <a:rPr lang="en-US" sz="2000" dirty="0">
+                <a:solidFill>
+                  <a:schemeClr val="tx1">
+                    <a:lumMod val="75000"/>
+                    <a:lumOff val="25000"/>
+                  </a:schemeClr>
+                </a:solidFill>
+              </a:rPr>
+              <a:t> </a:t>
+            </a:r>
+            <a:r>
+              <a:rPr lang="sk-SK" sz="2000" dirty="0">
+                <a:solidFill>
+                  <a:schemeClr val="tx1">
+                    <a:lumMod val="75000"/>
+                    <a:lumOff val="25000"/>
+                  </a:schemeClr>
+                </a:solidFill>
+              </a:rPr>
+              <a:t>uzavretého obvodu:</a:t>
+            </a:r>
+          </a:p>
+        </p:txBody>
+      </p:sp>
+      <p:sp>
+        <p:nvSpPr>
+          <p:cNvPr id="36" name="BlokTextu 35">
+            <a:extLst>
+              <a:ext uri="{FF2B5EF4-FFF2-40B4-BE49-F238E27FC236}">
+                <a16:creationId xmlns:a16="http://schemas.microsoft.com/office/drawing/2014/main" xmlns="" id="{2D75B423-ABBE-4E5B-8683-9A1D6E6C1A27}"/>
+              </a:ext>
+            </a:extLst>
+          </p:cNvPr>
+          <p:cNvSpPr txBox="1"/>
+          <p:nvPr/>
+        </p:nvSpPr>
+        <p:spPr>
+          <a:xfrm>
+            <a:off x="256765" y="2708094"/>
+            <a:ext cx="4750129" cy="400110"/>
+          </a:xfrm>
+          <a:prstGeom prst="rect">
+            <a:avLst/>
+          </a:prstGeom>
+          <a:noFill/>
+        </p:spPr>
+        <p:txBody>
+          <a:bodyPr wrap="square" rtlCol="0">
+            <a:spAutoFit/>
+          </a:bodyPr>
+          <a:lstStyle/>
+          <a:p>
+            <a:r>
+              <a:rPr lang="en-US" sz="2000" dirty="0" err="1">
+                <a:solidFill>
+                  <a:schemeClr val="tx1">
+                    <a:lumMod val="75000"/>
+                    <a:lumOff val="25000"/>
+                  </a:schemeClr>
+                </a:solidFill>
+              </a:rPr>
+              <a:t>Prenosov</a:t>
+            </a:r>
+            <a:r>
+              <a:rPr lang="sk-SK" sz="2000" dirty="0">
+                <a:solidFill>
+                  <a:schemeClr val="tx1">
+                    <a:lumMod val="75000"/>
+                    <a:lumOff val="25000"/>
+                  </a:schemeClr>
+                </a:solidFill>
+              </a:rPr>
+              <a:t>á</a:t>
+            </a:r>
+            <a:r>
+              <a:rPr lang="en-US" sz="2000" dirty="0">
+                <a:solidFill>
+                  <a:schemeClr val="tx1">
+                    <a:lumMod val="75000"/>
+                    <a:lumOff val="25000"/>
+                  </a:schemeClr>
+                </a:solidFill>
+              </a:rPr>
+              <a:t> </a:t>
+            </a:r>
+            <a:r>
+              <a:rPr lang="en-US" sz="2000" dirty="0" err="1">
+                <a:solidFill>
+                  <a:schemeClr val="tx1">
+                    <a:lumMod val="75000"/>
+                    <a:lumOff val="25000"/>
+                  </a:schemeClr>
+                </a:solidFill>
+              </a:rPr>
+              <a:t>funkcia</a:t>
+            </a:r>
+            <a:r>
+              <a:rPr lang="en-US" sz="2000" dirty="0">
+                <a:solidFill>
+                  <a:schemeClr val="tx1">
+                    <a:lumMod val="75000"/>
+                    <a:lumOff val="25000"/>
+                  </a:schemeClr>
+                </a:solidFill>
+              </a:rPr>
+              <a:t> </a:t>
+            </a:r>
+            <a:r>
+              <a:rPr lang="sk-SK" sz="2000" dirty="0">
+                <a:solidFill>
+                  <a:schemeClr val="tx1">
+                    <a:lumMod val="75000"/>
+                    <a:lumOff val="25000"/>
+                  </a:schemeClr>
+                </a:solidFill>
+              </a:rPr>
+              <a:t>otvoreného obvodu:</a:t>
+            </a:r>
+          </a:p>
+        </p:txBody>
+      </p:sp>
+    </p:spTree>
+    <p:extLst>
+      <p:ext uri="{BB962C8B-B14F-4D97-AF65-F5344CB8AC3E}">
+        <p14:creationId xmlns:p14="http://schemas.microsoft.com/office/powerpoint/2010/main" val="468826116"/>
       </p:ext>
     </p:extLst>
   </p:cSld>
@@ -9346,512 +9011,7 @@
           <p:cNvPr id="2" name="Nadpis 1">
             <a:extLst>
               <a:ext uri="{FF2B5EF4-FFF2-40B4-BE49-F238E27FC236}">
-                <a16:creationId xmlns:a16="http://schemas.microsoft.com/office/drawing/2014/main" id="{3295EED2-3CDB-4EA4-B741-0403C9F88466}"/>
-              </a:ext>
-            </a:extLst>
-          </p:cNvPr>
-          <p:cNvSpPr>
-            <a:spLocks noGrp="1"/>
-          </p:cNvSpPr>
-          <p:nvPr>
-            <p:ph type="title"/>
-          </p:nvPr>
-        </p:nvSpPr>
-        <p:spPr>
-          <a:xfrm>
-            <a:off x="-1" y="0"/>
-            <a:ext cx="6961633" cy="885825"/>
-          </a:xfrm>
-        </p:spPr>
-        <p:txBody>
-          <a:bodyPr>
-            <a:normAutofit fontScale="90000"/>
-          </a:bodyPr>
-          <a:lstStyle/>
-          <a:p>
-            <a:r>
-              <a:rPr lang="sk-SK" dirty="0"/>
-              <a:t>Vyšetrite podmienky regulácie </a:t>
-            </a:r>
-            <a:r>
-              <a:rPr lang="sk-SK" dirty="0" err="1"/>
-              <a:t>astatickej</a:t>
-            </a:r>
-            <a:r>
-              <a:rPr lang="sk-SK" dirty="0"/>
-              <a:t> sústavy prvého rádu  s P regulátorom</a:t>
-            </a:r>
-            <a:endParaRPr lang="en-GB" dirty="0"/>
-          </a:p>
-        </p:txBody>
-      </p:sp>
-      <p:sp>
-        <p:nvSpPr>
-          <p:cNvPr id="9" name="object 24">
-            <a:extLst>
-              <a:ext uri="{FF2B5EF4-FFF2-40B4-BE49-F238E27FC236}">
-                <a16:creationId xmlns:a16="http://schemas.microsoft.com/office/drawing/2014/main" id="{D8FAE29D-6051-46CA-90C7-C7FCA4757DB7}"/>
-              </a:ext>
-            </a:extLst>
-          </p:cNvPr>
-          <p:cNvSpPr/>
-          <p:nvPr/>
-        </p:nvSpPr>
-        <p:spPr>
-          <a:xfrm>
-            <a:off x="256765" y="1084905"/>
-            <a:ext cx="3777747" cy="1484986"/>
-          </a:xfrm>
-          <a:prstGeom prst="rect">
-            <a:avLst/>
-          </a:prstGeom>
-          <a:blipFill>
-            <a:blip r:embed="rId2" cstate="print"/>
-            <a:stretch>
-              <a:fillRect/>
-            </a:stretch>
-          </a:blipFill>
-        </p:spPr>
-        <p:txBody>
-          <a:bodyPr wrap="square" lIns="0" tIns="0" rIns="0" bIns="0" rtlCol="0"/>
-          <a:lstStyle/>
-          <a:p>
-            <a:endParaRPr/>
-          </a:p>
-        </p:txBody>
-      </p:sp>
-      <p:sp>
-        <p:nvSpPr>
-          <p:cNvPr id="10" name="object 25">
-            <a:extLst>
-              <a:ext uri="{FF2B5EF4-FFF2-40B4-BE49-F238E27FC236}">
-                <a16:creationId xmlns:a16="http://schemas.microsoft.com/office/drawing/2014/main" id="{D0D8D864-963E-4EF4-9C10-CA584785EEE6}"/>
-              </a:ext>
-            </a:extLst>
-          </p:cNvPr>
-          <p:cNvSpPr txBox="1"/>
-          <p:nvPr/>
-        </p:nvSpPr>
-        <p:spPr>
-          <a:xfrm>
-            <a:off x="346708" y="3391927"/>
-            <a:ext cx="2354561" cy="322523"/>
-          </a:xfrm>
-          <a:prstGeom prst="rect">
-            <a:avLst/>
-          </a:prstGeom>
-        </p:spPr>
-        <p:txBody>
-          <a:bodyPr vert="horz" wrap="square" lIns="0" tIns="14604" rIns="0" bIns="0" rtlCol="0">
-            <a:spAutoFit/>
-          </a:bodyPr>
-          <a:lstStyle/>
-          <a:p>
-            <a:pPr marL="12700">
-              <a:lnSpc>
-                <a:spcPct val="100000"/>
-              </a:lnSpc>
-              <a:spcBef>
-                <a:spcPts val="114"/>
-              </a:spcBef>
-            </a:pPr>
-            <a:r>
-              <a:rPr sz="2000" spc="50" dirty="0">
-                <a:solidFill>
-                  <a:srgbClr val="231F20"/>
-                </a:solidFill>
-                <a:latin typeface="Arial"/>
-                <a:cs typeface="Arial"/>
-              </a:rPr>
-              <a:t>G</a:t>
-            </a:r>
-            <a:r>
-              <a:rPr sz="2000" spc="75" baseline="-15625" dirty="0">
-                <a:solidFill>
-                  <a:srgbClr val="231F20"/>
-                </a:solidFill>
-                <a:latin typeface="Arial"/>
-                <a:cs typeface="Arial"/>
-              </a:rPr>
-              <a:t>o</a:t>
-            </a:r>
-            <a:r>
-              <a:rPr sz="2000" spc="50" dirty="0">
-                <a:solidFill>
-                  <a:srgbClr val="231F20"/>
-                </a:solidFill>
-                <a:latin typeface="Arial"/>
-                <a:cs typeface="Arial"/>
-              </a:rPr>
-              <a:t>(s) </a:t>
-            </a:r>
-            <a:r>
-              <a:rPr sz="2000" spc="25" dirty="0">
-                <a:solidFill>
-                  <a:srgbClr val="231F20"/>
-                </a:solidFill>
-                <a:latin typeface="Arial"/>
-                <a:cs typeface="Arial"/>
-              </a:rPr>
-              <a:t>=</a:t>
-            </a:r>
-            <a:r>
-              <a:rPr sz="2000" spc="-390" dirty="0">
-                <a:solidFill>
-                  <a:srgbClr val="231F20"/>
-                </a:solidFill>
-                <a:latin typeface="Arial"/>
-                <a:cs typeface="Arial"/>
-              </a:rPr>
-              <a:t> </a:t>
-            </a:r>
-            <a:r>
-              <a:rPr sz="2000" spc="40" dirty="0">
-                <a:solidFill>
-                  <a:srgbClr val="231F20"/>
-                </a:solidFill>
-                <a:latin typeface="Arial"/>
-                <a:cs typeface="Arial"/>
-              </a:rPr>
-              <a:t>G</a:t>
-            </a:r>
-            <a:r>
-              <a:rPr sz="2000" spc="60" baseline="-15625" dirty="0">
-                <a:solidFill>
-                  <a:srgbClr val="231F20"/>
-                </a:solidFill>
-                <a:latin typeface="Arial"/>
-                <a:cs typeface="Arial"/>
-              </a:rPr>
-              <a:t>R</a:t>
-            </a:r>
-            <a:r>
-              <a:rPr sz="2000" spc="40" dirty="0">
-                <a:solidFill>
-                  <a:srgbClr val="231F20"/>
-                </a:solidFill>
-                <a:latin typeface="Arial"/>
-                <a:cs typeface="Arial"/>
-              </a:rPr>
-              <a:t>(s)G</a:t>
-            </a:r>
-            <a:r>
-              <a:rPr sz="2000" spc="60" baseline="-15625" dirty="0">
-                <a:solidFill>
-                  <a:srgbClr val="231F20"/>
-                </a:solidFill>
-                <a:latin typeface="Arial"/>
-                <a:cs typeface="Arial"/>
-              </a:rPr>
-              <a:t>S</a:t>
-            </a:r>
-            <a:r>
-              <a:rPr sz="2000" spc="40" dirty="0">
-                <a:solidFill>
-                  <a:srgbClr val="231F20"/>
-                </a:solidFill>
-                <a:latin typeface="Arial"/>
-                <a:cs typeface="Arial"/>
-              </a:rPr>
-              <a:t>(s)</a:t>
-            </a:r>
-            <a:endParaRPr sz="2000">
-              <a:latin typeface="Arial"/>
-              <a:cs typeface="Arial"/>
-            </a:endParaRPr>
-          </a:p>
-        </p:txBody>
-      </p:sp>
-      <p:pic>
-        <p:nvPicPr>
-          <p:cNvPr id="29" name="Obrázok 28">
-            <a:extLst>
-              <a:ext uri="{FF2B5EF4-FFF2-40B4-BE49-F238E27FC236}">
-                <a16:creationId xmlns:a16="http://schemas.microsoft.com/office/drawing/2014/main" id="{A00E9942-9975-4FB7-B39E-21BB91256549}"/>
-              </a:ext>
-            </a:extLst>
-          </p:cNvPr>
-          <p:cNvPicPr>
-            <a:picLocks noChangeAspect="1"/>
-          </p:cNvPicPr>
-          <p:nvPr/>
-        </p:nvPicPr>
-        <p:blipFill>
-          <a:blip r:embed="rId3"/>
-          <a:stretch>
-            <a:fillRect/>
-          </a:stretch>
-        </p:blipFill>
-        <p:spPr>
-          <a:xfrm>
-            <a:off x="2554242" y="3228835"/>
-            <a:ext cx="527114" cy="689303"/>
-          </a:xfrm>
-          <a:prstGeom prst="rect">
-            <a:avLst/>
-          </a:prstGeom>
-        </p:spPr>
-      </p:pic>
-      <p:pic>
-        <p:nvPicPr>
-          <p:cNvPr id="31" name="Obrázok 30">
-            <a:extLst>
-              <a:ext uri="{FF2B5EF4-FFF2-40B4-BE49-F238E27FC236}">
-                <a16:creationId xmlns:a16="http://schemas.microsoft.com/office/drawing/2014/main" id="{21D2E9B3-AEB0-4493-81BB-B3BE8D43365C}"/>
-              </a:ext>
-            </a:extLst>
-          </p:cNvPr>
-          <p:cNvPicPr>
-            <a:picLocks noChangeAspect="1"/>
-          </p:cNvPicPr>
-          <p:nvPr/>
-        </p:nvPicPr>
-        <p:blipFill>
-          <a:blip r:embed="rId4"/>
-          <a:stretch>
-            <a:fillRect/>
-          </a:stretch>
-        </p:blipFill>
-        <p:spPr>
-          <a:xfrm>
-            <a:off x="242787" y="4982671"/>
-            <a:ext cx="5867400" cy="1171575"/>
-          </a:xfrm>
-          <a:prstGeom prst="rect">
-            <a:avLst/>
-          </a:prstGeom>
-        </p:spPr>
-      </p:pic>
-      <p:sp>
-        <p:nvSpPr>
-          <p:cNvPr id="35" name="BlokTextu 34">
-            <a:extLst>
-              <a:ext uri="{FF2B5EF4-FFF2-40B4-BE49-F238E27FC236}">
-                <a16:creationId xmlns:a16="http://schemas.microsoft.com/office/drawing/2014/main" id="{7628D5AA-CD4A-425D-8003-1FE960D16161}"/>
-              </a:ext>
-            </a:extLst>
-          </p:cNvPr>
-          <p:cNvSpPr txBox="1"/>
-          <p:nvPr/>
-        </p:nvSpPr>
-        <p:spPr>
-          <a:xfrm>
-            <a:off x="242787" y="4577081"/>
-            <a:ext cx="5544616" cy="400110"/>
-          </a:xfrm>
-          <a:prstGeom prst="rect">
-            <a:avLst/>
-          </a:prstGeom>
-          <a:noFill/>
-        </p:spPr>
-        <p:txBody>
-          <a:bodyPr wrap="square" rtlCol="0">
-            <a:spAutoFit/>
-          </a:bodyPr>
-          <a:lstStyle/>
-          <a:p>
-            <a:r>
-              <a:rPr lang="en-US" sz="2000" dirty="0" err="1">
-                <a:solidFill>
-                  <a:schemeClr val="tx1">
-                    <a:lumMod val="75000"/>
-                    <a:lumOff val="25000"/>
-                  </a:schemeClr>
-                </a:solidFill>
-              </a:rPr>
-              <a:t>Prenosov</a:t>
-            </a:r>
-            <a:r>
-              <a:rPr lang="sk-SK" sz="2000" dirty="0">
-                <a:solidFill>
-                  <a:schemeClr val="tx1">
-                    <a:lumMod val="75000"/>
-                    <a:lumOff val="25000"/>
-                  </a:schemeClr>
-                </a:solidFill>
-              </a:rPr>
-              <a:t>á</a:t>
-            </a:r>
-            <a:r>
-              <a:rPr lang="en-US" sz="2000" dirty="0">
-                <a:solidFill>
-                  <a:schemeClr val="tx1">
-                    <a:lumMod val="75000"/>
-                    <a:lumOff val="25000"/>
-                  </a:schemeClr>
-                </a:solidFill>
-              </a:rPr>
-              <a:t> </a:t>
-            </a:r>
-            <a:r>
-              <a:rPr lang="en-US" sz="2000" dirty="0" err="1">
-                <a:solidFill>
-                  <a:schemeClr val="tx1">
-                    <a:lumMod val="75000"/>
-                    <a:lumOff val="25000"/>
-                  </a:schemeClr>
-                </a:solidFill>
-              </a:rPr>
-              <a:t>funkcia</a:t>
-            </a:r>
-            <a:r>
-              <a:rPr lang="en-US" sz="2000" dirty="0">
-                <a:solidFill>
-                  <a:schemeClr val="tx1">
-                    <a:lumMod val="75000"/>
-                    <a:lumOff val="25000"/>
-                  </a:schemeClr>
-                </a:solidFill>
-              </a:rPr>
-              <a:t> </a:t>
-            </a:r>
-            <a:r>
-              <a:rPr lang="sk-SK" sz="2000" dirty="0">
-                <a:solidFill>
-                  <a:schemeClr val="tx1">
-                    <a:lumMod val="75000"/>
-                    <a:lumOff val="25000"/>
-                  </a:schemeClr>
-                </a:solidFill>
-              </a:rPr>
-              <a:t>uzavretého obvodu:</a:t>
-            </a:r>
-          </a:p>
-        </p:txBody>
-      </p:sp>
-      <p:sp>
-        <p:nvSpPr>
-          <p:cNvPr id="36" name="BlokTextu 35">
-            <a:extLst>
-              <a:ext uri="{FF2B5EF4-FFF2-40B4-BE49-F238E27FC236}">
-                <a16:creationId xmlns:a16="http://schemas.microsoft.com/office/drawing/2014/main" id="{2D75B423-ABBE-4E5B-8683-9A1D6E6C1A27}"/>
-              </a:ext>
-            </a:extLst>
-          </p:cNvPr>
-          <p:cNvSpPr txBox="1"/>
-          <p:nvPr/>
-        </p:nvSpPr>
-        <p:spPr>
-          <a:xfrm>
-            <a:off x="256765" y="2708094"/>
-            <a:ext cx="4750129" cy="400110"/>
-          </a:xfrm>
-          <a:prstGeom prst="rect">
-            <a:avLst/>
-          </a:prstGeom>
-          <a:noFill/>
-        </p:spPr>
-        <p:txBody>
-          <a:bodyPr wrap="square" rtlCol="0">
-            <a:spAutoFit/>
-          </a:bodyPr>
-          <a:lstStyle/>
-          <a:p>
-            <a:r>
-              <a:rPr lang="en-US" sz="2000" dirty="0" err="1">
-                <a:solidFill>
-                  <a:schemeClr val="tx1">
-                    <a:lumMod val="75000"/>
-                    <a:lumOff val="25000"/>
-                  </a:schemeClr>
-                </a:solidFill>
-              </a:rPr>
-              <a:t>Prenosov</a:t>
-            </a:r>
-            <a:r>
-              <a:rPr lang="sk-SK" sz="2000" dirty="0">
-                <a:solidFill>
-                  <a:schemeClr val="tx1">
-                    <a:lumMod val="75000"/>
-                    <a:lumOff val="25000"/>
-                  </a:schemeClr>
-                </a:solidFill>
-              </a:rPr>
-              <a:t>á</a:t>
-            </a:r>
-            <a:r>
-              <a:rPr lang="en-US" sz="2000" dirty="0">
-                <a:solidFill>
-                  <a:schemeClr val="tx1">
-                    <a:lumMod val="75000"/>
-                    <a:lumOff val="25000"/>
-                  </a:schemeClr>
-                </a:solidFill>
-              </a:rPr>
-              <a:t> </a:t>
-            </a:r>
-            <a:r>
-              <a:rPr lang="en-US" sz="2000" dirty="0" err="1">
-                <a:solidFill>
-                  <a:schemeClr val="tx1">
-                    <a:lumMod val="75000"/>
-                    <a:lumOff val="25000"/>
-                  </a:schemeClr>
-                </a:solidFill>
-              </a:rPr>
-              <a:t>funkcia</a:t>
-            </a:r>
-            <a:r>
-              <a:rPr lang="en-US" sz="2000" dirty="0">
-                <a:solidFill>
-                  <a:schemeClr val="tx1">
-                    <a:lumMod val="75000"/>
-                    <a:lumOff val="25000"/>
-                  </a:schemeClr>
-                </a:solidFill>
-              </a:rPr>
-              <a:t> </a:t>
-            </a:r>
-            <a:r>
-              <a:rPr lang="sk-SK" sz="2000" dirty="0">
-                <a:solidFill>
-                  <a:schemeClr val="tx1">
-                    <a:lumMod val="75000"/>
-                    <a:lumOff val="25000"/>
-                  </a:schemeClr>
-                </a:solidFill>
-              </a:rPr>
-              <a:t>otvoreného obvodu:</a:t>
-            </a:r>
-          </a:p>
-        </p:txBody>
-      </p:sp>
-    </p:spTree>
-    <p:extLst>
-      <p:ext uri="{BB962C8B-B14F-4D97-AF65-F5344CB8AC3E}">
-        <p14:creationId xmlns:p14="http://schemas.microsoft.com/office/powerpoint/2010/main" val="468826116"/>
-      </p:ext>
-    </p:extLst>
-  </p:cSld>
-  <p:clrMapOvr>
-    <a:masterClrMapping/>
-  </p:clrMapOvr>
-</p:sld>
-</file>
-
-<file path=ppt/slides/slide18.xml><?xml version="1.0" encoding="utf-8"?>
-<p:sld xmlns:a="http://schemas.openxmlformats.org/drawingml/2006/main" xmlns:r="http://schemas.openxmlformats.org/officeDocument/2006/relationships" xmlns:p="http://schemas.openxmlformats.org/presentationml/2006/main">
-  <p:cSld>
-    <p:spTree>
-      <p:nvGrpSpPr>
-        <p:cNvPr id="1" name=""/>
-        <p:cNvGrpSpPr/>
-        <p:nvPr/>
-      </p:nvGrpSpPr>
-      <p:grpSpPr>
-        <a:xfrm>
-          <a:off x="0" y="0"/>
-          <a:ext cx="0" cy="0"/>
-          <a:chOff x="0" y="0"/>
-          <a:chExt cx="0" cy="0"/>
-        </a:xfrm>
-      </p:grpSpPr>
-      <p:sp>
-        <p:nvSpPr>
-          <p:cNvPr id="2" name="Nadpis 1">
-            <a:extLst>
-              <a:ext uri="{FF2B5EF4-FFF2-40B4-BE49-F238E27FC236}">
-                <a16:creationId xmlns:a16="http://schemas.microsoft.com/office/drawing/2014/main" id="{DCFFD2A8-E674-4DB9-9642-A27AB35DFC84}"/>
+                <a16:creationId xmlns:a16="http://schemas.microsoft.com/office/drawing/2014/main" xmlns="" id="{DCFFD2A8-E674-4DB9-9642-A27AB35DFC84}"/>
               </a:ext>
             </a:extLst>
           </p:cNvPr>
@@ -9895,7 +9055,7 @@
           <p:cNvPr id="4" name="BlokTextu 3">
             <a:extLst>
               <a:ext uri="{FF2B5EF4-FFF2-40B4-BE49-F238E27FC236}">
-                <a16:creationId xmlns:a16="http://schemas.microsoft.com/office/drawing/2014/main" id="{7FF7AE02-2A42-48D7-ABF0-B10A6F121EAE}"/>
+                <a16:creationId xmlns:a16="http://schemas.microsoft.com/office/drawing/2014/main" xmlns="" id="{7FF7AE02-2A42-48D7-ABF0-B10A6F121EAE}"/>
               </a:ext>
             </a:extLst>
           </p:cNvPr>
@@ -9951,7 +9111,7 @@
           <p:cNvPr id="5" name="object 40">
             <a:extLst>
               <a:ext uri="{FF2B5EF4-FFF2-40B4-BE49-F238E27FC236}">
-                <a16:creationId xmlns:a16="http://schemas.microsoft.com/office/drawing/2014/main" id="{9516C194-6D83-4F32-9077-1EF5A5134C8C}"/>
+                <a16:creationId xmlns:a16="http://schemas.microsoft.com/office/drawing/2014/main" xmlns="" id="{9516C194-6D83-4F32-9077-1EF5A5134C8C}"/>
               </a:ext>
             </a:extLst>
           </p:cNvPr>
@@ -10070,7 +9230,7 @@
           <p:cNvPr id="7" name="object 5">
             <a:extLst>
               <a:ext uri="{FF2B5EF4-FFF2-40B4-BE49-F238E27FC236}">
-                <a16:creationId xmlns:a16="http://schemas.microsoft.com/office/drawing/2014/main" id="{03ED5683-BBA7-43B6-ABFF-C679CFB0D189}"/>
+                <a16:creationId xmlns:a16="http://schemas.microsoft.com/office/drawing/2014/main" xmlns="" id="{03ED5683-BBA7-43B6-ABFF-C679CFB0D189}"/>
               </a:ext>
             </a:extLst>
           </p:cNvPr>
@@ -10292,7 +9452,7 @@
           <p:cNvPr id="8" name="object 6">
             <a:extLst>
               <a:ext uri="{FF2B5EF4-FFF2-40B4-BE49-F238E27FC236}">
-                <a16:creationId xmlns:a16="http://schemas.microsoft.com/office/drawing/2014/main" id="{386CA6F7-46DC-4797-B6ED-7DAE860603C0}"/>
+                <a16:creationId xmlns:a16="http://schemas.microsoft.com/office/drawing/2014/main" xmlns="" id="{386CA6F7-46DC-4797-B6ED-7DAE860603C0}"/>
               </a:ext>
             </a:extLst>
           </p:cNvPr>
@@ -10340,7 +9500,7 @@
           <p:cNvPr id="9" name="object 7">
             <a:extLst>
               <a:ext uri="{FF2B5EF4-FFF2-40B4-BE49-F238E27FC236}">
-                <a16:creationId xmlns:a16="http://schemas.microsoft.com/office/drawing/2014/main" id="{62449DAC-7A59-479B-9614-07D05F6F4F5A}"/>
+                <a16:creationId xmlns:a16="http://schemas.microsoft.com/office/drawing/2014/main" xmlns="" id="{62449DAC-7A59-479B-9614-07D05F6F4F5A}"/>
               </a:ext>
             </a:extLst>
           </p:cNvPr>
@@ -10388,7 +9548,7 @@
           <p:cNvPr id="10" name="object 8">
             <a:extLst>
               <a:ext uri="{FF2B5EF4-FFF2-40B4-BE49-F238E27FC236}">
-                <a16:creationId xmlns:a16="http://schemas.microsoft.com/office/drawing/2014/main" id="{75B8DF1E-CA3D-4D4E-B781-AA65CAFC9B84}"/>
+                <a16:creationId xmlns:a16="http://schemas.microsoft.com/office/drawing/2014/main" xmlns="" id="{75B8DF1E-CA3D-4D4E-B781-AA65CAFC9B84}"/>
               </a:ext>
             </a:extLst>
           </p:cNvPr>
@@ -10436,7 +9596,7 @@
           <p:cNvPr id="11" name="object 9">
             <a:extLst>
               <a:ext uri="{FF2B5EF4-FFF2-40B4-BE49-F238E27FC236}">
-                <a16:creationId xmlns:a16="http://schemas.microsoft.com/office/drawing/2014/main" id="{4F0490D6-D831-4B1F-A9B2-784C84CFACEF}"/>
+                <a16:creationId xmlns:a16="http://schemas.microsoft.com/office/drawing/2014/main" xmlns="" id="{4F0490D6-D831-4B1F-A9B2-784C84CFACEF}"/>
               </a:ext>
             </a:extLst>
           </p:cNvPr>
@@ -10484,7 +9644,7 @@
           <p:cNvPr id="12" name="object 10">
             <a:extLst>
               <a:ext uri="{FF2B5EF4-FFF2-40B4-BE49-F238E27FC236}">
-                <a16:creationId xmlns:a16="http://schemas.microsoft.com/office/drawing/2014/main" id="{95ECAE1E-2110-4ECD-B4DE-A1897DB0AEFE}"/>
+                <a16:creationId xmlns:a16="http://schemas.microsoft.com/office/drawing/2014/main" xmlns="" id="{95ECAE1E-2110-4ECD-B4DE-A1897DB0AEFE}"/>
               </a:ext>
             </a:extLst>
           </p:cNvPr>
@@ -10532,7 +9692,7 @@
           <p:cNvPr id="13" name="object 11">
             <a:extLst>
               <a:ext uri="{FF2B5EF4-FFF2-40B4-BE49-F238E27FC236}">
-                <a16:creationId xmlns:a16="http://schemas.microsoft.com/office/drawing/2014/main" id="{EFC69958-2A9E-471E-B021-6023A7582E03}"/>
+                <a16:creationId xmlns:a16="http://schemas.microsoft.com/office/drawing/2014/main" xmlns="" id="{EFC69958-2A9E-471E-B021-6023A7582E03}"/>
               </a:ext>
             </a:extLst>
           </p:cNvPr>
@@ -10580,7 +9740,7 @@
           <p:cNvPr id="14" name="object 12">
             <a:extLst>
               <a:ext uri="{FF2B5EF4-FFF2-40B4-BE49-F238E27FC236}">
-                <a16:creationId xmlns:a16="http://schemas.microsoft.com/office/drawing/2014/main" id="{FAF8E5F6-D3CE-435D-A7BF-A6F6AE4BA59E}"/>
+                <a16:creationId xmlns:a16="http://schemas.microsoft.com/office/drawing/2014/main" xmlns="" id="{FAF8E5F6-D3CE-435D-A7BF-A6F6AE4BA59E}"/>
               </a:ext>
             </a:extLst>
           </p:cNvPr>
@@ -10632,7 +9792,7 @@
           <p:cNvPr id="15" name="object 13">
             <a:extLst>
               <a:ext uri="{FF2B5EF4-FFF2-40B4-BE49-F238E27FC236}">
-                <a16:creationId xmlns:a16="http://schemas.microsoft.com/office/drawing/2014/main" id="{6285BACB-76F2-455C-B230-B2BD8714D887}"/>
+                <a16:creationId xmlns:a16="http://schemas.microsoft.com/office/drawing/2014/main" xmlns="" id="{6285BACB-76F2-455C-B230-B2BD8714D887}"/>
               </a:ext>
             </a:extLst>
           </p:cNvPr>
@@ -10714,7 +9874,7 @@
           <p:cNvPr id="16" name="object 14">
             <a:extLst>
               <a:ext uri="{FF2B5EF4-FFF2-40B4-BE49-F238E27FC236}">
-                <a16:creationId xmlns:a16="http://schemas.microsoft.com/office/drawing/2014/main" id="{3B849B77-A21D-4979-BC8A-1C6B118866A2}"/>
+                <a16:creationId xmlns:a16="http://schemas.microsoft.com/office/drawing/2014/main" xmlns="" id="{3B849B77-A21D-4979-BC8A-1C6B118866A2}"/>
               </a:ext>
             </a:extLst>
           </p:cNvPr>
@@ -10776,7 +9936,7 @@
           <p:cNvPr id="17" name="object 15">
             <a:extLst>
               <a:ext uri="{FF2B5EF4-FFF2-40B4-BE49-F238E27FC236}">
-                <a16:creationId xmlns:a16="http://schemas.microsoft.com/office/drawing/2014/main" id="{E30C909B-AC45-4A72-85FD-25C1EA68556E}"/>
+                <a16:creationId xmlns:a16="http://schemas.microsoft.com/office/drawing/2014/main" xmlns="" id="{E30C909B-AC45-4A72-85FD-25C1EA68556E}"/>
               </a:ext>
             </a:extLst>
           </p:cNvPr>
@@ -10861,7 +10021,7 @@
           <p:cNvPr id="18" name="object 16">
             <a:extLst>
               <a:ext uri="{FF2B5EF4-FFF2-40B4-BE49-F238E27FC236}">
-                <a16:creationId xmlns:a16="http://schemas.microsoft.com/office/drawing/2014/main" id="{3192B605-B13A-47F7-9F14-6B48F35BBC2E}"/>
+                <a16:creationId xmlns:a16="http://schemas.microsoft.com/office/drawing/2014/main" xmlns="" id="{3192B605-B13A-47F7-9F14-6B48F35BBC2E}"/>
               </a:ext>
             </a:extLst>
           </p:cNvPr>
@@ -10973,7 +10133,7 @@
           <p:cNvPr id="19" name="object 19">
             <a:extLst>
               <a:ext uri="{FF2B5EF4-FFF2-40B4-BE49-F238E27FC236}">
-                <a16:creationId xmlns:a16="http://schemas.microsoft.com/office/drawing/2014/main" id="{E0EFF448-B488-4ADE-88DC-A01F552BE56E}"/>
+                <a16:creationId xmlns:a16="http://schemas.microsoft.com/office/drawing/2014/main" xmlns="" id="{E0EFF448-B488-4ADE-88DC-A01F552BE56E}"/>
               </a:ext>
             </a:extLst>
           </p:cNvPr>
@@ -11021,7 +10181,7 @@
           <p:cNvPr id="20" name="object 20">
             <a:extLst>
               <a:ext uri="{FF2B5EF4-FFF2-40B4-BE49-F238E27FC236}">
-                <a16:creationId xmlns:a16="http://schemas.microsoft.com/office/drawing/2014/main" id="{ED652979-4CA2-4BBB-AF8C-AD402A27E2CB}"/>
+                <a16:creationId xmlns:a16="http://schemas.microsoft.com/office/drawing/2014/main" xmlns="" id="{ED652979-4CA2-4BBB-AF8C-AD402A27E2CB}"/>
               </a:ext>
             </a:extLst>
           </p:cNvPr>
@@ -11069,7 +10229,7 @@
           <p:cNvPr id="21" name="object 21">
             <a:extLst>
               <a:ext uri="{FF2B5EF4-FFF2-40B4-BE49-F238E27FC236}">
-                <a16:creationId xmlns:a16="http://schemas.microsoft.com/office/drawing/2014/main" id="{4A527B66-2E46-438E-9B05-9F67D4EF8655}"/>
+                <a16:creationId xmlns:a16="http://schemas.microsoft.com/office/drawing/2014/main" xmlns="" id="{4A527B66-2E46-438E-9B05-9F67D4EF8655}"/>
               </a:ext>
             </a:extLst>
           </p:cNvPr>
@@ -11117,7 +10277,7 @@
           <p:cNvPr id="22" name="object 22">
             <a:extLst>
               <a:ext uri="{FF2B5EF4-FFF2-40B4-BE49-F238E27FC236}">
-                <a16:creationId xmlns:a16="http://schemas.microsoft.com/office/drawing/2014/main" id="{48FC2539-D896-446E-9589-B224F31EBA87}"/>
+                <a16:creationId xmlns:a16="http://schemas.microsoft.com/office/drawing/2014/main" xmlns="" id="{48FC2539-D896-446E-9589-B224F31EBA87}"/>
               </a:ext>
             </a:extLst>
           </p:cNvPr>
@@ -11169,7 +10329,7 @@
           <p:cNvPr id="23" name="object 23">
             <a:extLst>
               <a:ext uri="{FF2B5EF4-FFF2-40B4-BE49-F238E27FC236}">
-                <a16:creationId xmlns:a16="http://schemas.microsoft.com/office/drawing/2014/main" id="{3916EE86-A116-47DD-B4AC-2BCF50B79817}"/>
+                <a16:creationId xmlns:a16="http://schemas.microsoft.com/office/drawing/2014/main" xmlns="" id="{3916EE86-A116-47DD-B4AC-2BCF50B79817}"/>
               </a:ext>
             </a:extLst>
           </p:cNvPr>
@@ -11251,7 +10411,7 @@
           <p:cNvPr id="24" name="object 24">
             <a:extLst>
               <a:ext uri="{FF2B5EF4-FFF2-40B4-BE49-F238E27FC236}">
-                <a16:creationId xmlns:a16="http://schemas.microsoft.com/office/drawing/2014/main" id="{39C2EDC7-4248-46A1-B016-164A0507187C}"/>
+                <a16:creationId xmlns:a16="http://schemas.microsoft.com/office/drawing/2014/main" xmlns="" id="{39C2EDC7-4248-46A1-B016-164A0507187C}"/>
               </a:ext>
             </a:extLst>
           </p:cNvPr>
@@ -11373,7 +10533,7 @@
           <p:cNvPr id="25" name="BlokTextu 24">
             <a:extLst>
               <a:ext uri="{FF2B5EF4-FFF2-40B4-BE49-F238E27FC236}">
-                <a16:creationId xmlns:a16="http://schemas.microsoft.com/office/drawing/2014/main" id="{C17DA5BE-25F5-4F29-9393-2FBA02863D76}"/>
+                <a16:creationId xmlns:a16="http://schemas.microsoft.com/office/drawing/2014/main" xmlns="" id="{C17DA5BE-25F5-4F29-9393-2FBA02863D76}"/>
               </a:ext>
             </a:extLst>
           </p:cNvPr>
@@ -11429,7 +10589,7 @@
           <p:cNvPr id="26" name="object 17">
             <a:extLst>
               <a:ext uri="{FF2B5EF4-FFF2-40B4-BE49-F238E27FC236}">
-                <a16:creationId xmlns:a16="http://schemas.microsoft.com/office/drawing/2014/main" id="{795B7764-B96E-49E3-BE4D-8C7CEF390792}"/>
+                <a16:creationId xmlns:a16="http://schemas.microsoft.com/office/drawing/2014/main" xmlns="" id="{795B7764-B96E-49E3-BE4D-8C7CEF390792}"/>
               </a:ext>
             </a:extLst>
           </p:cNvPr>
@@ -11501,7 +10661,7 @@
           <p:cNvPr id="27" name="object 18">
             <a:extLst>
               <a:ext uri="{FF2B5EF4-FFF2-40B4-BE49-F238E27FC236}">
-                <a16:creationId xmlns:a16="http://schemas.microsoft.com/office/drawing/2014/main" id="{518F631B-DD81-4917-B102-BE9C987C180B}"/>
+                <a16:creationId xmlns:a16="http://schemas.microsoft.com/office/drawing/2014/main" xmlns="" id="{518F631B-DD81-4917-B102-BE9C987C180B}"/>
               </a:ext>
             </a:extLst>
           </p:cNvPr>
@@ -11713,7 +10873,7 @@
           <p:cNvPr id="31" name="BlokTextu 30">
             <a:extLst>
               <a:ext uri="{FF2B5EF4-FFF2-40B4-BE49-F238E27FC236}">
-                <a16:creationId xmlns:a16="http://schemas.microsoft.com/office/drawing/2014/main" id="{4791297B-E71A-4E50-9309-1DF278DDEA24}"/>
+                <a16:creationId xmlns:a16="http://schemas.microsoft.com/office/drawing/2014/main" xmlns="" id="{4791297B-E71A-4E50-9309-1DF278DDEA24}"/>
               </a:ext>
             </a:extLst>
           </p:cNvPr>
@@ -11769,7 +10929,7 @@
           <p:cNvPr id="32" name="Objekt 31">
             <a:extLst>
               <a:ext uri="{FF2B5EF4-FFF2-40B4-BE49-F238E27FC236}">
-                <a16:creationId xmlns:a16="http://schemas.microsoft.com/office/drawing/2014/main" id="{24EBB57D-09FD-4D38-A380-DF8AFF9BCA96}"/>
+                <a16:creationId xmlns:a16="http://schemas.microsoft.com/office/drawing/2014/main" xmlns="" id="{24EBB57D-09FD-4D38-A380-DF8AFF9BCA96}"/>
               </a:ext>
             </a:extLst>
           </p:cNvPr>
@@ -11792,7 +10952,7 @@
           <a:graphicData uri="http://schemas.openxmlformats.org/presentationml/2006/ole">
             <mc:AlternateContent xmlns:mc="http://schemas.openxmlformats.org/markup-compatibility/2006">
               <mc:Choice xmlns:v="urn:schemas-microsoft-com:vml" Requires="v">
-                <p:oleObj spid="_x0000_s7189" name="Rovnica" r:id="rId3" imgW="1130040" imgH="368280" progId="Equation.3">
+                <p:oleObj spid="_x0000_s7191" name="Rovnica" r:id="rId3" imgW="1130040" imgH="368280" progId="Equation.3">
                   <p:embed/>
                 </p:oleObj>
               </mc:Choice>
@@ -11839,7 +10999,7 @@
           <p:cNvPr id="33" name="Text Box 21">
             <a:extLst>
               <a:ext uri="{FF2B5EF4-FFF2-40B4-BE49-F238E27FC236}">
-                <a16:creationId xmlns:a16="http://schemas.microsoft.com/office/drawing/2014/main" id="{F5140020-1817-4D44-BCB5-7E05170450A1}"/>
+                <a16:creationId xmlns:a16="http://schemas.microsoft.com/office/drawing/2014/main" xmlns="" id="{F5140020-1817-4D44-BCB5-7E05170450A1}"/>
               </a:ext>
             </a:extLst>
           </p:cNvPr>
@@ -11919,7 +11079,7 @@
           <p:cNvPr id="34" name="object 40">
             <a:extLst>
               <a:ext uri="{FF2B5EF4-FFF2-40B4-BE49-F238E27FC236}">
-                <a16:creationId xmlns:a16="http://schemas.microsoft.com/office/drawing/2014/main" id="{FE445A3A-D2B0-49E6-97AB-B092E4F12700}"/>
+                <a16:creationId xmlns:a16="http://schemas.microsoft.com/office/drawing/2014/main" xmlns="" id="{FE445A3A-D2B0-49E6-97AB-B092E4F12700}"/>
               </a:ext>
             </a:extLst>
           </p:cNvPr>
@@ -12038,7 +11198,7 @@
           <p:cNvPr id="35" name="Obrázok 34">
             <a:extLst>
               <a:ext uri="{FF2B5EF4-FFF2-40B4-BE49-F238E27FC236}">
-                <a16:creationId xmlns:a16="http://schemas.microsoft.com/office/drawing/2014/main" id="{453129AD-D24B-44D6-A6D7-B416306A822A}"/>
+                <a16:creationId xmlns:a16="http://schemas.microsoft.com/office/drawing/2014/main" xmlns="" id="{453129AD-D24B-44D6-A6D7-B416306A822A}"/>
               </a:ext>
             </a:extLst>
           </p:cNvPr>
@@ -12068,7 +11228,7 @@
           <p:cNvPr id="36" name="Object 5">
             <a:extLst>
               <a:ext uri="{FF2B5EF4-FFF2-40B4-BE49-F238E27FC236}">
-                <a16:creationId xmlns:a16="http://schemas.microsoft.com/office/drawing/2014/main" id="{E635C7D6-257B-4C14-879F-3E5658FF43A8}"/>
+                <a16:creationId xmlns:a16="http://schemas.microsoft.com/office/drawing/2014/main" xmlns="" id="{E635C7D6-257B-4C14-879F-3E5658FF43A8}"/>
               </a:ext>
             </a:extLst>
           </p:cNvPr>
@@ -12091,7 +11251,7 @@
           <a:graphicData uri="http://schemas.openxmlformats.org/presentationml/2006/ole">
             <mc:AlternateContent xmlns:mc="http://schemas.openxmlformats.org/markup-compatibility/2006">
               <mc:Choice xmlns:v="urn:schemas-microsoft-com:vml" Requires="v">
-                <p:oleObj spid="_x0000_s7190" name="Rovnica" r:id="rId6" imgW="1562040" imgH="368280" progId="Equation.3">
+                <p:oleObj spid="_x0000_s7192" name="Rovnica" r:id="rId6" imgW="1562040" imgH="368280" progId="Equation.3">
                   <p:embed/>
                 </p:oleObj>
               </mc:Choice>
@@ -12103,7 +11263,7 @@
                       <p:cNvPr id="34" name="Object 5">
                         <a:extLst>
                           <a:ext uri="{FF2B5EF4-FFF2-40B4-BE49-F238E27FC236}">
-                            <a16:creationId xmlns:a16="http://schemas.microsoft.com/office/drawing/2014/main" id="{CCFB2F04-628E-4696-8BB6-C8DDBA27358E}"/>
+                            <a16:creationId xmlns:a16="http://schemas.microsoft.com/office/drawing/2014/main" xmlns="" id="{CCFB2F04-628E-4696-8BB6-C8DDBA27358E}"/>
                           </a:ext>
                         </a:extLst>
                       </p:cNvPr>
@@ -12151,7 +11311,7 @@
 </p:sld>
 </file>
 
-<file path=ppt/slides/slide19.xml><?xml version="1.0" encoding="utf-8"?>
+<file path=ppt/slides/slide18.xml><?xml version="1.0" encoding="utf-8"?>
 <p:sld xmlns:a="http://schemas.openxmlformats.org/drawingml/2006/main" xmlns:r="http://schemas.openxmlformats.org/officeDocument/2006/relationships" xmlns:p="http://schemas.openxmlformats.org/presentationml/2006/main">
   <p:cSld>
     <p:spTree>
@@ -12173,7 +11333,7 @@
           <p:cNvPr id="2" name="Nadpis 1">
             <a:extLst>
               <a:ext uri="{FF2B5EF4-FFF2-40B4-BE49-F238E27FC236}">
-                <a16:creationId xmlns:a16="http://schemas.microsoft.com/office/drawing/2014/main" id="{AED240E7-40B4-4128-A1F8-4F12692C74B2}"/>
+                <a16:creationId xmlns:a16="http://schemas.microsoft.com/office/drawing/2014/main" xmlns="" id="{AED240E7-40B4-4128-A1F8-4F12692C74B2}"/>
               </a:ext>
             </a:extLst>
           </p:cNvPr>
@@ -12227,6 +11387,10 @@
               <a:rPr lang="en-GB" dirty="0" err="1"/>
               <a:t>regulátorom</a:t>
             </a:r>
+            <a:r>
+              <a:rPr lang="en-GB" dirty="0"/>
+              <a:t/>
+            </a:r>
             <a:br>
               <a:rPr lang="en-GB" dirty="0"/>
             </a:br>
@@ -12239,7 +11403,7 @@
           <p:cNvPr id="4" name="Object 8">
             <a:extLst>
               <a:ext uri="{FF2B5EF4-FFF2-40B4-BE49-F238E27FC236}">
-                <a16:creationId xmlns:a16="http://schemas.microsoft.com/office/drawing/2014/main" id="{65A5844F-670A-47C4-805D-3E76B96ED667}"/>
+                <a16:creationId xmlns:a16="http://schemas.microsoft.com/office/drawing/2014/main" xmlns="" id="{65A5844F-670A-47C4-805D-3E76B96ED667}"/>
               </a:ext>
             </a:extLst>
           </p:cNvPr>
@@ -12262,7 +11426,7 @@
           <a:graphicData uri="http://schemas.openxmlformats.org/presentationml/2006/ole">
             <mc:AlternateContent xmlns:mc="http://schemas.openxmlformats.org/markup-compatibility/2006">
               <mc:Choice xmlns:v="urn:schemas-microsoft-com:vml" Requires="v">
-                <p:oleObj spid="_x0000_s12332" name="Rovnica" r:id="rId3" imgW="2158920" imgH="368280" progId="Equation.3">
+                <p:oleObj spid="_x0000_s12339" name="Rovnica" r:id="rId3" imgW="2158920" imgH="368280" progId="Equation.3">
                   <p:embed/>
                 </p:oleObj>
               </mc:Choice>
@@ -12274,7 +11438,7 @@
                       <p:cNvPr id="5" name="Object 8">
                         <a:extLst>
                           <a:ext uri="{FF2B5EF4-FFF2-40B4-BE49-F238E27FC236}">
-                            <a16:creationId xmlns:a16="http://schemas.microsoft.com/office/drawing/2014/main" id="{D6B9B81A-9BDF-4C75-AF8E-9416B3F1D4B0}"/>
+                            <a16:creationId xmlns:a16="http://schemas.microsoft.com/office/drawing/2014/main" xmlns="" id="{D6B9B81A-9BDF-4C75-AF8E-9416B3F1D4B0}"/>
                           </a:ext>
                         </a:extLst>
                       </p:cNvPr>
@@ -12321,7 +11485,7 @@
           <p:cNvPr id="5" name="Object 10">
             <a:extLst>
               <a:ext uri="{FF2B5EF4-FFF2-40B4-BE49-F238E27FC236}">
-                <a16:creationId xmlns:a16="http://schemas.microsoft.com/office/drawing/2014/main" id="{5604325D-4521-4D95-96F8-2ACCE009BB03}"/>
+                <a16:creationId xmlns:a16="http://schemas.microsoft.com/office/drawing/2014/main" xmlns="" id="{5604325D-4521-4D95-96F8-2ACCE009BB03}"/>
               </a:ext>
             </a:extLst>
           </p:cNvPr>
@@ -12344,7 +11508,7 @@
           <a:graphicData uri="http://schemas.openxmlformats.org/presentationml/2006/ole">
             <mc:AlternateContent xmlns:mc="http://schemas.openxmlformats.org/markup-compatibility/2006">
               <mc:Choice xmlns:v="urn:schemas-microsoft-com:vml" Requires="v">
-                <p:oleObj spid="_x0000_s12333" name="Rovnica" r:id="rId5" imgW="2400120" imgH="787320" progId="Equation.3">
+                <p:oleObj spid="_x0000_s12340" name="Rovnica" r:id="rId5" imgW="2400120" imgH="787320" progId="Equation.3">
                   <p:embed/>
                 </p:oleObj>
               </mc:Choice>
@@ -12356,7 +11520,7 @@
                       <p:cNvPr id="7" name="Object 10">
                         <a:extLst>
                           <a:ext uri="{FF2B5EF4-FFF2-40B4-BE49-F238E27FC236}">
-                            <a16:creationId xmlns:a16="http://schemas.microsoft.com/office/drawing/2014/main" id="{49413D2C-8483-48B8-B498-4D52B0A64795}"/>
+                            <a16:creationId xmlns:a16="http://schemas.microsoft.com/office/drawing/2014/main" xmlns="" id="{49413D2C-8483-48B8-B498-4D52B0A64795}"/>
                           </a:ext>
                         </a:extLst>
                       </p:cNvPr>
@@ -12395,7 +11559,7 @@
           <p:cNvPr id="6" name="BlokTextu 5">
             <a:extLst>
               <a:ext uri="{FF2B5EF4-FFF2-40B4-BE49-F238E27FC236}">
-                <a16:creationId xmlns:a16="http://schemas.microsoft.com/office/drawing/2014/main" id="{8D267952-9712-4ED3-8286-5B131808F132}"/>
+                <a16:creationId xmlns:a16="http://schemas.microsoft.com/office/drawing/2014/main" xmlns="" id="{8D267952-9712-4ED3-8286-5B131808F132}"/>
               </a:ext>
             </a:extLst>
           </p:cNvPr>
@@ -12492,7 +11656,7 @@
           <p:cNvPr id="7" name="BlokTextu 6">
             <a:extLst>
               <a:ext uri="{FF2B5EF4-FFF2-40B4-BE49-F238E27FC236}">
-                <a16:creationId xmlns:a16="http://schemas.microsoft.com/office/drawing/2014/main" id="{0372844F-A87F-4862-9DC6-4BF5FAB156AA}"/>
+                <a16:creationId xmlns:a16="http://schemas.microsoft.com/office/drawing/2014/main" xmlns="" id="{0372844F-A87F-4862-9DC6-4BF5FAB156AA}"/>
               </a:ext>
             </a:extLst>
           </p:cNvPr>
@@ -12589,7 +11753,7 @@
           <p:cNvPr id="13" name="Object 1026">
             <a:extLst>
               <a:ext uri="{FF2B5EF4-FFF2-40B4-BE49-F238E27FC236}">
-                <a16:creationId xmlns:a16="http://schemas.microsoft.com/office/drawing/2014/main" id="{C33D59AA-B795-4473-A49A-60A469874AF0}"/>
+                <a16:creationId xmlns:a16="http://schemas.microsoft.com/office/drawing/2014/main" xmlns="" id="{C33D59AA-B795-4473-A49A-60A469874AF0}"/>
               </a:ext>
             </a:extLst>
           </p:cNvPr>
@@ -12612,7 +11776,7 @@
           <a:graphicData uri="http://schemas.openxmlformats.org/presentationml/2006/ole">
             <mc:AlternateContent xmlns:mc="http://schemas.openxmlformats.org/markup-compatibility/2006">
               <mc:Choice xmlns:v="urn:schemas-microsoft-com:vml" Requires="v">
-                <p:oleObj spid="_x0000_s12334" name="Rastrový obrázek" r:id="rId7" imgW="4295880" imgH="1247760" progId="Paint.Picture">
+                <p:oleObj spid="_x0000_s12341" name="Rastrový obrázek" r:id="rId7" imgW="4295880" imgH="1247760" progId="Paint.Picture">
                   <p:embed/>
                 </p:oleObj>
               </mc:Choice>
@@ -12657,7 +11821,7 @@
           <p:cNvPr id="14" name="Object 1031">
             <a:extLst>
               <a:ext uri="{FF2B5EF4-FFF2-40B4-BE49-F238E27FC236}">
-                <a16:creationId xmlns:a16="http://schemas.microsoft.com/office/drawing/2014/main" id="{E4846934-3C73-4039-A2E6-57CD05CE2B12}"/>
+                <a16:creationId xmlns:a16="http://schemas.microsoft.com/office/drawing/2014/main" xmlns="" id="{E4846934-3C73-4039-A2E6-57CD05CE2B12}"/>
               </a:ext>
             </a:extLst>
           </p:cNvPr>
@@ -12680,7 +11844,7 @@
           <a:graphicData uri="http://schemas.openxmlformats.org/presentationml/2006/ole">
             <mc:AlternateContent xmlns:mc="http://schemas.openxmlformats.org/markup-compatibility/2006">
               <mc:Choice xmlns:v="urn:schemas-microsoft-com:vml" Requires="v">
-                <p:oleObj spid="_x0000_s12335" name="Rovnica" r:id="rId9" imgW="3759120" imgH="990360" progId="Equation.3">
+                <p:oleObj spid="_x0000_s12342" name="Rovnica" r:id="rId9" imgW="3759120" imgH="990360" progId="Equation.3">
                   <p:embed/>
                 </p:oleObj>
               </mc:Choice>
@@ -12724,7 +11888,7 @@
           <p:cNvPr id="15" name="Object 1034">
             <a:extLst>
               <a:ext uri="{FF2B5EF4-FFF2-40B4-BE49-F238E27FC236}">
-                <a16:creationId xmlns:a16="http://schemas.microsoft.com/office/drawing/2014/main" id="{ADE7928F-D894-4A60-9E97-CA2E9D6FE625}"/>
+                <a16:creationId xmlns:a16="http://schemas.microsoft.com/office/drawing/2014/main" xmlns="" id="{ADE7928F-D894-4A60-9E97-CA2E9D6FE625}"/>
               </a:ext>
             </a:extLst>
           </p:cNvPr>
@@ -12747,7 +11911,7 @@
           <a:graphicData uri="http://schemas.openxmlformats.org/presentationml/2006/ole">
             <mc:AlternateContent xmlns:mc="http://schemas.openxmlformats.org/markup-compatibility/2006">
               <mc:Choice xmlns:v="urn:schemas-microsoft-com:vml" Requires="v">
-                <p:oleObj spid="_x0000_s12336" name="Rovnica" r:id="rId11" imgW="2197080" imgH="965160" progId="Equation.3">
+                <p:oleObj spid="_x0000_s12343" name="Rovnica" r:id="rId11" imgW="2197080" imgH="965160" progId="Equation.3">
                   <p:embed/>
                 </p:oleObj>
               </mc:Choice>
@@ -12793,7 +11957,7 @@
           <p:cNvPr id="16" name="Objekt 15">
             <a:extLst>
               <a:ext uri="{FF2B5EF4-FFF2-40B4-BE49-F238E27FC236}">
-                <a16:creationId xmlns:a16="http://schemas.microsoft.com/office/drawing/2014/main" id="{08EBC0C5-D039-4BA9-86B0-AA096406DD36}"/>
+                <a16:creationId xmlns:a16="http://schemas.microsoft.com/office/drawing/2014/main" xmlns="" id="{08EBC0C5-D039-4BA9-86B0-AA096406DD36}"/>
               </a:ext>
             </a:extLst>
           </p:cNvPr>
@@ -12816,7 +11980,7 @@
           <a:graphicData uri="http://schemas.openxmlformats.org/presentationml/2006/ole">
             <mc:AlternateContent xmlns:mc="http://schemas.openxmlformats.org/markup-compatibility/2006">
               <mc:Choice xmlns:v="urn:schemas-microsoft-com:vml" Requires="v">
-                <p:oleObj spid="_x0000_s12337" name="Rovnica" r:id="rId13" imgW="4762440" imgH="965160" progId="Equation.3">
+                <p:oleObj spid="_x0000_s12344" name="Rovnica" r:id="rId13" imgW="4762440" imgH="965160" progId="Equation.3">
                   <p:embed/>
                 </p:oleObj>
               </mc:Choice>
@@ -12865,7 +12029,7 @@
           <p:cNvPr id="17" name="Object 1035">
             <a:extLst>
               <a:ext uri="{FF2B5EF4-FFF2-40B4-BE49-F238E27FC236}">
-                <a16:creationId xmlns:a16="http://schemas.microsoft.com/office/drawing/2014/main" id="{FFF93460-0030-42D5-B87F-D8DC7543B568}"/>
+                <a16:creationId xmlns:a16="http://schemas.microsoft.com/office/drawing/2014/main" xmlns="" id="{FFF93460-0030-42D5-B87F-D8DC7543B568}"/>
               </a:ext>
             </a:extLst>
           </p:cNvPr>
@@ -12888,7 +12052,7 @@
           <a:graphicData uri="http://schemas.openxmlformats.org/presentationml/2006/ole">
             <mc:AlternateContent xmlns:mc="http://schemas.openxmlformats.org/markup-compatibility/2006">
               <mc:Choice xmlns:v="urn:schemas-microsoft-com:vml" Requires="v">
-                <p:oleObj spid="_x0000_s12338" name="Rovnica" r:id="rId15" imgW="2603160" imgH="1930320" progId="Equation.3">
+                <p:oleObj spid="_x0000_s12345" name="Rovnica" r:id="rId15" imgW="2603160" imgH="1930320" progId="Equation.3">
                   <p:embed/>
                 </p:oleObj>
               </mc:Choice>
@@ -12940,7 +12104,7 @@
 </p:sld>
 </file>
 
-<file path=ppt/slides/slide2.xml><?xml version="1.0" encoding="utf-8"?>
+<file path=ppt/slides/slide19.xml><?xml version="1.0" encoding="utf-8"?>
 <p:sld xmlns:a="http://schemas.openxmlformats.org/drawingml/2006/main" xmlns:r="http://schemas.openxmlformats.org/officeDocument/2006/relationships" xmlns:p="http://schemas.openxmlformats.org/presentationml/2006/main">
   <p:cSld>
     <p:spTree>
@@ -12962,137 +12126,7 @@
           <p:cNvPr id="2" name="Nadpis 1">
             <a:extLst>
               <a:ext uri="{FF2B5EF4-FFF2-40B4-BE49-F238E27FC236}">
-                <a16:creationId xmlns:a16="http://schemas.microsoft.com/office/drawing/2014/main" id="{A60D084F-ACFD-4F46-B5DB-65DDF10CFCE9}"/>
-              </a:ext>
-            </a:extLst>
-          </p:cNvPr>
-          <p:cNvSpPr>
-            <a:spLocks noGrp="1"/>
-          </p:cNvSpPr>
-          <p:nvPr>
-            <p:ph type="title"/>
-          </p:nvPr>
-        </p:nvSpPr>
-        <p:spPr/>
-        <p:txBody>
-          <a:bodyPr>
-            <a:normAutofit/>
-          </a:bodyPr>
-          <a:lstStyle/>
-          <a:p>
-            <a:r>
-              <a:rPr lang="en-US" dirty="0" err="1"/>
-              <a:t>Kybernetika</a:t>
-            </a:r>
-            <a:endParaRPr lang="sk-SK" dirty="0"/>
-          </a:p>
-        </p:txBody>
-      </p:sp>
-      <p:sp>
-        <p:nvSpPr>
-          <p:cNvPr id="3" name="Zástupný objekt pre obsah 2">
-            <a:extLst>
-              <a:ext uri="{FF2B5EF4-FFF2-40B4-BE49-F238E27FC236}">
-                <a16:creationId xmlns:a16="http://schemas.microsoft.com/office/drawing/2014/main" id="{A74476A0-8C3D-4B4B-ABC1-78C4925E54B4}"/>
-              </a:ext>
-            </a:extLst>
-          </p:cNvPr>
-          <p:cNvSpPr>
-            <a:spLocks noGrp="1"/>
-          </p:cNvSpPr>
-          <p:nvPr>
-            <p:ph idx="1"/>
-          </p:nvPr>
-        </p:nvSpPr>
-        <p:spPr/>
-        <p:txBody>
-          <a:bodyPr/>
-          <a:lstStyle/>
-          <a:p>
-            <a:pPr marL="0" indent="0">
-              <a:buNone/>
-            </a:pPr>
-            <a:r>
-              <a:rPr lang="en-GB" dirty="0" err="1"/>
-              <a:t>Defin</a:t>
-            </a:r>
-            <a:r>
-              <a:rPr lang="sk-SK" dirty="0"/>
-              <a:t>í</a:t>
-            </a:r>
-            <a:r>
-              <a:rPr lang="en-GB" dirty="0" err="1"/>
-              <a:t>cia</a:t>
-            </a:r>
-            <a:r>
-              <a:rPr lang="sk-SK" dirty="0"/>
-              <a:t>:</a:t>
-            </a:r>
-          </a:p>
-          <a:p>
-            <a:pPr>
-              <a:lnSpc>
-                <a:spcPct val="100000"/>
-              </a:lnSpc>
-              <a:buFont typeface="Arial" panose="020B0604020202020204" pitchFamily="34" charset="0"/>
-              <a:buChar char="•"/>
-            </a:pPr>
-            <a:r>
-              <a:rPr lang="sk-SK" dirty="0"/>
-              <a:t> Vznikla ako samostatný vedný odbor po 2. svetovej vojne. Je to veda o riadení a komunikácii v dynamických systémoch, skúmajúca spoločné zákonitosti na základe analógie medzi systémami rôznej fyzickej podstaty, ktorými sú technické zariadenia, živé organizmy i spoločnosť. </a:t>
-            </a:r>
-          </a:p>
-          <a:p>
-            <a:pPr>
-              <a:lnSpc>
-                <a:spcPct val="100000"/>
-              </a:lnSpc>
-              <a:buFont typeface="Arial" panose="020B0604020202020204" pitchFamily="34" charset="0"/>
-              <a:buChar char="•"/>
-            </a:pPr>
-            <a:r>
-              <a:rPr lang="sk-SK" dirty="0"/>
-              <a:t> Kybernetika je disciplína, ktorá skúma riadiace a regulačné procesy v biologickej   sfére, v technike, v spoločnosti a navrhuje modely na znázornenie, transformáciu a spracovanie informácií. Všetky automatické zariadenia na spracovanie dát sú v tomto zmysle kybernetickými strojmi a samotná informatika je náuka o kybernetických strojoch a metódach.</a:t>
-            </a:r>
-          </a:p>
-        </p:txBody>
-      </p:sp>
-    </p:spTree>
-    <p:extLst>
-      <p:ext uri="{BB962C8B-B14F-4D97-AF65-F5344CB8AC3E}">
-        <p14:creationId xmlns:p14="http://schemas.microsoft.com/office/powerpoint/2010/main" val="4002585518"/>
-      </p:ext>
-    </p:extLst>
-  </p:cSld>
-  <p:clrMapOvr>
-    <a:masterClrMapping/>
-  </p:clrMapOvr>
-</p:sld>
-</file>
-
-<file path=ppt/slides/slide20.xml><?xml version="1.0" encoding="utf-8"?>
-<p:sld xmlns:a="http://schemas.openxmlformats.org/drawingml/2006/main" xmlns:r="http://schemas.openxmlformats.org/officeDocument/2006/relationships" xmlns:p="http://schemas.openxmlformats.org/presentationml/2006/main">
-  <p:cSld>
-    <p:spTree>
-      <p:nvGrpSpPr>
-        <p:cNvPr id="1" name=""/>
-        <p:cNvGrpSpPr/>
-        <p:nvPr/>
-      </p:nvGrpSpPr>
-      <p:grpSpPr>
-        <a:xfrm>
-          <a:off x="0" y="0"/>
-          <a:ext cx="0" cy="0"/>
-          <a:chOff x="0" y="0"/>
-          <a:chExt cx="0" cy="0"/>
-        </a:xfrm>
-      </p:grpSpPr>
-      <p:sp>
-        <p:nvSpPr>
-          <p:cNvPr id="2" name="Nadpis 1">
-            <a:extLst>
-              <a:ext uri="{FF2B5EF4-FFF2-40B4-BE49-F238E27FC236}">
-                <a16:creationId xmlns:a16="http://schemas.microsoft.com/office/drawing/2014/main" id="{2C064D8F-4AC0-4351-A7CD-657599C505D1}"/>
+                <a16:creationId xmlns:a16="http://schemas.microsoft.com/office/drawing/2014/main" xmlns="" id="{2C064D8F-4AC0-4351-A7CD-657599C505D1}"/>
               </a:ext>
             </a:extLst>
           </p:cNvPr>
@@ -13155,7 +12189,7 @@
           <p:cNvPr id="4" name="BlokTextu 3">
             <a:extLst>
               <a:ext uri="{FF2B5EF4-FFF2-40B4-BE49-F238E27FC236}">
-                <a16:creationId xmlns:a16="http://schemas.microsoft.com/office/drawing/2014/main" id="{5E4359F4-6672-4697-889A-BF47AB524AF9}"/>
+                <a16:creationId xmlns:a16="http://schemas.microsoft.com/office/drawing/2014/main" xmlns="" id="{5E4359F4-6672-4697-889A-BF47AB524AF9}"/>
               </a:ext>
             </a:extLst>
           </p:cNvPr>
@@ -13211,7 +12245,7 @@
           <p:cNvPr id="24" name="BlokTextu 23">
             <a:extLst>
               <a:ext uri="{FF2B5EF4-FFF2-40B4-BE49-F238E27FC236}">
-                <a16:creationId xmlns:a16="http://schemas.microsoft.com/office/drawing/2014/main" id="{7E06A3A9-B31D-4B23-B8B1-4123B6FF3956}"/>
+                <a16:creationId xmlns:a16="http://schemas.microsoft.com/office/drawing/2014/main" xmlns="" id="{7E06A3A9-B31D-4B23-B8B1-4123B6FF3956}"/>
               </a:ext>
             </a:extLst>
           </p:cNvPr>
@@ -13267,7 +12301,7 @@
           <p:cNvPr id="28" name="BlokTextu 27">
             <a:extLst>
               <a:ext uri="{FF2B5EF4-FFF2-40B4-BE49-F238E27FC236}">
-                <a16:creationId xmlns:a16="http://schemas.microsoft.com/office/drawing/2014/main" id="{8F4207BD-E825-43F6-89B8-5DED57148DBC}"/>
+                <a16:creationId xmlns:a16="http://schemas.microsoft.com/office/drawing/2014/main" xmlns="" id="{8F4207BD-E825-43F6-89B8-5DED57148DBC}"/>
               </a:ext>
             </a:extLst>
           </p:cNvPr>
@@ -13323,7 +12357,7 @@
           <p:cNvPr id="30" name="Text Box 21">
             <a:extLst>
               <a:ext uri="{FF2B5EF4-FFF2-40B4-BE49-F238E27FC236}">
-                <a16:creationId xmlns:a16="http://schemas.microsoft.com/office/drawing/2014/main" id="{D5661909-2937-479C-9EA2-B249556FA4AE}"/>
+                <a16:creationId xmlns:a16="http://schemas.microsoft.com/office/drawing/2014/main" xmlns="" id="{D5661909-2937-479C-9EA2-B249556FA4AE}"/>
               </a:ext>
             </a:extLst>
           </p:cNvPr>
@@ -13381,7 +12415,7 @@
           <p:cNvPr id="31" name="object 40">
             <a:extLst>
               <a:ext uri="{FF2B5EF4-FFF2-40B4-BE49-F238E27FC236}">
-                <a16:creationId xmlns:a16="http://schemas.microsoft.com/office/drawing/2014/main" id="{32361A77-DCFA-4E86-A473-2F0D299136BD}"/>
+                <a16:creationId xmlns:a16="http://schemas.microsoft.com/office/drawing/2014/main" xmlns="" id="{32361A77-DCFA-4E86-A473-2F0D299136BD}"/>
               </a:ext>
             </a:extLst>
           </p:cNvPr>
@@ -13500,7 +12534,7 @@
           <p:cNvPr id="33" name="Object 12">
             <a:extLst>
               <a:ext uri="{FF2B5EF4-FFF2-40B4-BE49-F238E27FC236}">
-                <a16:creationId xmlns:a16="http://schemas.microsoft.com/office/drawing/2014/main" id="{EFB08AA4-5664-49A0-8599-AF8A65D42AA4}"/>
+                <a16:creationId xmlns:a16="http://schemas.microsoft.com/office/drawing/2014/main" xmlns="" id="{EFB08AA4-5664-49A0-8599-AF8A65D42AA4}"/>
               </a:ext>
             </a:extLst>
           </p:cNvPr>
@@ -13523,7 +12557,7 @@
           <a:graphicData uri="http://schemas.openxmlformats.org/presentationml/2006/ole">
             <mc:AlternateContent xmlns:mc="http://schemas.openxmlformats.org/markup-compatibility/2006">
               <mc:Choice xmlns:v="urn:schemas-microsoft-com:vml" Requires="v">
-                <p:oleObj spid="_x0000_s13328" name="Rovnica" r:id="rId3" imgW="5232240" imgH="482400" progId="Equation.3">
+                <p:oleObj spid="_x0000_s13330" name="Rovnica" r:id="rId3" imgW="5232240" imgH="482400" progId="Equation.3">
                   <p:embed/>
                 </p:oleObj>
               </mc:Choice>
@@ -13576,7 +12610,7 @@
           <p:cNvPr id="34" name="Object 5">
             <a:extLst>
               <a:ext uri="{FF2B5EF4-FFF2-40B4-BE49-F238E27FC236}">
-                <a16:creationId xmlns:a16="http://schemas.microsoft.com/office/drawing/2014/main" id="{CCFB2F04-628E-4696-8BB6-C8DDBA27358E}"/>
+                <a16:creationId xmlns:a16="http://schemas.microsoft.com/office/drawing/2014/main" xmlns="" id="{CCFB2F04-628E-4696-8BB6-C8DDBA27358E}"/>
               </a:ext>
             </a:extLst>
           </p:cNvPr>
@@ -13599,7 +12633,7 @@
           <a:graphicData uri="http://schemas.openxmlformats.org/presentationml/2006/ole">
             <mc:AlternateContent xmlns:mc="http://schemas.openxmlformats.org/markup-compatibility/2006">
               <mc:Choice xmlns:v="urn:schemas-microsoft-com:vml" Requires="v">
-                <p:oleObj spid="_x0000_s13329" name="Rovnica" r:id="rId5" imgW="1562040" imgH="368280" progId="Equation.3">
+                <p:oleObj spid="_x0000_s13331" name="Rovnica" r:id="rId5" imgW="1562040" imgH="368280" progId="Equation.3">
                   <p:embed/>
                 </p:oleObj>
               </mc:Choice>
@@ -13653,7 +12687,7 @@
 </p:sld>
 </file>
 
-<file path=ppt/slides/slide21.xml><?xml version="1.0" encoding="utf-8"?>
+<file path=ppt/slides/slide2.xml><?xml version="1.0" encoding="utf-8"?>
 <p:sld xmlns:a="http://schemas.openxmlformats.org/drawingml/2006/main" xmlns:r="http://schemas.openxmlformats.org/officeDocument/2006/relationships" xmlns:p="http://schemas.openxmlformats.org/presentationml/2006/main">
   <p:cSld>
     <p:spTree>
@@ -13675,7 +12709,796 @@
           <p:cNvPr id="2" name="Nadpis 1">
             <a:extLst>
               <a:ext uri="{FF2B5EF4-FFF2-40B4-BE49-F238E27FC236}">
-                <a16:creationId xmlns:a16="http://schemas.microsoft.com/office/drawing/2014/main" id="{0D88D14D-C175-4981-ACCE-189F64EAEF77}"/>
+                <a16:creationId xmlns:a16="http://schemas.microsoft.com/office/drawing/2014/main" xmlns="" id="{A60D084F-ACFD-4F46-B5DB-65DDF10CFCE9}"/>
+              </a:ext>
+            </a:extLst>
+          </p:cNvPr>
+          <p:cNvSpPr>
+            <a:spLocks noGrp="1"/>
+          </p:cNvSpPr>
+          <p:nvPr>
+            <p:ph type="title"/>
+          </p:nvPr>
+        </p:nvSpPr>
+        <p:spPr/>
+        <p:txBody>
+          <a:bodyPr>
+            <a:normAutofit/>
+          </a:bodyPr>
+          <a:lstStyle/>
+          <a:p>
+            <a:r>
+              <a:rPr lang="sk-SK" dirty="0"/>
+              <a:t>Návrh regulačných obvodov</a:t>
+            </a:r>
+          </a:p>
+        </p:txBody>
+      </p:sp>
+      <p:sp>
+        <p:nvSpPr>
+          <p:cNvPr id="3" name="Zástupný objekt pre obsah 2">
+            <a:extLst>
+              <a:ext uri="{FF2B5EF4-FFF2-40B4-BE49-F238E27FC236}">
+                <a16:creationId xmlns:a16="http://schemas.microsoft.com/office/drawing/2014/main" xmlns="" id="{A74476A0-8C3D-4B4B-ABC1-78C4925E54B4}"/>
+              </a:ext>
+            </a:extLst>
+          </p:cNvPr>
+          <p:cNvSpPr>
+            <a:spLocks noGrp="1"/>
+          </p:cNvSpPr>
+          <p:nvPr>
+            <p:ph idx="1"/>
+          </p:nvPr>
+        </p:nvSpPr>
+        <p:spPr>
+          <a:xfrm>
+            <a:off x="362712" y="1003869"/>
+            <a:ext cx="8356599" cy="5574483"/>
+          </a:xfrm>
+        </p:spPr>
+        <p:txBody>
+          <a:bodyPr>
+            <a:normAutofit fontScale="92500" lnSpcReduction="10000"/>
+          </a:bodyPr>
+          <a:lstStyle/>
+          <a:p>
+            <a:pPr marL="0" indent="0">
+              <a:buNone/>
+            </a:pPr>
+            <a:endParaRPr lang="sk-SK" dirty="0"/>
+          </a:p>
+          <a:p>
+            <a:pPr marL="0" indent="0">
+              <a:buNone/>
+            </a:pPr>
+            <a:endParaRPr lang="sk-SK" dirty="0"/>
+          </a:p>
+          <a:p>
+            <a:pPr marL="0" indent="0">
+              <a:buNone/>
+            </a:pPr>
+            <a:endParaRPr lang="sk-SK" dirty="0"/>
+          </a:p>
+          <a:p>
+            <a:pPr marL="0" indent="0">
+              <a:buNone/>
+            </a:pPr>
+            <a:endParaRPr lang="sk-SK" dirty="0"/>
+          </a:p>
+          <a:p>
+            <a:pPr marL="0" indent="0">
+              <a:buNone/>
+            </a:pPr>
+            <a:endParaRPr lang="sk-SK" dirty="0"/>
+          </a:p>
+          <a:p>
+            <a:pPr>
+              <a:lnSpc>
+                <a:spcPct val="110000"/>
+              </a:lnSpc>
+              <a:buFont typeface="Arial" panose="020B0604020202020204" pitchFamily="34" charset="0"/>
+              <a:buChar char="•"/>
+            </a:pPr>
+            <a:r>
+              <a:rPr lang="sk-SK" sz="2200" dirty="0"/>
+              <a:t> </a:t>
+            </a:r>
+            <a:r>
+              <a:rPr lang="en-GB" sz="2200" dirty="0" err="1"/>
+              <a:t>Vstupnými</a:t>
+            </a:r>
+            <a:r>
+              <a:rPr lang="en-GB" sz="2200" dirty="0"/>
+              <a:t> </a:t>
+            </a:r>
+            <a:r>
+              <a:rPr lang="en-GB" sz="2200" dirty="0" err="1"/>
+              <a:t>veličinami</a:t>
+            </a:r>
+            <a:r>
+              <a:rPr lang="en-GB" sz="2200" dirty="0"/>
+              <a:t> do </a:t>
+            </a:r>
+            <a:r>
+              <a:rPr lang="en-GB" sz="2200" dirty="0" err="1"/>
+              <a:t>obvodu</a:t>
+            </a:r>
+            <a:r>
+              <a:rPr lang="en-GB" sz="2200" dirty="0"/>
+              <a:t> </a:t>
+            </a:r>
+            <a:r>
+              <a:rPr lang="en-GB" sz="2200" dirty="0" err="1"/>
+              <a:t>sú</a:t>
+            </a:r>
+            <a:r>
+              <a:rPr lang="en-GB" sz="2200" dirty="0"/>
+              <a:t> </a:t>
+            </a:r>
+            <a:r>
+              <a:rPr lang="en-GB" sz="2200" dirty="0" err="1"/>
+              <a:t>žiadaná</a:t>
+            </a:r>
+            <a:r>
+              <a:rPr lang="en-GB" sz="2200" dirty="0"/>
+              <a:t> </a:t>
+            </a:r>
+            <a:r>
+              <a:rPr lang="en-GB" sz="2200" dirty="0" err="1"/>
+              <a:t>veličina</a:t>
+            </a:r>
+            <a:r>
+              <a:rPr lang="en-GB" sz="2200" dirty="0"/>
+              <a:t> w(t)</a:t>
+            </a:r>
+            <a:r>
+              <a:rPr lang="sk-SK" sz="2200" dirty="0"/>
+              <a:t>. </a:t>
+            </a:r>
+            <a:r>
+              <a:rPr lang="en-GB" sz="2200" dirty="0" err="1"/>
+              <a:t>Výstupnou</a:t>
+            </a:r>
+            <a:r>
+              <a:rPr lang="en-GB" sz="2200" dirty="0"/>
+              <a:t> </a:t>
+            </a:r>
+            <a:r>
+              <a:rPr lang="en-GB" sz="2200" dirty="0" err="1"/>
+              <a:t>veličinou</a:t>
+            </a:r>
+            <a:r>
+              <a:rPr lang="en-GB" sz="2200" dirty="0"/>
+              <a:t> je </a:t>
+            </a:r>
+            <a:r>
+              <a:rPr lang="en-GB" sz="2200" dirty="0" err="1"/>
+              <a:t>regulovaná</a:t>
+            </a:r>
+            <a:r>
+              <a:rPr lang="en-GB" sz="2200" dirty="0"/>
+              <a:t> </a:t>
+            </a:r>
+            <a:r>
+              <a:rPr lang="en-GB" sz="2200" dirty="0" err="1"/>
+              <a:t>veličina</a:t>
+            </a:r>
+            <a:r>
+              <a:rPr lang="en-GB" sz="2200" dirty="0"/>
+              <a:t> y(t). </a:t>
+            </a:r>
+            <a:r>
+              <a:rPr lang="en-GB" sz="2200" dirty="0" err="1"/>
+              <a:t>Pokiaľ</a:t>
+            </a:r>
+            <a:r>
+              <a:rPr lang="en-GB" sz="2200" dirty="0"/>
+              <a:t> </a:t>
+            </a:r>
+            <a:r>
+              <a:rPr lang="en-GB" sz="2200" dirty="0" err="1"/>
+              <a:t>má</a:t>
+            </a:r>
+            <a:r>
+              <a:rPr lang="en-GB" sz="2200" dirty="0"/>
+              <a:t> </a:t>
+            </a:r>
+            <a:r>
+              <a:rPr lang="en-GB" sz="2200" dirty="0" err="1"/>
+              <a:t>regulačný</a:t>
+            </a:r>
+            <a:r>
+              <a:rPr lang="en-GB" sz="2200" dirty="0"/>
+              <a:t> </a:t>
+            </a:r>
+            <a:r>
+              <a:rPr lang="en-GB" sz="2200" dirty="0" err="1"/>
+              <a:t>obvod</a:t>
+            </a:r>
+            <a:r>
+              <a:rPr lang="en-GB" sz="2200" dirty="0"/>
+              <a:t> </a:t>
+            </a:r>
+            <a:r>
+              <a:rPr lang="en-GB" sz="2200" dirty="0" err="1"/>
+              <a:t>plniť</a:t>
+            </a:r>
+            <a:r>
+              <a:rPr lang="en-GB" sz="2200" dirty="0"/>
+              <a:t> </a:t>
+            </a:r>
+            <a:r>
+              <a:rPr lang="en-GB" sz="2200" dirty="0" err="1"/>
+              <a:t>svoj</a:t>
+            </a:r>
+            <a:r>
+              <a:rPr lang="en-GB" sz="2200" dirty="0"/>
+              <a:t> </a:t>
+            </a:r>
+            <a:r>
+              <a:rPr lang="en-GB" sz="2200" dirty="0" err="1"/>
+              <a:t>účel</a:t>
+            </a:r>
+            <a:r>
+              <a:rPr lang="en-GB" sz="2200" dirty="0"/>
+              <a:t> je </a:t>
+            </a:r>
+            <a:r>
+              <a:rPr lang="en-GB" sz="2200" dirty="0" err="1"/>
+              <a:t>potrebné</a:t>
+            </a:r>
+            <a:r>
+              <a:rPr lang="en-GB" sz="2200" dirty="0"/>
+              <a:t>, aby </a:t>
+            </a:r>
+            <a:r>
+              <a:rPr lang="en-GB" sz="2200" dirty="0" err="1"/>
+              <a:t>regulovaná</a:t>
+            </a:r>
+            <a:r>
+              <a:rPr lang="en-GB" sz="2200" dirty="0"/>
+              <a:t> </a:t>
+            </a:r>
+            <a:r>
+              <a:rPr lang="en-GB" sz="2200" dirty="0" err="1"/>
+              <a:t>veličina</a:t>
+            </a:r>
+            <a:r>
+              <a:rPr lang="en-GB" sz="2200" dirty="0"/>
+              <a:t> y(t) </a:t>
+            </a:r>
+            <a:r>
+              <a:rPr lang="en-GB" sz="2200" dirty="0" err="1"/>
+              <a:t>kopírovala</a:t>
+            </a:r>
+            <a:r>
+              <a:rPr lang="en-GB" sz="2200" dirty="0"/>
+              <a:t> </a:t>
+            </a:r>
+            <a:r>
+              <a:rPr lang="en-GB" sz="2200" dirty="0" err="1"/>
+              <a:t>žiadanú</a:t>
+            </a:r>
+            <a:r>
+              <a:rPr lang="en-GB" sz="2200" dirty="0"/>
+              <a:t> </a:t>
+            </a:r>
+            <a:r>
+              <a:rPr lang="en-GB" sz="2200" dirty="0" err="1"/>
+              <a:t>veličinu</a:t>
+            </a:r>
+            <a:r>
+              <a:rPr lang="en-GB" sz="2200" dirty="0"/>
+              <a:t> w(t)</a:t>
+            </a:r>
+            <a:r>
+              <a:rPr lang="sk-SK" sz="2200" dirty="0"/>
+              <a:t>. </a:t>
+            </a:r>
+            <a:r>
+              <a:rPr lang="en-GB" sz="2200" dirty="0" err="1"/>
+              <a:t>Žiadaná</a:t>
+            </a:r>
+            <a:r>
+              <a:rPr lang="en-GB" sz="2200" dirty="0"/>
+              <a:t> </a:t>
+            </a:r>
+            <a:r>
+              <a:rPr lang="en-GB" sz="2200" dirty="0" err="1"/>
+              <a:t>veličina</a:t>
+            </a:r>
+            <a:r>
+              <a:rPr lang="en-GB" sz="2200" dirty="0"/>
+              <a:t> </a:t>
+            </a:r>
+            <a:r>
+              <a:rPr lang="en-GB" sz="2200" dirty="0" err="1"/>
+              <a:t>pritom</a:t>
+            </a:r>
+            <a:r>
+              <a:rPr lang="en-GB" sz="2200" dirty="0"/>
+              <a:t> </a:t>
+            </a:r>
+            <a:r>
+              <a:rPr lang="en-GB" sz="2200" dirty="0" err="1"/>
+              <a:t>môže</a:t>
+            </a:r>
+            <a:r>
+              <a:rPr lang="en-GB" sz="2200" dirty="0"/>
+              <a:t> </a:t>
+            </a:r>
+            <a:r>
+              <a:rPr lang="en-GB" sz="2200" dirty="0" err="1"/>
+              <a:t>byť</a:t>
+            </a:r>
+            <a:r>
+              <a:rPr lang="en-GB" sz="2200" dirty="0"/>
+              <a:t> v </a:t>
+            </a:r>
+            <a:r>
+              <a:rPr lang="en-GB" sz="2200" dirty="0" err="1"/>
+              <a:t>podobe</a:t>
+            </a:r>
+            <a:r>
+              <a:rPr lang="en-GB" sz="2200" dirty="0"/>
+              <a:t> </a:t>
+            </a:r>
+            <a:r>
+              <a:rPr lang="en-GB" sz="2200" dirty="0" err="1"/>
+              <a:t>pevne</a:t>
+            </a:r>
+            <a:r>
+              <a:rPr lang="en-GB" sz="2200" dirty="0"/>
+              <a:t> </a:t>
+            </a:r>
+            <a:r>
+              <a:rPr lang="en-GB" sz="2200" dirty="0" err="1"/>
+              <a:t>danej</a:t>
+            </a:r>
+            <a:r>
+              <a:rPr lang="en-GB" sz="2200" dirty="0"/>
+              <a:t> </a:t>
+            </a:r>
+            <a:r>
+              <a:rPr lang="en-GB" sz="2200" dirty="0" err="1"/>
+              <a:t>veličiny</a:t>
+            </a:r>
+            <a:r>
+              <a:rPr lang="en-GB" sz="2200" dirty="0"/>
+              <a:t>, </a:t>
+            </a:r>
+            <a:r>
+              <a:rPr lang="en-GB" sz="2200" dirty="0" err="1"/>
+              <a:t>časovej</a:t>
+            </a:r>
+            <a:r>
+              <a:rPr lang="en-GB" sz="2200" dirty="0"/>
+              <a:t> </a:t>
+            </a:r>
+            <a:r>
+              <a:rPr lang="en-GB" sz="2200" dirty="0" err="1"/>
+              <a:t>funkcie</a:t>
+            </a:r>
+            <a:r>
+              <a:rPr lang="en-GB" sz="2200" dirty="0"/>
+              <a:t> </a:t>
+            </a:r>
+            <a:r>
+              <a:rPr lang="en-GB" sz="2200" dirty="0" err="1"/>
+              <a:t>alebo</a:t>
+            </a:r>
+            <a:r>
+              <a:rPr lang="en-GB" sz="2200" dirty="0"/>
+              <a:t> </a:t>
+            </a:r>
+            <a:r>
+              <a:rPr lang="en-GB" sz="2200" dirty="0" err="1"/>
+              <a:t>funkčnej</a:t>
+            </a:r>
+            <a:r>
+              <a:rPr lang="en-GB" sz="2200" dirty="0"/>
+              <a:t> </a:t>
+            </a:r>
+            <a:r>
+              <a:rPr lang="en-GB" sz="2200" dirty="0" err="1"/>
+              <a:t>závislosti</a:t>
+            </a:r>
+            <a:r>
+              <a:rPr lang="en-GB" sz="2200" dirty="0"/>
+              <a:t> </a:t>
+            </a:r>
+            <a:r>
+              <a:rPr lang="en-GB" sz="2200" dirty="0" err="1"/>
+              <a:t>na</a:t>
+            </a:r>
+            <a:r>
+              <a:rPr lang="en-GB" sz="2200" dirty="0"/>
+              <a:t> </a:t>
+            </a:r>
+            <a:r>
+              <a:rPr lang="en-GB" sz="2200" dirty="0" err="1"/>
+              <a:t>inej</a:t>
+            </a:r>
+            <a:r>
+              <a:rPr lang="en-GB" sz="2200" dirty="0"/>
+              <a:t> </a:t>
+            </a:r>
+            <a:r>
+              <a:rPr lang="en-GB" sz="2200" dirty="0" err="1"/>
+              <a:t>veličine</a:t>
+            </a:r>
+            <a:r>
+              <a:rPr lang="en-GB" sz="2200" dirty="0"/>
+              <a:t>.</a:t>
+            </a:r>
+            <a:endParaRPr lang="sk-SK" sz="2200" dirty="0"/>
+          </a:p>
+          <a:p>
+            <a:pPr>
+              <a:lnSpc>
+                <a:spcPct val="110000"/>
+              </a:lnSpc>
+              <a:buFont typeface="Arial" panose="020B0604020202020204" pitchFamily="34" charset="0"/>
+              <a:buChar char="•"/>
+            </a:pPr>
+            <a:r>
+              <a:rPr lang="en-GB" sz="2200" dirty="0" err="1"/>
+              <a:t>Podstata</a:t>
+            </a:r>
+            <a:r>
+              <a:rPr lang="en-GB" sz="2200" dirty="0"/>
+              <a:t> </a:t>
+            </a:r>
+            <a:r>
+              <a:rPr lang="en-GB" sz="2200" dirty="0" err="1"/>
+              <a:t>činnosti</a:t>
+            </a:r>
+            <a:r>
+              <a:rPr lang="en-GB" sz="2200" dirty="0"/>
+              <a:t> </a:t>
+            </a:r>
+            <a:r>
+              <a:rPr lang="en-GB" sz="2200" dirty="0" err="1"/>
+              <a:t>regulátora</a:t>
+            </a:r>
+            <a:r>
+              <a:rPr lang="en-GB" sz="2200" dirty="0"/>
+              <a:t> </a:t>
+            </a:r>
+            <a:r>
+              <a:rPr lang="en-GB" sz="2200" dirty="0" err="1"/>
+              <a:t>spočíva</a:t>
+            </a:r>
+            <a:r>
+              <a:rPr lang="en-GB" sz="2200" dirty="0"/>
+              <a:t> </a:t>
+            </a:r>
+            <a:r>
+              <a:rPr lang="en-GB" sz="2200" dirty="0" err="1"/>
+              <a:t>vo</a:t>
+            </a:r>
+            <a:r>
+              <a:rPr lang="en-GB" sz="2200" dirty="0"/>
+              <a:t> </a:t>
+            </a:r>
+            <a:r>
+              <a:rPr lang="en-GB" sz="2200" dirty="0" err="1"/>
+              <a:t>vyhodnocovaní</a:t>
+            </a:r>
+            <a:r>
+              <a:rPr lang="en-GB" sz="2200" dirty="0"/>
+              <a:t> </a:t>
+            </a:r>
+            <a:r>
+              <a:rPr lang="en-GB" sz="2200" dirty="0" err="1"/>
+              <a:t>regulačnej</a:t>
+            </a:r>
+            <a:r>
+              <a:rPr lang="en-GB" sz="2200" dirty="0"/>
+              <a:t> </a:t>
+            </a:r>
+            <a:r>
+              <a:rPr lang="en-GB" sz="2200" dirty="0" err="1"/>
+              <a:t>odchýlky</a:t>
+            </a:r>
+            <a:r>
+              <a:rPr lang="en-GB" sz="2200" dirty="0"/>
+              <a:t> </a:t>
+            </a:r>
+            <a:r>
+              <a:rPr lang="sk-SK" sz="2200" dirty="0"/>
+              <a:t>   </a:t>
+            </a:r>
+            <a:r>
+              <a:rPr lang="en-GB" sz="2200" dirty="0"/>
+              <a:t>e(t) = w(t) – y(t) </a:t>
+            </a:r>
+            <a:r>
+              <a:rPr lang="en-GB" sz="2200" dirty="0" err="1"/>
+              <a:t>ako</a:t>
+            </a:r>
+            <a:r>
+              <a:rPr lang="en-GB" sz="2200" dirty="0"/>
+              <a:t> </a:t>
+            </a:r>
+            <a:r>
+              <a:rPr lang="en-GB" sz="2200" dirty="0" err="1"/>
+              <a:t>vstupného</a:t>
+            </a:r>
+            <a:r>
+              <a:rPr lang="en-GB" sz="2200" dirty="0"/>
+              <a:t> </a:t>
+            </a:r>
+            <a:r>
+              <a:rPr lang="en-GB" sz="2200" dirty="0" err="1"/>
+              <a:t>signálu</a:t>
+            </a:r>
+            <a:r>
+              <a:rPr lang="en-GB" sz="2200" dirty="0"/>
+              <a:t>, v </a:t>
+            </a:r>
+            <a:r>
+              <a:rPr lang="en-GB" sz="2200" dirty="0" err="1"/>
+              <a:t>spracovaní</a:t>
+            </a:r>
+            <a:r>
+              <a:rPr lang="en-GB" sz="2200" dirty="0"/>
+              <a:t> </a:t>
+            </a:r>
+            <a:r>
+              <a:rPr lang="en-GB" sz="2200" dirty="0" err="1"/>
+              <a:t>tejto</a:t>
+            </a:r>
+            <a:r>
+              <a:rPr lang="en-GB" sz="2200" dirty="0"/>
+              <a:t> </a:t>
+            </a:r>
+            <a:r>
+              <a:rPr lang="en-GB" sz="2200" dirty="0" err="1"/>
+              <a:t>odchýlky</a:t>
+            </a:r>
+            <a:r>
+              <a:rPr lang="en-GB" sz="2200" dirty="0"/>
+              <a:t> </a:t>
+            </a:r>
+            <a:r>
+              <a:rPr lang="en-GB" sz="2200" dirty="0" err="1"/>
+              <a:t>podľa</a:t>
+            </a:r>
+            <a:r>
+              <a:rPr lang="en-GB" sz="2200" dirty="0"/>
+              <a:t> </a:t>
+            </a:r>
+            <a:r>
+              <a:rPr lang="en-GB" sz="2200" dirty="0" err="1"/>
+              <a:t>zákonov</a:t>
+            </a:r>
+            <a:r>
+              <a:rPr lang="en-GB" sz="2200" dirty="0"/>
+              <a:t> </a:t>
+            </a:r>
+            <a:r>
+              <a:rPr lang="en-GB" sz="2200" dirty="0" err="1"/>
+              <a:t>riadenia</a:t>
+            </a:r>
+            <a:r>
+              <a:rPr lang="en-GB" sz="2200" dirty="0"/>
+              <a:t>, </a:t>
+            </a:r>
+            <a:r>
+              <a:rPr lang="en-GB" sz="2200" dirty="0" err="1"/>
+              <a:t>ktorý</a:t>
+            </a:r>
+            <a:r>
+              <a:rPr lang="en-GB" sz="2200" dirty="0"/>
+              <a:t> je </a:t>
+            </a:r>
+            <a:r>
+              <a:rPr lang="en-GB" sz="2200" dirty="0" err="1"/>
+              <a:t>vlastný</a:t>
+            </a:r>
+            <a:r>
+              <a:rPr lang="en-GB" sz="2200" dirty="0"/>
+              <a:t> </a:t>
+            </a:r>
+            <a:r>
+              <a:rPr lang="en-GB" sz="2200" dirty="0" err="1"/>
+              <a:t>použitému</a:t>
+            </a:r>
+            <a:r>
+              <a:rPr lang="en-GB" sz="2200" dirty="0"/>
+              <a:t> </a:t>
+            </a:r>
+            <a:r>
+              <a:rPr lang="en-GB" sz="2200" dirty="0" err="1"/>
+              <a:t>regulátoru</a:t>
+            </a:r>
+            <a:r>
+              <a:rPr lang="en-GB" sz="2200" dirty="0"/>
+              <a:t> a </a:t>
+            </a:r>
+            <a:r>
+              <a:rPr lang="en-GB" sz="2200" dirty="0" err="1"/>
+              <a:t>vo</a:t>
+            </a:r>
+            <a:r>
+              <a:rPr lang="en-GB" sz="2200" dirty="0"/>
+              <a:t> </a:t>
+            </a:r>
+            <a:r>
+              <a:rPr lang="en-GB" sz="2200" dirty="0" err="1"/>
+              <a:t>vytvorení</a:t>
+            </a:r>
+            <a:r>
+              <a:rPr lang="en-GB" sz="2200" dirty="0"/>
+              <a:t> </a:t>
+            </a:r>
+            <a:r>
+              <a:rPr lang="en-GB" sz="2200" dirty="0" err="1"/>
+              <a:t>výstupného</a:t>
+            </a:r>
+            <a:r>
+              <a:rPr lang="en-GB" sz="2200" dirty="0"/>
+              <a:t> </a:t>
+            </a:r>
+            <a:r>
+              <a:rPr lang="en-GB" sz="2200" dirty="0" err="1"/>
+              <a:t>signálu</a:t>
+            </a:r>
+            <a:r>
+              <a:rPr lang="en-GB" sz="2200" dirty="0"/>
+              <a:t> – </a:t>
+            </a:r>
+            <a:r>
+              <a:rPr lang="en-GB" sz="2200" dirty="0" err="1"/>
+              <a:t>akčnej</a:t>
+            </a:r>
+            <a:r>
+              <a:rPr lang="en-GB" sz="2200" dirty="0"/>
+              <a:t> </a:t>
+            </a:r>
+            <a:r>
+              <a:rPr lang="en-GB" sz="2200" dirty="0" err="1"/>
+              <a:t>veličiny</a:t>
+            </a:r>
+            <a:r>
+              <a:rPr lang="en-GB" sz="2200" dirty="0"/>
+              <a:t> u(t) s </a:t>
+            </a:r>
+            <a:r>
+              <a:rPr lang="en-GB" sz="2200" dirty="0" err="1"/>
+              <a:t>cieľom</a:t>
+            </a:r>
+            <a:r>
+              <a:rPr lang="en-GB" sz="2200" dirty="0"/>
+              <a:t> </a:t>
+            </a:r>
+            <a:r>
+              <a:rPr lang="en-GB" sz="2200" dirty="0" err="1"/>
+              <a:t>takým</a:t>
+            </a:r>
+            <a:r>
+              <a:rPr lang="en-GB" sz="2200" dirty="0"/>
+              <a:t>, aby </a:t>
+            </a:r>
+            <a:r>
+              <a:rPr lang="en-GB" sz="2200" dirty="0" err="1"/>
+              <a:t>odchýlka</a:t>
+            </a:r>
+            <a:r>
+              <a:rPr lang="en-GB" sz="2200" dirty="0"/>
+              <a:t> e(t) bola </a:t>
+            </a:r>
+            <a:r>
+              <a:rPr lang="en-GB" sz="2200" dirty="0" err="1"/>
+              <a:t>eliminovaná</a:t>
+            </a:r>
+            <a:r>
+              <a:rPr lang="en-GB" sz="2200" dirty="0"/>
+              <a:t> </a:t>
+            </a:r>
+            <a:r>
+              <a:rPr lang="en-GB" sz="2200" dirty="0" err="1"/>
+              <a:t>úplne</a:t>
+            </a:r>
+            <a:r>
+              <a:rPr lang="en-GB" sz="2200" dirty="0"/>
+              <a:t> </a:t>
+            </a:r>
+            <a:r>
+              <a:rPr lang="en-GB" sz="2200" dirty="0" err="1"/>
+              <a:t>alebo</a:t>
+            </a:r>
+            <a:r>
+              <a:rPr lang="en-GB" sz="2200" dirty="0"/>
+              <a:t> aby bola </a:t>
+            </a:r>
+            <a:r>
+              <a:rPr lang="en-GB" sz="2200" dirty="0" err="1"/>
+              <a:t>čo</a:t>
+            </a:r>
+            <a:r>
+              <a:rPr lang="en-GB" sz="2200" dirty="0"/>
+              <a:t> </a:t>
+            </a:r>
+            <a:r>
+              <a:rPr lang="en-GB" sz="2200" dirty="0" err="1"/>
+              <a:t>najmenšia</a:t>
+            </a:r>
+            <a:r>
+              <a:rPr lang="en-GB" sz="2200" dirty="0"/>
+              <a:t>.</a:t>
+            </a:r>
+            <a:endParaRPr lang="sk-SK" sz="2200" dirty="0"/>
+          </a:p>
+        </p:txBody>
+      </p:sp>
+      <p:pic>
+        <p:nvPicPr>
+          <p:cNvPr id="21" name="Obrázok 20">
+            <a:extLst>
+              <a:ext uri="{FF2B5EF4-FFF2-40B4-BE49-F238E27FC236}">
+                <a16:creationId xmlns:a16="http://schemas.microsoft.com/office/drawing/2014/main" xmlns="" id="{BE13CF61-C9EF-4109-A26F-19D8517D3C9A}"/>
+              </a:ext>
+            </a:extLst>
+          </p:cNvPr>
+          <p:cNvPicPr>
+            <a:picLocks noChangeAspect="1"/>
+          </p:cNvPicPr>
+          <p:nvPr/>
+        </p:nvPicPr>
+        <p:blipFill>
+          <a:blip r:embed="rId2"/>
+          <a:stretch>
+            <a:fillRect/>
+          </a:stretch>
+        </p:blipFill>
+        <p:spPr>
+          <a:xfrm>
+            <a:off x="362712" y="1003870"/>
+            <a:ext cx="7111556" cy="1878936"/>
+          </a:xfrm>
+          <a:prstGeom prst="rect">
+            <a:avLst/>
+          </a:prstGeom>
+        </p:spPr>
+      </p:pic>
+    </p:spTree>
+    <p:extLst>
+      <p:ext uri="{BB962C8B-B14F-4D97-AF65-F5344CB8AC3E}">
+        <p14:creationId xmlns:p14="http://schemas.microsoft.com/office/powerpoint/2010/main" val="1106395333"/>
+      </p:ext>
+    </p:extLst>
+  </p:cSld>
+  <p:clrMapOvr>
+    <a:masterClrMapping/>
+  </p:clrMapOvr>
+</p:sld>
+</file>
+
+<file path=ppt/slides/slide20.xml><?xml version="1.0" encoding="utf-8"?>
+<p:sld xmlns:a="http://schemas.openxmlformats.org/drawingml/2006/main" xmlns:r="http://schemas.openxmlformats.org/officeDocument/2006/relationships" xmlns:p="http://schemas.openxmlformats.org/presentationml/2006/main">
+  <p:cSld>
+    <p:spTree>
+      <p:nvGrpSpPr>
+        <p:cNvPr id="1" name=""/>
+        <p:cNvGrpSpPr/>
+        <p:nvPr/>
+      </p:nvGrpSpPr>
+      <p:grpSpPr>
+        <a:xfrm>
+          <a:off x="0" y="0"/>
+          <a:ext cx="0" cy="0"/>
+          <a:chOff x="0" y="0"/>
+          <a:chExt cx="0" cy="0"/>
+        </a:xfrm>
+      </p:grpSpPr>
+      <p:sp>
+        <p:nvSpPr>
+          <p:cNvPr id="2" name="Nadpis 1">
+            <a:extLst>
+              <a:ext uri="{FF2B5EF4-FFF2-40B4-BE49-F238E27FC236}">
+                <a16:creationId xmlns:a16="http://schemas.microsoft.com/office/drawing/2014/main" xmlns="" id="{0D88D14D-C175-4981-ACCE-189F64EAEF77}"/>
               </a:ext>
             </a:extLst>
           </p:cNvPr>
@@ -13709,7 +13532,7 @@
           <p:cNvPr id="6" name="BlokTextu 5">
             <a:extLst>
               <a:ext uri="{FF2B5EF4-FFF2-40B4-BE49-F238E27FC236}">
-                <a16:creationId xmlns:a16="http://schemas.microsoft.com/office/drawing/2014/main" id="{F3E5A417-6511-494B-A8FD-8492D5090918}"/>
+                <a16:creationId xmlns:a16="http://schemas.microsoft.com/office/drawing/2014/main" xmlns="" id="{F3E5A417-6511-494B-A8FD-8492D5090918}"/>
               </a:ext>
             </a:extLst>
           </p:cNvPr>
@@ -13806,7 +13629,7 @@
           <p:cNvPr id="13" name="Object 4">
             <a:extLst>
               <a:ext uri="{FF2B5EF4-FFF2-40B4-BE49-F238E27FC236}">
-                <a16:creationId xmlns:a16="http://schemas.microsoft.com/office/drawing/2014/main" id="{1057CABD-F9D8-40E9-A7AE-068C00782669}"/>
+                <a16:creationId xmlns:a16="http://schemas.microsoft.com/office/drawing/2014/main" xmlns="" id="{1057CABD-F9D8-40E9-A7AE-068C00782669}"/>
               </a:ext>
             </a:extLst>
           </p:cNvPr>
@@ -13829,7 +13652,7 @@
           <a:graphicData uri="http://schemas.openxmlformats.org/presentationml/2006/ole">
             <mc:AlternateContent xmlns:mc="http://schemas.openxmlformats.org/markup-compatibility/2006">
               <mc:Choice xmlns:v="urn:schemas-microsoft-com:vml" Requires="v">
-                <p:oleObj spid="_x0000_s14363" name="Rastrový obrázek" r:id="rId3" imgW="4276800" imgH="1219320" progId="Paint.Picture">
+                <p:oleObj spid="_x0000_s14366" name="Rastrový obrázek" r:id="rId3" imgW="4276800" imgH="1219320" progId="Paint.Picture">
                   <p:embed/>
                 </p:oleObj>
               </mc:Choice>
@@ -13874,7 +13697,7 @@
           <p:cNvPr id="14" name="Object 5">
             <a:extLst>
               <a:ext uri="{FF2B5EF4-FFF2-40B4-BE49-F238E27FC236}">
-                <a16:creationId xmlns:a16="http://schemas.microsoft.com/office/drawing/2014/main" id="{34E95C89-2ECC-4D4A-AC63-05F0B3B136D5}"/>
+                <a16:creationId xmlns:a16="http://schemas.microsoft.com/office/drawing/2014/main" xmlns="" id="{34E95C89-2ECC-4D4A-AC63-05F0B3B136D5}"/>
               </a:ext>
             </a:extLst>
           </p:cNvPr>
@@ -13897,7 +13720,7 @@
           <a:graphicData uri="http://schemas.openxmlformats.org/presentationml/2006/ole">
             <mc:AlternateContent xmlns:mc="http://schemas.openxmlformats.org/markup-compatibility/2006">
               <mc:Choice xmlns:v="urn:schemas-microsoft-com:vml" Requires="v">
-                <p:oleObj spid="_x0000_s14364" name="Rovnica" r:id="rId5" imgW="5143320" imgH="965160" progId="Equation.3">
+                <p:oleObj spid="_x0000_s14367" name="Rovnica" r:id="rId5" imgW="5143320" imgH="965160" progId="Equation.3">
                   <p:embed/>
                 </p:oleObj>
               </mc:Choice>
@@ -13944,7 +13767,7 @@
           <p:cNvPr id="15" name="BlokTextu 14">
             <a:extLst>
               <a:ext uri="{FF2B5EF4-FFF2-40B4-BE49-F238E27FC236}">
-                <a16:creationId xmlns:a16="http://schemas.microsoft.com/office/drawing/2014/main" id="{17DFF831-EED9-4F79-B92D-8D20DEAE86C8}"/>
+                <a16:creationId xmlns:a16="http://schemas.microsoft.com/office/drawing/2014/main" xmlns="" id="{17DFF831-EED9-4F79-B92D-8D20DEAE86C8}"/>
               </a:ext>
             </a:extLst>
           </p:cNvPr>
@@ -14000,7 +13823,7 @@
           <p:cNvPr id="16" name="Object 6">
             <a:extLst>
               <a:ext uri="{FF2B5EF4-FFF2-40B4-BE49-F238E27FC236}">
-                <a16:creationId xmlns:a16="http://schemas.microsoft.com/office/drawing/2014/main" id="{EA3B69B5-27D8-48E5-8A2B-6A0D3043A2FD}"/>
+                <a16:creationId xmlns:a16="http://schemas.microsoft.com/office/drawing/2014/main" xmlns="" id="{EA3B69B5-27D8-48E5-8A2B-6A0D3043A2FD}"/>
               </a:ext>
             </a:extLst>
           </p:cNvPr>
@@ -14023,7 +13846,7 @@
           <a:graphicData uri="http://schemas.openxmlformats.org/presentationml/2006/ole">
             <mc:AlternateContent xmlns:mc="http://schemas.openxmlformats.org/markup-compatibility/2006">
               <mc:Choice xmlns:v="urn:schemas-microsoft-com:vml" Requires="v">
-                <p:oleObj spid="_x0000_s14365" name="Equation" r:id="rId7" imgW="1117440" imgH="342720" progId="Equation.3">
+                <p:oleObj spid="_x0000_s14368" name="Equation" r:id="rId7" imgW="1117440" imgH="342720" progId="Equation.3">
                   <p:embed/>
                 </p:oleObj>
               </mc:Choice>
@@ -14083,7 +13906,7 @@
 </p:sld>
 </file>
 
-<file path=ppt/slides/slide22.xml><?xml version="1.0" encoding="utf-8"?>
+<file path=ppt/slides/slide21.xml><?xml version="1.0" encoding="utf-8"?>
 <p:sld xmlns:a="http://schemas.openxmlformats.org/drawingml/2006/main" xmlns:r="http://schemas.openxmlformats.org/officeDocument/2006/relationships" xmlns:p="http://schemas.openxmlformats.org/presentationml/2006/main">
   <p:cSld>
     <p:spTree>
@@ -14105,7 +13928,7 @@
           <p:cNvPr id="2" name="Nadpis 1">
             <a:extLst>
               <a:ext uri="{FF2B5EF4-FFF2-40B4-BE49-F238E27FC236}">
-                <a16:creationId xmlns:a16="http://schemas.microsoft.com/office/drawing/2014/main" id="{3A759CED-D9CB-4E60-9F42-D82D381438BA}"/>
+                <a16:creationId xmlns:a16="http://schemas.microsoft.com/office/drawing/2014/main" xmlns="" id="{3A759CED-D9CB-4E60-9F42-D82D381438BA}"/>
               </a:ext>
             </a:extLst>
           </p:cNvPr>
@@ -14160,7 +13983,7 @@
           <p:cNvPr id="4" name="Obdĺžnik 3">
             <a:extLst>
               <a:ext uri="{FF2B5EF4-FFF2-40B4-BE49-F238E27FC236}">
-                <a16:creationId xmlns:a16="http://schemas.microsoft.com/office/drawing/2014/main" id="{4B0D74B7-BFDA-48BF-BDA6-FA8A914AF4C0}"/>
+                <a16:creationId xmlns:a16="http://schemas.microsoft.com/office/drawing/2014/main" xmlns="" id="{4B0D74B7-BFDA-48BF-BDA6-FA8A914AF4C0}"/>
               </a:ext>
             </a:extLst>
           </p:cNvPr>
@@ -14225,7 +14048,7 @@
           <p:cNvPr id="5" name="Object 0">
             <a:extLst>
               <a:ext uri="{FF2B5EF4-FFF2-40B4-BE49-F238E27FC236}">
-                <a16:creationId xmlns:a16="http://schemas.microsoft.com/office/drawing/2014/main" id="{B23CC3DF-9C9D-4FF0-9525-C5271630F9BF}"/>
+                <a16:creationId xmlns:a16="http://schemas.microsoft.com/office/drawing/2014/main" xmlns="" id="{B23CC3DF-9C9D-4FF0-9525-C5271630F9BF}"/>
               </a:ext>
             </a:extLst>
           </p:cNvPr>
@@ -14248,7 +14071,7 @@
           <a:graphicData uri="http://schemas.openxmlformats.org/presentationml/2006/ole">
             <mc:AlternateContent xmlns:mc="http://schemas.openxmlformats.org/markup-compatibility/2006">
               <mc:Choice xmlns:v="urn:schemas-microsoft-com:vml" Requires="v">
-                <p:oleObj spid="_x0000_s15392" name="Bitmap Image" r:id="rId3" imgW="3362400" imgH="1200240" progId="Paint.Picture">
+                <p:oleObj spid="_x0000_s15397" name="Bitmap Image" r:id="rId3" imgW="3362400" imgH="1200240" progId="Paint.Picture">
                   <p:embed/>
                 </p:oleObj>
               </mc:Choice>
@@ -14301,7 +14124,7 @@
           <p:cNvPr id="9" name="BlokTextu 8">
             <a:extLst>
               <a:ext uri="{FF2B5EF4-FFF2-40B4-BE49-F238E27FC236}">
-                <a16:creationId xmlns:a16="http://schemas.microsoft.com/office/drawing/2014/main" id="{0ADDFC0C-684C-4308-8134-C80E9A75DA24}"/>
+                <a16:creationId xmlns:a16="http://schemas.microsoft.com/office/drawing/2014/main" xmlns="" id="{0ADDFC0C-684C-4308-8134-C80E9A75DA24}"/>
               </a:ext>
             </a:extLst>
           </p:cNvPr>
@@ -14398,7 +14221,7 @@
           <p:cNvPr id="10" name="BlokTextu 9">
             <a:extLst>
               <a:ext uri="{FF2B5EF4-FFF2-40B4-BE49-F238E27FC236}">
-                <a16:creationId xmlns:a16="http://schemas.microsoft.com/office/drawing/2014/main" id="{7AA69204-8784-4793-88DE-CD7185FAE53F}"/>
+                <a16:creationId xmlns:a16="http://schemas.microsoft.com/office/drawing/2014/main" xmlns="" id="{7AA69204-8784-4793-88DE-CD7185FAE53F}"/>
               </a:ext>
             </a:extLst>
           </p:cNvPr>
@@ -14495,7 +14318,7 @@
           <p:cNvPr id="11" name="Object 8">
             <a:extLst>
               <a:ext uri="{FF2B5EF4-FFF2-40B4-BE49-F238E27FC236}">
-                <a16:creationId xmlns:a16="http://schemas.microsoft.com/office/drawing/2014/main" id="{8B9363B1-EEB6-426A-AD6B-9E7278167B85}"/>
+                <a16:creationId xmlns:a16="http://schemas.microsoft.com/office/drawing/2014/main" xmlns="" id="{8B9363B1-EEB6-426A-AD6B-9E7278167B85}"/>
               </a:ext>
             </a:extLst>
           </p:cNvPr>
@@ -14518,7 +14341,7 @@
           <a:graphicData uri="http://schemas.openxmlformats.org/presentationml/2006/ole">
             <mc:AlternateContent xmlns:mc="http://schemas.openxmlformats.org/markup-compatibility/2006">
               <mc:Choice xmlns:v="urn:schemas-microsoft-com:vml" Requires="v">
-                <p:oleObj spid="_x0000_s15393" name="Rovnica" r:id="rId5" imgW="1981080" imgH="774360" progId="Equation.3">
+                <p:oleObj spid="_x0000_s15398" name="Rovnica" r:id="rId5" imgW="1981080" imgH="774360" progId="Equation.3">
                   <p:embed/>
                 </p:oleObj>
               </mc:Choice>
@@ -14565,7 +14388,7 @@
           <p:cNvPr id="12" name="Object 9">
             <a:extLst>
               <a:ext uri="{FF2B5EF4-FFF2-40B4-BE49-F238E27FC236}">
-                <a16:creationId xmlns:a16="http://schemas.microsoft.com/office/drawing/2014/main" id="{8FE5700B-8B51-4EF7-AF57-BCD649E5F961}"/>
+                <a16:creationId xmlns:a16="http://schemas.microsoft.com/office/drawing/2014/main" xmlns="" id="{8FE5700B-8B51-4EF7-AF57-BCD649E5F961}"/>
               </a:ext>
             </a:extLst>
           </p:cNvPr>
@@ -14588,7 +14411,7 @@
           <a:graphicData uri="http://schemas.openxmlformats.org/presentationml/2006/ole">
             <mc:AlternateContent xmlns:mc="http://schemas.openxmlformats.org/markup-compatibility/2006">
               <mc:Choice xmlns:v="urn:schemas-microsoft-com:vml" Requires="v">
-                <p:oleObj spid="_x0000_s15394" name="Rovnica" r:id="rId7" imgW="1815840" imgH="787320" progId="Equation.3">
+                <p:oleObj spid="_x0000_s15399" name="Rovnica" r:id="rId7" imgW="1815840" imgH="787320" progId="Equation.3">
                   <p:embed/>
                 </p:oleObj>
               </mc:Choice>
@@ -14632,7 +14455,7 @@
           <p:cNvPr id="13" name="Object 10">
             <a:extLst>
               <a:ext uri="{FF2B5EF4-FFF2-40B4-BE49-F238E27FC236}">
-                <a16:creationId xmlns:a16="http://schemas.microsoft.com/office/drawing/2014/main" id="{F364345A-74DE-4D9C-8C14-1D543A95E484}"/>
+                <a16:creationId xmlns:a16="http://schemas.microsoft.com/office/drawing/2014/main" xmlns="" id="{F364345A-74DE-4D9C-8C14-1D543A95E484}"/>
               </a:ext>
             </a:extLst>
           </p:cNvPr>
@@ -14655,7 +14478,7 @@
           <a:graphicData uri="http://schemas.openxmlformats.org/presentationml/2006/ole">
             <mc:AlternateContent xmlns:mc="http://schemas.openxmlformats.org/markup-compatibility/2006">
               <mc:Choice xmlns:v="urn:schemas-microsoft-com:vml" Requires="v">
-                <p:oleObj spid="_x0000_s15395" name="Rovnica" r:id="rId9" imgW="1663560" imgH="1549080" progId="Equation.3">
+                <p:oleObj spid="_x0000_s15400" name="Rovnica" r:id="rId9" imgW="1663560" imgH="1549080" progId="Equation.3">
                   <p:embed/>
                 </p:oleObj>
               </mc:Choice>
@@ -14708,7 +14531,7 @@
           <p:cNvPr id="14" name="Objekt 13">
             <a:extLst>
               <a:ext uri="{FF2B5EF4-FFF2-40B4-BE49-F238E27FC236}">
-                <a16:creationId xmlns:a16="http://schemas.microsoft.com/office/drawing/2014/main" id="{C298D94C-70DD-41B0-BB48-6A9101B3EC5C}"/>
+                <a16:creationId xmlns:a16="http://schemas.microsoft.com/office/drawing/2014/main" xmlns="" id="{C298D94C-70DD-41B0-BB48-6A9101B3EC5C}"/>
               </a:ext>
             </a:extLst>
           </p:cNvPr>
@@ -14731,7 +14554,7 @@
           <a:graphicData uri="http://schemas.openxmlformats.org/presentationml/2006/ole">
             <mc:AlternateContent xmlns:mc="http://schemas.openxmlformats.org/markup-compatibility/2006">
               <mc:Choice xmlns:v="urn:schemas-microsoft-com:vml" Requires="v">
-                <p:oleObj spid="_x0000_s15396" name="Rovnica" r:id="rId11" imgW="1638000" imgH="850680" progId="Equation.3">
+                <p:oleObj spid="_x0000_s15401" name="Rovnica" r:id="rId11" imgW="1638000" imgH="850680" progId="Equation.3">
                   <p:embed/>
                 </p:oleObj>
               </mc:Choice>
@@ -14788,7 +14611,7 @@
 </p:sld>
 </file>
 
-<file path=ppt/slides/slide23.xml><?xml version="1.0" encoding="utf-8"?>
+<file path=ppt/slides/slide22.xml><?xml version="1.0" encoding="utf-8"?>
 <p:sld xmlns:a="http://schemas.openxmlformats.org/drawingml/2006/main" xmlns:r="http://schemas.openxmlformats.org/officeDocument/2006/relationships" xmlns:p="http://schemas.openxmlformats.org/presentationml/2006/main">
   <p:cSld>
     <p:spTree>
@@ -14810,7 +14633,7 @@
           <p:cNvPr id="2" name="Nadpis 1">
             <a:extLst>
               <a:ext uri="{FF2B5EF4-FFF2-40B4-BE49-F238E27FC236}">
-                <a16:creationId xmlns:a16="http://schemas.microsoft.com/office/drawing/2014/main" id="{3F562DDE-374C-498C-80CE-5A4EF3931956}"/>
+                <a16:creationId xmlns:a16="http://schemas.microsoft.com/office/drawing/2014/main" xmlns="" id="{3F562DDE-374C-498C-80CE-5A4EF3931956}"/>
               </a:ext>
             </a:extLst>
           </p:cNvPr>
@@ -14835,7 +14658,7 @@
           <p:cNvPr id="4" name="BlokTextu 3">
             <a:extLst>
               <a:ext uri="{FF2B5EF4-FFF2-40B4-BE49-F238E27FC236}">
-                <a16:creationId xmlns:a16="http://schemas.microsoft.com/office/drawing/2014/main" id="{1CB4AD21-533C-4C6D-870A-C9BFA3417521}"/>
+                <a16:creationId xmlns:a16="http://schemas.microsoft.com/office/drawing/2014/main" xmlns="" id="{1CB4AD21-533C-4C6D-870A-C9BFA3417521}"/>
               </a:ext>
             </a:extLst>
           </p:cNvPr>
@@ -14891,7 +14714,7 @@
           <p:cNvPr id="5" name="BlokTextu 4">
             <a:extLst>
               <a:ext uri="{FF2B5EF4-FFF2-40B4-BE49-F238E27FC236}">
-                <a16:creationId xmlns:a16="http://schemas.microsoft.com/office/drawing/2014/main" id="{A0D9E73C-A1A7-4A54-8A7D-1248D7B2BCC9}"/>
+                <a16:creationId xmlns:a16="http://schemas.microsoft.com/office/drawing/2014/main" xmlns="" id="{A0D9E73C-A1A7-4A54-8A7D-1248D7B2BCC9}"/>
               </a:ext>
             </a:extLst>
           </p:cNvPr>
@@ -14947,7 +14770,7 @@
           <p:cNvPr id="6" name="BlokTextu 5">
             <a:extLst>
               <a:ext uri="{FF2B5EF4-FFF2-40B4-BE49-F238E27FC236}">
-                <a16:creationId xmlns:a16="http://schemas.microsoft.com/office/drawing/2014/main" id="{2BCA12A2-6E16-421E-B055-7B98171FDC28}"/>
+                <a16:creationId xmlns:a16="http://schemas.microsoft.com/office/drawing/2014/main" xmlns="" id="{2BCA12A2-6E16-421E-B055-7B98171FDC28}"/>
               </a:ext>
             </a:extLst>
           </p:cNvPr>
@@ -15003,7 +14826,7 @@
           <p:cNvPr id="7" name="Text Box 21">
             <a:extLst>
               <a:ext uri="{FF2B5EF4-FFF2-40B4-BE49-F238E27FC236}">
-                <a16:creationId xmlns:a16="http://schemas.microsoft.com/office/drawing/2014/main" id="{830D905D-CB00-4FB5-8A0F-CD4344D8E16A}"/>
+                <a16:creationId xmlns:a16="http://schemas.microsoft.com/office/drawing/2014/main" xmlns="" id="{830D905D-CB00-4FB5-8A0F-CD4344D8E16A}"/>
               </a:ext>
             </a:extLst>
           </p:cNvPr>
@@ -15055,7 +14878,7 @@
           <p:cNvPr id="11" name="Text Box 36">
             <a:extLst>
               <a:ext uri="{FF2B5EF4-FFF2-40B4-BE49-F238E27FC236}">
-                <a16:creationId xmlns:a16="http://schemas.microsoft.com/office/drawing/2014/main" id="{301030FB-0ADC-4118-902D-17B4C11EDFDE}"/>
+                <a16:creationId xmlns:a16="http://schemas.microsoft.com/office/drawing/2014/main" xmlns="" id="{301030FB-0ADC-4118-902D-17B4C11EDFDE}"/>
               </a:ext>
             </a:extLst>
           </p:cNvPr>
@@ -15182,7 +15005,7 @@
           <p:cNvPr id="12" name="Objekt 11">
             <a:extLst>
               <a:ext uri="{FF2B5EF4-FFF2-40B4-BE49-F238E27FC236}">
-                <a16:creationId xmlns:a16="http://schemas.microsoft.com/office/drawing/2014/main" id="{0ECE0369-ABB7-4142-B84D-107C63E9CDFA}"/>
+                <a16:creationId xmlns:a16="http://schemas.microsoft.com/office/drawing/2014/main" xmlns="" id="{0ECE0369-ABB7-4142-B84D-107C63E9CDFA}"/>
               </a:ext>
             </a:extLst>
           </p:cNvPr>
@@ -15205,7 +15028,7 @@
           <a:graphicData uri="http://schemas.openxmlformats.org/presentationml/2006/ole">
             <mc:AlternateContent xmlns:mc="http://schemas.openxmlformats.org/markup-compatibility/2006">
               <mc:Choice xmlns:v="urn:schemas-microsoft-com:vml" Requires="v">
-                <p:oleObj spid="_x0000_s16398" name="Rovnica" r:id="rId3" imgW="990360" imgH="330120" progId="Equation.3">
+                <p:oleObj spid="_x0000_s16400" name="Rovnica" r:id="rId3" imgW="990360" imgH="330120" progId="Equation.3">
                   <p:embed/>
                 </p:oleObj>
               </mc:Choice>
@@ -15255,7 +15078,7 @@
           <p:cNvPr id="13" name="Objekt 12">
             <a:extLst>
               <a:ext uri="{FF2B5EF4-FFF2-40B4-BE49-F238E27FC236}">
-                <a16:creationId xmlns:a16="http://schemas.microsoft.com/office/drawing/2014/main" id="{D0D8C6B6-D6AF-45A0-B110-90254390F675}"/>
+                <a16:creationId xmlns:a16="http://schemas.microsoft.com/office/drawing/2014/main" xmlns="" id="{D0D8C6B6-D6AF-45A0-B110-90254390F675}"/>
               </a:ext>
             </a:extLst>
           </p:cNvPr>
@@ -15278,7 +15101,7 @@
           <a:graphicData uri="http://schemas.openxmlformats.org/presentationml/2006/ole">
             <mc:AlternateContent xmlns:mc="http://schemas.openxmlformats.org/markup-compatibility/2006">
               <mc:Choice xmlns:v="urn:schemas-microsoft-com:vml" Requires="v">
-                <p:oleObj spid="_x0000_s16399" name="Rovnica" r:id="rId5" imgW="3047760" imgH="571320" progId="Equation.3">
+                <p:oleObj spid="_x0000_s16401" name="Rovnica" r:id="rId5" imgW="3047760" imgH="571320" progId="Equation.3">
                   <p:embed/>
                 </p:oleObj>
               </mc:Choice>
@@ -15352,7 +15175,7 @@
 </p:sld>
 </file>
 
-<file path=ppt/slides/slide24.xml><?xml version="1.0" encoding="utf-8"?>
+<file path=ppt/slides/slide23.xml><?xml version="1.0" encoding="utf-8"?>
 <p:sld xmlns:a="http://schemas.openxmlformats.org/drawingml/2006/main" xmlns:r="http://schemas.openxmlformats.org/officeDocument/2006/relationships" xmlns:p="http://schemas.openxmlformats.org/presentationml/2006/main">
   <p:cSld>
     <p:spTree>
@@ -15374,7 +15197,7 @@
           <p:cNvPr id="2" name="Nadpis 1">
             <a:extLst>
               <a:ext uri="{FF2B5EF4-FFF2-40B4-BE49-F238E27FC236}">
-                <a16:creationId xmlns:a16="http://schemas.microsoft.com/office/drawing/2014/main" id="{E3A1B96A-5B08-47B4-A615-9C08287135BA}"/>
+                <a16:creationId xmlns:a16="http://schemas.microsoft.com/office/drawing/2014/main" xmlns="" id="{E3A1B96A-5B08-47B4-A615-9C08287135BA}"/>
               </a:ext>
             </a:extLst>
           </p:cNvPr>
@@ -15460,6 +15283,10 @@
               <a:rPr lang="en-GB" dirty="0" err="1"/>
               <a:t>rádu</a:t>
             </a:r>
+            <a:r>
+              <a:rPr lang="en-GB" dirty="0"/>
+              <a:t/>
+            </a:r>
             <a:br>
               <a:rPr lang="en-GB" dirty="0"/>
             </a:br>
@@ -15472,7 +15299,7 @@
           <p:cNvPr id="8" name="BlokTextu 7">
             <a:extLst>
               <a:ext uri="{FF2B5EF4-FFF2-40B4-BE49-F238E27FC236}">
-                <a16:creationId xmlns:a16="http://schemas.microsoft.com/office/drawing/2014/main" id="{86AC1260-70B6-45E5-B74D-6115A7380753}"/>
+                <a16:creationId xmlns:a16="http://schemas.microsoft.com/office/drawing/2014/main" xmlns="" id="{86AC1260-70B6-45E5-B74D-6115A7380753}"/>
               </a:ext>
             </a:extLst>
           </p:cNvPr>
@@ -15569,7 +15396,7 @@
           <p:cNvPr id="10" name="Object 2">
             <a:extLst>
               <a:ext uri="{FF2B5EF4-FFF2-40B4-BE49-F238E27FC236}">
-                <a16:creationId xmlns:a16="http://schemas.microsoft.com/office/drawing/2014/main" id="{64BE2959-FF93-4511-B3AB-AC6BB7D6E9D4}"/>
+                <a16:creationId xmlns:a16="http://schemas.microsoft.com/office/drawing/2014/main" xmlns="" id="{64BE2959-FF93-4511-B3AB-AC6BB7D6E9D4}"/>
               </a:ext>
             </a:extLst>
           </p:cNvPr>
@@ -15592,7 +15419,7 @@
           <a:graphicData uri="http://schemas.openxmlformats.org/presentationml/2006/ole">
             <mc:AlternateContent xmlns:mc="http://schemas.openxmlformats.org/markup-compatibility/2006">
               <mc:Choice xmlns:v="urn:schemas-microsoft-com:vml" Requires="v">
-                <p:oleObj spid="_x0000_s17431" name="Bitmap Image" r:id="rId3" imgW="2629080" imgH="1059120" progId="Paint.Picture">
+                <p:oleObj spid="_x0000_s17435" name="Bitmap Image" r:id="rId3" imgW="2629080" imgH="1059120" progId="Paint.Picture">
                   <p:embed/>
                 </p:oleObj>
               </mc:Choice>
@@ -15637,7 +15464,7 @@
           <p:cNvPr id="11" name="Object 0">
             <a:extLst>
               <a:ext uri="{FF2B5EF4-FFF2-40B4-BE49-F238E27FC236}">
-                <a16:creationId xmlns:a16="http://schemas.microsoft.com/office/drawing/2014/main" id="{BB0F0E92-3909-48C1-88BF-CAB77A0C6BAD}"/>
+                <a16:creationId xmlns:a16="http://schemas.microsoft.com/office/drawing/2014/main" xmlns="" id="{BB0F0E92-3909-48C1-88BF-CAB77A0C6BAD}"/>
               </a:ext>
             </a:extLst>
           </p:cNvPr>
@@ -15660,7 +15487,7 @@
           <a:graphicData uri="http://schemas.openxmlformats.org/presentationml/2006/ole">
             <mc:AlternateContent xmlns:mc="http://schemas.openxmlformats.org/markup-compatibility/2006">
               <mc:Choice xmlns:v="urn:schemas-microsoft-com:vml" Requires="v">
-                <p:oleObj spid="_x0000_s17432" name="Rovnica" r:id="rId5" imgW="3771720" imgH="850680" progId="Equation.3">
+                <p:oleObj spid="_x0000_s17436" name="Rovnica" r:id="rId5" imgW="3771720" imgH="850680" progId="Equation.3">
                   <p:embed/>
                 </p:oleObj>
               </mc:Choice>
@@ -15707,7 +15534,7 @@
           <p:cNvPr id="12" name="BlokTextu 11">
             <a:extLst>
               <a:ext uri="{FF2B5EF4-FFF2-40B4-BE49-F238E27FC236}">
-                <a16:creationId xmlns:a16="http://schemas.microsoft.com/office/drawing/2014/main" id="{9EA3F360-0B59-4F48-83C2-6DCA958D0237}"/>
+                <a16:creationId xmlns:a16="http://schemas.microsoft.com/office/drawing/2014/main" xmlns="" id="{9EA3F360-0B59-4F48-83C2-6DCA958D0237}"/>
               </a:ext>
             </a:extLst>
           </p:cNvPr>
@@ -15763,7 +15590,7 @@
           <p:cNvPr id="13" name="Object 1">
             <a:extLst>
               <a:ext uri="{FF2B5EF4-FFF2-40B4-BE49-F238E27FC236}">
-                <a16:creationId xmlns:a16="http://schemas.microsoft.com/office/drawing/2014/main" id="{4E9E9A36-E2F6-456F-8AB8-FBDABD24BBFC}"/>
+                <a16:creationId xmlns:a16="http://schemas.microsoft.com/office/drawing/2014/main" xmlns="" id="{4E9E9A36-E2F6-456F-8AB8-FBDABD24BBFC}"/>
               </a:ext>
             </a:extLst>
           </p:cNvPr>
@@ -15786,7 +15613,7 @@
           <a:graphicData uri="http://schemas.openxmlformats.org/presentationml/2006/ole">
             <mc:AlternateContent xmlns:mc="http://schemas.openxmlformats.org/markup-compatibility/2006">
               <mc:Choice xmlns:v="urn:schemas-microsoft-com:vml" Requires="v">
-                <p:oleObj spid="_x0000_s17433" name="Rovnica" r:id="rId7" imgW="990360" imgH="330120" progId="Equation.3">
+                <p:oleObj spid="_x0000_s17437" name="Rovnica" r:id="rId7" imgW="990360" imgH="330120" progId="Equation.3">
                   <p:embed/>
                 </p:oleObj>
               </mc:Choice>
@@ -15832,7 +15659,7 @@
           <p:cNvPr id="14" name="Objekt 13">
             <a:extLst>
               <a:ext uri="{FF2B5EF4-FFF2-40B4-BE49-F238E27FC236}">
-                <a16:creationId xmlns:a16="http://schemas.microsoft.com/office/drawing/2014/main" id="{77E14C2C-FEDF-4BEA-9116-4201ED89D508}"/>
+                <a16:creationId xmlns:a16="http://schemas.microsoft.com/office/drawing/2014/main" xmlns="" id="{77E14C2C-FEDF-4BEA-9116-4201ED89D508}"/>
               </a:ext>
             </a:extLst>
           </p:cNvPr>
@@ -15855,7 +15682,7 @@
           <a:graphicData uri="http://schemas.openxmlformats.org/presentationml/2006/ole">
             <mc:AlternateContent xmlns:mc="http://schemas.openxmlformats.org/markup-compatibility/2006">
               <mc:Choice xmlns:v="urn:schemas-microsoft-com:vml" Requires="v">
-                <p:oleObj spid="_x0000_s17434" name="Rovnica" r:id="rId9" imgW="3047760" imgH="571320" progId="Equation.3">
+                <p:oleObj spid="_x0000_s17438" name="Rovnica" r:id="rId9" imgW="3047760" imgH="571320" progId="Equation.3">
                   <p:embed/>
                 </p:oleObj>
               </mc:Choice>
@@ -15921,7 +15748,7 @@
           <p:cNvPr id="15" name="Obdĺžnik 14">
             <a:extLst>
               <a:ext uri="{FF2B5EF4-FFF2-40B4-BE49-F238E27FC236}">
-                <a16:creationId xmlns:a16="http://schemas.microsoft.com/office/drawing/2014/main" id="{7E52A801-E202-4A02-931A-3C3C27203D71}"/>
+                <a16:creationId xmlns:a16="http://schemas.microsoft.com/office/drawing/2014/main" xmlns="" id="{7E52A801-E202-4A02-931A-3C3C27203D71}"/>
               </a:ext>
             </a:extLst>
           </p:cNvPr>
@@ -16002,7 +15829,7 @@
 </p:sld>
 </file>
 
-<file path=ppt/slides/slide25.xml><?xml version="1.0" encoding="utf-8"?>
+<file path=ppt/slides/slide24.xml><?xml version="1.0" encoding="utf-8"?>
 <p:sld xmlns:a="http://schemas.openxmlformats.org/drawingml/2006/main" xmlns:r="http://schemas.openxmlformats.org/officeDocument/2006/relationships" xmlns:p="http://schemas.openxmlformats.org/presentationml/2006/main">
   <p:cSld>
     <p:spTree>
@@ -16024,7 +15851,7 @@
           <p:cNvPr id="2" name="Nadpis 1">
             <a:extLst>
               <a:ext uri="{FF2B5EF4-FFF2-40B4-BE49-F238E27FC236}">
-                <a16:creationId xmlns:a16="http://schemas.microsoft.com/office/drawing/2014/main" id="{5F6D803F-8A7A-49B5-A1BC-D91A6D2DD0AB}"/>
+                <a16:creationId xmlns:a16="http://schemas.microsoft.com/office/drawing/2014/main" xmlns="" id="{5F6D803F-8A7A-49B5-A1BC-D91A6D2DD0AB}"/>
               </a:ext>
             </a:extLst>
           </p:cNvPr>
@@ -16094,6 +15921,10 @@
               <a:rPr lang="en-GB" dirty="0" err="1"/>
               <a:t>astatizmom</a:t>
             </a:r>
+            <a:r>
+              <a:rPr lang="en-GB" dirty="0"/>
+              <a:t/>
+            </a:r>
             <a:br>
               <a:rPr lang="en-GB" dirty="0"/>
             </a:br>
@@ -16106,7 +15937,7 @@
           <p:cNvPr id="5" name="BlokTextu 4">
             <a:extLst>
               <a:ext uri="{FF2B5EF4-FFF2-40B4-BE49-F238E27FC236}">
-                <a16:creationId xmlns:a16="http://schemas.microsoft.com/office/drawing/2014/main" id="{633AA410-9C0A-4238-9F12-410939D97A24}"/>
+                <a16:creationId xmlns:a16="http://schemas.microsoft.com/office/drawing/2014/main" xmlns="" id="{633AA410-9C0A-4238-9F12-410939D97A24}"/>
               </a:ext>
             </a:extLst>
           </p:cNvPr>
@@ -16203,7 +16034,7 @@
           <p:cNvPr id="6" name="BlokTextu 5">
             <a:extLst>
               <a:ext uri="{FF2B5EF4-FFF2-40B4-BE49-F238E27FC236}">
-                <a16:creationId xmlns:a16="http://schemas.microsoft.com/office/drawing/2014/main" id="{0478CDF5-2461-4FDB-8D07-D446BE488E4A}"/>
+                <a16:creationId xmlns:a16="http://schemas.microsoft.com/office/drawing/2014/main" xmlns="" id="{0478CDF5-2461-4FDB-8D07-D446BE488E4A}"/>
               </a:ext>
             </a:extLst>
           </p:cNvPr>
@@ -16300,7 +16131,7 @@
           <p:cNvPr id="11" name="Group 16">
             <a:extLst>
               <a:ext uri="{FF2B5EF4-FFF2-40B4-BE49-F238E27FC236}">
-                <a16:creationId xmlns:a16="http://schemas.microsoft.com/office/drawing/2014/main" id="{20E60CDC-1637-43D1-B54E-A42130B54C38}"/>
+                <a16:creationId xmlns:a16="http://schemas.microsoft.com/office/drawing/2014/main" xmlns="" id="{20E60CDC-1637-43D1-B54E-A42130B54C38}"/>
               </a:ext>
             </a:extLst>
           </p:cNvPr>
@@ -16322,7 +16153,7 @@
             <p:cNvPr id="12" name="Text Box 4">
               <a:extLst>
                 <a:ext uri="{FF2B5EF4-FFF2-40B4-BE49-F238E27FC236}">
-                  <a16:creationId xmlns:a16="http://schemas.microsoft.com/office/drawing/2014/main" id="{E35674FE-AEC3-42A6-B73A-9046B019D9C1}"/>
+                  <a16:creationId xmlns:a16="http://schemas.microsoft.com/office/drawing/2014/main" xmlns="" id="{E35674FE-AEC3-42A6-B73A-9046B019D9C1}"/>
                 </a:ext>
               </a:extLst>
             </p:cNvPr>
@@ -16389,7 +16220,7 @@
             <p:cNvPr id="13" name="Object 6">
               <a:extLst>
                 <a:ext uri="{FF2B5EF4-FFF2-40B4-BE49-F238E27FC236}">
-                  <a16:creationId xmlns:a16="http://schemas.microsoft.com/office/drawing/2014/main" id="{017AABD5-DCA2-4057-ABA4-D1AC8421AA25}"/>
+                  <a16:creationId xmlns:a16="http://schemas.microsoft.com/office/drawing/2014/main" xmlns="" id="{017AABD5-DCA2-4057-ABA4-D1AC8421AA25}"/>
                 </a:ext>
               </a:extLst>
             </p:cNvPr>
@@ -16406,7 +16237,7 @@
             <a:graphicData uri="http://schemas.openxmlformats.org/presentationml/2006/ole">
               <mc:AlternateContent xmlns:mc="http://schemas.openxmlformats.org/markup-compatibility/2006">
                 <mc:Choice xmlns:v="urn:schemas-microsoft-com:vml" Requires="v">
-                  <p:oleObj spid="_x0000_s18454" name="Rovnica" r:id="rId3" imgW="1015920" imgH="787320" progId="Equation.3">
+                  <p:oleObj spid="_x0000_s18459" name="Rovnica" r:id="rId3" imgW="1015920" imgH="787320" progId="Equation.3">
                     <p:embed/>
                   </p:oleObj>
                 </mc:Choice>
@@ -16465,7 +16296,7 @@
             <p:cNvPr id="14" name="Text Box 7">
               <a:extLst>
                 <a:ext uri="{FF2B5EF4-FFF2-40B4-BE49-F238E27FC236}">
-                  <a16:creationId xmlns:a16="http://schemas.microsoft.com/office/drawing/2014/main" id="{F8CFA5A8-9507-4E21-B95D-EBA5763610C5}"/>
+                  <a16:creationId xmlns:a16="http://schemas.microsoft.com/office/drawing/2014/main" xmlns="" id="{F8CFA5A8-9507-4E21-B95D-EBA5763610C5}"/>
                 </a:ext>
               </a:extLst>
             </p:cNvPr>
@@ -16520,7 +16351,7 @@
             <p:cNvPr id="15" name="Line 8">
               <a:extLst>
                 <a:ext uri="{FF2B5EF4-FFF2-40B4-BE49-F238E27FC236}">
-                  <a16:creationId xmlns:a16="http://schemas.microsoft.com/office/drawing/2014/main" id="{B1BCE0AB-95B6-42A7-B615-6F6B929CA90D}"/>
+                  <a16:creationId xmlns:a16="http://schemas.microsoft.com/office/drawing/2014/main" xmlns="" id="{B1BCE0AB-95B6-42A7-B615-6F6B929CA90D}"/>
                 </a:ext>
               </a:extLst>
             </p:cNvPr>
@@ -16560,7 +16391,7 @@
             <p:cNvPr id="16" name="Line 9">
               <a:extLst>
                 <a:ext uri="{FF2B5EF4-FFF2-40B4-BE49-F238E27FC236}">
-                  <a16:creationId xmlns:a16="http://schemas.microsoft.com/office/drawing/2014/main" id="{EDC47329-BF76-43EF-BC2D-67008B7BCA5B}"/>
+                  <a16:creationId xmlns:a16="http://schemas.microsoft.com/office/drawing/2014/main" xmlns="" id="{EDC47329-BF76-43EF-BC2D-67008B7BCA5B}"/>
                 </a:ext>
               </a:extLst>
             </p:cNvPr>
@@ -16600,7 +16431,7 @@
             <p:cNvPr id="17" name="Line 10">
               <a:extLst>
                 <a:ext uri="{FF2B5EF4-FFF2-40B4-BE49-F238E27FC236}">
-                  <a16:creationId xmlns:a16="http://schemas.microsoft.com/office/drawing/2014/main" id="{0FA8E732-2341-4170-AFB0-2E8E352D075F}"/>
+                  <a16:creationId xmlns:a16="http://schemas.microsoft.com/office/drawing/2014/main" xmlns="" id="{0FA8E732-2341-4170-AFB0-2E8E352D075F}"/>
                 </a:ext>
               </a:extLst>
             </p:cNvPr>
@@ -16640,7 +16471,7 @@
             <p:cNvPr id="18" name="Oval 11">
               <a:extLst>
                 <a:ext uri="{FF2B5EF4-FFF2-40B4-BE49-F238E27FC236}">
-                  <a16:creationId xmlns:a16="http://schemas.microsoft.com/office/drawing/2014/main" id="{534B7653-441A-4F2E-94D4-75DEBFCFA401}"/>
+                  <a16:creationId xmlns:a16="http://schemas.microsoft.com/office/drawing/2014/main" xmlns="" id="{534B7653-441A-4F2E-94D4-75DEBFCFA401}"/>
                 </a:ext>
               </a:extLst>
             </p:cNvPr>
@@ -16683,7 +16514,7 @@
             <p:cNvPr id="19" name="Line 12">
               <a:extLst>
                 <a:ext uri="{FF2B5EF4-FFF2-40B4-BE49-F238E27FC236}">
-                  <a16:creationId xmlns:a16="http://schemas.microsoft.com/office/drawing/2014/main" id="{F2F8764D-D7AD-4075-B902-21445B622181}"/>
+                  <a16:creationId xmlns:a16="http://schemas.microsoft.com/office/drawing/2014/main" xmlns="" id="{F2F8764D-D7AD-4075-B902-21445B622181}"/>
                 </a:ext>
               </a:extLst>
             </p:cNvPr>
@@ -16723,7 +16554,7 @@
             <p:cNvPr id="20" name="Line 13">
               <a:extLst>
                 <a:ext uri="{FF2B5EF4-FFF2-40B4-BE49-F238E27FC236}">
-                  <a16:creationId xmlns:a16="http://schemas.microsoft.com/office/drawing/2014/main" id="{5F5B3AE0-B7C2-4E58-9976-8FB30DFB7411}"/>
+                  <a16:creationId xmlns:a16="http://schemas.microsoft.com/office/drawing/2014/main" xmlns="" id="{5F5B3AE0-B7C2-4E58-9976-8FB30DFB7411}"/>
                 </a:ext>
               </a:extLst>
             </p:cNvPr>
@@ -16763,7 +16594,7 @@
             <p:cNvPr id="21" name="Line 14">
               <a:extLst>
                 <a:ext uri="{FF2B5EF4-FFF2-40B4-BE49-F238E27FC236}">
-                  <a16:creationId xmlns:a16="http://schemas.microsoft.com/office/drawing/2014/main" id="{F2614A22-240C-4282-87B9-E14B5B523221}"/>
+                  <a16:creationId xmlns:a16="http://schemas.microsoft.com/office/drawing/2014/main" xmlns="" id="{F2614A22-240C-4282-87B9-E14B5B523221}"/>
                 </a:ext>
               </a:extLst>
             </p:cNvPr>
@@ -16803,7 +16634,7 @@
             <p:cNvPr id="22" name="Line 15">
               <a:extLst>
                 <a:ext uri="{FF2B5EF4-FFF2-40B4-BE49-F238E27FC236}">
-                  <a16:creationId xmlns:a16="http://schemas.microsoft.com/office/drawing/2014/main" id="{4E90138D-BA36-41BD-BDB2-B1CB865D27BD}"/>
+                  <a16:creationId xmlns:a16="http://schemas.microsoft.com/office/drawing/2014/main" xmlns="" id="{4E90138D-BA36-41BD-BDB2-B1CB865D27BD}"/>
                 </a:ext>
               </a:extLst>
             </p:cNvPr>
@@ -16844,7 +16675,7 @@
           <p:cNvPr id="23" name="Text Box 17">
             <a:extLst>
               <a:ext uri="{FF2B5EF4-FFF2-40B4-BE49-F238E27FC236}">
-                <a16:creationId xmlns:a16="http://schemas.microsoft.com/office/drawing/2014/main" id="{9ECA9480-D493-4C69-93CE-721F91014BC2}"/>
+                <a16:creationId xmlns:a16="http://schemas.microsoft.com/office/drawing/2014/main" xmlns="" id="{9ECA9480-D493-4C69-93CE-721F91014BC2}"/>
               </a:ext>
             </a:extLst>
           </p:cNvPr>
@@ -16889,7 +16720,7 @@
           <p:cNvPr id="24" name="Text Box 18">
             <a:extLst>
               <a:ext uri="{FF2B5EF4-FFF2-40B4-BE49-F238E27FC236}">
-                <a16:creationId xmlns:a16="http://schemas.microsoft.com/office/drawing/2014/main" id="{A455363E-D7B2-495C-8B76-A989E2BE4456}"/>
+                <a16:creationId xmlns:a16="http://schemas.microsoft.com/office/drawing/2014/main" xmlns="" id="{A455363E-D7B2-495C-8B76-A989E2BE4456}"/>
               </a:ext>
             </a:extLst>
           </p:cNvPr>
@@ -16934,7 +16765,7 @@
           <p:cNvPr id="25" name="BlokTextu 24">
             <a:extLst>
               <a:ext uri="{FF2B5EF4-FFF2-40B4-BE49-F238E27FC236}">
-                <a16:creationId xmlns:a16="http://schemas.microsoft.com/office/drawing/2014/main" id="{1E117FFD-6C96-4234-B9B8-2A607A721B48}"/>
+                <a16:creationId xmlns:a16="http://schemas.microsoft.com/office/drawing/2014/main" xmlns="" id="{1E117FFD-6C96-4234-B9B8-2A607A721B48}"/>
               </a:ext>
             </a:extLst>
           </p:cNvPr>
@@ -16969,7 +16800,7 @@
           <p:cNvPr id="27" name="Object 27">
             <a:extLst>
               <a:ext uri="{FF2B5EF4-FFF2-40B4-BE49-F238E27FC236}">
-                <a16:creationId xmlns:a16="http://schemas.microsoft.com/office/drawing/2014/main" id="{73857E4A-0521-4ED1-B849-5490105E52D3}"/>
+                <a16:creationId xmlns:a16="http://schemas.microsoft.com/office/drawing/2014/main" xmlns="" id="{73857E4A-0521-4ED1-B849-5490105E52D3}"/>
               </a:ext>
             </a:extLst>
           </p:cNvPr>
@@ -16992,7 +16823,7 @@
           <a:graphicData uri="http://schemas.openxmlformats.org/presentationml/2006/ole">
             <mc:AlternateContent xmlns:mc="http://schemas.openxmlformats.org/markup-compatibility/2006">
               <mc:Choice xmlns:v="urn:schemas-microsoft-com:vml" Requires="v">
-                <p:oleObj spid="_x0000_s18455" name="Rovnica" r:id="rId5" imgW="1815840" imgH="787320" progId="Equation.3">
+                <p:oleObj spid="_x0000_s18460" name="Rovnica" r:id="rId5" imgW="1815840" imgH="787320" progId="Equation.3">
                   <p:embed/>
                 </p:oleObj>
               </mc:Choice>
@@ -17036,7 +16867,7 @@
           <p:cNvPr id="28" name="Object 29">
             <a:extLst>
               <a:ext uri="{FF2B5EF4-FFF2-40B4-BE49-F238E27FC236}">
-                <a16:creationId xmlns:a16="http://schemas.microsoft.com/office/drawing/2014/main" id="{48584913-480F-4D6B-875B-C3E2335C9D39}"/>
+                <a16:creationId xmlns:a16="http://schemas.microsoft.com/office/drawing/2014/main" xmlns="" id="{48584913-480F-4D6B-875B-C3E2335C9D39}"/>
               </a:ext>
             </a:extLst>
           </p:cNvPr>
@@ -17059,7 +16890,7 @@
           <a:graphicData uri="http://schemas.openxmlformats.org/presentationml/2006/ole">
             <mc:AlternateContent xmlns:mc="http://schemas.openxmlformats.org/markup-compatibility/2006">
               <mc:Choice xmlns:v="urn:schemas-microsoft-com:vml" Requires="v">
-                <p:oleObj spid="_x0000_s18456" name="Rovnica" r:id="rId7" imgW="1803240" imgH="1523880" progId="Equation.3">
+                <p:oleObj spid="_x0000_s18461" name="Rovnica" r:id="rId7" imgW="1803240" imgH="1523880" progId="Equation.3">
                   <p:embed/>
                 </p:oleObj>
               </mc:Choice>
@@ -17104,7 +16935,7 @@
           <p:cNvPr id="29" name="Object 30">
             <a:extLst>
               <a:ext uri="{FF2B5EF4-FFF2-40B4-BE49-F238E27FC236}">
-                <a16:creationId xmlns:a16="http://schemas.microsoft.com/office/drawing/2014/main" id="{98FECDA6-0B98-41CE-9D88-79B66EDE0187}"/>
+                <a16:creationId xmlns:a16="http://schemas.microsoft.com/office/drawing/2014/main" xmlns="" id="{98FECDA6-0B98-41CE-9D88-79B66EDE0187}"/>
               </a:ext>
             </a:extLst>
           </p:cNvPr>
@@ -17127,7 +16958,7 @@
           <a:graphicData uri="http://schemas.openxmlformats.org/presentationml/2006/ole">
             <mc:AlternateContent xmlns:mc="http://schemas.openxmlformats.org/markup-compatibility/2006">
               <mc:Choice xmlns:v="urn:schemas-microsoft-com:vml" Requires="v">
-                <p:oleObj spid="_x0000_s18457" name="Rovnica" r:id="rId9" imgW="2425680" imgH="787320" progId="Equation.3">
+                <p:oleObj spid="_x0000_s18462" name="Rovnica" r:id="rId9" imgW="2425680" imgH="787320" progId="Equation.3">
                   <p:embed/>
                 </p:oleObj>
               </mc:Choice>
@@ -17172,7 +17003,7 @@
           <p:cNvPr id="30" name="Object 31">
             <a:extLst>
               <a:ext uri="{FF2B5EF4-FFF2-40B4-BE49-F238E27FC236}">
-                <a16:creationId xmlns:a16="http://schemas.microsoft.com/office/drawing/2014/main" id="{9C8B7DE9-7A34-4CB5-94ED-31A4A3EF1A46}"/>
+                <a16:creationId xmlns:a16="http://schemas.microsoft.com/office/drawing/2014/main" xmlns="" id="{9C8B7DE9-7A34-4CB5-94ED-31A4A3EF1A46}"/>
               </a:ext>
             </a:extLst>
           </p:cNvPr>
@@ -17195,7 +17026,7 @@
           <a:graphicData uri="http://schemas.openxmlformats.org/presentationml/2006/ole">
             <mc:AlternateContent xmlns:mc="http://schemas.openxmlformats.org/markup-compatibility/2006">
               <mc:Choice xmlns:v="urn:schemas-microsoft-com:vml" Requires="v">
-                <p:oleObj spid="_x0000_s18458" name="Rovnica" r:id="rId11" imgW="2489040" imgH="850680" progId="Equation.3">
+                <p:oleObj spid="_x0000_s18463" name="Rovnica" r:id="rId11" imgW="2489040" imgH="850680" progId="Equation.3">
                   <p:embed/>
                 </p:oleObj>
               </mc:Choice>
@@ -17242,7 +17073,7 @@
           <p:cNvPr id="31" name="Obrázok 30">
             <a:extLst>
               <a:ext uri="{FF2B5EF4-FFF2-40B4-BE49-F238E27FC236}">
-                <a16:creationId xmlns:a16="http://schemas.microsoft.com/office/drawing/2014/main" id="{D8E2CAEA-E735-4A97-9DDC-6DBF0E2BA185}"/>
+                <a16:creationId xmlns:a16="http://schemas.microsoft.com/office/drawing/2014/main" xmlns="" id="{D8E2CAEA-E735-4A97-9DDC-6DBF0E2BA185}"/>
               </a:ext>
             </a:extLst>
           </p:cNvPr>
@@ -17280,7 +17111,7 @@
 </p:sld>
 </file>
 
-<file path=ppt/slides/slide26.xml><?xml version="1.0" encoding="utf-8"?>
+<file path=ppt/slides/slide25.xml><?xml version="1.0" encoding="utf-8"?>
 <p:sld xmlns:a="http://schemas.openxmlformats.org/drawingml/2006/main" xmlns:r="http://schemas.openxmlformats.org/officeDocument/2006/relationships" xmlns:p="http://schemas.openxmlformats.org/presentationml/2006/main">
   <p:cSld>
     <p:spTree>
@@ -17302,7 +17133,7 @@
           <p:cNvPr id="2" name="Nadpis 1">
             <a:extLst>
               <a:ext uri="{FF2B5EF4-FFF2-40B4-BE49-F238E27FC236}">
-                <a16:creationId xmlns:a16="http://schemas.microsoft.com/office/drawing/2014/main" id="{0D3AB83E-C110-4100-9732-220DBDE052FB}"/>
+                <a16:creationId xmlns:a16="http://schemas.microsoft.com/office/drawing/2014/main" xmlns="" id="{0D3AB83E-C110-4100-9732-220DBDE052FB}"/>
               </a:ext>
             </a:extLst>
           </p:cNvPr>
@@ -17327,7 +17158,7 @@
           <p:cNvPr id="4" name="BlokTextu 3">
             <a:extLst>
               <a:ext uri="{FF2B5EF4-FFF2-40B4-BE49-F238E27FC236}">
-                <a16:creationId xmlns:a16="http://schemas.microsoft.com/office/drawing/2014/main" id="{AC3CB414-31FF-4B7B-9F1C-97D956216816}"/>
+                <a16:creationId xmlns:a16="http://schemas.microsoft.com/office/drawing/2014/main" xmlns="" id="{AC3CB414-31FF-4B7B-9F1C-97D956216816}"/>
               </a:ext>
             </a:extLst>
           </p:cNvPr>
@@ -17383,7 +17214,7 @@
           <p:cNvPr id="5" name="BlokTextu 4">
             <a:extLst>
               <a:ext uri="{FF2B5EF4-FFF2-40B4-BE49-F238E27FC236}">
-                <a16:creationId xmlns:a16="http://schemas.microsoft.com/office/drawing/2014/main" id="{72D9EA4B-BCC7-4661-B1DE-AA9F93F5D3A7}"/>
+                <a16:creationId xmlns:a16="http://schemas.microsoft.com/office/drawing/2014/main" xmlns="" id="{72D9EA4B-BCC7-4661-B1DE-AA9F93F5D3A7}"/>
               </a:ext>
             </a:extLst>
           </p:cNvPr>
@@ -17439,7 +17270,7 @@
           <p:cNvPr id="21" name="Text Box 36">
             <a:extLst>
               <a:ext uri="{FF2B5EF4-FFF2-40B4-BE49-F238E27FC236}">
-                <a16:creationId xmlns:a16="http://schemas.microsoft.com/office/drawing/2014/main" id="{04F409FF-C164-47E8-895E-1882330F5A6B}"/>
+                <a16:creationId xmlns:a16="http://schemas.microsoft.com/office/drawing/2014/main" xmlns="" id="{04F409FF-C164-47E8-895E-1882330F5A6B}"/>
               </a:ext>
             </a:extLst>
           </p:cNvPr>
@@ -17548,7 +17379,7 @@
           <p:cNvPr id="22" name="Text Box 2">
             <a:extLst>
               <a:ext uri="{FF2B5EF4-FFF2-40B4-BE49-F238E27FC236}">
-                <a16:creationId xmlns:a16="http://schemas.microsoft.com/office/drawing/2014/main" id="{B312877D-33BF-4FD6-B2E4-42D9619D6289}"/>
+                <a16:creationId xmlns:a16="http://schemas.microsoft.com/office/drawing/2014/main" xmlns="" id="{B312877D-33BF-4FD6-B2E4-42D9619D6289}"/>
               </a:ext>
             </a:extLst>
           </p:cNvPr>
@@ -17627,7 +17458,7 @@
           <p:cNvPr id="23" name="Object 0">
             <a:extLst>
               <a:ext uri="{FF2B5EF4-FFF2-40B4-BE49-F238E27FC236}">
-                <a16:creationId xmlns:a16="http://schemas.microsoft.com/office/drawing/2014/main" id="{B804EEC0-2F91-4CB1-BD08-358C0276D930}"/>
+                <a16:creationId xmlns:a16="http://schemas.microsoft.com/office/drawing/2014/main" xmlns="" id="{B804EEC0-2F91-4CB1-BD08-358C0276D930}"/>
               </a:ext>
             </a:extLst>
           </p:cNvPr>
@@ -17650,7 +17481,7 @@
           <a:graphicData uri="http://schemas.openxmlformats.org/presentationml/2006/ole">
             <mc:AlternateContent xmlns:mc="http://schemas.openxmlformats.org/markup-compatibility/2006">
               <mc:Choice xmlns:v="urn:schemas-microsoft-com:vml" Requires="v">
-                <p:oleObj spid="_x0000_s19472" name="Rovnica" r:id="rId3" imgW="4140000" imgH="914400" progId="Equation.3">
+                <p:oleObj spid="_x0000_s19476" name="Rovnica" r:id="rId3" imgW="4140000" imgH="914400" progId="Equation.3">
                   <p:embed/>
                 </p:oleObj>
               </mc:Choice>
@@ -17695,7 +17526,7 @@
           <p:cNvPr id="24" name="Text Box 4">
             <a:extLst>
               <a:ext uri="{FF2B5EF4-FFF2-40B4-BE49-F238E27FC236}">
-                <a16:creationId xmlns:a16="http://schemas.microsoft.com/office/drawing/2014/main" id="{154D2963-F7A0-413C-8D22-689761B136DC}"/>
+                <a16:creationId xmlns:a16="http://schemas.microsoft.com/office/drawing/2014/main" xmlns="" id="{154D2963-F7A0-413C-8D22-689761B136DC}"/>
               </a:ext>
             </a:extLst>
           </p:cNvPr>
@@ -17747,7 +17578,7 @@
           <p:cNvPr id="25" name="Object 1">
             <a:extLst>
               <a:ext uri="{FF2B5EF4-FFF2-40B4-BE49-F238E27FC236}">
-                <a16:creationId xmlns:a16="http://schemas.microsoft.com/office/drawing/2014/main" id="{BD2D92C5-4DBE-435C-A718-DC4EDB5683D3}"/>
+                <a16:creationId xmlns:a16="http://schemas.microsoft.com/office/drawing/2014/main" xmlns="" id="{BD2D92C5-4DBE-435C-A718-DC4EDB5683D3}"/>
               </a:ext>
             </a:extLst>
           </p:cNvPr>
@@ -17770,7 +17601,7 @@
           <a:graphicData uri="http://schemas.openxmlformats.org/presentationml/2006/ole">
             <mc:AlternateContent xmlns:mc="http://schemas.openxmlformats.org/markup-compatibility/2006">
               <mc:Choice xmlns:v="urn:schemas-microsoft-com:vml" Requires="v">
-                <p:oleObj spid="_x0000_s19473" name="Equation" r:id="rId5" imgW="3124080" imgH="901440" progId="Equation.3">
+                <p:oleObj spid="_x0000_s19477" name="Equation" r:id="rId5" imgW="3124080" imgH="901440" progId="Equation.3">
                   <p:embed/>
                 </p:oleObj>
               </mc:Choice>
@@ -17821,7 +17652,7 @@
           <p:cNvPr id="26" name="Text Box 6">
             <a:extLst>
               <a:ext uri="{FF2B5EF4-FFF2-40B4-BE49-F238E27FC236}">
-                <a16:creationId xmlns:a16="http://schemas.microsoft.com/office/drawing/2014/main" id="{FBB365C3-47B1-40CA-84E5-C8F926E4C96B}"/>
+                <a16:creationId xmlns:a16="http://schemas.microsoft.com/office/drawing/2014/main" xmlns="" id="{FBB365C3-47B1-40CA-84E5-C8F926E4C96B}"/>
               </a:ext>
             </a:extLst>
           </p:cNvPr>
@@ -17865,7 +17696,7 @@
           <p:cNvPr id="27" name="Object 2">
             <a:extLst>
               <a:ext uri="{FF2B5EF4-FFF2-40B4-BE49-F238E27FC236}">
-                <a16:creationId xmlns:a16="http://schemas.microsoft.com/office/drawing/2014/main" id="{5933DF02-F52E-4C10-A8E2-A4D60D8A233B}"/>
+                <a16:creationId xmlns:a16="http://schemas.microsoft.com/office/drawing/2014/main" xmlns="" id="{5933DF02-F52E-4C10-A8E2-A4D60D8A233B}"/>
               </a:ext>
             </a:extLst>
           </p:cNvPr>
@@ -17888,7 +17719,7 @@
           <a:graphicData uri="http://schemas.openxmlformats.org/presentationml/2006/ole">
             <mc:AlternateContent xmlns:mc="http://schemas.openxmlformats.org/markup-compatibility/2006">
               <mc:Choice xmlns:v="urn:schemas-microsoft-com:vml" Requires="v">
-                <p:oleObj spid="_x0000_s19474" name="Equation" r:id="rId7" imgW="3124080" imgH="901440" progId="Equation.3">
+                <p:oleObj spid="_x0000_s19478" name="Equation" r:id="rId7" imgW="3124080" imgH="901440" progId="Equation.3">
                   <p:embed/>
                 </p:oleObj>
               </mc:Choice>
@@ -17939,7 +17770,7 @@
           <p:cNvPr id="28" name="Obrázok 27">
             <a:extLst>
               <a:ext uri="{FF2B5EF4-FFF2-40B4-BE49-F238E27FC236}">
-                <a16:creationId xmlns:a16="http://schemas.microsoft.com/office/drawing/2014/main" id="{87C488B4-E2A2-4DB5-9D70-455C60C41B3C}"/>
+                <a16:creationId xmlns:a16="http://schemas.microsoft.com/office/drawing/2014/main" xmlns="" id="{87C488B4-E2A2-4DB5-9D70-455C60C41B3C}"/>
               </a:ext>
             </a:extLst>
           </p:cNvPr>
@@ -17969,7 +17800,7 @@
           <p:cNvPr id="29" name="Obrázok 28">
             <a:extLst>
               <a:ext uri="{FF2B5EF4-FFF2-40B4-BE49-F238E27FC236}">
-                <a16:creationId xmlns:a16="http://schemas.microsoft.com/office/drawing/2014/main" id="{0D848AC6-01FD-4567-9C02-BB031D2A52B5}"/>
+                <a16:creationId xmlns:a16="http://schemas.microsoft.com/office/drawing/2014/main" xmlns="" id="{0D848AC6-01FD-4567-9C02-BB031D2A52B5}"/>
               </a:ext>
             </a:extLst>
           </p:cNvPr>
@@ -17999,7 +17830,7 @@
           <p:cNvPr id="30" name="Obrázok 29">
             <a:extLst>
               <a:ext uri="{FF2B5EF4-FFF2-40B4-BE49-F238E27FC236}">
-                <a16:creationId xmlns:a16="http://schemas.microsoft.com/office/drawing/2014/main" id="{103E6F4E-ACFC-4487-A25A-C6D0FDC714E2}"/>
+                <a16:creationId xmlns:a16="http://schemas.microsoft.com/office/drawing/2014/main" xmlns="" id="{103E6F4E-ACFC-4487-A25A-C6D0FDC714E2}"/>
               </a:ext>
             </a:extLst>
           </p:cNvPr>
@@ -18029,7 +17860,7 @@
           <p:cNvPr id="31" name="Obrázok 30">
             <a:extLst>
               <a:ext uri="{FF2B5EF4-FFF2-40B4-BE49-F238E27FC236}">
-                <a16:creationId xmlns:a16="http://schemas.microsoft.com/office/drawing/2014/main" id="{14624846-BAB3-4054-BE43-EF090B2357E1}"/>
+                <a16:creationId xmlns:a16="http://schemas.microsoft.com/office/drawing/2014/main" xmlns="" id="{14624846-BAB3-4054-BE43-EF090B2357E1}"/>
               </a:ext>
             </a:extLst>
           </p:cNvPr>
@@ -18059,7 +17890,7 @@
           <p:cNvPr id="32" name="Object 1">
             <a:extLst>
               <a:ext uri="{FF2B5EF4-FFF2-40B4-BE49-F238E27FC236}">
-                <a16:creationId xmlns:a16="http://schemas.microsoft.com/office/drawing/2014/main" id="{BF4E08AF-D86C-4526-9CDE-CC2AF71A343B}"/>
+                <a16:creationId xmlns:a16="http://schemas.microsoft.com/office/drawing/2014/main" xmlns="" id="{BF4E08AF-D86C-4526-9CDE-CC2AF71A343B}"/>
               </a:ext>
             </a:extLst>
           </p:cNvPr>
@@ -18082,7 +17913,7 @@
           <a:graphicData uri="http://schemas.openxmlformats.org/presentationml/2006/ole">
             <mc:AlternateContent xmlns:mc="http://schemas.openxmlformats.org/markup-compatibility/2006">
               <mc:Choice xmlns:v="urn:schemas-microsoft-com:vml" Requires="v">
-                <p:oleObj spid="_x0000_s19475" name="Rovnica" r:id="rId13" imgW="990360" imgH="330120" progId="Equation.3">
+                <p:oleObj spid="_x0000_s19479" name="Rovnica" r:id="rId13" imgW="990360" imgH="330120" progId="Equation.3">
                   <p:embed/>
                 </p:oleObj>
               </mc:Choice>
@@ -18094,7 +17925,7 @@
                       <p:cNvPr id="13" name="Object 1">
                         <a:extLst>
                           <a:ext uri="{FF2B5EF4-FFF2-40B4-BE49-F238E27FC236}">
-                            <a16:creationId xmlns:a16="http://schemas.microsoft.com/office/drawing/2014/main" id="{4E9E9A36-E2F6-456F-8AB8-FBDABD24BBFC}"/>
+                            <a16:creationId xmlns:a16="http://schemas.microsoft.com/office/drawing/2014/main" xmlns="" id="{4E9E9A36-E2F6-456F-8AB8-FBDABD24BBFC}"/>
                           </a:ext>
                         </a:extLst>
                       </p:cNvPr>
@@ -18142,7 +17973,7 @@
 </p:sld>
 </file>
 
-<file path=ppt/slides/slide27.xml><?xml version="1.0" encoding="utf-8"?>
+<file path=ppt/slides/slide26.xml><?xml version="1.0" encoding="utf-8"?>
 <p:sld xmlns:a="http://schemas.openxmlformats.org/drawingml/2006/main" xmlns:r="http://schemas.openxmlformats.org/officeDocument/2006/relationships" xmlns:p="http://schemas.openxmlformats.org/presentationml/2006/main">
   <p:cSld>
     <p:spTree>
@@ -18164,7 +17995,7 @@
           <p:cNvPr id="2" name="Nadpis 1">
             <a:extLst>
               <a:ext uri="{FF2B5EF4-FFF2-40B4-BE49-F238E27FC236}">
-                <a16:creationId xmlns:a16="http://schemas.microsoft.com/office/drawing/2014/main" id="{5107A1E5-9CB2-4A90-82F0-3EAC9E480FDA}"/>
+                <a16:creationId xmlns:a16="http://schemas.microsoft.com/office/drawing/2014/main" xmlns="" id="{5107A1E5-9CB2-4A90-82F0-3EAC9E480FDA}"/>
               </a:ext>
             </a:extLst>
           </p:cNvPr>
@@ -18217,7 +18048,7 @@
           <p:cNvPr id="4" name="Object 2">
             <a:extLst>
               <a:ext uri="{FF2B5EF4-FFF2-40B4-BE49-F238E27FC236}">
-                <a16:creationId xmlns:a16="http://schemas.microsoft.com/office/drawing/2014/main" id="{F2994B35-FAB1-4583-BAE5-5DC51ADDC159}"/>
+                <a16:creationId xmlns:a16="http://schemas.microsoft.com/office/drawing/2014/main" xmlns="" id="{F2994B35-FAB1-4583-BAE5-5DC51ADDC159}"/>
               </a:ext>
             </a:extLst>
           </p:cNvPr>
@@ -18240,7 +18071,7 @@
           <a:graphicData uri="http://schemas.openxmlformats.org/presentationml/2006/ole">
             <mc:AlternateContent xmlns:mc="http://schemas.openxmlformats.org/markup-compatibility/2006">
               <mc:Choice xmlns:v="urn:schemas-microsoft-com:vml" Requires="v">
-                <p:oleObj spid="_x0000_s20494" name="Bitmap Image" r:id="rId3" imgW="3257640" imgH="1400040" progId="Paint.Picture">
+                <p:oleObj spid="_x0000_s20500" name="Bitmap Image" r:id="rId3" imgW="3257640" imgH="1400040" progId="Paint.Picture">
                   <p:embed/>
                 </p:oleObj>
               </mc:Choice>
@@ -18293,7 +18124,7 @@
           <p:cNvPr id="5" name="Object 3">
             <a:extLst>
               <a:ext uri="{FF2B5EF4-FFF2-40B4-BE49-F238E27FC236}">
-                <a16:creationId xmlns:a16="http://schemas.microsoft.com/office/drawing/2014/main" id="{63EB382E-95D9-4A30-B49E-52B8A690A5DF}"/>
+                <a16:creationId xmlns:a16="http://schemas.microsoft.com/office/drawing/2014/main" xmlns="" id="{63EB382E-95D9-4A30-B49E-52B8A690A5DF}"/>
               </a:ext>
             </a:extLst>
           </p:cNvPr>
@@ -18316,7 +18147,7 @@
           <a:graphicData uri="http://schemas.openxmlformats.org/presentationml/2006/ole">
             <mc:AlternateContent xmlns:mc="http://schemas.openxmlformats.org/markup-compatibility/2006">
               <mc:Choice xmlns:v="urn:schemas-microsoft-com:vml" Requires="v">
-                <p:oleObj spid="_x0000_s20495" name="Bitmap Image" r:id="rId5" imgW="3276720" imgH="1314360" progId="Paint.Picture">
+                <p:oleObj spid="_x0000_s20501" name="Bitmap Image" r:id="rId5" imgW="3276720" imgH="1314360" progId="Paint.Picture">
                   <p:embed/>
                 </p:oleObj>
               </mc:Choice>
@@ -18369,7 +18200,7 @@
           <p:cNvPr id="6" name="Object 4">
             <a:extLst>
               <a:ext uri="{FF2B5EF4-FFF2-40B4-BE49-F238E27FC236}">
-                <a16:creationId xmlns:a16="http://schemas.microsoft.com/office/drawing/2014/main" id="{11F27909-04FE-4903-A5C9-ED567BB5552F}"/>
+                <a16:creationId xmlns:a16="http://schemas.microsoft.com/office/drawing/2014/main" xmlns="" id="{11F27909-04FE-4903-A5C9-ED567BB5552F}"/>
               </a:ext>
             </a:extLst>
           </p:cNvPr>
@@ -18392,7 +18223,7 @@
           <a:graphicData uri="http://schemas.openxmlformats.org/presentationml/2006/ole">
             <mc:AlternateContent xmlns:mc="http://schemas.openxmlformats.org/markup-compatibility/2006">
               <mc:Choice xmlns:v="urn:schemas-microsoft-com:vml" Requires="v">
-                <p:oleObj spid="_x0000_s20496" name="Equation" r:id="rId7" imgW="3327120" imgH="876240" progId="Equation.3">
+                <p:oleObj spid="_x0000_s20502" name="Equation" r:id="rId7" imgW="3327120" imgH="876240" progId="Equation.3">
                   <p:embed/>
                 </p:oleObj>
               </mc:Choice>
@@ -18445,7 +18276,7 @@
           <p:cNvPr id="7" name="Object 6">
             <a:extLst>
               <a:ext uri="{FF2B5EF4-FFF2-40B4-BE49-F238E27FC236}">
-                <a16:creationId xmlns:a16="http://schemas.microsoft.com/office/drawing/2014/main" id="{A09CC8AC-D567-49A6-96EC-CD26A452F046}"/>
+                <a16:creationId xmlns:a16="http://schemas.microsoft.com/office/drawing/2014/main" xmlns="" id="{A09CC8AC-D567-49A6-96EC-CD26A452F046}"/>
               </a:ext>
             </a:extLst>
           </p:cNvPr>
@@ -18468,7 +18299,7 @@
           <a:graphicData uri="http://schemas.openxmlformats.org/presentationml/2006/ole">
             <mc:AlternateContent xmlns:mc="http://schemas.openxmlformats.org/markup-compatibility/2006">
               <mc:Choice xmlns:v="urn:schemas-microsoft-com:vml" Requires="v">
-                <p:oleObj spid="_x0000_s20497" name="Equation" r:id="rId9" imgW="4559040" imgH="876240" progId="Equation.3">
+                <p:oleObj spid="_x0000_s20503" name="Equation" r:id="rId9" imgW="4559040" imgH="876240" progId="Equation.3">
                   <p:embed/>
                 </p:oleObj>
               </mc:Choice>
@@ -18521,7 +18352,7 @@
           <p:cNvPr id="8" name="Object 5">
             <a:extLst>
               <a:ext uri="{FF2B5EF4-FFF2-40B4-BE49-F238E27FC236}">
-                <a16:creationId xmlns:a16="http://schemas.microsoft.com/office/drawing/2014/main" id="{7F697BAA-33F6-49F6-B668-42B5CC11C880}"/>
+                <a16:creationId xmlns:a16="http://schemas.microsoft.com/office/drawing/2014/main" xmlns="" id="{7F697BAA-33F6-49F6-B668-42B5CC11C880}"/>
               </a:ext>
             </a:extLst>
           </p:cNvPr>
@@ -18544,7 +18375,7 @@
           <a:graphicData uri="http://schemas.openxmlformats.org/presentationml/2006/ole">
             <mc:AlternateContent xmlns:mc="http://schemas.openxmlformats.org/markup-compatibility/2006">
               <mc:Choice xmlns:v="urn:schemas-microsoft-com:vml" Requires="v">
-                <p:oleObj spid="_x0000_s20498" name="Equation" r:id="rId11" imgW="1168200" imgH="342720" progId="Equation.3">
+                <p:oleObj spid="_x0000_s20504" name="Equation" r:id="rId11" imgW="1168200" imgH="342720" progId="Equation.3">
                   <p:embed/>
                 </p:oleObj>
               </mc:Choice>
@@ -18596,7 +18427,7 @@
           <p:cNvPr id="9" name="Object 5">
             <a:extLst>
               <a:ext uri="{FF2B5EF4-FFF2-40B4-BE49-F238E27FC236}">
-                <a16:creationId xmlns:a16="http://schemas.microsoft.com/office/drawing/2014/main" id="{C16772C7-D8A3-4881-87D4-0BC446CFCF9E}"/>
+                <a16:creationId xmlns:a16="http://schemas.microsoft.com/office/drawing/2014/main" xmlns="" id="{C16772C7-D8A3-4881-87D4-0BC446CFCF9E}"/>
               </a:ext>
             </a:extLst>
           </p:cNvPr>
@@ -18619,12 +18450,12 @@
           <a:graphicData uri="http://schemas.openxmlformats.org/presentationml/2006/ole">
             <mc:AlternateContent xmlns:mc="http://schemas.openxmlformats.org/markup-compatibility/2006">
               <mc:Choice xmlns:v="urn:schemas-microsoft-com:vml" Requires="v">
-                <p:oleObj spid="_x0000_s20499" name="Equation" r:id="rId11" imgW="1168200" imgH="342720" progId="Equation.3">
+                <p:oleObj spid="_x0000_s20505" name="Equation" r:id="rId13" imgW="1168200" imgH="342720" progId="Equation.3">
                   <p:embed/>
                 </p:oleObj>
               </mc:Choice>
               <mc:Fallback>
-                <p:oleObj name="Equation" r:id="rId11" imgW="1168200" imgH="342720" progId="Equation.3">
+                <p:oleObj name="Equation" r:id="rId13" imgW="1168200" imgH="342720" progId="Equation.3">
                   <p:embed/>
                   <p:pic>
                     <p:nvPicPr>
@@ -18671,7 +18502,7 @@
           <p:cNvPr id="10" name="Obdĺžnik 9">
             <a:extLst>
               <a:ext uri="{FF2B5EF4-FFF2-40B4-BE49-F238E27FC236}">
-                <a16:creationId xmlns:a16="http://schemas.microsoft.com/office/drawing/2014/main" id="{519A3A61-1196-411C-A286-2EB5D0974E4F}"/>
+                <a16:creationId xmlns:a16="http://schemas.microsoft.com/office/drawing/2014/main" xmlns="" id="{519A3A61-1196-411C-A286-2EB5D0974E4F}"/>
               </a:ext>
             </a:extLst>
           </p:cNvPr>
@@ -18749,7 +18580,7 @@
           <p:cNvPr id="12" name="Obdĺžnik 11">
             <a:extLst>
               <a:ext uri="{FF2B5EF4-FFF2-40B4-BE49-F238E27FC236}">
-                <a16:creationId xmlns:a16="http://schemas.microsoft.com/office/drawing/2014/main" id="{711A1CD4-20E7-4F2F-B1D2-2BA7457984B8}"/>
+                <a16:creationId xmlns:a16="http://schemas.microsoft.com/office/drawing/2014/main" xmlns="" id="{711A1CD4-20E7-4F2F-B1D2-2BA7457984B8}"/>
               </a:ext>
             </a:extLst>
           </p:cNvPr>
@@ -18835,7 +18666,7 @@
           <p:cNvPr id="2" name="Nadpis 1">
             <a:extLst>
               <a:ext uri="{FF2B5EF4-FFF2-40B4-BE49-F238E27FC236}">
-                <a16:creationId xmlns:a16="http://schemas.microsoft.com/office/drawing/2014/main" id="{A60D084F-ACFD-4F46-B5DB-65DDF10CFCE9}"/>
+                <a16:creationId xmlns:a16="http://schemas.microsoft.com/office/drawing/2014/main" xmlns="" id="{59DC17C1-419D-44F2-987B-AD5E29D750B8}"/>
               </a:ext>
             </a:extLst>
           </p:cNvPr>
@@ -18848,9 +18679,7 @@
         </p:nvSpPr>
         <p:spPr/>
         <p:txBody>
-          <a:bodyPr>
-            <a:normAutofit/>
-          </a:bodyPr>
+          <a:bodyPr/>
           <a:lstStyle/>
           <a:p>
             <a:r>
@@ -18865,7 +18694,7 @@
           <p:cNvPr id="3" name="Zástupný objekt pre obsah 2">
             <a:extLst>
               <a:ext uri="{FF2B5EF4-FFF2-40B4-BE49-F238E27FC236}">
-                <a16:creationId xmlns:a16="http://schemas.microsoft.com/office/drawing/2014/main" id="{A74476A0-8C3D-4B4B-ABC1-78C4925E54B4}"/>
+                <a16:creationId xmlns:a16="http://schemas.microsoft.com/office/drawing/2014/main" xmlns="" id="{5BD42F2B-ABA1-4F3A-865F-32330FB152D7}"/>
               </a:ext>
             </a:extLst>
           </p:cNvPr>
@@ -18876,723 +18705,174 @@
             <p:ph idx="1"/>
           </p:nvPr>
         </p:nvSpPr>
-        <p:spPr>
-          <a:xfrm>
-            <a:off x="362712" y="1003869"/>
-            <a:ext cx="8356599" cy="5574483"/>
-          </a:xfrm>
-        </p:spPr>
+        <p:spPr/>
         <p:txBody>
-          <a:bodyPr>
-            <a:normAutofit fontScale="92500" lnSpcReduction="10000"/>
-          </a:bodyPr>
+          <a:bodyPr/>
           <a:lstStyle/>
           <a:p>
             <a:pPr marL="0" indent="0">
               <a:buNone/>
             </a:pPr>
-            <a:endParaRPr lang="sk-SK" dirty="0"/>
-          </a:p>
-          <a:p>
-            <a:pPr marL="0" indent="0">
+            <a:r>
+              <a:rPr lang="sk-SK" b="1" dirty="0"/>
+              <a:t>Východiskové podmienky:</a:t>
+            </a:r>
+          </a:p>
+          <a:p>
+            <a:pPr lvl="1"/>
+            <a:r>
+              <a:rPr lang="sk-SK" sz="2000" dirty="0"/>
+              <a:t>Je daná štruktúra a určujú sa parametre</a:t>
+            </a:r>
+          </a:p>
+          <a:p>
+            <a:pPr lvl="1" eaLnBrk="0" hangingPunct="0">
+              <a:lnSpc>
+                <a:spcPct val="80000"/>
+              </a:lnSpc>
+              <a:spcBef>
+                <a:spcPct val="20000"/>
+              </a:spcBef>
+            </a:pPr>
+            <a:r>
+              <a:rPr lang="sk-SK" sz="2000" dirty="0"/>
+              <a:t>Navrhujú sa parametre a štruktúra zatiaľ neurčených</a:t>
+            </a:r>
+          </a:p>
+          <a:p>
+            <a:pPr eaLnBrk="0" hangingPunct="0">
+              <a:lnSpc>
+                <a:spcPct val="80000"/>
+              </a:lnSpc>
+              <a:spcBef>
+                <a:spcPct val="20000"/>
+              </a:spcBef>
+            </a:pPr>
+            <a:r>
+              <a:rPr lang="sk-SK" dirty="0"/>
+              <a:t>     blokov. Štruktúra je daná len čiastočne.</a:t>
+            </a:r>
+          </a:p>
+          <a:p>
+            <a:pPr lvl="1" eaLnBrk="0" hangingPunct="0">
+              <a:lnSpc>
+                <a:spcPct val="80000"/>
+              </a:lnSpc>
+              <a:spcBef>
+                <a:spcPct val="20000"/>
+              </a:spcBef>
+            </a:pPr>
+            <a:r>
+              <a:rPr lang="sk-SK" sz="2000" dirty="0"/>
+              <a:t>Štruktúra a parametre regulačného obvodu sú predmetom návrhu.</a:t>
+            </a:r>
+          </a:p>
+          <a:p>
+            <a:pPr lvl="1" eaLnBrk="0" hangingPunct="0">
+              <a:lnSpc>
+                <a:spcPct val="80000"/>
+              </a:lnSpc>
+              <a:spcBef>
+                <a:spcPct val="20000"/>
+              </a:spcBef>
+            </a:pPr>
+            <a:endParaRPr lang="sk-SK" sz="2000" b="1" dirty="0"/>
+          </a:p>
+          <a:p>
+            <a:pPr marL="0" eaLnBrk="0" hangingPunct="0">
+              <a:lnSpc>
+                <a:spcPct val="80000"/>
+              </a:lnSpc>
+              <a:spcBef>
+                <a:spcPct val="20000"/>
+              </a:spcBef>
               <a:buNone/>
             </a:pPr>
+            <a:r>
+              <a:rPr lang="sk-SK" sz="2200" b="1" dirty="0"/>
+              <a:t>Pri návrhu regulačného obvodu pomôže znalosť:</a:t>
+            </a:r>
+          </a:p>
+          <a:p>
+            <a:pPr lvl="1" eaLnBrk="0" hangingPunct="0">
+              <a:lnSpc>
+                <a:spcPct val="80000"/>
+              </a:lnSpc>
+              <a:spcBef>
+                <a:spcPct val="20000"/>
+              </a:spcBef>
+            </a:pPr>
+            <a:r>
+              <a:rPr lang="sk-SK" sz="2000" dirty="0"/>
+              <a:t>vlastností riadeného systému</a:t>
+            </a:r>
+          </a:p>
+          <a:p>
+            <a:pPr lvl="1" eaLnBrk="0" hangingPunct="0">
+              <a:lnSpc>
+                <a:spcPct val="80000"/>
+              </a:lnSpc>
+              <a:spcBef>
+                <a:spcPct val="20000"/>
+              </a:spcBef>
+            </a:pPr>
+            <a:r>
+              <a:rPr lang="sk-SK" sz="2000" dirty="0"/>
+              <a:t>priebehu riadenej veličiny</a:t>
+            </a:r>
+          </a:p>
+          <a:p>
+            <a:pPr lvl="1" eaLnBrk="0" hangingPunct="0">
+              <a:lnSpc>
+                <a:spcPct val="80000"/>
+              </a:lnSpc>
+              <a:spcBef>
+                <a:spcPct val="20000"/>
+              </a:spcBef>
+            </a:pPr>
+            <a:r>
+              <a:rPr lang="sk-SK" sz="2000" dirty="0"/>
+              <a:t>priebehu a miesta vstupu poruchových veličín</a:t>
+            </a:r>
+          </a:p>
+          <a:p>
+            <a:pPr lvl="1" eaLnBrk="0" hangingPunct="0">
+              <a:lnSpc>
+                <a:spcPct val="80000"/>
+              </a:lnSpc>
+              <a:spcBef>
+                <a:spcPct val="20000"/>
+              </a:spcBef>
+            </a:pPr>
+            <a:r>
+              <a:rPr lang="sk-SK" sz="2000" dirty="0"/>
+              <a:t>obmedzení akčných zásahov</a:t>
+            </a:r>
+          </a:p>
+          <a:p>
+            <a:pPr lvl="1" eaLnBrk="0" hangingPunct="0">
+              <a:lnSpc>
+                <a:spcPct val="80000"/>
+              </a:lnSpc>
+              <a:spcBef>
+                <a:spcPct val="20000"/>
+              </a:spcBef>
+            </a:pPr>
+            <a:r>
+              <a:rPr lang="sk-SK" sz="2000" dirty="0"/>
+              <a:t>požiadaviek na kvalitu riadenia</a:t>
+            </a:r>
+            <a:endParaRPr lang="sk-SK" sz="2000" b="1" dirty="0"/>
+          </a:p>
+          <a:p>
             <a:endParaRPr lang="sk-SK" dirty="0"/>
-          </a:p>
-          <a:p>
-            <a:pPr marL="0" indent="0">
-              <a:buNone/>
-            </a:pPr>
-            <a:endParaRPr lang="sk-SK" dirty="0"/>
-          </a:p>
-          <a:p>
-            <a:pPr marL="0" indent="0">
-              <a:buNone/>
-            </a:pPr>
-            <a:endParaRPr lang="sk-SK" dirty="0"/>
-          </a:p>
-          <a:p>
-            <a:pPr marL="0" indent="0">
-              <a:buNone/>
-            </a:pPr>
-            <a:endParaRPr lang="sk-SK" dirty="0"/>
-          </a:p>
-          <a:p>
-            <a:pPr>
-              <a:lnSpc>
-                <a:spcPct val="110000"/>
-              </a:lnSpc>
-              <a:buFont typeface="Arial" panose="020B0604020202020204" pitchFamily="34" charset="0"/>
-              <a:buChar char="•"/>
-            </a:pPr>
-            <a:r>
-              <a:rPr lang="sk-SK" sz="2200" dirty="0"/>
-              <a:t> </a:t>
-            </a:r>
-            <a:r>
-              <a:rPr lang="en-GB" sz="2200" dirty="0" err="1"/>
-              <a:t>Vstupnými</a:t>
-            </a:r>
-            <a:r>
-              <a:rPr lang="en-GB" sz="2200" dirty="0"/>
-              <a:t> </a:t>
-            </a:r>
-            <a:r>
-              <a:rPr lang="en-GB" sz="2200" dirty="0" err="1"/>
-              <a:t>veličinami</a:t>
-            </a:r>
-            <a:r>
-              <a:rPr lang="en-GB" sz="2200" dirty="0"/>
-              <a:t> do </a:t>
-            </a:r>
-            <a:r>
-              <a:rPr lang="en-GB" sz="2200" dirty="0" err="1"/>
-              <a:t>obvodu</a:t>
-            </a:r>
-            <a:r>
-              <a:rPr lang="en-GB" sz="2200" dirty="0"/>
-              <a:t> </a:t>
-            </a:r>
-            <a:r>
-              <a:rPr lang="en-GB" sz="2200" dirty="0" err="1"/>
-              <a:t>sú</a:t>
-            </a:r>
-            <a:r>
-              <a:rPr lang="en-GB" sz="2200" dirty="0"/>
-              <a:t> </a:t>
-            </a:r>
-            <a:r>
-              <a:rPr lang="en-GB" sz="2200" dirty="0" err="1"/>
-              <a:t>žiadaná</a:t>
-            </a:r>
-            <a:r>
-              <a:rPr lang="en-GB" sz="2200" dirty="0"/>
-              <a:t> </a:t>
-            </a:r>
-            <a:r>
-              <a:rPr lang="en-GB" sz="2200" dirty="0" err="1"/>
-              <a:t>veličina</a:t>
-            </a:r>
-            <a:r>
-              <a:rPr lang="en-GB" sz="2200" dirty="0"/>
-              <a:t> w(t)</a:t>
-            </a:r>
-            <a:r>
-              <a:rPr lang="sk-SK" sz="2200" dirty="0"/>
-              <a:t>. </a:t>
-            </a:r>
-            <a:r>
-              <a:rPr lang="en-GB" sz="2200" dirty="0" err="1"/>
-              <a:t>Výstupnou</a:t>
-            </a:r>
-            <a:r>
-              <a:rPr lang="en-GB" sz="2200" dirty="0"/>
-              <a:t> </a:t>
-            </a:r>
-            <a:r>
-              <a:rPr lang="en-GB" sz="2200" dirty="0" err="1"/>
-              <a:t>veličinou</a:t>
-            </a:r>
-            <a:r>
-              <a:rPr lang="en-GB" sz="2200" dirty="0"/>
-              <a:t> je </a:t>
-            </a:r>
-            <a:r>
-              <a:rPr lang="en-GB" sz="2200" dirty="0" err="1"/>
-              <a:t>regulovaná</a:t>
-            </a:r>
-            <a:r>
-              <a:rPr lang="en-GB" sz="2200" dirty="0"/>
-              <a:t> </a:t>
-            </a:r>
-            <a:r>
-              <a:rPr lang="en-GB" sz="2200" dirty="0" err="1"/>
-              <a:t>veličina</a:t>
-            </a:r>
-            <a:r>
-              <a:rPr lang="en-GB" sz="2200" dirty="0"/>
-              <a:t> y(t). </a:t>
-            </a:r>
-            <a:r>
-              <a:rPr lang="en-GB" sz="2200" dirty="0" err="1"/>
-              <a:t>Pokiaľ</a:t>
-            </a:r>
-            <a:r>
-              <a:rPr lang="en-GB" sz="2200" dirty="0"/>
-              <a:t> </a:t>
-            </a:r>
-            <a:r>
-              <a:rPr lang="en-GB" sz="2200" dirty="0" err="1"/>
-              <a:t>má</a:t>
-            </a:r>
-            <a:r>
-              <a:rPr lang="en-GB" sz="2200" dirty="0"/>
-              <a:t> </a:t>
-            </a:r>
-            <a:r>
-              <a:rPr lang="en-GB" sz="2200" dirty="0" err="1"/>
-              <a:t>regulačný</a:t>
-            </a:r>
-            <a:r>
-              <a:rPr lang="en-GB" sz="2200" dirty="0"/>
-              <a:t> </a:t>
-            </a:r>
-            <a:r>
-              <a:rPr lang="en-GB" sz="2200" dirty="0" err="1"/>
-              <a:t>obvod</a:t>
-            </a:r>
-            <a:r>
-              <a:rPr lang="en-GB" sz="2200" dirty="0"/>
-              <a:t> </a:t>
-            </a:r>
-            <a:r>
-              <a:rPr lang="en-GB" sz="2200" dirty="0" err="1"/>
-              <a:t>plniť</a:t>
-            </a:r>
-            <a:r>
-              <a:rPr lang="en-GB" sz="2200" dirty="0"/>
-              <a:t> </a:t>
-            </a:r>
-            <a:r>
-              <a:rPr lang="en-GB" sz="2200" dirty="0" err="1"/>
-              <a:t>svoj</a:t>
-            </a:r>
-            <a:r>
-              <a:rPr lang="en-GB" sz="2200" dirty="0"/>
-              <a:t> </a:t>
-            </a:r>
-            <a:r>
-              <a:rPr lang="en-GB" sz="2200" dirty="0" err="1"/>
-              <a:t>účel</a:t>
-            </a:r>
-            <a:r>
-              <a:rPr lang="en-GB" sz="2200" dirty="0"/>
-              <a:t> je </a:t>
-            </a:r>
-            <a:r>
-              <a:rPr lang="en-GB" sz="2200" dirty="0" err="1"/>
-              <a:t>potrebné</a:t>
-            </a:r>
-            <a:r>
-              <a:rPr lang="en-GB" sz="2200" dirty="0"/>
-              <a:t>, aby </a:t>
-            </a:r>
-            <a:r>
-              <a:rPr lang="en-GB" sz="2200" dirty="0" err="1"/>
-              <a:t>regulovaná</a:t>
-            </a:r>
-            <a:r>
-              <a:rPr lang="en-GB" sz="2200" dirty="0"/>
-              <a:t> </a:t>
-            </a:r>
-            <a:r>
-              <a:rPr lang="en-GB" sz="2200" dirty="0" err="1"/>
-              <a:t>veličina</a:t>
-            </a:r>
-            <a:r>
-              <a:rPr lang="en-GB" sz="2200" dirty="0"/>
-              <a:t> y(t) </a:t>
-            </a:r>
-            <a:r>
-              <a:rPr lang="en-GB" sz="2200" dirty="0" err="1"/>
-              <a:t>kopírovala</a:t>
-            </a:r>
-            <a:r>
-              <a:rPr lang="en-GB" sz="2200" dirty="0"/>
-              <a:t> </a:t>
-            </a:r>
-            <a:r>
-              <a:rPr lang="en-GB" sz="2200" dirty="0" err="1"/>
-              <a:t>žiadanú</a:t>
-            </a:r>
-            <a:r>
-              <a:rPr lang="en-GB" sz="2200" dirty="0"/>
-              <a:t> </a:t>
-            </a:r>
-            <a:r>
-              <a:rPr lang="en-GB" sz="2200" dirty="0" err="1"/>
-              <a:t>veličinu</a:t>
-            </a:r>
-            <a:r>
-              <a:rPr lang="en-GB" sz="2200" dirty="0"/>
-              <a:t> w(t)</a:t>
-            </a:r>
-            <a:r>
-              <a:rPr lang="sk-SK" sz="2200" dirty="0"/>
-              <a:t>. </a:t>
-            </a:r>
-            <a:r>
-              <a:rPr lang="en-GB" sz="2200" dirty="0" err="1"/>
-              <a:t>Žiadaná</a:t>
-            </a:r>
-            <a:r>
-              <a:rPr lang="en-GB" sz="2200" dirty="0"/>
-              <a:t> </a:t>
-            </a:r>
-            <a:r>
-              <a:rPr lang="en-GB" sz="2200" dirty="0" err="1"/>
-              <a:t>veličina</a:t>
-            </a:r>
-            <a:r>
-              <a:rPr lang="en-GB" sz="2200" dirty="0"/>
-              <a:t> </a:t>
-            </a:r>
-            <a:r>
-              <a:rPr lang="en-GB" sz="2200" dirty="0" err="1"/>
-              <a:t>pritom</a:t>
-            </a:r>
-            <a:r>
-              <a:rPr lang="en-GB" sz="2200" dirty="0"/>
-              <a:t> </a:t>
-            </a:r>
-            <a:r>
-              <a:rPr lang="en-GB" sz="2200" dirty="0" err="1"/>
-              <a:t>môže</a:t>
-            </a:r>
-            <a:r>
-              <a:rPr lang="en-GB" sz="2200" dirty="0"/>
-              <a:t> </a:t>
-            </a:r>
-            <a:r>
-              <a:rPr lang="en-GB" sz="2200" dirty="0" err="1"/>
-              <a:t>byť</a:t>
-            </a:r>
-            <a:r>
-              <a:rPr lang="en-GB" sz="2200" dirty="0"/>
-              <a:t> v </a:t>
-            </a:r>
-            <a:r>
-              <a:rPr lang="en-GB" sz="2200" dirty="0" err="1"/>
-              <a:t>podobe</a:t>
-            </a:r>
-            <a:r>
-              <a:rPr lang="en-GB" sz="2200" dirty="0"/>
-              <a:t> </a:t>
-            </a:r>
-            <a:r>
-              <a:rPr lang="en-GB" sz="2200" dirty="0" err="1"/>
-              <a:t>pevne</a:t>
-            </a:r>
-            <a:r>
-              <a:rPr lang="en-GB" sz="2200" dirty="0"/>
-              <a:t> </a:t>
-            </a:r>
-            <a:r>
-              <a:rPr lang="en-GB" sz="2200" dirty="0" err="1"/>
-              <a:t>danej</a:t>
-            </a:r>
-            <a:r>
-              <a:rPr lang="en-GB" sz="2200" dirty="0"/>
-              <a:t> </a:t>
-            </a:r>
-            <a:r>
-              <a:rPr lang="en-GB" sz="2200" dirty="0" err="1"/>
-              <a:t>veličiny</a:t>
-            </a:r>
-            <a:r>
-              <a:rPr lang="en-GB" sz="2200" dirty="0"/>
-              <a:t>, </a:t>
-            </a:r>
-            <a:r>
-              <a:rPr lang="en-GB" sz="2200" dirty="0" err="1"/>
-              <a:t>časovej</a:t>
-            </a:r>
-            <a:r>
-              <a:rPr lang="en-GB" sz="2200" dirty="0"/>
-              <a:t> </a:t>
-            </a:r>
-            <a:r>
-              <a:rPr lang="en-GB" sz="2200" dirty="0" err="1"/>
-              <a:t>funkcie</a:t>
-            </a:r>
-            <a:r>
-              <a:rPr lang="en-GB" sz="2200" dirty="0"/>
-              <a:t> </a:t>
-            </a:r>
-            <a:r>
-              <a:rPr lang="en-GB" sz="2200" dirty="0" err="1"/>
-              <a:t>alebo</a:t>
-            </a:r>
-            <a:r>
-              <a:rPr lang="en-GB" sz="2200" dirty="0"/>
-              <a:t> </a:t>
-            </a:r>
-            <a:r>
-              <a:rPr lang="en-GB" sz="2200" dirty="0" err="1"/>
-              <a:t>funkčnej</a:t>
-            </a:r>
-            <a:r>
-              <a:rPr lang="en-GB" sz="2200" dirty="0"/>
-              <a:t> </a:t>
-            </a:r>
-            <a:r>
-              <a:rPr lang="en-GB" sz="2200" dirty="0" err="1"/>
-              <a:t>závislosti</a:t>
-            </a:r>
-            <a:r>
-              <a:rPr lang="en-GB" sz="2200" dirty="0"/>
-              <a:t> </a:t>
-            </a:r>
-            <a:r>
-              <a:rPr lang="en-GB" sz="2200" dirty="0" err="1"/>
-              <a:t>na</a:t>
-            </a:r>
-            <a:r>
-              <a:rPr lang="en-GB" sz="2200" dirty="0"/>
-              <a:t> </a:t>
-            </a:r>
-            <a:r>
-              <a:rPr lang="en-GB" sz="2200" dirty="0" err="1"/>
-              <a:t>inej</a:t>
-            </a:r>
-            <a:r>
-              <a:rPr lang="en-GB" sz="2200" dirty="0"/>
-              <a:t> </a:t>
-            </a:r>
-            <a:r>
-              <a:rPr lang="en-GB" sz="2200" dirty="0" err="1"/>
-              <a:t>veličine</a:t>
-            </a:r>
-            <a:r>
-              <a:rPr lang="en-GB" sz="2200" dirty="0"/>
-              <a:t>.</a:t>
-            </a:r>
-            <a:endParaRPr lang="sk-SK" sz="2200" dirty="0"/>
-          </a:p>
-          <a:p>
-            <a:pPr>
-              <a:lnSpc>
-                <a:spcPct val="110000"/>
-              </a:lnSpc>
-              <a:buFont typeface="Arial" panose="020B0604020202020204" pitchFamily="34" charset="0"/>
-              <a:buChar char="•"/>
-            </a:pPr>
-            <a:r>
-              <a:rPr lang="en-GB" sz="2200" dirty="0" err="1"/>
-              <a:t>Podstata</a:t>
-            </a:r>
-            <a:r>
-              <a:rPr lang="en-GB" sz="2200" dirty="0"/>
-              <a:t> </a:t>
-            </a:r>
-            <a:r>
-              <a:rPr lang="en-GB" sz="2200" dirty="0" err="1"/>
-              <a:t>činnosti</a:t>
-            </a:r>
-            <a:r>
-              <a:rPr lang="en-GB" sz="2200" dirty="0"/>
-              <a:t> </a:t>
-            </a:r>
-            <a:r>
-              <a:rPr lang="en-GB" sz="2200" dirty="0" err="1"/>
-              <a:t>regulátora</a:t>
-            </a:r>
-            <a:r>
-              <a:rPr lang="en-GB" sz="2200" dirty="0"/>
-              <a:t> </a:t>
-            </a:r>
-            <a:r>
-              <a:rPr lang="en-GB" sz="2200" dirty="0" err="1"/>
-              <a:t>spočíva</a:t>
-            </a:r>
-            <a:r>
-              <a:rPr lang="en-GB" sz="2200" dirty="0"/>
-              <a:t> </a:t>
-            </a:r>
-            <a:r>
-              <a:rPr lang="en-GB" sz="2200" dirty="0" err="1"/>
-              <a:t>vo</a:t>
-            </a:r>
-            <a:r>
-              <a:rPr lang="en-GB" sz="2200" dirty="0"/>
-              <a:t> </a:t>
-            </a:r>
-            <a:r>
-              <a:rPr lang="en-GB" sz="2200" dirty="0" err="1"/>
-              <a:t>vyhodnocovaní</a:t>
-            </a:r>
-            <a:r>
-              <a:rPr lang="en-GB" sz="2200" dirty="0"/>
-              <a:t> </a:t>
-            </a:r>
-            <a:r>
-              <a:rPr lang="en-GB" sz="2200" dirty="0" err="1"/>
-              <a:t>regulačnej</a:t>
-            </a:r>
-            <a:r>
-              <a:rPr lang="en-GB" sz="2200" dirty="0"/>
-              <a:t> </a:t>
-            </a:r>
-            <a:r>
-              <a:rPr lang="en-GB" sz="2200" dirty="0" err="1"/>
-              <a:t>odchýlky</a:t>
-            </a:r>
-            <a:r>
-              <a:rPr lang="en-GB" sz="2200" dirty="0"/>
-              <a:t> </a:t>
-            </a:r>
-            <a:r>
-              <a:rPr lang="sk-SK" sz="2200" dirty="0"/>
-              <a:t>   </a:t>
-            </a:r>
-            <a:r>
-              <a:rPr lang="en-GB" sz="2200" dirty="0"/>
-              <a:t>e(t) = w(t) – y(t) </a:t>
-            </a:r>
-            <a:r>
-              <a:rPr lang="en-GB" sz="2200" dirty="0" err="1"/>
-              <a:t>ako</a:t>
-            </a:r>
-            <a:r>
-              <a:rPr lang="en-GB" sz="2200" dirty="0"/>
-              <a:t> </a:t>
-            </a:r>
-            <a:r>
-              <a:rPr lang="en-GB" sz="2200" dirty="0" err="1"/>
-              <a:t>vstupného</a:t>
-            </a:r>
-            <a:r>
-              <a:rPr lang="en-GB" sz="2200" dirty="0"/>
-              <a:t> </a:t>
-            </a:r>
-            <a:r>
-              <a:rPr lang="en-GB" sz="2200" dirty="0" err="1"/>
-              <a:t>signálu</a:t>
-            </a:r>
-            <a:r>
-              <a:rPr lang="en-GB" sz="2200" dirty="0"/>
-              <a:t>, v </a:t>
-            </a:r>
-            <a:r>
-              <a:rPr lang="en-GB" sz="2200" dirty="0" err="1"/>
-              <a:t>spracovaní</a:t>
-            </a:r>
-            <a:r>
-              <a:rPr lang="en-GB" sz="2200" dirty="0"/>
-              <a:t> </a:t>
-            </a:r>
-            <a:r>
-              <a:rPr lang="en-GB" sz="2200" dirty="0" err="1"/>
-              <a:t>tejto</a:t>
-            </a:r>
-            <a:r>
-              <a:rPr lang="en-GB" sz="2200" dirty="0"/>
-              <a:t> </a:t>
-            </a:r>
-            <a:r>
-              <a:rPr lang="en-GB" sz="2200" dirty="0" err="1"/>
-              <a:t>odchýlky</a:t>
-            </a:r>
-            <a:r>
-              <a:rPr lang="en-GB" sz="2200" dirty="0"/>
-              <a:t> </a:t>
-            </a:r>
-            <a:r>
-              <a:rPr lang="en-GB" sz="2200" dirty="0" err="1"/>
-              <a:t>podľa</a:t>
-            </a:r>
-            <a:r>
-              <a:rPr lang="en-GB" sz="2200" dirty="0"/>
-              <a:t> </a:t>
-            </a:r>
-            <a:r>
-              <a:rPr lang="en-GB" sz="2200" dirty="0" err="1"/>
-              <a:t>zákonov</a:t>
-            </a:r>
-            <a:r>
-              <a:rPr lang="en-GB" sz="2200" dirty="0"/>
-              <a:t> </a:t>
-            </a:r>
-            <a:r>
-              <a:rPr lang="en-GB" sz="2200" dirty="0" err="1"/>
-              <a:t>riadenia</a:t>
-            </a:r>
-            <a:r>
-              <a:rPr lang="en-GB" sz="2200" dirty="0"/>
-              <a:t>, </a:t>
-            </a:r>
-            <a:r>
-              <a:rPr lang="en-GB" sz="2200" dirty="0" err="1"/>
-              <a:t>ktorý</a:t>
-            </a:r>
-            <a:r>
-              <a:rPr lang="en-GB" sz="2200" dirty="0"/>
-              <a:t> je </a:t>
-            </a:r>
-            <a:r>
-              <a:rPr lang="en-GB" sz="2200" dirty="0" err="1"/>
-              <a:t>vlastný</a:t>
-            </a:r>
-            <a:r>
-              <a:rPr lang="en-GB" sz="2200" dirty="0"/>
-              <a:t> </a:t>
-            </a:r>
-            <a:r>
-              <a:rPr lang="en-GB" sz="2200" dirty="0" err="1"/>
-              <a:t>použitému</a:t>
-            </a:r>
-            <a:r>
-              <a:rPr lang="en-GB" sz="2200" dirty="0"/>
-              <a:t> </a:t>
-            </a:r>
-            <a:r>
-              <a:rPr lang="en-GB" sz="2200" dirty="0" err="1"/>
-              <a:t>regulátoru</a:t>
-            </a:r>
-            <a:r>
-              <a:rPr lang="en-GB" sz="2200" dirty="0"/>
-              <a:t> a </a:t>
-            </a:r>
-            <a:r>
-              <a:rPr lang="en-GB" sz="2200" dirty="0" err="1"/>
-              <a:t>vo</a:t>
-            </a:r>
-            <a:r>
-              <a:rPr lang="en-GB" sz="2200" dirty="0"/>
-              <a:t> </a:t>
-            </a:r>
-            <a:r>
-              <a:rPr lang="en-GB" sz="2200" dirty="0" err="1"/>
-              <a:t>vytvorení</a:t>
-            </a:r>
-            <a:r>
-              <a:rPr lang="en-GB" sz="2200" dirty="0"/>
-              <a:t> </a:t>
-            </a:r>
-            <a:r>
-              <a:rPr lang="en-GB" sz="2200" dirty="0" err="1"/>
-              <a:t>výstupného</a:t>
-            </a:r>
-            <a:r>
-              <a:rPr lang="en-GB" sz="2200" dirty="0"/>
-              <a:t> </a:t>
-            </a:r>
-            <a:r>
-              <a:rPr lang="en-GB" sz="2200" dirty="0" err="1"/>
-              <a:t>signálu</a:t>
-            </a:r>
-            <a:r>
-              <a:rPr lang="en-GB" sz="2200" dirty="0"/>
-              <a:t> – </a:t>
-            </a:r>
-            <a:r>
-              <a:rPr lang="en-GB" sz="2200" dirty="0" err="1"/>
-              <a:t>akčnej</a:t>
-            </a:r>
-            <a:r>
-              <a:rPr lang="en-GB" sz="2200" dirty="0"/>
-              <a:t> </a:t>
-            </a:r>
-            <a:r>
-              <a:rPr lang="en-GB" sz="2200" dirty="0" err="1"/>
-              <a:t>veličiny</a:t>
-            </a:r>
-            <a:r>
-              <a:rPr lang="en-GB" sz="2200" dirty="0"/>
-              <a:t> u(t) s </a:t>
-            </a:r>
-            <a:r>
-              <a:rPr lang="en-GB" sz="2200" dirty="0" err="1"/>
-              <a:t>cieľom</a:t>
-            </a:r>
-            <a:r>
-              <a:rPr lang="en-GB" sz="2200" dirty="0"/>
-              <a:t> </a:t>
-            </a:r>
-            <a:r>
-              <a:rPr lang="en-GB" sz="2200" dirty="0" err="1"/>
-              <a:t>takým</a:t>
-            </a:r>
-            <a:r>
-              <a:rPr lang="en-GB" sz="2200" dirty="0"/>
-              <a:t>, aby </a:t>
-            </a:r>
-            <a:r>
-              <a:rPr lang="en-GB" sz="2200" dirty="0" err="1"/>
-              <a:t>odchýlka</a:t>
-            </a:r>
-            <a:r>
-              <a:rPr lang="en-GB" sz="2200" dirty="0"/>
-              <a:t> e(t) bola </a:t>
-            </a:r>
-            <a:r>
-              <a:rPr lang="en-GB" sz="2200" dirty="0" err="1"/>
-              <a:t>eliminovaná</a:t>
-            </a:r>
-            <a:r>
-              <a:rPr lang="en-GB" sz="2200" dirty="0"/>
-              <a:t> </a:t>
-            </a:r>
-            <a:r>
-              <a:rPr lang="en-GB" sz="2200" dirty="0" err="1"/>
-              <a:t>úplne</a:t>
-            </a:r>
-            <a:r>
-              <a:rPr lang="en-GB" sz="2200" dirty="0"/>
-              <a:t> </a:t>
-            </a:r>
-            <a:r>
-              <a:rPr lang="en-GB" sz="2200" dirty="0" err="1"/>
-              <a:t>alebo</a:t>
-            </a:r>
-            <a:r>
-              <a:rPr lang="en-GB" sz="2200" dirty="0"/>
-              <a:t> aby bola </a:t>
-            </a:r>
-            <a:r>
-              <a:rPr lang="en-GB" sz="2200" dirty="0" err="1"/>
-              <a:t>čo</a:t>
-            </a:r>
-            <a:r>
-              <a:rPr lang="en-GB" sz="2200" dirty="0"/>
-              <a:t> </a:t>
-            </a:r>
-            <a:r>
-              <a:rPr lang="en-GB" sz="2200" dirty="0" err="1"/>
-              <a:t>najmenšia</a:t>
-            </a:r>
-            <a:r>
-              <a:rPr lang="en-GB" sz="2200" dirty="0"/>
-              <a:t>.</a:t>
-            </a:r>
-            <a:endParaRPr lang="sk-SK" sz="2200" dirty="0"/>
           </a:p>
         </p:txBody>
       </p:sp>
-      <p:pic>
-        <p:nvPicPr>
-          <p:cNvPr id="21" name="Obrázok 20">
-            <a:extLst>
-              <a:ext uri="{FF2B5EF4-FFF2-40B4-BE49-F238E27FC236}">
-                <a16:creationId xmlns:a16="http://schemas.microsoft.com/office/drawing/2014/main" id="{BE13CF61-C9EF-4109-A26F-19D8517D3C9A}"/>
-              </a:ext>
-            </a:extLst>
-          </p:cNvPr>
-          <p:cNvPicPr>
-            <a:picLocks noChangeAspect="1"/>
-          </p:cNvPicPr>
-          <p:nvPr/>
-        </p:nvPicPr>
-        <p:blipFill>
-          <a:blip r:embed="rId2"/>
-          <a:stretch>
-            <a:fillRect/>
-          </a:stretch>
-        </p:blipFill>
-        <p:spPr>
-          <a:xfrm>
-            <a:off x="362712" y="1003870"/>
-            <a:ext cx="7111556" cy="1878936"/>
-          </a:xfrm>
-          <a:prstGeom prst="rect">
-            <a:avLst/>
-          </a:prstGeom>
-        </p:spPr>
-      </p:pic>
     </p:spTree>
     <p:extLst>
       <p:ext uri="{BB962C8B-B14F-4D97-AF65-F5344CB8AC3E}">
-        <p14:creationId xmlns:p14="http://schemas.microsoft.com/office/powerpoint/2010/main" val="1106395333"/>
+        <p14:creationId xmlns:p14="http://schemas.microsoft.com/office/powerpoint/2010/main" val="1981789228"/>
       </p:ext>
     </p:extLst>
   </p:cSld>
@@ -19624,7 +18904,7 @@
           <p:cNvPr id="2" name="Nadpis 1">
             <a:extLst>
               <a:ext uri="{FF2B5EF4-FFF2-40B4-BE49-F238E27FC236}">
-                <a16:creationId xmlns:a16="http://schemas.microsoft.com/office/drawing/2014/main" id="{59DC17C1-419D-44F2-987B-AD5E29D750B8}"/>
+                <a16:creationId xmlns:a16="http://schemas.microsoft.com/office/drawing/2014/main" xmlns="" id="{D2EBE115-ABC9-4D9D-94DE-DF7AADFBD746}"/>
               </a:ext>
             </a:extLst>
           </p:cNvPr>
@@ -19642,244 +18922,6 @@
           <a:p>
             <a:r>
               <a:rPr lang="sk-SK" dirty="0"/>
-              <a:t>Návrh regulačných obvodov</a:t>
-            </a:r>
-          </a:p>
-        </p:txBody>
-      </p:sp>
-      <p:sp>
-        <p:nvSpPr>
-          <p:cNvPr id="3" name="Zástupný objekt pre obsah 2">
-            <a:extLst>
-              <a:ext uri="{FF2B5EF4-FFF2-40B4-BE49-F238E27FC236}">
-                <a16:creationId xmlns:a16="http://schemas.microsoft.com/office/drawing/2014/main" id="{5BD42F2B-ABA1-4F3A-865F-32330FB152D7}"/>
-              </a:ext>
-            </a:extLst>
-          </p:cNvPr>
-          <p:cNvSpPr>
-            <a:spLocks noGrp="1"/>
-          </p:cNvSpPr>
-          <p:nvPr>
-            <p:ph idx="1"/>
-          </p:nvPr>
-        </p:nvSpPr>
-        <p:spPr/>
-        <p:txBody>
-          <a:bodyPr/>
-          <a:lstStyle/>
-          <a:p>
-            <a:pPr marL="0" indent="0">
-              <a:buNone/>
-            </a:pPr>
-            <a:r>
-              <a:rPr lang="sk-SK" b="1" dirty="0"/>
-              <a:t>Východiskové podmienky:</a:t>
-            </a:r>
-          </a:p>
-          <a:p>
-            <a:pPr lvl="1"/>
-            <a:r>
-              <a:rPr lang="sk-SK" sz="2000" dirty="0"/>
-              <a:t>Je daná štruktúra a určujú sa parametre</a:t>
-            </a:r>
-          </a:p>
-          <a:p>
-            <a:pPr lvl="1" eaLnBrk="0" hangingPunct="0">
-              <a:lnSpc>
-                <a:spcPct val="80000"/>
-              </a:lnSpc>
-              <a:spcBef>
-                <a:spcPct val="20000"/>
-              </a:spcBef>
-            </a:pPr>
-            <a:r>
-              <a:rPr lang="sk-SK" sz="2000" dirty="0"/>
-              <a:t>Navrhujú sa parametre a štruktúra zatiaľ neurčených</a:t>
-            </a:r>
-          </a:p>
-          <a:p>
-            <a:pPr eaLnBrk="0" hangingPunct="0">
-              <a:lnSpc>
-                <a:spcPct val="80000"/>
-              </a:lnSpc>
-              <a:spcBef>
-                <a:spcPct val="20000"/>
-              </a:spcBef>
-            </a:pPr>
-            <a:r>
-              <a:rPr lang="sk-SK" dirty="0"/>
-              <a:t>     blokov. Štruktúra je daná len čiastočne.</a:t>
-            </a:r>
-          </a:p>
-          <a:p>
-            <a:pPr lvl="1" eaLnBrk="0" hangingPunct="0">
-              <a:lnSpc>
-                <a:spcPct val="80000"/>
-              </a:lnSpc>
-              <a:spcBef>
-                <a:spcPct val="20000"/>
-              </a:spcBef>
-            </a:pPr>
-            <a:r>
-              <a:rPr lang="sk-SK" sz="2000" dirty="0"/>
-              <a:t>Štruktúra a parametre regulačného obvodu sú predmetom návrhu.</a:t>
-            </a:r>
-          </a:p>
-          <a:p>
-            <a:pPr lvl="1" eaLnBrk="0" hangingPunct="0">
-              <a:lnSpc>
-                <a:spcPct val="80000"/>
-              </a:lnSpc>
-              <a:spcBef>
-                <a:spcPct val="20000"/>
-              </a:spcBef>
-            </a:pPr>
-            <a:endParaRPr lang="sk-SK" sz="2000" b="1" dirty="0"/>
-          </a:p>
-          <a:p>
-            <a:pPr marL="0" eaLnBrk="0" hangingPunct="0">
-              <a:lnSpc>
-                <a:spcPct val="80000"/>
-              </a:lnSpc>
-              <a:spcBef>
-                <a:spcPct val="20000"/>
-              </a:spcBef>
-              <a:buNone/>
-            </a:pPr>
-            <a:r>
-              <a:rPr lang="sk-SK" sz="2200" b="1" dirty="0"/>
-              <a:t>Pri návrhu regulačného obvodu pomôže znalosť:</a:t>
-            </a:r>
-          </a:p>
-          <a:p>
-            <a:pPr lvl="1" eaLnBrk="0" hangingPunct="0">
-              <a:lnSpc>
-                <a:spcPct val="80000"/>
-              </a:lnSpc>
-              <a:spcBef>
-                <a:spcPct val="20000"/>
-              </a:spcBef>
-            </a:pPr>
-            <a:r>
-              <a:rPr lang="sk-SK" sz="2000" dirty="0"/>
-              <a:t>vlastností riadeného systému</a:t>
-            </a:r>
-          </a:p>
-          <a:p>
-            <a:pPr lvl="1" eaLnBrk="0" hangingPunct="0">
-              <a:lnSpc>
-                <a:spcPct val="80000"/>
-              </a:lnSpc>
-              <a:spcBef>
-                <a:spcPct val="20000"/>
-              </a:spcBef>
-            </a:pPr>
-            <a:r>
-              <a:rPr lang="sk-SK" sz="2000" dirty="0"/>
-              <a:t>priebehu riadenej veličiny</a:t>
-            </a:r>
-          </a:p>
-          <a:p>
-            <a:pPr lvl="1" eaLnBrk="0" hangingPunct="0">
-              <a:lnSpc>
-                <a:spcPct val="80000"/>
-              </a:lnSpc>
-              <a:spcBef>
-                <a:spcPct val="20000"/>
-              </a:spcBef>
-            </a:pPr>
-            <a:r>
-              <a:rPr lang="sk-SK" sz="2000" dirty="0"/>
-              <a:t>priebehu a miesta vstupu poruchových veličín</a:t>
-            </a:r>
-          </a:p>
-          <a:p>
-            <a:pPr lvl="1" eaLnBrk="0" hangingPunct="0">
-              <a:lnSpc>
-                <a:spcPct val="80000"/>
-              </a:lnSpc>
-              <a:spcBef>
-                <a:spcPct val="20000"/>
-              </a:spcBef>
-            </a:pPr>
-            <a:r>
-              <a:rPr lang="sk-SK" sz="2000" dirty="0"/>
-              <a:t>obmedzení akčných zásahov</a:t>
-            </a:r>
-          </a:p>
-          <a:p>
-            <a:pPr lvl="1" eaLnBrk="0" hangingPunct="0">
-              <a:lnSpc>
-                <a:spcPct val="80000"/>
-              </a:lnSpc>
-              <a:spcBef>
-                <a:spcPct val="20000"/>
-              </a:spcBef>
-            </a:pPr>
-            <a:r>
-              <a:rPr lang="sk-SK" sz="2000" dirty="0"/>
-              <a:t>požiadaviek na kvalitu riadenia</a:t>
-            </a:r>
-            <a:endParaRPr lang="sk-SK" sz="2000" b="1" dirty="0"/>
-          </a:p>
-          <a:p>
-            <a:endParaRPr lang="sk-SK" dirty="0"/>
-          </a:p>
-        </p:txBody>
-      </p:sp>
-    </p:spTree>
-    <p:extLst>
-      <p:ext uri="{BB962C8B-B14F-4D97-AF65-F5344CB8AC3E}">
-        <p14:creationId xmlns:p14="http://schemas.microsoft.com/office/powerpoint/2010/main" val="1981789228"/>
-      </p:ext>
-    </p:extLst>
-  </p:cSld>
-  <p:clrMapOvr>
-    <a:masterClrMapping/>
-  </p:clrMapOvr>
-</p:sld>
-</file>
-
-<file path=ppt/slides/slide5.xml><?xml version="1.0" encoding="utf-8"?>
-<p:sld xmlns:a="http://schemas.openxmlformats.org/drawingml/2006/main" xmlns:r="http://schemas.openxmlformats.org/officeDocument/2006/relationships" xmlns:p="http://schemas.openxmlformats.org/presentationml/2006/main">
-  <p:cSld>
-    <p:spTree>
-      <p:nvGrpSpPr>
-        <p:cNvPr id="1" name=""/>
-        <p:cNvGrpSpPr/>
-        <p:nvPr/>
-      </p:nvGrpSpPr>
-      <p:grpSpPr>
-        <a:xfrm>
-          <a:off x="0" y="0"/>
-          <a:ext cx="0" cy="0"/>
-          <a:chOff x="0" y="0"/>
-          <a:chExt cx="0" cy="0"/>
-        </a:xfrm>
-      </p:grpSpPr>
-      <p:sp>
-        <p:nvSpPr>
-          <p:cNvPr id="2" name="Nadpis 1">
-            <a:extLst>
-              <a:ext uri="{FF2B5EF4-FFF2-40B4-BE49-F238E27FC236}">
-                <a16:creationId xmlns:a16="http://schemas.microsoft.com/office/drawing/2014/main" id="{D2EBE115-ABC9-4D9D-94DE-DF7AADFBD746}"/>
-              </a:ext>
-            </a:extLst>
-          </p:cNvPr>
-          <p:cNvSpPr>
-            <a:spLocks noGrp="1"/>
-          </p:cNvSpPr>
-          <p:nvPr>
-            <p:ph type="title"/>
-          </p:nvPr>
-        </p:nvSpPr>
-        <p:spPr/>
-        <p:txBody>
-          <a:bodyPr/>
-          <a:lstStyle/>
-          <a:p>
-            <a:r>
-              <a:rPr lang="sk-SK" dirty="0"/>
               <a:t>Návrh PID regulátorov</a:t>
             </a:r>
             <a:endParaRPr lang="en-GB" dirty="0"/>
@@ -19891,7 +18933,7 @@
           <p:cNvPr id="4" name="Zástupný objekt pre obsah 3">
             <a:extLst>
               <a:ext uri="{FF2B5EF4-FFF2-40B4-BE49-F238E27FC236}">
-                <a16:creationId xmlns:a16="http://schemas.microsoft.com/office/drawing/2014/main" id="{16D21546-520E-4CAD-B0B2-E7D099E632A8}"/>
+                <a16:creationId xmlns:a16="http://schemas.microsoft.com/office/drawing/2014/main" xmlns="" id="{16D21546-520E-4CAD-B0B2-E7D099E632A8}"/>
               </a:ext>
             </a:extLst>
           </p:cNvPr>
@@ -19922,7 +18964,7 @@
           <p:cNvPr id="5" name="Zástupný objekt pre obsah 4">
             <a:extLst>
               <a:ext uri="{FF2B5EF4-FFF2-40B4-BE49-F238E27FC236}">
-                <a16:creationId xmlns:a16="http://schemas.microsoft.com/office/drawing/2014/main" id="{F7DF870F-3EF9-4A6B-AA9E-EAF8E31D6C35}"/>
+                <a16:creationId xmlns:a16="http://schemas.microsoft.com/office/drawing/2014/main" xmlns="" id="{F7DF870F-3EF9-4A6B-AA9E-EAF8E31D6C35}"/>
               </a:ext>
             </a:extLst>
           </p:cNvPr>
@@ -19997,7 +19039,7 @@
           <p:cNvPr id="6" name="Object 6">
             <a:extLst>
               <a:ext uri="{FF2B5EF4-FFF2-40B4-BE49-F238E27FC236}">
-                <a16:creationId xmlns:a16="http://schemas.microsoft.com/office/drawing/2014/main" id="{C1CE6BA3-96F7-40A0-AFA0-0306A1D37405}"/>
+                <a16:creationId xmlns:a16="http://schemas.microsoft.com/office/drawing/2014/main" xmlns="" id="{C1CE6BA3-96F7-40A0-AFA0-0306A1D37405}"/>
               </a:ext>
             </a:extLst>
           </p:cNvPr>
@@ -20020,7 +19062,7 @@
           <a:graphicData uri="http://schemas.openxmlformats.org/presentationml/2006/ole">
             <mc:AlternateContent xmlns:mc="http://schemas.openxmlformats.org/markup-compatibility/2006">
               <mc:Choice xmlns:v="urn:schemas-microsoft-com:vml" Requires="v">
-                <p:oleObj spid="_x0000_s1136" name="Equation" r:id="rId3" imgW="3136680" imgH="799920" progId="Equation.3">
+                <p:oleObj spid="_x0000_s1141" name="Equation" r:id="rId3" imgW="3136680" imgH="799920" progId="Equation.3">
                   <p:embed/>
                 </p:oleObj>
               </mc:Choice>
@@ -20071,7 +19113,7 @@
           <p:cNvPr id="7" name="Object 8">
             <a:extLst>
               <a:ext uri="{FF2B5EF4-FFF2-40B4-BE49-F238E27FC236}">
-                <a16:creationId xmlns:a16="http://schemas.microsoft.com/office/drawing/2014/main" id="{896D4BD4-44F3-4790-99B9-D34AF69277B1}"/>
+                <a16:creationId xmlns:a16="http://schemas.microsoft.com/office/drawing/2014/main" xmlns="" id="{896D4BD4-44F3-4790-99B9-D34AF69277B1}"/>
               </a:ext>
             </a:extLst>
           </p:cNvPr>
@@ -20094,7 +19136,7 @@
           <a:graphicData uri="http://schemas.openxmlformats.org/presentationml/2006/ole">
             <mc:AlternateContent xmlns:mc="http://schemas.openxmlformats.org/markup-compatibility/2006">
               <mc:Choice xmlns:v="urn:schemas-microsoft-com:vml" Requires="v">
-                <p:oleObj spid="_x0000_s1137" name="Equation" r:id="rId5" imgW="3429000" imgH="799920" progId="Equation.3">
+                <p:oleObj spid="_x0000_s1142" name="Equation" r:id="rId5" imgW="3429000" imgH="799920" progId="Equation.3">
                   <p:embed/>
                 </p:oleObj>
               </mc:Choice>
@@ -20145,7 +19187,7 @@
           <p:cNvPr id="8" name="Object 7">
             <a:extLst>
               <a:ext uri="{FF2B5EF4-FFF2-40B4-BE49-F238E27FC236}">
-                <a16:creationId xmlns:a16="http://schemas.microsoft.com/office/drawing/2014/main" id="{1AA88D39-46E9-4282-AB65-050F4C15F919}"/>
+                <a16:creationId xmlns:a16="http://schemas.microsoft.com/office/drawing/2014/main" xmlns="" id="{1AA88D39-46E9-4282-AB65-050F4C15F919}"/>
               </a:ext>
             </a:extLst>
           </p:cNvPr>
@@ -20168,7 +19210,7 @@
           <a:graphicData uri="http://schemas.openxmlformats.org/presentationml/2006/ole">
             <mc:AlternateContent xmlns:mc="http://schemas.openxmlformats.org/markup-compatibility/2006">
               <mc:Choice xmlns:v="urn:schemas-microsoft-com:vml" Requires="v">
-                <p:oleObj spid="_x0000_s1138" name="Equation" r:id="rId7" imgW="2717640" imgH="723600" progId="Equation.3">
+                <p:oleObj spid="_x0000_s1143" name="Equation" r:id="rId7" imgW="2717640" imgH="723600" progId="Equation.3">
                   <p:embed/>
                 </p:oleObj>
               </mc:Choice>
@@ -20219,7 +19261,7 @@
           <p:cNvPr id="9" name="Object 9">
             <a:extLst>
               <a:ext uri="{FF2B5EF4-FFF2-40B4-BE49-F238E27FC236}">
-                <a16:creationId xmlns:a16="http://schemas.microsoft.com/office/drawing/2014/main" id="{2DCCD1FF-DE44-421E-BFF3-16BDC6798DA2}"/>
+                <a16:creationId xmlns:a16="http://schemas.microsoft.com/office/drawing/2014/main" xmlns="" id="{2DCCD1FF-DE44-421E-BFF3-16BDC6798DA2}"/>
               </a:ext>
             </a:extLst>
           </p:cNvPr>
@@ -20242,7 +19284,7 @@
           <a:graphicData uri="http://schemas.openxmlformats.org/presentationml/2006/ole">
             <mc:AlternateContent xmlns:mc="http://schemas.openxmlformats.org/markup-compatibility/2006">
               <mc:Choice xmlns:v="urn:schemas-microsoft-com:vml" Requires="v">
-                <p:oleObj spid="_x0000_s1139" name="Equation" r:id="rId9" imgW="3555720" imgH="799920" progId="Equation.3">
+                <p:oleObj spid="_x0000_s1144" name="Equation" r:id="rId9" imgW="3555720" imgH="799920" progId="Equation.3">
                   <p:embed/>
                 </p:oleObj>
               </mc:Choice>
@@ -20293,7 +19335,7 @@
           <p:cNvPr id="10" name="Object 10">
             <a:extLst>
               <a:ext uri="{FF2B5EF4-FFF2-40B4-BE49-F238E27FC236}">
-                <a16:creationId xmlns:a16="http://schemas.microsoft.com/office/drawing/2014/main" id="{578A7430-0281-4E08-AE45-E1A1C33E25ED}"/>
+                <a16:creationId xmlns:a16="http://schemas.microsoft.com/office/drawing/2014/main" xmlns="" id="{578A7430-0281-4E08-AE45-E1A1C33E25ED}"/>
               </a:ext>
             </a:extLst>
           </p:cNvPr>
@@ -20316,7 +19358,7 @@
           <a:graphicData uri="http://schemas.openxmlformats.org/presentationml/2006/ole">
             <mc:AlternateContent xmlns:mc="http://schemas.openxmlformats.org/markup-compatibility/2006">
               <mc:Choice xmlns:v="urn:schemas-microsoft-com:vml" Requires="v">
-                <p:oleObj spid="_x0000_s1140" name="Bitmap Image" r:id="rId11" imgW="2723810" imgH="1724266" progId="PBrush">
+                <p:oleObj spid="_x0000_s1145" name="Bitmap Image" r:id="rId11" imgW="2723810" imgH="1724266" progId="PBrush">
                   <p:embed/>
                 </p:oleObj>
               </mc:Choice>
@@ -20383,7 +19425,7 @@
 </p:sld>
 </file>
 
-<file path=ppt/slides/slide6.xml><?xml version="1.0" encoding="utf-8"?>
+<file path=ppt/slides/slide5.xml><?xml version="1.0" encoding="utf-8"?>
 <p:sld xmlns:a="http://schemas.openxmlformats.org/drawingml/2006/main" xmlns:r="http://schemas.openxmlformats.org/officeDocument/2006/relationships" xmlns:p="http://schemas.openxmlformats.org/presentationml/2006/main">
   <p:cSld>
     <p:spTree>
@@ -20405,7 +19447,7 @@
           <p:cNvPr id="2" name="Nadpis 1">
             <a:extLst>
               <a:ext uri="{FF2B5EF4-FFF2-40B4-BE49-F238E27FC236}">
-                <a16:creationId xmlns:a16="http://schemas.microsoft.com/office/drawing/2014/main" id="{CFB56E87-706F-491A-BD63-8C0DAD0E09D5}"/>
+                <a16:creationId xmlns:a16="http://schemas.microsoft.com/office/drawing/2014/main" xmlns="" id="{CFB56E87-706F-491A-BD63-8C0DAD0E09D5}"/>
               </a:ext>
             </a:extLst>
           </p:cNvPr>
@@ -20439,7 +19481,7 @@
           <p:cNvPr id="4" name="Zástupný objekt pre obsah 3">
             <a:extLst>
               <a:ext uri="{FF2B5EF4-FFF2-40B4-BE49-F238E27FC236}">
-                <a16:creationId xmlns:a16="http://schemas.microsoft.com/office/drawing/2014/main" id="{F740D6F2-AC11-42B9-BB07-D8F55297E1B3}"/>
+                <a16:creationId xmlns:a16="http://schemas.microsoft.com/office/drawing/2014/main" xmlns="" id="{F740D6F2-AC11-42B9-BB07-D8F55297E1B3}"/>
               </a:ext>
             </a:extLst>
           </p:cNvPr>
@@ -20503,7 +19545,7 @@
           <p:cNvPr id="5" name="Zástupný objekt pre obsah 4">
             <a:extLst>
               <a:ext uri="{FF2B5EF4-FFF2-40B4-BE49-F238E27FC236}">
-                <a16:creationId xmlns:a16="http://schemas.microsoft.com/office/drawing/2014/main" id="{FC370025-27B4-489D-9D3A-4D3269812D67}"/>
+                <a16:creationId xmlns:a16="http://schemas.microsoft.com/office/drawing/2014/main" xmlns="" id="{FC370025-27B4-489D-9D3A-4D3269812D67}"/>
               </a:ext>
             </a:extLst>
           </p:cNvPr>
@@ -20584,7 +19626,7 @@
           <p:cNvPr id="24" name="BlokTextu 23">
             <a:extLst>
               <a:ext uri="{FF2B5EF4-FFF2-40B4-BE49-F238E27FC236}">
-                <a16:creationId xmlns:a16="http://schemas.microsoft.com/office/drawing/2014/main" id="{025BDAEF-A060-44E6-9E61-92C31D749528}"/>
+                <a16:creationId xmlns:a16="http://schemas.microsoft.com/office/drawing/2014/main" xmlns="" id="{025BDAEF-A060-44E6-9E61-92C31D749528}"/>
               </a:ext>
             </a:extLst>
           </p:cNvPr>
@@ -20634,7 +19676,7 @@
           <p:cNvPr id="25" name="Obrázok 24">
             <a:extLst>
               <a:ext uri="{FF2B5EF4-FFF2-40B4-BE49-F238E27FC236}">
-                <a16:creationId xmlns:a16="http://schemas.microsoft.com/office/drawing/2014/main" id="{F67CF25C-0C61-4C49-ADCF-39E35A3FF179}"/>
+                <a16:creationId xmlns:a16="http://schemas.microsoft.com/office/drawing/2014/main" xmlns="" id="{F67CF25C-0C61-4C49-ADCF-39E35A3FF179}"/>
               </a:ext>
             </a:extLst>
           </p:cNvPr>
@@ -20664,7 +19706,7 @@
           <p:cNvPr id="26" name="Obrázok 25">
             <a:extLst>
               <a:ext uri="{FF2B5EF4-FFF2-40B4-BE49-F238E27FC236}">
-                <a16:creationId xmlns:a16="http://schemas.microsoft.com/office/drawing/2014/main" id="{D4FE9216-7E84-45CB-93AC-17D03F692BF5}"/>
+                <a16:creationId xmlns:a16="http://schemas.microsoft.com/office/drawing/2014/main" xmlns="" id="{D4FE9216-7E84-45CB-93AC-17D03F692BF5}"/>
               </a:ext>
             </a:extLst>
           </p:cNvPr>
@@ -20694,7 +19736,7 @@
           <p:cNvPr id="27" name="Obrázok 26">
             <a:extLst>
               <a:ext uri="{FF2B5EF4-FFF2-40B4-BE49-F238E27FC236}">
-                <a16:creationId xmlns:a16="http://schemas.microsoft.com/office/drawing/2014/main" id="{6BBBC145-FF85-4DE1-B7D7-B07E0942A3B5}"/>
+                <a16:creationId xmlns:a16="http://schemas.microsoft.com/office/drawing/2014/main" xmlns="" id="{6BBBC145-FF85-4DE1-B7D7-B07E0942A3B5}"/>
               </a:ext>
             </a:extLst>
           </p:cNvPr>
@@ -20732,7 +19774,7 @@
 </p:sld>
 </file>
 
-<file path=ppt/slides/slide7.xml><?xml version="1.0" encoding="utf-8"?>
+<file path=ppt/slides/slide6.xml><?xml version="1.0" encoding="utf-8"?>
 <p:sld xmlns:a="http://schemas.openxmlformats.org/drawingml/2006/main" xmlns:r="http://schemas.openxmlformats.org/officeDocument/2006/relationships" xmlns:p="http://schemas.openxmlformats.org/presentationml/2006/main">
   <p:cSld>
     <p:spTree>
@@ -20754,7 +19796,7 @@
           <p:cNvPr id="2" name="Nadpis 1">
             <a:extLst>
               <a:ext uri="{FF2B5EF4-FFF2-40B4-BE49-F238E27FC236}">
-                <a16:creationId xmlns:a16="http://schemas.microsoft.com/office/drawing/2014/main" id="{7383F1B8-85DD-4F14-BAC8-941C6CCEFAA1}"/>
+                <a16:creationId xmlns:a16="http://schemas.microsoft.com/office/drawing/2014/main" xmlns="" id="{7383F1B8-85DD-4F14-BAC8-941C6CCEFAA1}"/>
               </a:ext>
             </a:extLst>
           </p:cNvPr>
@@ -20783,7 +19825,7 @@
           <p:cNvPr id="4" name="Zástupný objekt pre obsah 3">
             <a:extLst>
               <a:ext uri="{FF2B5EF4-FFF2-40B4-BE49-F238E27FC236}">
-                <a16:creationId xmlns:a16="http://schemas.microsoft.com/office/drawing/2014/main" id="{945C7D6A-78B3-43E6-9E62-A517A6955832}"/>
+                <a16:creationId xmlns:a16="http://schemas.microsoft.com/office/drawing/2014/main" xmlns="" id="{945C7D6A-78B3-43E6-9E62-A517A6955832}"/>
               </a:ext>
             </a:extLst>
           </p:cNvPr>
@@ -20832,7 +19874,7 @@
           <p:cNvPr id="5" name="Zástupný objekt pre obsah 4">
             <a:extLst>
               <a:ext uri="{FF2B5EF4-FFF2-40B4-BE49-F238E27FC236}">
-                <a16:creationId xmlns:a16="http://schemas.microsoft.com/office/drawing/2014/main" id="{031B5D7C-D11C-4BA9-B3F2-6A0B50ED9517}"/>
+                <a16:creationId xmlns:a16="http://schemas.microsoft.com/office/drawing/2014/main" xmlns="" id="{031B5D7C-D11C-4BA9-B3F2-6A0B50ED9517}"/>
               </a:ext>
             </a:extLst>
           </p:cNvPr>
@@ -20881,7 +19923,7 @@
           <p:cNvPr id="10" name="BlokTextu 9">
             <a:extLst>
               <a:ext uri="{FF2B5EF4-FFF2-40B4-BE49-F238E27FC236}">
-                <a16:creationId xmlns:a16="http://schemas.microsoft.com/office/drawing/2014/main" id="{7AA1DEC2-1A91-43AD-AE15-59F3A308EACD}"/>
+                <a16:creationId xmlns:a16="http://schemas.microsoft.com/office/drawing/2014/main" xmlns="" id="{7AA1DEC2-1A91-43AD-AE15-59F3A308EACD}"/>
               </a:ext>
             </a:extLst>
           </p:cNvPr>
@@ -20931,7 +19973,7 @@
           <p:cNvPr id="11" name="Obrázok 10">
             <a:extLst>
               <a:ext uri="{FF2B5EF4-FFF2-40B4-BE49-F238E27FC236}">
-                <a16:creationId xmlns:a16="http://schemas.microsoft.com/office/drawing/2014/main" id="{BCD270A5-D8C3-46AB-B18B-DC55A59524EF}"/>
+                <a16:creationId xmlns:a16="http://schemas.microsoft.com/office/drawing/2014/main" xmlns="" id="{BCD270A5-D8C3-46AB-B18B-DC55A59524EF}"/>
               </a:ext>
             </a:extLst>
           </p:cNvPr>
@@ -20961,7 +20003,7 @@
           <p:cNvPr id="12" name="Obrázok 11">
             <a:extLst>
               <a:ext uri="{FF2B5EF4-FFF2-40B4-BE49-F238E27FC236}">
-                <a16:creationId xmlns:a16="http://schemas.microsoft.com/office/drawing/2014/main" id="{0BCC48A8-1ACA-4E5C-A4B9-43A7796ECB21}"/>
+                <a16:creationId xmlns:a16="http://schemas.microsoft.com/office/drawing/2014/main" xmlns="" id="{0BCC48A8-1ACA-4E5C-A4B9-43A7796ECB21}"/>
               </a:ext>
             </a:extLst>
           </p:cNvPr>
@@ -20991,7 +20033,7 @@
           <p:cNvPr id="13" name="Obrázok 12">
             <a:extLst>
               <a:ext uri="{FF2B5EF4-FFF2-40B4-BE49-F238E27FC236}">
-                <a16:creationId xmlns:a16="http://schemas.microsoft.com/office/drawing/2014/main" id="{2C7E9F1A-9586-41B1-A4DB-B353BA2B8C60}"/>
+                <a16:creationId xmlns:a16="http://schemas.microsoft.com/office/drawing/2014/main" xmlns="" id="{2C7E9F1A-9586-41B1-A4DB-B353BA2B8C60}"/>
               </a:ext>
             </a:extLst>
           </p:cNvPr>
@@ -21029,7 +20071,7 @@
 </p:sld>
 </file>
 
-<file path=ppt/slides/slide8.xml><?xml version="1.0" encoding="utf-8"?>
+<file path=ppt/slides/slide7.xml><?xml version="1.0" encoding="utf-8"?>
 <p:sld xmlns:a="http://schemas.openxmlformats.org/drawingml/2006/main" xmlns:r="http://schemas.openxmlformats.org/officeDocument/2006/relationships" xmlns:p="http://schemas.openxmlformats.org/presentationml/2006/main">
   <p:cSld>
     <p:spTree>
@@ -21051,7 +20093,7 @@
           <p:cNvPr id="2" name="Nadpis 1">
             <a:extLst>
               <a:ext uri="{FF2B5EF4-FFF2-40B4-BE49-F238E27FC236}">
-                <a16:creationId xmlns:a16="http://schemas.microsoft.com/office/drawing/2014/main" id="{A78FEA0D-E657-4AF6-A6FD-54A0A7E4A162}"/>
+                <a16:creationId xmlns:a16="http://schemas.microsoft.com/office/drawing/2014/main" xmlns="" id="{A78FEA0D-E657-4AF6-A6FD-54A0A7E4A162}"/>
               </a:ext>
             </a:extLst>
           </p:cNvPr>
@@ -21095,7 +20137,7 @@
           <p:cNvPr id="4" name="Picture 16">
             <a:extLst>
               <a:ext uri="{FF2B5EF4-FFF2-40B4-BE49-F238E27FC236}">
-                <a16:creationId xmlns:a16="http://schemas.microsoft.com/office/drawing/2014/main" id="{72786DED-708D-4309-B4C3-E0FCC1E4180F}"/>
+                <a16:creationId xmlns:a16="http://schemas.microsoft.com/office/drawing/2014/main" xmlns="" id="{72786DED-708D-4309-B4C3-E0FCC1E4180F}"/>
               </a:ext>
             </a:extLst>
           </p:cNvPr>
@@ -21133,7 +20175,7 @@
           <p:cNvPr id="5" name="BlokTextu 4">
             <a:extLst>
               <a:ext uri="{FF2B5EF4-FFF2-40B4-BE49-F238E27FC236}">
-                <a16:creationId xmlns:a16="http://schemas.microsoft.com/office/drawing/2014/main" id="{9875BDB2-8142-4E99-BB13-3F12B9EAFC6C}"/>
+                <a16:creationId xmlns:a16="http://schemas.microsoft.com/office/drawing/2014/main" xmlns="" id="{9875BDB2-8142-4E99-BB13-3F12B9EAFC6C}"/>
               </a:ext>
             </a:extLst>
           </p:cNvPr>
@@ -21194,7 +20236,7 @@
           <p:cNvPr id="7" name="Object 9">
             <a:extLst>
               <a:ext uri="{FF2B5EF4-FFF2-40B4-BE49-F238E27FC236}">
-                <a16:creationId xmlns:a16="http://schemas.microsoft.com/office/drawing/2014/main" id="{928AD8C7-EF91-49A5-A00E-634A58F8823D}"/>
+                <a16:creationId xmlns:a16="http://schemas.microsoft.com/office/drawing/2014/main" xmlns="" id="{928AD8C7-EF91-49A5-A00E-634A58F8823D}"/>
               </a:ext>
             </a:extLst>
           </p:cNvPr>
@@ -21217,7 +20259,7 @@
           <a:graphicData uri="http://schemas.openxmlformats.org/presentationml/2006/ole">
             <mc:AlternateContent xmlns:mc="http://schemas.openxmlformats.org/markup-compatibility/2006">
               <mc:Choice xmlns:v="urn:schemas-microsoft-com:vml" Requires="v">
-                <p:oleObj spid="_x0000_s2146" name="Rovnica" r:id="rId4" imgW="2209680" imgH="761760" progId="Equation.3">
+                <p:oleObj spid="_x0000_s2152" name="Rovnica" r:id="rId4" imgW="2209680" imgH="761760" progId="Equation.3">
                   <p:embed/>
                 </p:oleObj>
               </mc:Choice>
@@ -21270,7 +20312,7 @@
           <p:cNvPr id="8" name="Object 10">
             <a:extLst>
               <a:ext uri="{FF2B5EF4-FFF2-40B4-BE49-F238E27FC236}">
-                <a16:creationId xmlns:a16="http://schemas.microsoft.com/office/drawing/2014/main" id="{47B7584C-500A-4487-9614-0F06589EE03C}"/>
+                <a16:creationId xmlns:a16="http://schemas.microsoft.com/office/drawing/2014/main" xmlns="" id="{47B7584C-500A-4487-9614-0F06589EE03C}"/>
               </a:ext>
             </a:extLst>
           </p:cNvPr>
@@ -21293,7 +20335,7 @@
           <a:graphicData uri="http://schemas.openxmlformats.org/presentationml/2006/ole">
             <mc:AlternateContent xmlns:mc="http://schemas.openxmlformats.org/markup-compatibility/2006">
               <mc:Choice xmlns:v="urn:schemas-microsoft-com:vml" Requires="v">
-                <p:oleObj spid="_x0000_s2147" name="Rovnica" r:id="rId6" imgW="2158920" imgH="368280" progId="Equation.3">
+                <p:oleObj spid="_x0000_s2153" name="Rovnica" r:id="rId6" imgW="2158920" imgH="368280" progId="Equation.3">
                   <p:embed/>
                 </p:oleObj>
               </mc:Choice>
@@ -21346,7 +20388,7 @@
           <p:cNvPr id="9" name="Object 13">
             <a:extLst>
               <a:ext uri="{FF2B5EF4-FFF2-40B4-BE49-F238E27FC236}">
-                <a16:creationId xmlns:a16="http://schemas.microsoft.com/office/drawing/2014/main" id="{B4BB5960-99A5-4215-AEC3-668E51C2B29F}"/>
+                <a16:creationId xmlns:a16="http://schemas.microsoft.com/office/drawing/2014/main" xmlns="" id="{B4BB5960-99A5-4215-AEC3-668E51C2B29F}"/>
               </a:ext>
             </a:extLst>
           </p:cNvPr>
@@ -21369,7 +20411,7 @@
           <a:graphicData uri="http://schemas.openxmlformats.org/presentationml/2006/ole">
             <mc:AlternateContent xmlns:mc="http://schemas.openxmlformats.org/markup-compatibility/2006">
               <mc:Choice xmlns:v="urn:schemas-microsoft-com:vml" Requires="v">
-                <p:oleObj spid="_x0000_s2148" name="Rovnica" r:id="rId8" imgW="1498320" imgH="774360" progId="Equation.3">
+                <p:oleObj spid="_x0000_s2154" name="Rovnica" r:id="rId8" imgW="1498320" imgH="774360" progId="Equation.3">
                   <p:embed/>
                 </p:oleObj>
               </mc:Choice>
@@ -21416,7 +20458,7 @@
           <p:cNvPr id="10" name="Object 11">
             <a:extLst>
               <a:ext uri="{FF2B5EF4-FFF2-40B4-BE49-F238E27FC236}">
-                <a16:creationId xmlns:a16="http://schemas.microsoft.com/office/drawing/2014/main" id="{8A874A90-169C-43B0-8F7B-8840C16E5AC7}"/>
+                <a16:creationId xmlns:a16="http://schemas.microsoft.com/office/drawing/2014/main" xmlns="" id="{8A874A90-169C-43B0-8F7B-8840C16E5AC7}"/>
               </a:ext>
             </a:extLst>
           </p:cNvPr>
@@ -21439,7 +20481,7 @@
           <a:graphicData uri="http://schemas.openxmlformats.org/presentationml/2006/ole">
             <mc:AlternateContent xmlns:mc="http://schemas.openxmlformats.org/markup-compatibility/2006">
               <mc:Choice xmlns:v="urn:schemas-microsoft-com:vml" Requires="v">
-                <p:oleObj spid="_x0000_s2149" name="Rovnica" r:id="rId10" imgW="2400120" imgH="787320" progId="Equation.3">
+                <p:oleObj spid="_x0000_s2155" name="Rovnica" r:id="rId10" imgW="2400120" imgH="787320" progId="Equation.3">
                   <p:embed/>
                 </p:oleObj>
               </mc:Choice>
@@ -21492,7 +20534,7 @@
           <p:cNvPr id="11" name="Object 12">
             <a:extLst>
               <a:ext uri="{FF2B5EF4-FFF2-40B4-BE49-F238E27FC236}">
-                <a16:creationId xmlns:a16="http://schemas.microsoft.com/office/drawing/2014/main" id="{D7EBE946-F377-47CB-BD16-198F5DBC97DE}"/>
+                <a16:creationId xmlns:a16="http://schemas.microsoft.com/office/drawing/2014/main" xmlns="" id="{D7EBE946-F377-47CB-BD16-198F5DBC97DE}"/>
               </a:ext>
             </a:extLst>
           </p:cNvPr>
@@ -21515,7 +20557,7 @@
           <a:graphicData uri="http://schemas.openxmlformats.org/presentationml/2006/ole">
             <mc:AlternateContent xmlns:mc="http://schemas.openxmlformats.org/markup-compatibility/2006">
               <mc:Choice xmlns:v="urn:schemas-microsoft-com:vml" Requires="v">
-                <p:oleObj spid="_x0000_s2150" name="Rovnica" r:id="rId12" imgW="2730240" imgH="838080" progId="Equation.3">
+                <p:oleObj spid="_x0000_s2156" name="Rovnica" r:id="rId12" imgW="2730240" imgH="838080" progId="Equation.3">
                   <p:embed/>
                 </p:oleObj>
               </mc:Choice>
@@ -21562,7 +20604,7 @@
           <p:cNvPr id="12" name="Object 14">
             <a:extLst>
               <a:ext uri="{FF2B5EF4-FFF2-40B4-BE49-F238E27FC236}">
-                <a16:creationId xmlns:a16="http://schemas.microsoft.com/office/drawing/2014/main" id="{193DE5E1-36E5-424F-B100-CA288A759CE4}"/>
+                <a16:creationId xmlns:a16="http://schemas.microsoft.com/office/drawing/2014/main" xmlns="" id="{193DE5E1-36E5-424F-B100-CA288A759CE4}"/>
               </a:ext>
             </a:extLst>
           </p:cNvPr>
@@ -21585,7 +20627,7 @@
           <a:graphicData uri="http://schemas.openxmlformats.org/presentationml/2006/ole">
             <mc:AlternateContent xmlns:mc="http://schemas.openxmlformats.org/markup-compatibility/2006">
               <mc:Choice xmlns:v="urn:schemas-microsoft-com:vml" Requires="v">
-                <p:oleObj spid="_x0000_s2151" name="Rovnica" r:id="rId14" imgW="1917360" imgH="1549080" progId="Equation.3">
+                <p:oleObj spid="_x0000_s2157" name="Rovnica" r:id="rId14" imgW="1917360" imgH="1549080" progId="Equation.3">
                   <p:embed/>
                 </p:oleObj>
               </mc:Choice>
@@ -21638,7 +20680,7 @@
           <p:cNvPr id="13" name="BlokTextu 12">
             <a:extLst>
               <a:ext uri="{FF2B5EF4-FFF2-40B4-BE49-F238E27FC236}">
-                <a16:creationId xmlns:a16="http://schemas.microsoft.com/office/drawing/2014/main" id="{EED843AC-9553-41D5-9A15-CA22C5D84157}"/>
+                <a16:creationId xmlns:a16="http://schemas.microsoft.com/office/drawing/2014/main" xmlns="" id="{EED843AC-9553-41D5-9A15-CA22C5D84157}"/>
               </a:ext>
             </a:extLst>
           </p:cNvPr>
@@ -21707,7 +20749,7 @@
 </p:sld>
 </file>
 
-<file path=ppt/slides/slide9.xml><?xml version="1.0" encoding="utf-8"?>
+<file path=ppt/slides/slide8.xml><?xml version="1.0" encoding="utf-8"?>
 <p:sld xmlns:a="http://schemas.openxmlformats.org/drawingml/2006/main" xmlns:r="http://schemas.openxmlformats.org/officeDocument/2006/relationships" xmlns:p="http://schemas.openxmlformats.org/presentationml/2006/main">
   <p:cSld>
     <p:spTree>
@@ -21729,7 +20771,7 @@
           <p:cNvPr id="2" name="Nadpis 1">
             <a:extLst>
               <a:ext uri="{FF2B5EF4-FFF2-40B4-BE49-F238E27FC236}">
-                <a16:creationId xmlns:a16="http://schemas.microsoft.com/office/drawing/2014/main" id="{2668A787-B84E-4FBF-8147-3479E920956A}"/>
+                <a16:creationId xmlns:a16="http://schemas.microsoft.com/office/drawing/2014/main" xmlns="" id="{2668A787-B84E-4FBF-8147-3479E920956A}"/>
               </a:ext>
             </a:extLst>
           </p:cNvPr>
@@ -21768,7 +20810,7 @@
           <p:cNvPr id="3" name="Zástupný objekt pre obsah 2">
             <a:extLst>
               <a:ext uri="{FF2B5EF4-FFF2-40B4-BE49-F238E27FC236}">
-                <a16:creationId xmlns:a16="http://schemas.microsoft.com/office/drawing/2014/main" id="{BBA4C93D-0A9A-44FC-99FB-286CF63CA961}"/>
+                <a16:creationId xmlns:a16="http://schemas.microsoft.com/office/drawing/2014/main" xmlns="" id="{BBA4C93D-0A9A-44FC-99FB-286CF63CA961}"/>
               </a:ext>
             </a:extLst>
           </p:cNvPr>
@@ -21802,7 +20844,7 @@
           <p:cNvPr id="4" name="Obdĺžnik 3">
             <a:extLst>
               <a:ext uri="{FF2B5EF4-FFF2-40B4-BE49-F238E27FC236}">
-                <a16:creationId xmlns:a16="http://schemas.microsoft.com/office/drawing/2014/main" id="{DEBEF132-C3B4-472E-B582-5EB7681EAB37}"/>
+                <a16:creationId xmlns:a16="http://schemas.microsoft.com/office/drawing/2014/main" xmlns="" id="{DEBEF132-C3B4-472E-B582-5EB7681EAB37}"/>
               </a:ext>
             </a:extLst>
           </p:cNvPr>
@@ -21843,7 +20885,7 @@
           <p:cNvPr id="5" name="Text Box 9">
             <a:extLst>
               <a:ext uri="{FF2B5EF4-FFF2-40B4-BE49-F238E27FC236}">
-                <a16:creationId xmlns:a16="http://schemas.microsoft.com/office/drawing/2014/main" id="{DB54067A-7572-49D9-B5AF-8F0FA07B1625}"/>
+                <a16:creationId xmlns:a16="http://schemas.microsoft.com/office/drawing/2014/main" xmlns="" id="{DB54067A-7572-49D9-B5AF-8F0FA07B1625}"/>
               </a:ext>
             </a:extLst>
           </p:cNvPr>
@@ -21896,7 +20938,7 @@
           <p:cNvPr id="6" name="Objekt 5">
             <a:extLst>
               <a:ext uri="{FF2B5EF4-FFF2-40B4-BE49-F238E27FC236}">
-                <a16:creationId xmlns:a16="http://schemas.microsoft.com/office/drawing/2014/main" id="{64991B6E-5D09-45EF-B037-9DD00A1C5D3D}"/>
+                <a16:creationId xmlns:a16="http://schemas.microsoft.com/office/drawing/2014/main" xmlns="" id="{64991B6E-5D09-45EF-B037-9DD00A1C5D3D}"/>
               </a:ext>
             </a:extLst>
           </p:cNvPr>
@@ -21919,7 +20961,7 @@
           <a:graphicData uri="http://schemas.openxmlformats.org/presentationml/2006/ole">
             <mc:AlternateContent xmlns:mc="http://schemas.openxmlformats.org/markup-compatibility/2006">
               <mc:Choice xmlns:v="urn:schemas-microsoft-com:vml" Requires="v">
-                <p:oleObj spid="_x0000_s3106" name="Rovnica" r:id="rId3" imgW="3466800" imgH="838080" progId="Equation.3">
+                <p:oleObj spid="_x0000_s3108" name="Rovnica" r:id="rId3" imgW="3466800" imgH="838080" progId="Equation.3">
                   <p:embed/>
                 </p:oleObj>
               </mc:Choice>
@@ -21966,7 +21008,7 @@
           <p:cNvPr id="7" name="Text Box 7">
             <a:extLst>
               <a:ext uri="{FF2B5EF4-FFF2-40B4-BE49-F238E27FC236}">
-                <a16:creationId xmlns:a16="http://schemas.microsoft.com/office/drawing/2014/main" id="{BA0A398C-4E0E-4240-909D-62B7E3108333}"/>
+                <a16:creationId xmlns:a16="http://schemas.microsoft.com/office/drawing/2014/main" xmlns="" id="{BA0A398C-4E0E-4240-909D-62B7E3108333}"/>
               </a:ext>
             </a:extLst>
           </p:cNvPr>
@@ -22021,7 +21063,7 @@
           <p:cNvPr id="8" name="Text Box 7">
             <a:extLst>
               <a:ext uri="{FF2B5EF4-FFF2-40B4-BE49-F238E27FC236}">
-                <a16:creationId xmlns:a16="http://schemas.microsoft.com/office/drawing/2014/main" id="{EDF62ECD-6B38-4B0F-9C6B-B2CEE0B6CBEE}"/>
+                <a16:creationId xmlns:a16="http://schemas.microsoft.com/office/drawing/2014/main" xmlns="" id="{EDF62ECD-6B38-4B0F-9C6B-B2CEE0B6CBEE}"/>
               </a:ext>
             </a:extLst>
           </p:cNvPr>
@@ -22076,7 +21118,7 @@
           <p:cNvPr id="9" name="Text Box 9">
             <a:extLst>
               <a:ext uri="{FF2B5EF4-FFF2-40B4-BE49-F238E27FC236}">
-                <a16:creationId xmlns:a16="http://schemas.microsoft.com/office/drawing/2014/main" id="{3E67FB05-EA89-4FC2-8FE2-06E2B3DCA536}"/>
+                <a16:creationId xmlns:a16="http://schemas.microsoft.com/office/drawing/2014/main" xmlns="" id="{3E67FB05-EA89-4FC2-8FE2-06E2B3DCA536}"/>
               </a:ext>
             </a:extLst>
           </p:cNvPr>
@@ -22129,7 +21171,7 @@
           <p:cNvPr id="10" name="Objekt 9">
             <a:extLst>
               <a:ext uri="{FF2B5EF4-FFF2-40B4-BE49-F238E27FC236}">
-                <a16:creationId xmlns:a16="http://schemas.microsoft.com/office/drawing/2014/main" id="{3561C755-BCA6-4277-86A6-2F945A2731FA}"/>
+                <a16:creationId xmlns:a16="http://schemas.microsoft.com/office/drawing/2014/main" xmlns="" id="{3561C755-BCA6-4277-86A6-2F945A2731FA}"/>
               </a:ext>
             </a:extLst>
           </p:cNvPr>
@@ -22152,7 +21194,7 @@
           <a:graphicData uri="http://schemas.openxmlformats.org/presentationml/2006/ole">
             <mc:AlternateContent xmlns:mc="http://schemas.openxmlformats.org/markup-compatibility/2006">
               <mc:Choice xmlns:v="urn:schemas-microsoft-com:vml" Requires="v">
-                <p:oleObj spid="_x0000_s3107" name="Rovnica" r:id="rId5" imgW="1117440" imgH="711000" progId="Equation.3">
+                <p:oleObj spid="_x0000_s3109" name="Rovnica" r:id="rId5" imgW="1117440" imgH="711000" progId="Equation.3">
                   <p:embed/>
                 </p:oleObj>
               </mc:Choice>
@@ -22194,14 +21236,14 @@
           </a:graphicData>
         </a:graphic>
       </p:graphicFrame>
-      <mc:AlternateContent xmlns:mc="http://schemas.openxmlformats.org/markup-compatibility/2006">
-        <mc:Choice xmlns:a14="http://schemas.microsoft.com/office/drawing/2010/main" Requires="a14">
+      <mc:AlternateContent xmlns:mc="http://schemas.openxmlformats.org/markup-compatibility/2006" xmlns:a14="http://schemas.microsoft.com/office/drawing/2010/main">
+        <mc:Choice Requires="a14">
           <p:sp>
             <p:nvSpPr>
               <p:cNvPr id="11" name="BlokTextu 10">
                 <a:extLst>
                   <a:ext uri="{FF2B5EF4-FFF2-40B4-BE49-F238E27FC236}">
-                    <a16:creationId xmlns:a16="http://schemas.microsoft.com/office/drawing/2014/main" id="{799663F0-7A3A-41B6-90A9-603231BF1EC1}"/>
+                    <a16:creationId xmlns:a16="http://schemas.microsoft.com/office/drawing/2014/main" xmlns="" id="{799663F0-7A3A-41B6-90A9-603231BF1EC1}"/>
                   </a:ext>
                 </a:extLst>
               </p:cNvPr>
@@ -22224,6 +21266,7 @@
               </a:bodyPr>
               <a:lstStyle/>
               <a:p>
+                <a:pPr/>
                 <a14:m>
                   <m:oMathPara xmlns:m="http://schemas.openxmlformats.org/officeDocument/2006/math">
                     <m:oMathParaPr>
@@ -22242,7 +21285,9 @@
                       <m:d>
                         <m:dPr>
                           <m:ctrlPr>
-                            <a:rPr lang="en-GB" i="1"/>
+                            <a:rPr lang="en-GB" i="1">
+                              <a:latin typeface="Cambria Math" panose="02040503050406030204" pitchFamily="18" charset="0"/>
+                            </a:rPr>
                           </m:ctrlPr>
                         </m:dPr>
                         <m:e>
@@ -22250,57 +21295,77 @@
                             <m:rPr>
                               <m:sty m:val="p"/>
                             </m:rPr>
-                            <a:rPr lang="sk-SK"/>
+                            <a:rPr lang="sk-SK">
+                              <a:latin typeface="Cambria Math" panose="02040503050406030204" pitchFamily="18" charset="0"/>
+                            </a:rPr>
                             <m:t>s</m:t>
                           </m:r>
                         </m:e>
                       </m:d>
                       <m:r>
-                        <a:rPr lang="sk-SK" i="1"/>
+                        <a:rPr lang="sk-SK" i="1">
+                          <a:latin typeface="Cambria Math" panose="02040503050406030204" pitchFamily="18" charset="0"/>
+                        </a:rPr>
                         <m:t>=</m:t>
                       </m:r>
                       <m:sSup>
                         <m:sSupPr>
                           <m:ctrlPr>
-                            <a:rPr lang="en-GB" i="1"/>
+                            <a:rPr lang="en-GB" i="1">
+                              <a:latin typeface="Cambria Math" panose="02040503050406030204" pitchFamily="18" charset="0"/>
+                            </a:rPr>
                           </m:ctrlPr>
                         </m:sSupPr>
                         <m:e>
                           <m:r>
-                            <a:rPr lang="sk-SK" i="1"/>
+                            <a:rPr lang="sk-SK" i="1">
+                              <a:latin typeface="Cambria Math" panose="02040503050406030204" pitchFamily="18" charset="0"/>
+                            </a:rPr>
                             <m:t>𝑠</m:t>
                           </m:r>
                         </m:e>
                         <m:sup>
                           <m:r>
-                            <a:rPr lang="sk-SK" i="1" smtClean="0"/>
+                            <a:rPr lang="sk-SK" i="1" smtClean="0">
+                              <a:latin typeface="Cambria Math" panose="02040503050406030204" pitchFamily="18" charset="0"/>
+                            </a:rPr>
                             <m:t>𝑛</m:t>
                           </m:r>
                         </m:sup>
                       </m:sSup>
                       <m:r>
-                        <a:rPr lang="sk-SK" i="1"/>
+                        <a:rPr lang="sk-SK" i="1">
+                          <a:latin typeface="Cambria Math" panose="02040503050406030204" pitchFamily="18" charset="0"/>
+                        </a:rPr>
                         <m:t>+</m:t>
                       </m:r>
                       <m:sSub>
                         <m:sSubPr>
                           <m:ctrlPr>
-                            <a:rPr lang="en-GB" i="1"/>
+                            <a:rPr lang="en-GB" i="1">
+                              <a:latin typeface="Cambria Math" panose="02040503050406030204" pitchFamily="18" charset="0"/>
+                            </a:rPr>
                           </m:ctrlPr>
                         </m:sSubPr>
                         <m:e>
                           <m:r>
-                            <a:rPr lang="sk-SK" i="1"/>
+                            <a:rPr lang="sk-SK" i="1">
+                              <a:latin typeface="Cambria Math" panose="02040503050406030204" pitchFamily="18" charset="0"/>
+                            </a:rPr>
                             <m:t>𝐵</m:t>
                           </m:r>
                         </m:e>
                         <m:sub>
                           <m:r>
-                            <a:rPr lang="sk-SK" i="1"/>
+                            <a:rPr lang="sk-SK" i="1">
+                              <a:latin typeface="Cambria Math" panose="02040503050406030204" pitchFamily="18" charset="0"/>
+                            </a:rPr>
                             <m:t>𝑛</m:t>
                           </m:r>
                           <m:r>
-                            <a:rPr lang="sk-SK" i="1"/>
+                            <a:rPr lang="sk-SK" i="1">
+                              <a:latin typeface="Cambria Math" panose="02040503050406030204" pitchFamily="18" charset="0"/>
+                            </a:rPr>
                             <m:t>−1</m:t>
                           </m:r>
                         </m:sub>
@@ -22308,78 +21373,106 @@
                       <m:sSup>
                         <m:sSupPr>
                           <m:ctrlPr>
-                            <a:rPr lang="en-GB" i="1"/>
+                            <a:rPr lang="en-GB" i="1">
+                              <a:latin typeface="Cambria Math" panose="02040503050406030204" pitchFamily="18" charset="0"/>
+                            </a:rPr>
                           </m:ctrlPr>
                         </m:sSupPr>
                         <m:e>
                           <m:r>
-                            <a:rPr lang="sk-SK" i="1"/>
+                            <a:rPr lang="sk-SK" i="1">
+                              <a:latin typeface="Cambria Math" panose="02040503050406030204" pitchFamily="18" charset="0"/>
+                            </a:rPr>
                             <m:t>𝑠</m:t>
                           </m:r>
                         </m:e>
                         <m:sup>
                           <m:r>
-                            <a:rPr lang="sk-SK" i="1"/>
+                            <a:rPr lang="sk-SK" i="1">
+                              <a:latin typeface="Cambria Math" panose="02040503050406030204" pitchFamily="18" charset="0"/>
+                            </a:rPr>
                             <m:t>𝑛</m:t>
                           </m:r>
                           <m:r>
-                            <a:rPr lang="sk-SK" i="1"/>
+                            <a:rPr lang="sk-SK" i="1">
+                              <a:latin typeface="Cambria Math" panose="02040503050406030204" pitchFamily="18" charset="0"/>
+                            </a:rPr>
                             <m:t>−1</m:t>
                           </m:r>
                         </m:sup>
                       </m:sSup>
                       <m:r>
-                        <a:rPr lang="sk-SK" i="1"/>
+                        <a:rPr lang="sk-SK" i="1">
+                          <a:latin typeface="Cambria Math" panose="02040503050406030204" pitchFamily="18" charset="0"/>
+                        </a:rPr>
                         <m:t>+...+</m:t>
                       </m:r>
                       <m:sSub>
                         <m:sSubPr>
                           <m:ctrlPr>
-                            <a:rPr lang="en-GB" i="1"/>
+                            <a:rPr lang="en-GB" i="1">
+                              <a:latin typeface="Cambria Math" panose="02040503050406030204" pitchFamily="18" charset="0"/>
+                            </a:rPr>
                           </m:ctrlPr>
                         </m:sSubPr>
                         <m:e>
                           <m:r>
-                            <a:rPr lang="sk-SK" i="1"/>
+                            <a:rPr lang="sk-SK" i="1">
+                              <a:latin typeface="Cambria Math" panose="02040503050406030204" pitchFamily="18" charset="0"/>
+                            </a:rPr>
                             <m:t>𝐵</m:t>
                           </m:r>
                         </m:e>
                         <m:sub>
                           <m:r>
-                            <a:rPr lang="sk-SK" i="1"/>
+                            <a:rPr lang="sk-SK" i="1">
+                              <a:latin typeface="Cambria Math" panose="02040503050406030204" pitchFamily="18" charset="0"/>
+                            </a:rPr>
                             <m:t>1</m:t>
                           </m:r>
                         </m:sub>
                       </m:sSub>
                       <m:r>
-                        <a:rPr lang="sk-SK" i="1"/>
+                        <a:rPr lang="sk-SK" i="1">
+                          <a:latin typeface="Cambria Math" panose="02040503050406030204" pitchFamily="18" charset="0"/>
+                        </a:rPr>
                         <m:t>𝑠</m:t>
                       </m:r>
                       <m:r>
-                        <a:rPr lang="sk-SK" i="1"/>
+                        <a:rPr lang="sk-SK" i="1">
+                          <a:latin typeface="Cambria Math" panose="02040503050406030204" pitchFamily="18" charset="0"/>
+                        </a:rPr>
                         <m:t>+</m:t>
                       </m:r>
                       <m:sSub>
                         <m:sSubPr>
                           <m:ctrlPr>
-                            <a:rPr lang="en-GB" i="1"/>
+                            <a:rPr lang="en-GB" i="1">
+                              <a:latin typeface="Cambria Math" panose="02040503050406030204" pitchFamily="18" charset="0"/>
+                            </a:rPr>
                           </m:ctrlPr>
                         </m:sSubPr>
                         <m:e>
                           <m:r>
-                            <a:rPr lang="sk-SK" i="1"/>
+                            <a:rPr lang="sk-SK" i="1">
+                              <a:latin typeface="Cambria Math" panose="02040503050406030204" pitchFamily="18" charset="0"/>
+                            </a:rPr>
                             <m:t>𝐵</m:t>
                           </m:r>
                         </m:e>
                         <m:sub>
                           <m:r>
-                            <a:rPr lang="sk-SK" i="1"/>
+                            <a:rPr lang="sk-SK" i="1">
+                              <a:latin typeface="Cambria Math" panose="02040503050406030204" pitchFamily="18" charset="0"/>
+                            </a:rPr>
                             <m:t>0</m:t>
                           </m:r>
                         </m:sub>
                       </m:sSub>
                       <m:r>
-                        <a:rPr lang="sk-SK" i="1"/>
+                        <a:rPr lang="sk-SK" i="1">
+                          <a:latin typeface="Cambria Math" panose="02040503050406030204" pitchFamily="18" charset="0"/>
+                        </a:rPr>
                         <m:t> </m:t>
                       </m:r>
                     </m:oMath>
@@ -22390,7 +21483,7 @@
             </p:txBody>
           </p:sp>
         </mc:Choice>
-        <mc:Fallback>
+        <mc:Fallback xmlns="">
           <p:sp>
             <p:nvSpPr>
               <p:cNvPr id="11" name="BlokTextu 10">
@@ -22440,7 +21533,7 @@
           <p:cNvPr id="12" name="Obdĺžnik 11">
             <a:extLst>
               <a:ext uri="{FF2B5EF4-FFF2-40B4-BE49-F238E27FC236}">
-                <a16:creationId xmlns:a16="http://schemas.microsoft.com/office/drawing/2014/main" id="{A5FE5001-EE57-4163-A1D8-EE9845382F6A}"/>
+                <a16:creationId xmlns:a16="http://schemas.microsoft.com/office/drawing/2014/main" xmlns="" id="{A5FE5001-EE57-4163-A1D8-EE9845382F6A}"/>
               </a:ext>
             </a:extLst>
           </p:cNvPr>
@@ -22482,7 +21575,7 @@
           <p:cNvPr id="13" name="BlokTextu 12">
             <a:extLst>
               <a:ext uri="{FF2B5EF4-FFF2-40B4-BE49-F238E27FC236}">
-                <a16:creationId xmlns:a16="http://schemas.microsoft.com/office/drawing/2014/main" id="{9B7A2207-9AFB-4562-A383-A690670FBD3B}"/>
+                <a16:creationId xmlns:a16="http://schemas.microsoft.com/office/drawing/2014/main" xmlns="" id="{9B7A2207-9AFB-4562-A383-A690670FBD3B}"/>
               </a:ext>
             </a:extLst>
           </p:cNvPr>
@@ -22531,6 +21624,849 @@
     <p:extLst>
       <p:ext uri="{BB962C8B-B14F-4D97-AF65-F5344CB8AC3E}">
         <p14:creationId xmlns:p14="http://schemas.microsoft.com/office/powerpoint/2010/main" val="4027212950"/>
+      </p:ext>
+    </p:extLst>
+  </p:cSld>
+  <p:clrMapOvr>
+    <a:masterClrMapping/>
+  </p:clrMapOvr>
+</p:sld>
+</file>
+
+<file path=ppt/slides/slide9.xml><?xml version="1.0" encoding="utf-8"?>
+<p:sld xmlns:a="http://schemas.openxmlformats.org/drawingml/2006/main" xmlns:r="http://schemas.openxmlformats.org/officeDocument/2006/relationships" xmlns:p="http://schemas.openxmlformats.org/presentationml/2006/main">
+  <p:cSld>
+    <p:spTree>
+      <p:nvGrpSpPr>
+        <p:cNvPr id="1" name=""/>
+        <p:cNvGrpSpPr/>
+        <p:nvPr/>
+      </p:nvGrpSpPr>
+      <p:grpSpPr>
+        <a:xfrm>
+          <a:off x="0" y="0"/>
+          <a:ext cx="0" cy="0"/>
+          <a:chOff x="0" y="0"/>
+          <a:chExt cx="0" cy="0"/>
+        </a:xfrm>
+      </p:grpSpPr>
+      <p:sp>
+        <p:nvSpPr>
+          <p:cNvPr id="2" name="Nadpis 1">
+            <a:extLst>
+              <a:ext uri="{FF2B5EF4-FFF2-40B4-BE49-F238E27FC236}">
+                <a16:creationId xmlns:a16="http://schemas.microsoft.com/office/drawing/2014/main" xmlns="" id="{8F6E9AC1-D804-417E-B814-B8163348A96C}"/>
+              </a:ext>
+            </a:extLst>
+          </p:cNvPr>
+          <p:cNvSpPr>
+            <a:spLocks noGrp="1"/>
+          </p:cNvSpPr>
+          <p:nvPr>
+            <p:ph type="title"/>
+          </p:nvPr>
+        </p:nvSpPr>
+        <p:spPr/>
+        <p:txBody>
+          <a:bodyPr>
+            <a:normAutofit fontScale="90000"/>
+          </a:bodyPr>
+          <a:lstStyle/>
+          <a:p>
+            <a:r>
+              <a:rPr lang="en-GB" dirty="0" err="1"/>
+              <a:t>Regul</a:t>
+            </a:r>
+            <a:r>
+              <a:rPr lang="sk-SK" dirty="0" err="1"/>
+              <a:t>ácia</a:t>
+            </a:r>
+            <a:r>
+              <a:rPr lang="sk-SK" dirty="0"/>
+              <a:t> statickej sústavy prvého rádu s PI regulátorom</a:t>
+            </a:r>
+            <a:endParaRPr lang="en-GB" dirty="0"/>
+          </a:p>
+        </p:txBody>
+      </p:sp>
+      <p:sp>
+        <p:nvSpPr>
+          <p:cNvPr id="3" name="Zástupný objekt pre obsah 2">
+            <a:extLst>
+              <a:ext uri="{FF2B5EF4-FFF2-40B4-BE49-F238E27FC236}">
+                <a16:creationId xmlns:a16="http://schemas.microsoft.com/office/drawing/2014/main" xmlns="" id="{E5669B20-FA33-468F-983E-18A07BB04D34}"/>
+              </a:ext>
+            </a:extLst>
+          </p:cNvPr>
+          <p:cNvSpPr>
+            <a:spLocks noGrp="1"/>
+          </p:cNvSpPr>
+          <p:nvPr>
+            <p:ph idx="1"/>
+          </p:nvPr>
+        </p:nvSpPr>
+        <p:spPr>
+          <a:xfrm>
+            <a:off x="182881" y="1040446"/>
+            <a:ext cx="8567418" cy="5195254"/>
+          </a:xfrm>
+        </p:spPr>
+        <p:txBody>
+          <a:bodyPr/>
+          <a:lstStyle/>
+          <a:p>
+            <a:r>
+              <a:rPr lang="sk-SK" b="1" dirty="0"/>
+              <a:t>2. Vyšetríme aká môže byť kvalita regulácie</a:t>
+            </a:r>
+          </a:p>
+          <a:p>
+            <a:pPr lvl="1">
+              <a:lnSpc>
+                <a:spcPct val="100000"/>
+              </a:lnSpc>
+            </a:pPr>
+            <a:r>
+              <a:rPr lang="sk-SK" dirty="0"/>
+              <a:t>A) </a:t>
+            </a:r>
+            <a:r>
+              <a:rPr lang="sk-SK" u="sng" dirty="0"/>
+              <a:t>Kvalita regulácie v ustálených stavoch: </a:t>
+            </a:r>
+            <a:r>
+              <a:rPr lang="sk-SK" dirty="0">
+                <a:latin typeface="Calibri" panose="020F0502020204030204" pitchFamily="34" charset="0"/>
+              </a:rPr>
+              <a:t>c</a:t>
+            </a:r>
+            <a:r>
+              <a:rPr lang="en-US" dirty="0" err="1">
+                <a:latin typeface="Calibri" panose="020F0502020204030204" pitchFamily="34" charset="0"/>
+              </a:rPr>
+              <a:t>ie</a:t>
+            </a:r>
+            <a:r>
+              <a:rPr lang="sk-SK" dirty="0" err="1">
+                <a:latin typeface="Calibri" panose="020F0502020204030204" pitchFamily="34" charset="0"/>
+              </a:rPr>
+              <a:t>ľom</a:t>
+            </a:r>
+            <a:r>
+              <a:rPr lang="sk-SK" dirty="0">
+                <a:latin typeface="Calibri" panose="020F0502020204030204" pitchFamily="34" charset="0"/>
+              </a:rPr>
+              <a:t> je zistiť aká je dosiahnuteľná kvalita v ustálených stavoch, </a:t>
+            </a:r>
+            <a:r>
+              <a:rPr lang="sk-SK" dirty="0" err="1">
+                <a:latin typeface="Calibri" panose="020F0502020204030204" pitchFamily="34" charset="0"/>
+              </a:rPr>
+              <a:t>t.j</a:t>
+            </a:r>
+            <a:r>
+              <a:rPr lang="sk-SK" dirty="0">
+                <a:latin typeface="Calibri" panose="020F0502020204030204" pitchFamily="34" charset="0"/>
+              </a:rPr>
+              <a:t>. akú najmenšiu hodnotu môže dosiahnuť trvalá regulačná odchýlka, ktorá je:</a:t>
+            </a:r>
+            <a:endParaRPr lang="en-GB" dirty="0"/>
+          </a:p>
+        </p:txBody>
+      </p:sp>
+      <p:graphicFrame>
+        <p:nvGraphicFramePr>
+          <p:cNvPr id="4" name="Objekt 3">
+            <a:extLst>
+              <a:ext uri="{FF2B5EF4-FFF2-40B4-BE49-F238E27FC236}">
+                <a16:creationId xmlns:a16="http://schemas.microsoft.com/office/drawing/2014/main" xmlns="" id="{5E9B7860-B807-48BC-9B95-8B2C1107D02C}"/>
+              </a:ext>
+            </a:extLst>
+          </p:cNvPr>
+          <p:cNvGraphicFramePr>
+            <a:graphicFrameLocks noChangeAspect="1"/>
+          </p:cNvGraphicFramePr>
+          <p:nvPr>
+            <p:extLst>
+              <p:ext uri="{D42A27DB-BD31-4B8C-83A1-F6EECF244321}">
+                <p14:modId xmlns:p14="http://schemas.microsoft.com/office/powerpoint/2010/main" val="2309871653"/>
+              </p:ext>
+            </p:extLst>
+          </p:nvPr>
+        </p:nvGraphicFramePr>
+        <p:xfrm>
+          <a:off x="2313940" y="1943462"/>
+          <a:ext cx="2501900" cy="357188"/>
+        </p:xfrm>
+        <a:graphic>
+          <a:graphicData uri="http://schemas.openxmlformats.org/presentationml/2006/ole">
+            <mc:AlternateContent xmlns:mc="http://schemas.openxmlformats.org/markup-compatibility/2006">
+              <mc:Choice xmlns:v="urn:schemas-microsoft-com:vml" Requires="v">
+                <p:oleObj spid="_x0000_s4226" name="Equation" r:id="rId3" imgW="2501900" imgH="355600" progId="Equation.3">
+                  <p:embed/>
+                </p:oleObj>
+              </mc:Choice>
+              <mc:Fallback>
+                <p:oleObj name="Equation" r:id="rId3" imgW="2501900" imgH="355600" progId="Equation.3">
+                  <p:embed/>
+                  <p:pic>
+                    <p:nvPicPr>
+                      <p:cNvPr id="6" name="Objekt 5"/>
+                      <p:cNvPicPr>
+                        <a:picLocks noChangeAspect="1" noChangeArrowheads="1"/>
+                      </p:cNvPicPr>
+                      <p:nvPr/>
+                    </p:nvPicPr>
+                    <p:blipFill>
+                      <a:blip r:embed="rId4">
+                        <a:extLst>
+                          <a:ext uri="{28A0092B-C50C-407E-A947-70E740481C1C}">
+                            <a14:useLocalDpi xmlns:a14="http://schemas.microsoft.com/office/drawing/2010/main" val="0"/>
+                          </a:ext>
+                        </a:extLst>
+                      </a:blip>
+                      <a:srcRect/>
+                      <a:stretch>
+                        <a:fillRect/>
+                      </a:stretch>
+                    </p:blipFill>
+                    <p:spPr bwMode="auto">
+                      <a:xfrm>
+                        <a:off x="2313940" y="1943462"/>
+                        <a:ext cx="2501900" cy="357188"/>
+                      </a:xfrm>
+                      <a:prstGeom prst="rect">
+                        <a:avLst/>
+                      </a:prstGeom>
+                      <a:noFill/>
+                      <a:ln>
+                        <a:noFill/>
+                      </a:ln>
+                      <a:extLst>
+                        <a:ext uri="{909E8E84-426E-40DD-AFC4-6F175D3DCCD1}">
+                          <a14:hiddenFill xmlns:a14="http://schemas.microsoft.com/office/drawing/2010/main">
+                            <a:solidFill>
+                              <a:srgbClr val="FFFFFF"/>
+                            </a:solidFill>
+                          </a14:hiddenFill>
+                        </a:ext>
+                        <a:ext uri="{91240B29-F687-4F45-9708-019B960494DF}">
+                          <a14:hiddenLine xmlns:a14="http://schemas.microsoft.com/office/drawing/2010/main" w="9525">
+                            <a:solidFill>
+                              <a:srgbClr val="000000"/>
+                            </a:solidFill>
+                            <a:miter lim="800000"/>
+                            <a:headEnd/>
+                            <a:tailEnd/>
+                          </a14:hiddenLine>
+                        </a:ext>
+                      </a:extLst>
+                    </p:spPr>
+                  </p:pic>
+                </p:oleObj>
+              </mc:Fallback>
+            </mc:AlternateContent>
+          </a:graphicData>
+        </a:graphic>
+      </p:graphicFrame>
+      <p:graphicFrame>
+        <p:nvGraphicFramePr>
+          <p:cNvPr id="5" name="Objekt 4">
+            <a:extLst>
+              <a:ext uri="{FF2B5EF4-FFF2-40B4-BE49-F238E27FC236}">
+                <a16:creationId xmlns:a16="http://schemas.microsoft.com/office/drawing/2014/main" xmlns="" id="{F0448D73-2ECA-488E-9F3B-C1DCE04A9993}"/>
+              </a:ext>
+            </a:extLst>
+          </p:cNvPr>
+          <p:cNvGraphicFramePr>
+            <a:graphicFrameLocks noChangeAspect="1"/>
+          </p:cNvGraphicFramePr>
+          <p:nvPr>
+            <p:extLst>
+              <p:ext uri="{D42A27DB-BD31-4B8C-83A1-F6EECF244321}">
+                <p14:modId xmlns:p14="http://schemas.microsoft.com/office/powerpoint/2010/main" val="786463218"/>
+              </p:ext>
+            </p:extLst>
+          </p:nvPr>
+        </p:nvGraphicFramePr>
+        <p:xfrm>
+          <a:off x="182881" y="2420888"/>
+          <a:ext cx="4343400" cy="711200"/>
+        </p:xfrm>
+        <a:graphic>
+          <a:graphicData uri="http://schemas.openxmlformats.org/presentationml/2006/ole">
+            <mc:AlternateContent xmlns:mc="http://schemas.openxmlformats.org/markup-compatibility/2006">
+              <mc:Choice xmlns:v="urn:schemas-microsoft-com:vml" Requires="v">
+                <p:oleObj spid="_x0000_s4227" name="Rovnica" r:id="rId5" imgW="4343400" imgH="711000" progId="Equation.3">
+                  <p:embed/>
+                </p:oleObj>
+              </mc:Choice>
+              <mc:Fallback>
+                <p:oleObj name="Rovnica" r:id="rId5" imgW="4343400" imgH="711000" progId="Equation.3">
+                  <p:embed/>
+                  <p:pic>
+                    <p:nvPicPr>
+                      <p:cNvPr id="12" name="Objekt 11"/>
+                      <p:cNvPicPr>
+                        <a:picLocks noChangeAspect="1" noChangeArrowheads="1"/>
+                      </p:cNvPicPr>
+                      <p:nvPr/>
+                    </p:nvPicPr>
+                    <p:blipFill>
+                      <a:blip r:embed="rId6"/>
+                      <a:srcRect/>
+                      <a:stretch>
+                        <a:fillRect/>
+                      </a:stretch>
+                    </p:blipFill>
+                    <p:spPr bwMode="auto">
+                      <a:xfrm>
+                        <a:off x="182881" y="2420888"/>
+                        <a:ext cx="4343400" cy="711200"/>
+                      </a:xfrm>
+                      <a:prstGeom prst="rect">
+                        <a:avLst/>
+                      </a:prstGeom>
+                      <a:noFill/>
+                      <a:ln>
+                        <a:noFill/>
+                      </a:ln>
+                      <a:extLst/>
+                    </p:spPr>
+                  </p:pic>
+                </p:oleObj>
+              </mc:Fallback>
+            </mc:AlternateContent>
+          </a:graphicData>
+        </a:graphic>
+      </p:graphicFrame>
+      <p:sp>
+        <p:nvSpPr>
+          <p:cNvPr id="7" name="BlokTextu 6">
+            <a:extLst>
+              <a:ext uri="{FF2B5EF4-FFF2-40B4-BE49-F238E27FC236}">
+                <a16:creationId xmlns:a16="http://schemas.microsoft.com/office/drawing/2014/main" xmlns="" id="{D8B17C22-1C86-4071-8617-F0C416D14836}"/>
+              </a:ext>
+            </a:extLst>
+          </p:cNvPr>
+          <p:cNvSpPr txBox="1"/>
+          <p:nvPr/>
+        </p:nvSpPr>
+        <p:spPr>
+          <a:xfrm>
+            <a:off x="182881" y="3575677"/>
+            <a:ext cx="3744416" cy="400110"/>
+          </a:xfrm>
+          <a:prstGeom prst="rect">
+            <a:avLst/>
+          </a:prstGeom>
+          <a:noFill/>
+        </p:spPr>
+        <p:txBody>
+          <a:bodyPr wrap="square" rtlCol="0">
+            <a:spAutoFit/>
+          </a:bodyPr>
+          <a:lstStyle/>
+          <a:p>
+            <a:r>
+              <a:rPr lang="sk-SK" sz="2000" dirty="0">
+                <a:solidFill>
+                  <a:schemeClr val="tx1">
+                    <a:lumMod val="75000"/>
+                    <a:lumOff val="25000"/>
+                  </a:schemeClr>
+                </a:solidFill>
+              </a:rPr>
+              <a:t>Veta o konečnej hodnote:</a:t>
+            </a:r>
+          </a:p>
+        </p:txBody>
+      </p:sp>
+      <p:graphicFrame>
+        <p:nvGraphicFramePr>
+          <p:cNvPr id="8" name="Object 5">
+            <a:extLst>
+              <a:ext uri="{FF2B5EF4-FFF2-40B4-BE49-F238E27FC236}">
+                <a16:creationId xmlns:a16="http://schemas.microsoft.com/office/drawing/2014/main" xmlns="" id="{A88893E8-EE33-4035-977A-7D2380B07A75}"/>
+              </a:ext>
+            </a:extLst>
+          </p:cNvPr>
+          <p:cNvGraphicFramePr>
+            <a:graphicFrameLocks noChangeAspect="1"/>
+          </p:cNvGraphicFramePr>
+          <p:nvPr>
+            <p:extLst>
+              <p:ext uri="{D42A27DB-BD31-4B8C-83A1-F6EECF244321}">
+                <p14:modId xmlns:p14="http://schemas.microsoft.com/office/powerpoint/2010/main" val="1337126604"/>
+              </p:ext>
+            </p:extLst>
+          </p:nvPr>
+        </p:nvGraphicFramePr>
+        <p:xfrm>
+          <a:off x="3057705" y="3471456"/>
+          <a:ext cx="2159000" cy="762000"/>
+        </p:xfrm>
+        <a:graphic>
+          <a:graphicData uri="http://schemas.openxmlformats.org/presentationml/2006/ole">
+            <mc:AlternateContent xmlns:mc="http://schemas.openxmlformats.org/markup-compatibility/2006">
+              <mc:Choice xmlns:v="urn:schemas-microsoft-com:vml" Requires="v">
+                <p:oleObj spid="_x0000_s4228" name="Rovnica" r:id="rId7" imgW="2158920" imgH="761760" progId="Equation.3">
+                  <p:embed/>
+                </p:oleObj>
+              </mc:Choice>
+              <mc:Fallback>
+                <p:oleObj name="Rovnica" r:id="rId7" imgW="2158920" imgH="761760" progId="Equation.3">
+                  <p:embed/>
+                  <p:pic>
+                    <p:nvPicPr>
+                      <p:cNvPr id="16" name="Object 5"/>
+                      <p:cNvPicPr>
+                        <a:picLocks noChangeAspect="1" noChangeArrowheads="1"/>
+                      </p:cNvPicPr>
+                      <p:nvPr/>
+                    </p:nvPicPr>
+                    <p:blipFill>
+                      <a:blip r:embed="rId8">
+                        <a:extLst>
+                          <a:ext uri="{28A0092B-C50C-407E-A947-70E740481C1C}">
+                            <a14:useLocalDpi xmlns:a14="http://schemas.microsoft.com/office/drawing/2010/main" val="0"/>
+                          </a:ext>
+                        </a:extLst>
+                      </a:blip>
+                      <a:srcRect/>
+                      <a:stretch>
+                        <a:fillRect/>
+                      </a:stretch>
+                    </p:blipFill>
+                    <p:spPr bwMode="auto">
+                      <a:xfrm>
+                        <a:off x="3057705" y="3471456"/>
+                        <a:ext cx="2159000" cy="762000"/>
+                      </a:xfrm>
+                      <a:prstGeom prst="rect">
+                        <a:avLst/>
+                      </a:prstGeom>
+                      <a:noFill/>
+                      <a:ln w="12700">
+                        <a:solidFill>
+                          <a:srgbClr val="FF0000"/>
+                        </a:solidFill>
+                        <a:miter lim="800000"/>
+                        <a:headEnd/>
+                        <a:tailEnd/>
+                      </a:ln>
+                      <a:extLst>
+                        <a:ext uri="{909E8E84-426E-40DD-AFC4-6F175D3DCCD1}">
+                          <a14:hiddenFill xmlns:a14="http://schemas.microsoft.com/office/drawing/2010/main">
+                            <a:solidFill>
+                              <a:srgbClr val="FFFFFF"/>
+                            </a:solidFill>
+                          </a14:hiddenFill>
+                        </a:ext>
+                      </a:extLst>
+                    </p:spPr>
+                  </p:pic>
+                </p:oleObj>
+              </mc:Fallback>
+            </mc:AlternateContent>
+          </a:graphicData>
+        </a:graphic>
+      </p:graphicFrame>
+      <p:graphicFrame>
+        <p:nvGraphicFramePr>
+          <p:cNvPr id="9" name="Objekt 8">
+            <a:extLst>
+              <a:ext uri="{FF2B5EF4-FFF2-40B4-BE49-F238E27FC236}">
+                <a16:creationId xmlns:a16="http://schemas.microsoft.com/office/drawing/2014/main" xmlns="" id="{54208539-3C77-4DE1-9EB7-FCC79C883512}"/>
+              </a:ext>
+            </a:extLst>
+          </p:cNvPr>
+          <p:cNvGraphicFramePr>
+            <a:graphicFrameLocks noChangeAspect="1"/>
+          </p:cNvGraphicFramePr>
+          <p:nvPr>
+            <p:extLst>
+              <p:ext uri="{D42A27DB-BD31-4B8C-83A1-F6EECF244321}">
+                <p14:modId xmlns:p14="http://schemas.microsoft.com/office/powerpoint/2010/main" val="3920553445"/>
+              </p:ext>
+            </p:extLst>
+          </p:nvPr>
+        </p:nvGraphicFramePr>
+        <p:xfrm>
+          <a:off x="5794553" y="3471456"/>
+          <a:ext cx="2400300" cy="711200"/>
+        </p:xfrm>
+        <a:graphic>
+          <a:graphicData uri="http://schemas.openxmlformats.org/presentationml/2006/ole">
+            <mc:AlternateContent xmlns:mc="http://schemas.openxmlformats.org/markup-compatibility/2006">
+              <mc:Choice xmlns:v="urn:schemas-microsoft-com:vml" Requires="v">
+                <p:oleObj spid="_x0000_s4229" name="Rovnica" r:id="rId9" imgW="2400120" imgH="711000" progId="Equation.3">
+                  <p:embed/>
+                </p:oleObj>
+              </mc:Choice>
+              <mc:Fallback>
+                <p:oleObj name="Rovnica" r:id="rId9" imgW="2400120" imgH="711000" progId="Equation.3">
+                  <p:embed/>
+                  <p:pic>
+                    <p:nvPicPr>
+                      <p:cNvPr id="9" name="Objekt 8"/>
+                      <p:cNvPicPr>
+                        <a:picLocks noChangeAspect="1" noChangeArrowheads="1"/>
+                      </p:cNvPicPr>
+                      <p:nvPr/>
+                    </p:nvPicPr>
+                    <p:blipFill>
+                      <a:blip r:embed="rId10"/>
+                      <a:srcRect/>
+                      <a:stretch>
+                        <a:fillRect/>
+                      </a:stretch>
+                    </p:blipFill>
+                    <p:spPr bwMode="auto">
+                      <a:xfrm>
+                        <a:off x="5794553" y="3471456"/>
+                        <a:ext cx="2400300" cy="711200"/>
+                      </a:xfrm>
+                      <a:prstGeom prst="rect">
+                        <a:avLst/>
+                      </a:prstGeom>
+                      <a:noFill/>
+                      <a:ln>
+                        <a:noFill/>
+                      </a:ln>
+                      <a:extLst>
+                        <a:ext uri="{909E8E84-426E-40DD-AFC4-6F175D3DCCD1}">
+                          <a14:hiddenFill xmlns:a14="http://schemas.microsoft.com/office/drawing/2010/main">
+                            <a:solidFill>
+                              <a:srgbClr val="FFFFFF"/>
+                            </a:solidFill>
+                          </a14:hiddenFill>
+                        </a:ext>
+                        <a:ext uri="{91240B29-F687-4F45-9708-019B960494DF}">
+                          <a14:hiddenLine xmlns:a14="http://schemas.microsoft.com/office/drawing/2010/main" w="9525">
+                            <a:solidFill>
+                              <a:srgbClr val="000000"/>
+                            </a:solidFill>
+                            <a:miter lim="800000"/>
+                            <a:headEnd/>
+                            <a:tailEnd/>
+                          </a14:hiddenLine>
+                        </a:ext>
+                      </a:extLst>
+                    </p:spPr>
+                  </p:pic>
+                </p:oleObj>
+              </mc:Fallback>
+            </mc:AlternateContent>
+          </a:graphicData>
+        </a:graphic>
+      </p:graphicFrame>
+      <p:graphicFrame>
+        <p:nvGraphicFramePr>
+          <p:cNvPr id="10" name="Objekt 9">
+            <a:extLst>
+              <a:ext uri="{FF2B5EF4-FFF2-40B4-BE49-F238E27FC236}">
+                <a16:creationId xmlns:a16="http://schemas.microsoft.com/office/drawing/2014/main" xmlns="" id="{5FBEB22D-80FD-474B-A189-4D96AB853DEB}"/>
+              </a:ext>
+            </a:extLst>
+          </p:cNvPr>
+          <p:cNvGraphicFramePr>
+            <a:graphicFrameLocks noChangeAspect="1"/>
+          </p:cNvGraphicFramePr>
+          <p:nvPr>
+            <p:extLst>
+              <p:ext uri="{D42A27DB-BD31-4B8C-83A1-F6EECF244321}">
+                <p14:modId xmlns:p14="http://schemas.microsoft.com/office/powerpoint/2010/main" val="770478159"/>
+              </p:ext>
+            </p:extLst>
+          </p:nvPr>
+        </p:nvGraphicFramePr>
+        <p:xfrm>
+          <a:off x="243839" y="4724743"/>
+          <a:ext cx="4140201" cy="762000"/>
+        </p:xfrm>
+        <a:graphic>
+          <a:graphicData uri="http://schemas.openxmlformats.org/presentationml/2006/ole">
+            <mc:AlternateContent xmlns:mc="http://schemas.openxmlformats.org/markup-compatibility/2006">
+              <mc:Choice xmlns:v="urn:schemas-microsoft-com:vml" Requires="v">
+                <p:oleObj spid="_x0000_s4230" name="Rovnica" r:id="rId11" imgW="4140000" imgH="761760" progId="Equation.3">
+                  <p:embed/>
+                </p:oleObj>
+              </mc:Choice>
+              <mc:Fallback>
+                <p:oleObj name="Rovnica" r:id="rId11" imgW="4140000" imgH="761760" progId="Equation.3">
+                  <p:embed/>
+                  <p:pic>
+                    <p:nvPicPr>
+                      <p:cNvPr id="14" name="Objekt 13"/>
+                      <p:cNvPicPr/>
+                      <p:nvPr/>
+                    </p:nvPicPr>
+                    <p:blipFill>
+                      <a:blip r:embed="rId12"/>
+                      <a:stretch>
+                        <a:fillRect/>
+                      </a:stretch>
+                    </p:blipFill>
+                    <p:spPr>
+                      <a:xfrm>
+                        <a:off x="243839" y="4724743"/>
+                        <a:ext cx="4140201" cy="762000"/>
+                      </a:xfrm>
+                      <a:prstGeom prst="rect">
+                        <a:avLst/>
+                      </a:prstGeom>
+                    </p:spPr>
+                  </p:pic>
+                </p:oleObj>
+              </mc:Fallback>
+            </mc:AlternateContent>
+          </a:graphicData>
+        </a:graphic>
+      </p:graphicFrame>
+      <p:graphicFrame>
+        <p:nvGraphicFramePr>
+          <p:cNvPr id="11" name="Objekt 10">
+            <a:extLst>
+              <a:ext uri="{FF2B5EF4-FFF2-40B4-BE49-F238E27FC236}">
+                <a16:creationId xmlns:a16="http://schemas.microsoft.com/office/drawing/2014/main" xmlns="" id="{174641E2-E304-45C6-AC1F-E375081635EC}"/>
+              </a:ext>
+            </a:extLst>
+          </p:cNvPr>
+          <p:cNvGraphicFramePr>
+            <a:graphicFrameLocks noChangeAspect="1"/>
+          </p:cNvGraphicFramePr>
+          <p:nvPr>
+            <p:extLst>
+              <p:ext uri="{D42A27DB-BD31-4B8C-83A1-F6EECF244321}">
+                <p14:modId xmlns:p14="http://schemas.microsoft.com/office/powerpoint/2010/main" val="3635865345"/>
+              </p:ext>
+            </p:extLst>
+          </p:nvPr>
+        </p:nvGraphicFramePr>
+        <p:xfrm>
+          <a:off x="243839" y="5696254"/>
+          <a:ext cx="3517900" cy="850900"/>
+        </p:xfrm>
+        <a:graphic>
+          <a:graphicData uri="http://schemas.openxmlformats.org/presentationml/2006/ole">
+            <mc:AlternateContent xmlns:mc="http://schemas.openxmlformats.org/markup-compatibility/2006">
+              <mc:Choice xmlns:v="urn:schemas-microsoft-com:vml" Requires="v">
+                <p:oleObj spid="_x0000_s4231" name="Rovnica" r:id="rId13" imgW="3517560" imgH="850680" progId="Equation.3">
+                  <p:embed/>
+                </p:oleObj>
+              </mc:Choice>
+              <mc:Fallback>
+                <p:oleObj name="Rovnica" r:id="rId13" imgW="3517560" imgH="850680" progId="Equation.3">
+                  <p:embed/>
+                  <p:pic>
+                    <p:nvPicPr>
+                      <p:cNvPr id="11" name="Objekt 10"/>
+                      <p:cNvPicPr>
+                        <a:picLocks noChangeAspect="1" noChangeArrowheads="1"/>
+                      </p:cNvPicPr>
+                      <p:nvPr/>
+                    </p:nvPicPr>
+                    <p:blipFill>
+                      <a:blip r:embed="rId14"/>
+                      <a:srcRect/>
+                      <a:stretch>
+                        <a:fillRect/>
+                      </a:stretch>
+                    </p:blipFill>
+                    <p:spPr bwMode="auto">
+                      <a:xfrm>
+                        <a:off x="243839" y="5696254"/>
+                        <a:ext cx="3517900" cy="850900"/>
+                      </a:xfrm>
+                      <a:prstGeom prst="rect">
+                        <a:avLst/>
+                      </a:prstGeom>
+                      <a:noFill/>
+                      <a:ln>
+                        <a:noFill/>
+                      </a:ln>
+                      <a:extLst>
+                        <a:ext uri="{909E8E84-426E-40DD-AFC4-6F175D3DCCD1}">
+                          <a14:hiddenFill xmlns:a14="http://schemas.microsoft.com/office/drawing/2010/main">
+                            <a:solidFill>
+                              <a:srgbClr val="FFFFFF"/>
+                            </a:solidFill>
+                          </a14:hiddenFill>
+                        </a:ext>
+                        <a:ext uri="{91240B29-F687-4F45-9708-019B960494DF}">
+                          <a14:hiddenLine xmlns:a14="http://schemas.microsoft.com/office/drawing/2010/main" w="9525">
+                            <a:solidFill>
+                              <a:srgbClr val="000000"/>
+                            </a:solidFill>
+                            <a:miter lim="800000"/>
+                            <a:headEnd/>
+                            <a:tailEnd/>
+                          </a14:hiddenLine>
+                        </a:ext>
+                      </a:extLst>
+                    </p:spPr>
+                  </p:pic>
+                </p:oleObj>
+              </mc:Fallback>
+            </mc:AlternateContent>
+          </a:graphicData>
+        </a:graphic>
+      </p:graphicFrame>
+      <p:graphicFrame>
+        <p:nvGraphicFramePr>
+          <p:cNvPr id="12" name="Objekt 11">
+            <a:extLst>
+              <a:ext uri="{FF2B5EF4-FFF2-40B4-BE49-F238E27FC236}">
+                <a16:creationId xmlns:a16="http://schemas.microsoft.com/office/drawing/2014/main" xmlns="" id="{16798A20-BA79-4644-B810-901FFBE5C45C}"/>
+              </a:ext>
+            </a:extLst>
+          </p:cNvPr>
+          <p:cNvGraphicFramePr>
+            <a:graphicFrameLocks noChangeAspect="1"/>
+          </p:cNvGraphicFramePr>
+          <p:nvPr>
+            <p:extLst>
+              <p:ext uri="{D42A27DB-BD31-4B8C-83A1-F6EECF244321}">
+                <p14:modId xmlns:p14="http://schemas.microsoft.com/office/powerpoint/2010/main" val="596187579"/>
+              </p:ext>
+            </p:extLst>
+          </p:nvPr>
+        </p:nvGraphicFramePr>
+        <p:xfrm>
+          <a:off x="5144770" y="5486743"/>
+          <a:ext cx="3467100" cy="328612"/>
+        </p:xfrm>
+        <a:graphic>
+          <a:graphicData uri="http://schemas.openxmlformats.org/presentationml/2006/ole">
+            <mc:AlternateContent xmlns:mc="http://schemas.openxmlformats.org/markup-compatibility/2006">
+              <mc:Choice xmlns:v="urn:schemas-microsoft-com:vml" Requires="v">
+                <p:oleObj spid="_x0000_s4232" name="Rovnica" r:id="rId15" imgW="3466800" imgH="330120" progId="Equation.3">
+                  <p:embed/>
+                </p:oleObj>
+              </mc:Choice>
+              <mc:Fallback>
+                <p:oleObj name="Rovnica" r:id="rId15" imgW="3466800" imgH="330120" progId="Equation.3">
+                  <p:embed/>
+                  <p:pic>
+                    <p:nvPicPr>
+                      <p:cNvPr id="5" name="Objekt 4"/>
+                      <p:cNvPicPr>
+                        <a:picLocks noChangeAspect="1" noChangeArrowheads="1"/>
+                      </p:cNvPicPr>
+                      <p:nvPr/>
+                    </p:nvPicPr>
+                    <p:blipFill>
+                      <a:blip r:embed="rId16"/>
+                      <a:srcRect/>
+                      <a:stretch>
+                        <a:fillRect/>
+                      </a:stretch>
+                    </p:blipFill>
+                    <p:spPr bwMode="auto">
+                      <a:xfrm>
+                        <a:off x="5144770" y="5486743"/>
+                        <a:ext cx="3467100" cy="328612"/>
+                      </a:xfrm>
+                      <a:prstGeom prst="rect">
+                        <a:avLst/>
+                      </a:prstGeom>
+                      <a:noFill/>
+                      <a:ln>
+                        <a:noFill/>
+                      </a:ln>
+                      <a:extLst/>
+                    </p:spPr>
+                  </p:pic>
+                </p:oleObj>
+              </mc:Fallback>
+            </mc:AlternateContent>
+          </a:graphicData>
+        </a:graphic>
+      </p:graphicFrame>
+      <p:graphicFrame>
+        <p:nvGraphicFramePr>
+          <p:cNvPr id="13" name="Objekt 12">
+            <a:extLst>
+              <a:ext uri="{FF2B5EF4-FFF2-40B4-BE49-F238E27FC236}">
+                <a16:creationId xmlns:a16="http://schemas.microsoft.com/office/drawing/2014/main" xmlns="" id="{B09F1E9E-CF48-4BB6-A5EC-3E05DB8D79F4}"/>
+              </a:ext>
+            </a:extLst>
+          </p:cNvPr>
+          <p:cNvGraphicFramePr>
+            <a:graphicFrameLocks noChangeAspect="1"/>
+          </p:cNvGraphicFramePr>
+          <p:nvPr>
+            <p:extLst>
+              <p:ext uri="{D42A27DB-BD31-4B8C-83A1-F6EECF244321}">
+                <p14:modId xmlns:p14="http://schemas.microsoft.com/office/powerpoint/2010/main" val="603500942"/>
+              </p:ext>
+            </p:extLst>
+          </p:nvPr>
+        </p:nvGraphicFramePr>
+        <p:xfrm>
+          <a:off x="5144770" y="6046940"/>
+          <a:ext cx="1117600" cy="344487"/>
+        </p:xfrm>
+        <a:graphic>
+          <a:graphicData uri="http://schemas.openxmlformats.org/presentationml/2006/ole">
+            <mc:AlternateContent xmlns:mc="http://schemas.openxmlformats.org/markup-compatibility/2006">
+              <mc:Choice xmlns:v="urn:schemas-microsoft-com:vml" Requires="v">
+                <p:oleObj spid="_x0000_s4233" name="Rovnica" r:id="rId17" imgW="1117115" imgH="342751" progId="Equation.3">
+                  <p:embed/>
+                </p:oleObj>
+              </mc:Choice>
+              <mc:Fallback>
+                <p:oleObj name="Rovnica" r:id="rId17" imgW="1117115" imgH="342751" progId="Equation.3">
+                  <p:embed/>
+                  <p:pic>
+                    <p:nvPicPr>
+                      <p:cNvPr id="3" name="Objekt 2"/>
+                      <p:cNvPicPr>
+                        <a:picLocks noChangeAspect="1" noChangeArrowheads="1"/>
+                      </p:cNvPicPr>
+                      <p:nvPr/>
+                    </p:nvPicPr>
+                    <p:blipFill>
+                      <a:blip r:embed="rId18">
+                        <a:extLst>
+                          <a:ext uri="{28A0092B-C50C-407E-A947-70E740481C1C}">
+                            <a14:useLocalDpi xmlns:a14="http://schemas.microsoft.com/office/drawing/2010/main" val="0"/>
+                          </a:ext>
+                        </a:extLst>
+                      </a:blip>
+                      <a:srcRect/>
+                      <a:stretch>
+                        <a:fillRect/>
+                      </a:stretch>
+                    </p:blipFill>
+                    <p:spPr bwMode="auto">
+                      <a:xfrm>
+                        <a:off x="5144770" y="6046940"/>
+                        <a:ext cx="1117600" cy="344487"/>
+                      </a:xfrm>
+                      <a:prstGeom prst="rect">
+                        <a:avLst/>
+                      </a:prstGeom>
+                      <a:solidFill>
+                        <a:srgbClr val="00B0F0"/>
+                      </a:solidFill>
+                      <a:ln>
+                        <a:noFill/>
+                      </a:ln>
+                      <a:extLst/>
+                    </p:spPr>
+                  </p:pic>
+                </p:oleObj>
+              </mc:Fallback>
+            </mc:AlternateContent>
+          </a:graphicData>
+        </a:graphic>
+      </p:graphicFrame>
+    </p:spTree>
+    <p:extLst>
+      <p:ext uri="{BB962C8B-B14F-4D97-AF65-F5344CB8AC3E}">
+        <p14:creationId xmlns:p14="http://schemas.microsoft.com/office/powerpoint/2010/main" val="41202401"/>
       </p:ext>
     </p:extLst>
   </p:cSld>
